--- a/presentation/SAC_Thesis_Presentation.pptx
+++ b/presentation/SAC_Thesis_Presentation.pptx
@@ -2,27 +2,31 @@
 <file path=ppt/presentation.xml><?xml version="1.0" encoding="utf-8"?>
 <p:presentation xmlns:a="http://schemas.openxmlformats.org/drawingml/2006/main" xmlns:r="http://schemas.openxmlformats.org/officeDocument/2006/relationships" xmlns:p="http://schemas.openxmlformats.org/presentationml/2006/main" saveSubsetFonts="1">
   <p:sldMasterIdLst>
-    <p:sldMasterId id="2147483648" r:id="rId1"/>
+    <p:sldMasterId id="2147483648" r:id="rId4"/>
   </p:sldMasterIdLst>
   <p:notesMasterIdLst>
-    <p:notesMasterId r:id="rId17"/>
+    <p:notesMasterId r:id="rId24"/>
   </p:notesMasterIdLst>
   <p:sldIdLst>
-    <p:sldId id="262" r:id="rId2"/>
-    <p:sldId id="261" r:id="rId3"/>
-    <p:sldId id="263" r:id="rId4"/>
-    <p:sldId id="264" r:id="rId5"/>
-    <p:sldId id="265" r:id="rId6"/>
-    <p:sldId id="267" r:id="rId7"/>
-    <p:sldId id="277" r:id="rId8"/>
-    <p:sldId id="278" r:id="rId9"/>
-    <p:sldId id="274" r:id="rId10"/>
-    <p:sldId id="266" r:id="rId11"/>
-    <p:sldId id="268" r:id="rId12"/>
-    <p:sldId id="275" r:id="rId13"/>
-    <p:sldId id="271" r:id="rId14"/>
-    <p:sldId id="276" r:id="rId15"/>
-    <p:sldId id="272" r:id="rId16"/>
+    <p:sldId id="262" r:id="rId5"/>
+    <p:sldId id="261" r:id="rId6"/>
+    <p:sldId id="263" r:id="rId7"/>
+    <p:sldId id="264" r:id="rId8"/>
+    <p:sldId id="265" r:id="rId9"/>
+    <p:sldId id="282" r:id="rId10"/>
+    <p:sldId id="281" r:id="rId11"/>
+    <p:sldId id="278" r:id="rId12"/>
+    <p:sldId id="266" r:id="rId13"/>
+    <p:sldId id="275" r:id="rId14"/>
+    <p:sldId id="271" r:id="rId15"/>
+    <p:sldId id="283" r:id="rId16"/>
+    <p:sldId id="276" r:id="rId17"/>
+    <p:sldId id="272" r:id="rId18"/>
+    <p:sldId id="280" r:id="rId19"/>
+    <p:sldId id="279" r:id="rId20"/>
+    <p:sldId id="277" r:id="rId21"/>
+    <p:sldId id="268" r:id="rId22"/>
+    <p:sldId id="267" r:id="rId23"/>
   </p:sldIdLst>
   <p:sldSz cx="12192000" cy="6858000"/>
   <p:notesSz cx="6858000" cy="9144000"/>
@@ -132,13 +136,499 @@
 <file path=ppt/revisionInfo.xml><?xml version="1.0" encoding="utf-8"?>
 <p1510:revInfo xmlns:a="http://schemas.openxmlformats.org/drawingml/2006/main" xmlns:r="http://schemas.openxmlformats.org/officeDocument/2006/relationships" xmlns:p1510="http://schemas.microsoft.com/office/powerpoint/2015/10/main">
   <p1510:revLst>
-    <p1510:client id="{2656E9AA-388B-4086-B2AE-D9543A403A98}" v="34" dt="2023-05-22T10:18:58.701"/>
+    <p1510:client id="{08A21528-36A9-49B6-B623-999EBB6EF295}" v="118" dt="2023-05-29T18:04:49.383"/>
   </p1510:revLst>
 </p1510:revInfo>
 </file>
 
 <file path=ppt/changesInfos/changesInfo1.xml><?xml version="1.0" encoding="utf-8"?>
 <pc:chgInfo xmlns:a="http://schemas.openxmlformats.org/drawingml/2006/main" xmlns:r="http://schemas.openxmlformats.org/officeDocument/2006/relationships" xmlns:ac="http://schemas.microsoft.com/office/drawing/2013/main/command" xmlns:pc="http://schemas.microsoft.com/office/powerpoint/2013/main/command">
+  <pc:docChgLst>
+    <pc:chgData name="Матармаа Ярно Олави" userId="1aa4b257-9c28-4d88-ba0e-5621458d2989" providerId="ADAL" clId="{08A21528-36A9-49B6-B623-999EBB6EF295}"/>
+    <pc:docChg chg="undo custSel addSld delSld modSld sldOrd">
+      <pc:chgData name="Матармаа Ярно Олави" userId="1aa4b257-9c28-4d88-ba0e-5621458d2989" providerId="ADAL" clId="{08A21528-36A9-49B6-B623-999EBB6EF295}" dt="2023-05-29T18:21:54.459" v="1324" actId="20577"/>
+      <pc:docMkLst>
+        <pc:docMk/>
+      </pc:docMkLst>
+      <pc:sldChg chg="modSp mod">
+        <pc:chgData name="Матармаа Ярно Олави" userId="1aa4b257-9c28-4d88-ba0e-5621458d2989" providerId="ADAL" clId="{08A21528-36A9-49B6-B623-999EBB6EF295}" dt="2023-05-29T17:42:07.480" v="946" actId="113"/>
+        <pc:sldMkLst>
+          <pc:docMk/>
+          <pc:sldMk cId="1742448173" sldId="261"/>
+        </pc:sldMkLst>
+        <pc:spChg chg="mod">
+          <ac:chgData name="Матармаа Ярно Олави" userId="1aa4b257-9c28-4d88-ba0e-5621458d2989" providerId="ADAL" clId="{08A21528-36A9-49B6-B623-999EBB6EF295}" dt="2023-05-29T17:42:07.480" v="946" actId="113"/>
+          <ac:spMkLst>
+            <pc:docMk/>
+            <pc:sldMk cId="1742448173" sldId="261"/>
+            <ac:spMk id="8" creationId="{90DD691F-BB5A-E7C2-D515-16E83FC3E97F}"/>
+          </ac:spMkLst>
+        </pc:spChg>
+      </pc:sldChg>
+      <pc:sldChg chg="modSp mod">
+        <pc:chgData name="Матармаа Ярно Олави" userId="1aa4b257-9c28-4d88-ba0e-5621458d2989" providerId="ADAL" clId="{08A21528-36A9-49B6-B623-999EBB6EF295}" dt="2023-05-29T18:21:54.459" v="1324" actId="20577"/>
+        <pc:sldMkLst>
+          <pc:docMk/>
+          <pc:sldMk cId="3986311168" sldId="262"/>
+        </pc:sldMkLst>
+        <pc:spChg chg="mod">
+          <ac:chgData name="Матармаа Ярно Олави" userId="1aa4b257-9c28-4d88-ba0e-5621458d2989" providerId="ADAL" clId="{08A21528-36A9-49B6-B623-999EBB6EF295}" dt="2023-05-29T18:21:54.459" v="1324" actId="20577"/>
+          <ac:spMkLst>
+            <pc:docMk/>
+            <pc:sldMk cId="3986311168" sldId="262"/>
+            <ac:spMk id="11" creationId="{00000000-0000-0000-0000-000000000000}"/>
+          </ac:spMkLst>
+        </pc:spChg>
+      </pc:sldChg>
+      <pc:sldChg chg="modSp mod">
+        <pc:chgData name="Матармаа Ярно Олави" userId="1aa4b257-9c28-4d88-ba0e-5621458d2989" providerId="ADAL" clId="{08A21528-36A9-49B6-B623-999EBB6EF295}" dt="2023-05-29T18:14:23.520" v="1305" actId="20577"/>
+        <pc:sldMkLst>
+          <pc:docMk/>
+          <pc:sldMk cId="3846058832" sldId="263"/>
+        </pc:sldMkLst>
+        <pc:spChg chg="mod">
+          <ac:chgData name="Матармаа Ярно Олави" userId="1aa4b257-9c28-4d88-ba0e-5621458d2989" providerId="ADAL" clId="{08A21528-36A9-49B6-B623-999EBB6EF295}" dt="2023-05-29T18:14:23.520" v="1305" actId="20577"/>
+          <ac:spMkLst>
+            <pc:docMk/>
+            <pc:sldMk cId="3846058832" sldId="263"/>
+            <ac:spMk id="6" creationId="{A0D9EB1E-E665-B040-688B-D6AFED4ABB06}"/>
+          </ac:spMkLst>
+        </pc:spChg>
+      </pc:sldChg>
+      <pc:sldChg chg="modSp mod modNotesTx">
+        <pc:chgData name="Матармаа Ярно Олави" userId="1aa4b257-9c28-4d88-ba0e-5621458d2989" providerId="ADAL" clId="{08A21528-36A9-49B6-B623-999EBB6EF295}" dt="2023-05-29T18:09:36.998" v="1172" actId="20577"/>
+        <pc:sldMkLst>
+          <pc:docMk/>
+          <pc:sldMk cId="3615194922" sldId="264"/>
+        </pc:sldMkLst>
+        <pc:spChg chg="mod">
+          <ac:chgData name="Матармаа Ярно Олави" userId="1aa4b257-9c28-4d88-ba0e-5621458d2989" providerId="ADAL" clId="{08A21528-36A9-49B6-B623-999EBB6EF295}" dt="2023-05-29T18:09:36.998" v="1172" actId="20577"/>
+          <ac:spMkLst>
+            <pc:docMk/>
+            <pc:sldMk cId="3615194922" sldId="264"/>
+            <ac:spMk id="3" creationId="{17FE94F6-7284-801F-F817-E8DCCB9E7C76}"/>
+          </ac:spMkLst>
+        </pc:spChg>
+        <pc:spChg chg="mod">
+          <ac:chgData name="Матармаа Ярно Олави" userId="1aa4b257-9c28-4d88-ba0e-5621458d2989" providerId="ADAL" clId="{08A21528-36A9-49B6-B623-999EBB6EF295}" dt="2023-05-29T18:00:13.756" v="1073" actId="20577"/>
+          <ac:spMkLst>
+            <pc:docMk/>
+            <pc:sldMk cId="3615194922" sldId="264"/>
+            <ac:spMk id="7" creationId="{29402827-BF37-256A-321E-FD2AB92A0424}"/>
+          </ac:spMkLst>
+        </pc:spChg>
+      </pc:sldChg>
+      <pc:sldChg chg="modSp mod">
+        <pc:chgData name="Матармаа Ярно Олави" userId="1aa4b257-9c28-4d88-ba0e-5621458d2989" providerId="ADAL" clId="{08A21528-36A9-49B6-B623-999EBB6EF295}" dt="2023-05-29T17:42:57.180" v="947" actId="1076"/>
+        <pc:sldMkLst>
+          <pc:docMk/>
+          <pc:sldMk cId="1443129147" sldId="265"/>
+        </pc:sldMkLst>
+        <pc:spChg chg="mod">
+          <ac:chgData name="Матармаа Ярно Олави" userId="1aa4b257-9c28-4d88-ba0e-5621458d2989" providerId="ADAL" clId="{08A21528-36A9-49B6-B623-999EBB6EF295}" dt="2023-05-29T17:42:57.180" v="947" actId="1076"/>
+          <ac:spMkLst>
+            <pc:docMk/>
+            <pc:sldMk cId="1443129147" sldId="265"/>
+            <ac:spMk id="16" creationId="{8736C316-371A-ABA7-9A25-8E1720BA5828}"/>
+          </ac:spMkLst>
+        </pc:spChg>
+      </pc:sldChg>
+      <pc:sldChg chg="delSp modSp mod">
+        <pc:chgData name="Матармаа Ярно Олави" userId="1aa4b257-9c28-4d88-ba0e-5621458d2989" providerId="ADAL" clId="{08A21528-36A9-49B6-B623-999EBB6EF295}" dt="2023-05-29T15:22:44.960" v="303" actId="1076"/>
+        <pc:sldMkLst>
+          <pc:docMk/>
+          <pc:sldMk cId="1196762801" sldId="266"/>
+        </pc:sldMkLst>
+        <pc:spChg chg="del">
+          <ac:chgData name="Матармаа Ярно Олави" userId="1aa4b257-9c28-4d88-ba0e-5621458d2989" providerId="ADAL" clId="{08A21528-36A9-49B6-B623-999EBB6EF295}" dt="2023-05-29T15:21:28.745" v="264" actId="478"/>
+          <ac:spMkLst>
+            <pc:docMk/>
+            <pc:sldMk cId="1196762801" sldId="266"/>
+            <ac:spMk id="15" creationId="{9F4A0189-8053-0224-5C63-0222A82D78B9}"/>
+          </ac:spMkLst>
+        </pc:spChg>
+        <pc:spChg chg="mod">
+          <ac:chgData name="Матармаа Ярно Олави" userId="1aa4b257-9c28-4d88-ba0e-5621458d2989" providerId="ADAL" clId="{08A21528-36A9-49B6-B623-999EBB6EF295}" dt="2023-05-29T15:22:44.960" v="303" actId="1076"/>
+          <ac:spMkLst>
+            <pc:docMk/>
+            <pc:sldMk cId="1196762801" sldId="266"/>
+            <ac:spMk id="16" creationId="{4025E101-B16A-651B-261B-B4F5DF5F42EA}"/>
+          </ac:spMkLst>
+        </pc:spChg>
+        <pc:picChg chg="mod">
+          <ac:chgData name="Матармаа Ярно Олави" userId="1aa4b257-9c28-4d88-ba0e-5621458d2989" providerId="ADAL" clId="{08A21528-36A9-49B6-B623-999EBB6EF295}" dt="2023-05-29T15:22:04.556" v="276" actId="1076"/>
+          <ac:picMkLst>
+            <pc:docMk/>
+            <pc:sldMk cId="1196762801" sldId="266"/>
+            <ac:picMk id="7" creationId="{161E1331-CA8B-00C6-7617-1ECE2EE59522}"/>
+          </ac:picMkLst>
+        </pc:picChg>
+        <pc:picChg chg="del">
+          <ac:chgData name="Матармаа Ярно Олави" userId="1aa4b257-9c28-4d88-ba0e-5621458d2989" providerId="ADAL" clId="{08A21528-36A9-49B6-B623-999EBB6EF295}" dt="2023-05-29T15:21:26.548" v="263" actId="478"/>
+          <ac:picMkLst>
+            <pc:docMk/>
+            <pc:sldMk cId="1196762801" sldId="266"/>
+            <ac:picMk id="11" creationId="{8E98597D-0D8C-DA03-D6F3-1A39CF3AA9CD}"/>
+          </ac:picMkLst>
+        </pc:picChg>
+        <pc:picChg chg="mod">
+          <ac:chgData name="Матармаа Ярно Олави" userId="1aa4b257-9c28-4d88-ba0e-5621458d2989" providerId="ADAL" clId="{08A21528-36A9-49B6-B623-999EBB6EF295}" dt="2023-05-29T15:21:46.887" v="271" actId="1076"/>
+          <ac:picMkLst>
+            <pc:docMk/>
+            <pc:sldMk cId="1196762801" sldId="266"/>
+            <ac:picMk id="14" creationId="{82016A6C-1E7B-01DA-FEAF-746FFB30F833}"/>
+          </ac:picMkLst>
+        </pc:picChg>
+      </pc:sldChg>
+      <pc:sldChg chg="modSp mod ord">
+        <pc:chgData name="Матармаа Ярно Олави" userId="1aa4b257-9c28-4d88-ba0e-5621458d2989" providerId="ADAL" clId="{08A21528-36A9-49B6-B623-999EBB6EF295}" dt="2023-05-29T17:51:50.680" v="1030" actId="20577"/>
+        <pc:sldMkLst>
+          <pc:docMk/>
+          <pc:sldMk cId="3818921347" sldId="267"/>
+        </pc:sldMkLst>
+        <pc:spChg chg="mod">
+          <ac:chgData name="Матармаа Ярно Олави" userId="1aa4b257-9c28-4d88-ba0e-5621458d2989" providerId="ADAL" clId="{08A21528-36A9-49B6-B623-999EBB6EF295}" dt="2023-05-29T17:51:50.680" v="1030" actId="20577"/>
+          <ac:spMkLst>
+            <pc:docMk/>
+            <pc:sldMk cId="3818921347" sldId="267"/>
+            <ac:spMk id="3" creationId="{17FE94F6-7284-801F-F817-E8DCCB9E7C76}"/>
+          </ac:spMkLst>
+        </pc:spChg>
+      </pc:sldChg>
+      <pc:sldChg chg="modSp mod ord">
+        <pc:chgData name="Матармаа Ярно Олави" userId="1aa4b257-9c28-4d88-ba0e-5621458d2989" providerId="ADAL" clId="{08A21528-36A9-49B6-B623-999EBB6EF295}" dt="2023-05-29T17:51:59.289" v="1036" actId="20577"/>
+        <pc:sldMkLst>
+          <pc:docMk/>
+          <pc:sldMk cId="2955668408" sldId="268"/>
+        </pc:sldMkLst>
+        <pc:spChg chg="mod">
+          <ac:chgData name="Матармаа Ярно Олави" userId="1aa4b257-9c28-4d88-ba0e-5621458d2989" providerId="ADAL" clId="{08A21528-36A9-49B6-B623-999EBB6EF295}" dt="2023-05-29T17:51:59.289" v="1036" actId="20577"/>
+          <ac:spMkLst>
+            <pc:docMk/>
+            <pc:sldMk cId="2955668408" sldId="268"/>
+            <ac:spMk id="3" creationId="{17FE94F6-7284-801F-F817-E8DCCB9E7C76}"/>
+          </ac:spMkLst>
+        </pc:spChg>
+      </pc:sldChg>
+      <pc:sldChg chg="modSp mod">
+        <pc:chgData name="Матармаа Ярно Олави" userId="1aa4b257-9c28-4d88-ba0e-5621458d2989" providerId="ADAL" clId="{08A21528-36A9-49B6-B623-999EBB6EF295}" dt="2023-05-29T17:54:04.387" v="1052" actId="948"/>
+        <pc:sldMkLst>
+          <pc:docMk/>
+          <pc:sldMk cId="3322366441" sldId="271"/>
+        </pc:sldMkLst>
+        <pc:spChg chg="mod">
+          <ac:chgData name="Матармаа Ярно Олави" userId="1aa4b257-9c28-4d88-ba0e-5621458d2989" providerId="ADAL" clId="{08A21528-36A9-49B6-B623-999EBB6EF295}" dt="2023-05-29T17:54:04.387" v="1052" actId="948"/>
+          <ac:spMkLst>
+            <pc:docMk/>
+            <pc:sldMk cId="3322366441" sldId="271"/>
+            <ac:spMk id="7" creationId="{5C69782A-E609-57B9-10EB-CEF5E68B0D55}"/>
+          </ac:spMkLst>
+        </pc:spChg>
+      </pc:sldChg>
+      <pc:sldChg chg="del ord">
+        <pc:chgData name="Матармаа Ярно Олави" userId="1aa4b257-9c28-4d88-ba0e-5621458d2989" providerId="ADAL" clId="{08A21528-36A9-49B6-B623-999EBB6EF295}" dt="2023-05-29T17:45:21.491" v="954" actId="2696"/>
+        <pc:sldMkLst>
+          <pc:docMk/>
+          <pc:sldMk cId="4006861821" sldId="274"/>
+        </pc:sldMkLst>
+      </pc:sldChg>
+      <pc:sldChg chg="modSp">
+        <pc:chgData name="Матармаа Ярно Олави" userId="1aa4b257-9c28-4d88-ba0e-5621458d2989" providerId="ADAL" clId="{08A21528-36A9-49B6-B623-999EBB6EF295}" dt="2023-05-29T15:54:28.467" v="679"/>
+        <pc:sldMkLst>
+          <pc:docMk/>
+          <pc:sldMk cId="2828594858" sldId="275"/>
+        </pc:sldMkLst>
+        <pc:graphicFrameChg chg="modGraphic">
+          <ac:chgData name="Матармаа Ярно Олави" userId="1aa4b257-9c28-4d88-ba0e-5621458d2989" providerId="ADAL" clId="{08A21528-36A9-49B6-B623-999EBB6EF295}" dt="2023-05-29T15:54:28.467" v="679"/>
+          <ac:graphicFrameMkLst>
+            <pc:docMk/>
+            <pc:sldMk cId="2828594858" sldId="275"/>
+            <ac:graphicFrameMk id="14" creationId="{284B8A8F-955D-0D2F-FE7A-1DBD1B2CE516}"/>
+          </ac:graphicFrameMkLst>
+        </pc:graphicFrameChg>
+        <pc:picChg chg="del">
+          <ac:chgData name="Матармаа Ярно Олави" userId="1aa4b257-9c28-4d88-ba0e-5621458d2989" providerId="ADAL" clId="{08A21528-36A9-49B6-B623-999EBB6EF295}" dt="2023-05-29T16:43:01.319" v="859" actId="478"/>
+          <ac:picMkLst>
+            <pc:docMk/>
+            <pc:sldMk cId="2828594858" sldId="275"/>
+            <ac:picMk id="8" creationId="{DCD7C9FE-D394-08B7-1CE7-CDAA7B02F582}"/>
+          </ac:picMkLst>
+        </pc:picChg>
+        <pc:picChg chg="del">
+          <ac:chgData name="Матармаа Ярно Олави" userId="1aa4b257-9c28-4d88-ba0e-5621458d2989" providerId="ADAL" clId="{08A21528-36A9-49B6-B623-999EBB6EF295}" dt="2023-05-29T15:42:11.214" v="581" actId="478"/>
+          <ac:picMkLst>
+            <pc:docMk/>
+            <pc:sldMk cId="2828594858" sldId="275"/>
+            <ac:picMk id="13" creationId="{3E961ED1-9E60-C713-22CA-89E5ED2C85C4}"/>
+          </ac:picMkLst>
+        </pc:picChg>
+        <pc:picChg chg="del">
+          <ac:chgData name="Матармаа Ярно Олави" userId="1aa4b257-9c28-4d88-ba0e-5621458d2989" providerId="ADAL" clId="{08A21528-36A9-49B6-B623-999EBB6EF295}" dt="2023-05-29T15:42:11.970" v="582" actId="478"/>
+          <ac:picMkLst>
+            <pc:docMk/>
+            <pc:sldMk cId="2828594858" sldId="275"/>
+            <ac:picMk id="15" creationId="{40052EB3-18EA-90D7-997C-33002DD83F6F}"/>
+          </ac:picMkLst>
+        </pc:picChg>
+        <pc:picChg chg="add del mod">
+          <ac:chgData name="Матармаа Ярно Олави" userId="1aa4b257-9c28-4d88-ba0e-5621458d2989" providerId="ADAL" clId="{08A21528-36A9-49B6-B623-999EBB6EF295}" dt="2023-05-29T17:20:40.076" v="900" actId="478"/>
+          <ac:picMkLst>
+            <pc:docMk/>
+            <pc:sldMk cId="2828594858" sldId="275"/>
+            <ac:picMk id="17" creationId="{BB3C7FE8-ED52-3A4E-CCF9-4B9464BFA80D}"/>
+          </ac:picMkLst>
+        </pc:picChg>
+        <pc:picChg chg="add mod">
+          <ac:chgData name="Матармаа Ярно Олави" userId="1aa4b257-9c28-4d88-ba0e-5621458d2989" providerId="ADAL" clId="{08A21528-36A9-49B6-B623-999EBB6EF295}" dt="2023-05-29T17:20:47.161" v="904" actId="14100"/>
+          <ac:picMkLst>
+            <pc:docMk/>
+            <pc:sldMk cId="2828594858" sldId="275"/>
+            <ac:picMk id="19" creationId="{C0095231-2565-1039-0794-3D9D74233C8C}"/>
+          </ac:picMkLst>
+        </pc:picChg>
+      </pc:sldChg>
+      <pc:sldChg chg="modSp mod ord">
+        <pc:chgData name="Матармаа Ярно Олави" userId="1aa4b257-9c28-4d88-ba0e-5621458d2989" providerId="ADAL" clId="{08A21528-36A9-49B6-B623-999EBB6EF295}" dt="2023-05-29T17:51:31.644" v="1011" actId="20577"/>
+        <pc:sldMkLst>
+          <pc:docMk/>
+          <pc:sldMk cId="288630929" sldId="277"/>
+        </pc:sldMkLst>
+        <pc:spChg chg="mod">
+          <ac:chgData name="Матармаа Ярно Олави" userId="1aa4b257-9c28-4d88-ba0e-5621458d2989" providerId="ADAL" clId="{08A21528-36A9-49B6-B623-999EBB6EF295}" dt="2023-05-29T17:51:31.644" v="1011" actId="20577"/>
+          <ac:spMkLst>
+            <pc:docMk/>
+            <pc:sldMk cId="288630929" sldId="277"/>
+            <ac:spMk id="3" creationId="{17FE94F6-7284-801F-F817-E8DCCB9E7C76}"/>
+          </ac:spMkLst>
+        </pc:spChg>
+      </pc:sldChg>
+      <pc:sldChg chg="addSp delSp modSp mod">
+        <pc:chgData name="Матармаа Ярно Олави" userId="1aa4b257-9c28-4d88-ba0e-5621458d2989" providerId="ADAL" clId="{08A21528-36A9-49B6-B623-999EBB6EF295}" dt="2023-05-29T17:38:28.251" v="926" actId="1076"/>
+        <pc:sldMkLst>
+          <pc:docMk/>
+          <pc:sldMk cId="4072468375" sldId="278"/>
+        </pc:sldMkLst>
+        <pc:picChg chg="add mod">
+          <ac:chgData name="Матармаа Ярно Олави" userId="1aa4b257-9c28-4d88-ba0e-5621458d2989" providerId="ADAL" clId="{08A21528-36A9-49B6-B623-999EBB6EF295}" dt="2023-05-29T17:38:28.251" v="926" actId="1076"/>
+          <ac:picMkLst>
+            <pc:docMk/>
+            <pc:sldMk cId="4072468375" sldId="278"/>
+            <ac:picMk id="7" creationId="{29467635-18AC-7781-E245-2F868D9A1DD7}"/>
+          </ac:picMkLst>
+        </pc:picChg>
+        <pc:picChg chg="del mod">
+          <ac:chgData name="Матармаа Ярно Олави" userId="1aa4b257-9c28-4d88-ba0e-5621458d2989" providerId="ADAL" clId="{08A21528-36A9-49B6-B623-999EBB6EF295}" dt="2023-05-29T17:38:09.280" v="920" actId="478"/>
+          <ac:picMkLst>
+            <pc:docMk/>
+            <pc:sldMk cId="4072468375" sldId="278"/>
+            <ac:picMk id="16" creationId="{B67CEB12-35BA-213E-0BB1-86D9B7B553B9}"/>
+          </ac:picMkLst>
+        </pc:picChg>
+      </pc:sldChg>
+      <pc:sldChg chg="modSp add mod ord">
+        <pc:chgData name="Матармаа Ярно Олави" userId="1aa4b257-9c28-4d88-ba0e-5621458d2989" providerId="ADAL" clId="{08A21528-36A9-49B6-B623-999EBB6EF295}" dt="2023-05-29T17:51:22.489" v="988"/>
+        <pc:sldMkLst>
+          <pc:docMk/>
+          <pc:sldMk cId="710172695" sldId="279"/>
+        </pc:sldMkLst>
+        <pc:spChg chg="mod">
+          <ac:chgData name="Матармаа Ярно Олави" userId="1aa4b257-9c28-4d88-ba0e-5621458d2989" providerId="ADAL" clId="{08A21528-36A9-49B6-B623-999EBB6EF295}" dt="2023-05-29T15:30:27.206" v="436" actId="20577"/>
+          <ac:spMkLst>
+            <pc:docMk/>
+            <pc:sldMk cId="710172695" sldId="279"/>
+            <ac:spMk id="3" creationId="{17FE94F6-7284-801F-F817-E8DCCB9E7C76}"/>
+          </ac:spMkLst>
+        </pc:spChg>
+        <pc:spChg chg="mod">
+          <ac:chgData name="Матармаа Ярно Олави" userId="1aa4b257-9c28-4d88-ba0e-5621458d2989" providerId="ADAL" clId="{08A21528-36A9-49B6-B623-999EBB6EF295}" dt="2023-05-29T15:29:48.696" v="415" actId="1076"/>
+          <ac:spMkLst>
+            <pc:docMk/>
+            <pc:sldMk cId="710172695" sldId="279"/>
+            <ac:spMk id="6" creationId="{A0D9EB1E-E665-B040-688B-D6AFED4ABB06}"/>
+          </ac:spMkLst>
+        </pc:spChg>
+      </pc:sldChg>
+      <pc:sldChg chg="modSp add mod ord">
+        <pc:chgData name="Матармаа Ярно Олави" userId="1aa4b257-9c28-4d88-ba0e-5621458d2989" providerId="ADAL" clId="{08A21528-36A9-49B6-B623-999EBB6EF295}" dt="2023-05-29T15:13:51.075" v="126" actId="20577"/>
+        <pc:sldMkLst>
+          <pc:docMk/>
+          <pc:sldMk cId="1610099843" sldId="280"/>
+        </pc:sldMkLst>
+        <pc:spChg chg="mod">
+          <ac:chgData name="Матармаа Ярно Олави" userId="1aa4b257-9c28-4d88-ba0e-5621458d2989" providerId="ADAL" clId="{08A21528-36A9-49B6-B623-999EBB6EF295}" dt="2023-05-29T15:13:51.075" v="126" actId="20577"/>
+          <ac:spMkLst>
+            <pc:docMk/>
+            <pc:sldMk cId="1610099843" sldId="280"/>
+            <ac:spMk id="3" creationId="{17FE94F6-7284-801F-F817-E8DCCB9E7C76}"/>
+          </ac:spMkLst>
+        </pc:spChg>
+      </pc:sldChg>
+      <pc:sldChg chg="new del">
+        <pc:chgData name="Матармаа Ярно Олави" userId="1aa4b257-9c28-4d88-ba0e-5621458d2989" providerId="ADAL" clId="{08A21528-36A9-49B6-B623-999EBB6EF295}" dt="2023-05-29T15:31:14.228" v="444" actId="2696"/>
+        <pc:sldMkLst>
+          <pc:docMk/>
+          <pc:sldMk cId="1473137349" sldId="281"/>
+        </pc:sldMkLst>
+      </pc:sldChg>
+      <pc:sldChg chg="addSp delSp modSp add mod ord">
+        <pc:chgData name="Матармаа Ярно Олави" userId="1aa4b257-9c28-4d88-ba0e-5621458d2989" providerId="ADAL" clId="{08A21528-36A9-49B6-B623-999EBB6EF295}" dt="2023-05-29T17:57:04.790" v="1056" actId="1076"/>
+        <pc:sldMkLst>
+          <pc:docMk/>
+          <pc:sldMk cId="2865297886" sldId="281"/>
+        </pc:sldMkLst>
+        <pc:spChg chg="mod">
+          <ac:chgData name="Матармаа Ярно Олави" userId="1aa4b257-9c28-4d88-ba0e-5621458d2989" providerId="ADAL" clId="{08A21528-36A9-49B6-B623-999EBB6EF295}" dt="2023-05-29T17:39:11.372" v="927" actId="20577"/>
+          <ac:spMkLst>
+            <pc:docMk/>
+            <pc:sldMk cId="2865297886" sldId="281"/>
+            <ac:spMk id="3" creationId="{17FE94F6-7284-801F-F817-E8DCCB9E7C76}"/>
+          </ac:spMkLst>
+        </pc:spChg>
+        <pc:spChg chg="del">
+          <ac:chgData name="Матармаа Ярно Олави" userId="1aa4b257-9c28-4d88-ba0e-5621458d2989" providerId="ADAL" clId="{08A21528-36A9-49B6-B623-999EBB6EF295}" dt="2023-05-29T15:31:22.173" v="446" actId="478"/>
+          <ac:spMkLst>
+            <pc:docMk/>
+            <pc:sldMk cId="2865297886" sldId="281"/>
+            <ac:spMk id="7" creationId="{29402827-BF37-256A-321E-FD2AB92A0424}"/>
+          </ac:spMkLst>
+        </pc:spChg>
+        <pc:picChg chg="add mod">
+          <ac:chgData name="Матармаа Ярно Олави" userId="1aa4b257-9c28-4d88-ba0e-5621458d2989" providerId="ADAL" clId="{08A21528-36A9-49B6-B623-999EBB6EF295}" dt="2023-05-29T15:31:50.932" v="453" actId="14100"/>
+          <ac:picMkLst>
+            <pc:docMk/>
+            <pc:sldMk cId="2865297886" sldId="281"/>
+            <ac:picMk id="8" creationId="{9F0F87D5-4850-6B85-3C9D-8F487ABCB811}"/>
+          </ac:picMkLst>
+        </pc:picChg>
+        <pc:cxnChg chg="add mod">
+          <ac:chgData name="Матармаа Ярно Олави" userId="1aa4b257-9c28-4d88-ba0e-5621458d2989" providerId="ADAL" clId="{08A21528-36A9-49B6-B623-999EBB6EF295}" dt="2023-05-29T17:57:04.790" v="1056" actId="1076"/>
+          <ac:cxnSpMkLst>
+            <pc:docMk/>
+            <pc:sldMk cId="2865297886" sldId="281"/>
+            <ac:cxnSpMk id="11" creationId="{E2BCF028-8019-EAB7-62DE-99C7D2BAAB4E}"/>
+          </ac:cxnSpMkLst>
+        </pc:cxnChg>
+        <pc:cxnChg chg="add mod">
+          <ac:chgData name="Матармаа Ярно Олави" userId="1aa4b257-9c28-4d88-ba0e-5621458d2989" providerId="ADAL" clId="{08A21528-36A9-49B6-B623-999EBB6EF295}" dt="2023-05-29T17:57:04.790" v="1056" actId="1076"/>
+          <ac:cxnSpMkLst>
+            <pc:docMk/>
+            <pc:sldMk cId="2865297886" sldId="281"/>
+            <ac:cxnSpMk id="13" creationId="{714F3FB4-7C66-497C-E034-B57660422DBD}"/>
+          </ac:cxnSpMkLst>
+        </pc:cxnChg>
+        <pc:cxnChg chg="add mod">
+          <ac:chgData name="Матармаа Ярно Олави" userId="1aa4b257-9c28-4d88-ba0e-5621458d2989" providerId="ADAL" clId="{08A21528-36A9-49B6-B623-999EBB6EF295}" dt="2023-05-29T17:57:04.790" v="1056" actId="1076"/>
+          <ac:cxnSpMkLst>
+            <pc:docMk/>
+            <pc:sldMk cId="2865297886" sldId="281"/>
+            <ac:cxnSpMk id="14" creationId="{53B055E4-E99F-0F81-4F31-C34C4155228A}"/>
+          </ac:cxnSpMkLst>
+        </pc:cxnChg>
+        <pc:cxnChg chg="add mod">
+          <ac:chgData name="Матармаа Ярно Олави" userId="1aa4b257-9c28-4d88-ba0e-5621458d2989" providerId="ADAL" clId="{08A21528-36A9-49B6-B623-999EBB6EF295}" dt="2023-05-29T17:57:04.790" v="1056" actId="1076"/>
+          <ac:cxnSpMkLst>
+            <pc:docMk/>
+            <pc:sldMk cId="2865297886" sldId="281"/>
+            <ac:cxnSpMk id="15" creationId="{6386BA78-5402-AB5D-FED7-42868FE06D1B}"/>
+          </ac:cxnSpMkLst>
+        </pc:cxnChg>
+        <pc:cxnChg chg="add mod">
+          <ac:chgData name="Матармаа Ярно Олави" userId="1aa4b257-9c28-4d88-ba0e-5621458d2989" providerId="ADAL" clId="{08A21528-36A9-49B6-B623-999EBB6EF295}" dt="2023-05-29T17:57:04.790" v="1056" actId="1076"/>
+          <ac:cxnSpMkLst>
+            <pc:docMk/>
+            <pc:sldMk cId="2865297886" sldId="281"/>
+            <ac:cxnSpMk id="16" creationId="{2FB86B08-9601-E87C-1518-19964D89986D}"/>
+          </ac:cxnSpMkLst>
+        </pc:cxnChg>
+      </pc:sldChg>
+      <pc:sldChg chg="addSp delSp modSp add mod ord">
+        <pc:chgData name="Матармаа Ярно Олави" userId="1aa4b257-9c28-4d88-ba0e-5621458d2989" providerId="ADAL" clId="{08A21528-36A9-49B6-B623-999EBB6EF295}" dt="2023-05-29T18:05:54.584" v="1120" actId="1076"/>
+        <pc:sldMkLst>
+          <pc:docMk/>
+          <pc:sldMk cId="2695198761" sldId="282"/>
+        </pc:sldMkLst>
+        <pc:spChg chg="del">
+          <ac:chgData name="Матармаа Ярно Олави" userId="1aa4b257-9c28-4d88-ba0e-5621458d2989" providerId="ADAL" clId="{08A21528-36A9-49B6-B623-999EBB6EF295}" dt="2023-05-29T17:45:27.070" v="955" actId="478"/>
+          <ac:spMkLst>
+            <pc:docMk/>
+            <pc:sldMk cId="2695198761" sldId="282"/>
+            <ac:spMk id="3" creationId="{17FE94F6-7284-801F-F817-E8DCCB9E7C76}"/>
+          </ac:spMkLst>
+        </pc:spChg>
+        <pc:spChg chg="add mod">
+          <ac:chgData name="Матармаа Ярно Олави" userId="1aa4b257-9c28-4d88-ba0e-5621458d2989" providerId="ADAL" clId="{08A21528-36A9-49B6-B623-999EBB6EF295}" dt="2023-05-29T18:03:14.480" v="1098" actId="20577"/>
+          <ac:spMkLst>
+            <pc:docMk/>
+            <pc:sldMk cId="2695198761" sldId="282"/>
+            <ac:spMk id="8" creationId="{3949043F-7980-5AD9-8F9E-4312E23838C9}"/>
+          </ac:spMkLst>
+        </pc:spChg>
+        <pc:spChg chg="add mod">
+          <ac:chgData name="Матармаа Ярно Олави" userId="1aa4b257-9c28-4d88-ba0e-5621458d2989" providerId="ADAL" clId="{08A21528-36A9-49B6-B623-999EBB6EF295}" dt="2023-05-29T18:05:54.584" v="1120" actId="1076"/>
+          <ac:spMkLst>
+            <pc:docMk/>
+            <pc:sldMk cId="2695198761" sldId="282"/>
+            <ac:spMk id="11" creationId="{15D1E019-93C1-9A6B-EC78-FDCFE681F3B1}"/>
+          </ac:spMkLst>
+        </pc:spChg>
+        <pc:spChg chg="del mod">
+          <ac:chgData name="Матармаа Ярно Олави" userId="1aa4b257-9c28-4d88-ba0e-5621458d2989" providerId="ADAL" clId="{08A21528-36A9-49B6-B623-999EBB6EF295}" dt="2023-05-29T17:44:52.283" v="953" actId="478"/>
+          <ac:spMkLst>
+            <pc:docMk/>
+            <pc:sldMk cId="2695198761" sldId="282"/>
+            <ac:spMk id="21" creationId="{8B509B02-309A-7212-9491-F462ED66F8B1}"/>
+          </ac:spMkLst>
+        </pc:spChg>
+        <pc:spChg chg="del">
+          <ac:chgData name="Матармаа Ярно Олави" userId="1aa4b257-9c28-4d88-ba0e-5621458d2989" providerId="ADAL" clId="{08A21528-36A9-49B6-B623-999EBB6EF295}" dt="2023-05-29T17:44:51.189" v="952" actId="478"/>
+          <ac:spMkLst>
+            <pc:docMk/>
+            <pc:sldMk cId="2695198761" sldId="282"/>
+            <ac:spMk id="22" creationId="{7B4D95D4-1292-951A-2E38-49B186244404}"/>
+          </ac:spMkLst>
+        </pc:spChg>
+        <pc:picChg chg="add mod modCrop">
+          <ac:chgData name="Матармаа Ярно Олави" userId="1aa4b257-9c28-4d88-ba0e-5621458d2989" providerId="ADAL" clId="{08A21528-36A9-49B6-B623-999EBB6EF295}" dt="2023-05-29T18:03:28.161" v="1099" actId="1076"/>
+          <ac:picMkLst>
+            <pc:docMk/>
+            <pc:sldMk cId="2695198761" sldId="282"/>
+            <ac:picMk id="7" creationId="{BD7770A0-0E64-48CC-E071-71776BE19CDB}"/>
+          </ac:picMkLst>
+        </pc:picChg>
+        <pc:picChg chg="del">
+          <ac:chgData name="Матармаа Ярно Олави" userId="1aa4b257-9c28-4d88-ba0e-5621458d2989" providerId="ADAL" clId="{08A21528-36A9-49B6-B623-999EBB6EF295}" dt="2023-05-29T17:44:48.373" v="949" actId="478"/>
+          <ac:picMkLst>
+            <pc:docMk/>
+            <pc:sldMk cId="2695198761" sldId="282"/>
+            <ac:picMk id="18" creationId="{163DDC26-D1CC-B4EB-1DED-D3205DC5E98D}"/>
+          </ac:picMkLst>
+        </pc:picChg>
+        <pc:picChg chg="del">
+          <ac:chgData name="Матармаа Ярно Олави" userId="1aa4b257-9c28-4d88-ba0e-5621458d2989" providerId="ADAL" clId="{08A21528-36A9-49B6-B623-999EBB6EF295}" dt="2023-05-29T17:44:49.693" v="951" actId="478"/>
+          <ac:picMkLst>
+            <pc:docMk/>
+            <pc:sldMk cId="2695198761" sldId="282"/>
+            <ac:picMk id="20" creationId="{83CCE99E-C4DD-5B8F-243C-2E5BD3FF30DD}"/>
+          </ac:picMkLst>
+        </pc:picChg>
+      </pc:sldChg>
+      <pc:sldChg chg="modSp add mod">
+        <pc:chgData name="Матармаа Ярно Олави" userId="1aa4b257-9c28-4d88-ba0e-5621458d2989" providerId="ADAL" clId="{08A21528-36A9-49B6-B623-999EBB6EF295}" dt="2023-05-29T17:54:18.780" v="1054" actId="948"/>
+        <pc:sldMkLst>
+          <pc:docMk/>
+          <pc:sldMk cId="3333319167" sldId="283"/>
+        </pc:sldMkLst>
+        <pc:spChg chg="mod">
+          <ac:chgData name="Матармаа Ярно Олави" userId="1aa4b257-9c28-4d88-ba0e-5621458d2989" providerId="ADAL" clId="{08A21528-36A9-49B6-B623-999EBB6EF295}" dt="2023-05-29T17:54:18.780" v="1054" actId="948"/>
+          <ac:spMkLst>
+            <pc:docMk/>
+            <pc:sldMk cId="3333319167" sldId="283"/>
+            <ac:spMk id="7" creationId="{5C69782A-E609-57B9-10EB-CEF5E68B0D55}"/>
+          </ac:spMkLst>
+        </pc:spChg>
+      </pc:sldChg>
+    </pc:docChg>
+  </pc:docChgLst>
   <pc:docChgLst>
     <pc:chgData name="Матармаа Ярно Олави" userId="1aa4b257-9c28-4d88-ba0e-5621458d2989" providerId="ADAL" clId="{2656E9AA-388B-4086-B2AE-D9543A403A98}"/>
     <pc:docChg chg="undo redo custSel addSld delSld modSld sldOrd">
@@ -685,6 +1175,636 @@
 </pc:chgInfo>
 </file>
 
+<file path=ppt/charts/chartEx1.xml><?xml version="1.0" encoding="utf-8"?>
+<cx:chartSpace xmlns:a="http://schemas.openxmlformats.org/drawingml/2006/main" xmlns:r="http://schemas.openxmlformats.org/officeDocument/2006/relationships" xmlns:cx="http://schemas.microsoft.com/office/drawing/2014/chartex">
+  <cx:chartData>
+    <cx:externalData r:id="rId1" cx:autoUpdate="0"/>
+    <cx:data id="0">
+      <cx:strDim type="cat">
+        <cx:f>Sheet1!$A$2:$B$11</cx:f>
+        <cx:lvl ptCount="10">
+          <cx:pt idx="0">MUSE</cx:pt>
+          <cx:pt idx="1">CE</cx:pt>
+          <cx:pt idx="2">STSF</cx:pt>
+          <cx:pt idx="3">RIC</cx:pt>
+          <cx:pt idx="4">WEASEL</cx:pt>
+          <cx:pt idx="5">RISE</cx:pt>
+          <cx:pt idx="6">TSF</cx:pt>
+          <cx:pt idx="7">STC</cx:pt>
+          <cx:pt idx="8">CTSF</cx:pt>
+          <cx:pt idx="9">kNN-TS</cx:pt>
+        </cx:lvl>
+        <cx:lvl ptCount="10">
+          <cx:pt idx="0">M-TSC</cx:pt>
+          <cx:pt idx="1">M-TSC</cx:pt>
+          <cx:pt idx="2">U-TSC</cx:pt>
+          <cx:pt idx="3">U-TSC</cx:pt>
+          <cx:pt idx="4">U-TSC</cx:pt>
+          <cx:pt idx="5">U-TSC</cx:pt>
+          <cx:pt idx="6">U-TSC</cx:pt>
+          <cx:pt idx="7">U-TSC</cx:pt>
+          <cx:pt idx="8">U-TSC</cx:pt>
+          <cx:pt idx="9">U-TSC</cx:pt>
+        </cx:lvl>
+      </cx:strDim>
+      <cx:numDim type="size">
+        <cx:f>Sheet1!$C$2:$C$11</cx:f>
+        <cx:lvl ptCount="10" formatCode="Yleinen">
+          <cx:pt idx="0">3</cx:pt>
+          <cx:pt idx="1">8</cx:pt>
+          <cx:pt idx="2">1.2</cx:pt>
+          <cx:pt idx="3">6</cx:pt>
+          <cx:pt idx="4">1.5</cx:pt>
+          <cx:pt idx="5">2.5</cx:pt>
+          <cx:pt idx="6">0.20000000000000001</cx:pt>
+          <cx:pt idx="7">12</cx:pt>
+          <cx:pt idx="8">16</cx:pt>
+          <cx:pt idx="9">0.10000000000000001</cx:pt>
+        </cx:lvl>
+      </cx:numDim>
+    </cx:data>
+  </cx:chartData>
+  <cx:chart>
+    <cx:title pos="t" align="ctr" overlay="0">
+      <cx:tx>
+        <cx:rich>
+          <a:bodyPr rot="0" spcFirstLastPara="1" vertOverflow="ellipsis" vert="horz" wrap="square" lIns="38100" tIns="19050" rIns="38100" bIns="19050" anchor="ctr" anchorCtr="1" compatLnSpc="0"/>
+          <a:lstStyle/>
+          <a:p>
+            <a:pPr algn="ctr" rtl="0">
+              <a:defRPr sz="1400" b="0" i="0" u="none" strike="noStrike" kern="1200" spc="0" baseline="0">
+                <a:solidFill>
+                  <a:prstClr val="black"/>
+                </a:solidFill>
+                <a:latin typeface="+mn-lt"/>
+                <a:ea typeface="+mn-ea"/>
+                <a:cs typeface="+mn-cs"/>
+              </a:defRPr>
+            </a:pPr>
+            <a:r>
+              <a:rPr kumimoji="0" lang="en-US" sz="1400" b="0" i="0" u="none" strike="noStrike" kern="1200" cap="none" spc="0" normalizeH="0" baseline="0" noProof="0">
+                <a:ln>
+                  <a:noFill/>
+                </a:ln>
+                <a:solidFill>
+                  <a:prstClr val="black"/>
+                </a:solidFill>
+                <a:effectLst/>
+                <a:uLnTx/>
+                <a:uFillTx/>
+                <a:latin typeface="Times New Roman" panose="02020603050405020304" pitchFamily="18" charset="0"/>
+                <a:cs typeface="Times New Roman" panose="02020603050405020304" pitchFamily="18" charset="0"/>
+              </a:rPr>
+              <a:t>Relative Time Complexity (RTC)</a:t>
+            </a:r>
+            <a:endParaRPr lang="en-US" sz="1400">
+              <a:latin typeface="Times New Roman" panose="02020603050405020304" pitchFamily="18" charset="0"/>
+              <a:cs typeface="Times New Roman" panose="02020603050405020304" pitchFamily="18" charset="0"/>
+            </a:endParaRPr>
+          </a:p>
+        </cx:rich>
+      </cx:tx>
+    </cx:title>
+    <cx:plotArea>
+      <cx:plotAreaRegion>
+        <cx:series layoutId="sunburst" uniqueId="{87A6C3E4-B9D3-4C2C-8D68-BB26B8AA8BEF}">
+          <cx:tx>
+            <cx:txData>
+              <cx:f>Sheet1!$C$1</cx:f>
+              <cx:v>Time</cx:v>
+            </cx:txData>
+          </cx:tx>
+          <cx:dataLabels>
+            <cx:visibility seriesName="0" categoryName="1" value="0"/>
+          </cx:dataLabels>
+          <cx:dataId val="0"/>
+          <cx:layoutPr>
+            <cx:parentLabelLayout val="none"/>
+          </cx:layoutPr>
+        </cx:series>
+      </cx:plotAreaRegion>
+    </cx:plotArea>
+    <cx:legend pos="b" align="ctr" overlay="0"/>
+  </cx:chart>
+</cx:chartSpace>
+</file>
+
+<file path=ppt/charts/colors1.xml><?xml version="1.0" encoding="utf-8"?>
+<cs:colorStyle xmlns:cs="http://schemas.microsoft.com/office/drawing/2012/chartStyle" xmlns:a="http://schemas.openxmlformats.org/drawingml/2006/main" meth="withinLinear" id="18">
+  <a:schemeClr val="accent5"/>
+</cs:colorStyle>
+</file>
+
+<file path=ppt/charts/style1.xml><?xml version="1.0" encoding="utf-8"?>
+<cs:chartStyle xmlns:cs="http://schemas.microsoft.com/office/drawing/2012/chartStyle" xmlns:a="http://schemas.openxmlformats.org/drawingml/2006/main" id="381">
+  <cs:axisTitle>
+    <cs:lnRef idx="0"/>
+    <cs:fillRef idx="0"/>
+    <cs:effectRef idx="0"/>
+    <cs:fontRef idx="minor">
+      <a:schemeClr val="tx1">
+        <a:lumMod val="65000"/>
+        <a:lumOff val="35000"/>
+      </a:schemeClr>
+    </cs:fontRef>
+    <cs:defRPr sz="1197"/>
+  </cs:axisTitle>
+  <cs:categoryAxis>
+    <cs:lnRef idx="0"/>
+    <cs:fillRef idx="0"/>
+    <cs:effectRef idx="0"/>
+    <cs:fontRef idx="minor">
+      <a:schemeClr val="tx1">
+        <a:lumMod val="65000"/>
+        <a:lumOff val="35000"/>
+      </a:schemeClr>
+    </cs:fontRef>
+    <cs:spPr>
+      <a:ln w="9525" cap="flat" cmpd="sng" algn="ctr">
+        <a:solidFill>
+          <a:schemeClr val="tx1">
+            <a:lumMod val="15000"/>
+            <a:lumOff val="85000"/>
+          </a:schemeClr>
+        </a:solidFill>
+        <a:round/>
+      </a:ln>
+    </cs:spPr>
+    <cs:defRPr sz="1197"/>
+  </cs:categoryAxis>
+  <cs:chartArea mods="allowNoFillOverride allowNoLineOverride">
+    <cs:lnRef idx="0"/>
+    <cs:fillRef idx="0"/>
+    <cs:effectRef idx="0"/>
+    <cs:fontRef idx="minor">
+      <a:schemeClr val="tx1"/>
+    </cs:fontRef>
+    <cs:spPr>
+      <a:solidFill>
+        <a:schemeClr val="bg1"/>
+      </a:solidFill>
+      <a:ln w="9525" cap="flat" cmpd="sng" algn="ctr">
+        <a:solidFill>
+          <a:schemeClr val="tx1">
+            <a:lumMod val="15000"/>
+            <a:lumOff val="85000"/>
+          </a:schemeClr>
+        </a:solidFill>
+        <a:round/>
+      </a:ln>
+    </cs:spPr>
+    <cs:defRPr sz="1330"/>
+  </cs:chartArea>
+  <cs:dataLabel>
+    <cs:lnRef idx="0"/>
+    <cs:fillRef idx="0"/>
+    <cs:effectRef idx="0"/>
+    <cs:fontRef idx="minor">
+      <a:schemeClr val="lt1"/>
+    </cs:fontRef>
+    <cs:defRPr sz="1197"/>
+  </cs:dataLabel>
+  <cs:dataLabelCallout>
+    <cs:lnRef idx="0"/>
+    <cs:fillRef idx="0"/>
+    <cs:effectRef idx="0"/>
+    <cs:fontRef idx="minor">
+      <a:schemeClr val="dk1">
+        <a:lumMod val="65000"/>
+        <a:lumOff val="35000"/>
+      </a:schemeClr>
+    </cs:fontRef>
+    <cs:spPr>
+      <a:solidFill>
+        <a:schemeClr val="lt1"/>
+      </a:solidFill>
+      <a:ln>
+        <a:solidFill>
+          <a:schemeClr val="dk1">
+            <a:lumMod val="25000"/>
+            <a:lumOff val="75000"/>
+          </a:schemeClr>
+        </a:solidFill>
+      </a:ln>
+    </cs:spPr>
+    <cs:defRPr sz="1197"/>
+    <cs:bodyPr rot="0" spcFirstLastPara="1" vertOverflow="clip" horzOverflow="clip" vert="horz" wrap="square" lIns="36576" tIns="18288" rIns="36576" bIns="18288" anchor="ctr" anchorCtr="1">
+      <a:spAutoFit/>
+    </cs:bodyPr>
+  </cs:dataLabelCallout>
+  <cs:dataPoint>
+    <cs:lnRef idx="0"/>
+    <cs:fillRef idx="0">
+      <cs:styleClr val="auto"/>
+    </cs:fillRef>
+    <cs:effectRef idx="0"/>
+    <cs:fontRef idx="minor">
+      <a:schemeClr val="tx1"/>
+    </cs:fontRef>
+    <cs:spPr>
+      <a:solidFill>
+        <a:schemeClr val="phClr"/>
+      </a:solidFill>
+      <a:ln w="19050">
+        <a:solidFill>
+          <a:schemeClr val="lt1"/>
+        </a:solidFill>
+      </a:ln>
+    </cs:spPr>
+  </cs:dataPoint>
+  <cs:dataPoint3D>
+    <cs:lnRef idx="0"/>
+    <cs:fillRef idx="0">
+      <cs:styleClr val="auto"/>
+    </cs:fillRef>
+    <cs:effectRef idx="0"/>
+    <cs:fontRef idx="minor">
+      <a:schemeClr val="tx1"/>
+    </cs:fontRef>
+    <cs:spPr>
+      <a:solidFill>
+        <a:schemeClr val="phClr"/>
+      </a:solidFill>
+    </cs:spPr>
+  </cs:dataPoint3D>
+  <cs:dataPointLine>
+    <cs:lnRef idx="0">
+      <cs:styleClr val="auto"/>
+    </cs:lnRef>
+    <cs:fillRef idx="0"/>
+    <cs:effectRef idx="0"/>
+    <cs:fontRef idx="minor">
+      <a:schemeClr val="tx1"/>
+    </cs:fontRef>
+    <cs:spPr>
+      <a:ln w="28575" cap="rnd">
+        <a:solidFill>
+          <a:schemeClr val="phClr"/>
+        </a:solidFill>
+        <a:round/>
+      </a:ln>
+    </cs:spPr>
+  </cs:dataPointLine>
+  <cs:dataPointMarker>
+    <cs:lnRef idx="0"/>
+    <cs:fillRef idx="0">
+      <cs:styleClr val="auto"/>
+    </cs:fillRef>
+    <cs:effectRef idx="0"/>
+    <cs:fontRef idx="minor">
+      <a:schemeClr val="tx1"/>
+    </cs:fontRef>
+    <cs:spPr>
+      <a:solidFill>
+        <a:schemeClr val="phClr"/>
+      </a:solidFill>
+      <a:ln w="9525">
+        <a:solidFill>
+          <a:schemeClr val="lt1"/>
+        </a:solidFill>
+      </a:ln>
+    </cs:spPr>
+  </cs:dataPointMarker>
+  <cs:dataPointMarkerLayout symbol="circle" size="5"/>
+  <cs:dataPointWireframe>
+    <cs:lnRef idx="0">
+      <cs:styleClr val="auto"/>
+    </cs:lnRef>
+    <cs:fillRef idx="0"/>
+    <cs:effectRef idx="0"/>
+    <cs:fontRef idx="minor">
+      <a:schemeClr val="tx1"/>
+    </cs:fontRef>
+    <cs:spPr>
+      <a:ln w="28575" cap="rnd">
+        <a:solidFill>
+          <a:schemeClr val="phClr"/>
+        </a:solidFill>
+        <a:round/>
+      </a:ln>
+    </cs:spPr>
+  </cs:dataPointWireframe>
+  <cs:dataTable>
+    <cs:lnRef idx="0"/>
+    <cs:fillRef idx="0"/>
+    <cs:effectRef idx="0"/>
+    <cs:fontRef idx="minor">
+      <a:schemeClr val="tx1">
+        <a:lumMod val="65000"/>
+        <a:lumOff val="35000"/>
+      </a:schemeClr>
+    </cs:fontRef>
+    <cs:spPr>
+      <a:ln w="9525">
+        <a:solidFill>
+          <a:schemeClr val="tx1">
+            <a:lumMod val="15000"/>
+            <a:lumOff val="85000"/>
+          </a:schemeClr>
+        </a:solidFill>
+      </a:ln>
+    </cs:spPr>
+    <cs:defRPr sz="1197"/>
+  </cs:dataTable>
+  <cs:downBar>
+    <cs:lnRef idx="0"/>
+    <cs:fillRef idx="0"/>
+    <cs:effectRef idx="0"/>
+    <cs:fontRef idx="minor">
+      <a:schemeClr val="dk1"/>
+    </cs:fontRef>
+    <cs:spPr>
+      <a:solidFill>
+        <a:schemeClr val="dk1">
+          <a:lumMod val="65000"/>
+          <a:lumOff val="35000"/>
+        </a:schemeClr>
+      </a:solidFill>
+      <a:ln w="9525">
+        <a:solidFill>
+          <a:schemeClr val="tx1">
+            <a:lumMod val="65000"/>
+            <a:lumOff val="35000"/>
+          </a:schemeClr>
+        </a:solidFill>
+      </a:ln>
+    </cs:spPr>
+  </cs:downBar>
+  <cs:dropLine>
+    <cs:lnRef idx="0"/>
+    <cs:fillRef idx="0"/>
+    <cs:effectRef idx="0"/>
+    <cs:fontRef idx="minor">
+      <a:schemeClr val="tx1"/>
+    </cs:fontRef>
+    <cs:spPr>
+      <a:ln w="9525" cap="flat" cmpd="sng" algn="ctr">
+        <a:solidFill>
+          <a:schemeClr val="tx1">
+            <a:lumMod val="35000"/>
+            <a:lumOff val="65000"/>
+          </a:schemeClr>
+        </a:solidFill>
+        <a:round/>
+      </a:ln>
+    </cs:spPr>
+  </cs:dropLine>
+  <cs:errorBar>
+    <cs:lnRef idx="0"/>
+    <cs:fillRef idx="0"/>
+    <cs:effectRef idx="0"/>
+    <cs:fontRef idx="minor">
+      <a:schemeClr val="tx1"/>
+    </cs:fontRef>
+    <cs:spPr>
+      <a:ln w="9525" cap="flat" cmpd="sng" algn="ctr">
+        <a:solidFill>
+          <a:schemeClr val="tx1">
+            <a:lumMod val="65000"/>
+            <a:lumOff val="35000"/>
+          </a:schemeClr>
+        </a:solidFill>
+        <a:round/>
+      </a:ln>
+    </cs:spPr>
+  </cs:errorBar>
+  <cs:floor>
+    <cs:lnRef idx="0"/>
+    <cs:fillRef idx="0"/>
+    <cs:effectRef idx="0"/>
+    <cs:fontRef idx="minor">
+      <a:schemeClr val="tx1"/>
+    </cs:fontRef>
+  </cs:floor>
+  <cs:gridlineMajor>
+    <cs:lnRef idx="0"/>
+    <cs:fillRef idx="0"/>
+    <cs:effectRef idx="0"/>
+    <cs:fontRef idx="minor">
+      <a:schemeClr val="tx1"/>
+    </cs:fontRef>
+    <cs:spPr>
+      <a:ln w="9525" cap="flat" cmpd="sng" algn="ctr">
+        <a:solidFill>
+          <a:schemeClr val="tx1">
+            <a:lumMod val="15000"/>
+            <a:lumOff val="85000"/>
+          </a:schemeClr>
+        </a:solidFill>
+        <a:round/>
+      </a:ln>
+    </cs:spPr>
+  </cs:gridlineMajor>
+  <cs:gridlineMinor>
+    <cs:lnRef idx="0"/>
+    <cs:fillRef idx="0"/>
+    <cs:effectRef idx="0"/>
+    <cs:fontRef idx="minor">
+      <a:schemeClr val="tx1"/>
+    </cs:fontRef>
+    <cs:spPr>
+      <a:ln w="9525" cap="flat" cmpd="sng" algn="ctr">
+        <a:solidFill>
+          <a:schemeClr val="tx1">
+            <a:lumMod val="15000"/>
+            <a:lumOff val="85000"/>
+          </a:schemeClr>
+        </a:solidFill>
+        <a:round/>
+      </a:ln>
+    </cs:spPr>
+  </cs:gridlineMinor>
+  <cs:hiLoLine>
+    <cs:lnRef idx="0"/>
+    <cs:fillRef idx="0"/>
+    <cs:effectRef idx="0"/>
+    <cs:fontRef idx="minor">
+      <a:schemeClr val="tx1"/>
+    </cs:fontRef>
+    <cs:spPr>
+      <a:ln w="9525" cap="flat" cmpd="sng" algn="ctr">
+        <a:solidFill>
+          <a:schemeClr val="tx1">
+            <a:lumMod val="75000"/>
+            <a:lumOff val="25000"/>
+          </a:schemeClr>
+        </a:solidFill>
+        <a:round/>
+      </a:ln>
+    </cs:spPr>
+  </cs:hiLoLine>
+  <cs:leaderLine>
+    <cs:lnRef idx="0"/>
+    <cs:fillRef idx="0"/>
+    <cs:effectRef idx="0"/>
+    <cs:fontRef idx="minor">
+      <a:schemeClr val="tx1"/>
+    </cs:fontRef>
+    <cs:spPr>
+      <a:ln w="9525" cap="flat" cmpd="sng" algn="ctr">
+        <a:solidFill>
+          <a:schemeClr val="tx1">
+            <a:lumMod val="35000"/>
+            <a:lumOff val="65000"/>
+          </a:schemeClr>
+        </a:solidFill>
+        <a:round/>
+      </a:ln>
+    </cs:spPr>
+  </cs:leaderLine>
+  <cs:legend>
+    <cs:lnRef idx="0"/>
+    <cs:fillRef idx="0"/>
+    <cs:effectRef idx="0"/>
+    <cs:fontRef idx="minor">
+      <a:schemeClr val="tx1">
+        <a:lumMod val="65000"/>
+        <a:lumOff val="35000"/>
+      </a:schemeClr>
+    </cs:fontRef>
+    <cs:defRPr sz="1197"/>
+  </cs:legend>
+  <cs:plotArea mods="allowNoFillOverride allowNoLineOverride">
+    <cs:lnRef idx="0"/>
+    <cs:fillRef idx="0"/>
+    <cs:effectRef idx="0"/>
+    <cs:fontRef idx="minor">
+      <a:schemeClr val="tx1"/>
+    </cs:fontRef>
+  </cs:plotArea>
+  <cs:plotArea3D mods="allowNoFillOverride allowNoLineOverride">
+    <cs:lnRef idx="0"/>
+    <cs:fillRef idx="0"/>
+    <cs:effectRef idx="0"/>
+    <cs:fontRef idx="minor">
+      <a:schemeClr val="tx1"/>
+    </cs:fontRef>
+  </cs:plotArea3D>
+  <cs:seriesAxis>
+    <cs:lnRef idx="0"/>
+    <cs:fillRef idx="0"/>
+    <cs:effectRef idx="0"/>
+    <cs:fontRef idx="minor">
+      <a:schemeClr val="tx1">
+        <a:lumMod val="65000"/>
+        <a:lumOff val="35000"/>
+      </a:schemeClr>
+    </cs:fontRef>
+    <cs:spPr>
+      <a:ln w="9525" cap="flat" cmpd="sng" algn="ctr">
+        <a:solidFill>
+          <a:schemeClr val="tx1">
+            <a:lumMod val="15000"/>
+            <a:lumOff val="85000"/>
+          </a:schemeClr>
+        </a:solidFill>
+        <a:round/>
+      </a:ln>
+    </cs:spPr>
+    <cs:defRPr sz="1197"/>
+  </cs:seriesAxis>
+  <cs:seriesLine>
+    <cs:lnRef idx="0"/>
+    <cs:fillRef idx="0"/>
+    <cs:effectRef idx="0"/>
+    <cs:fontRef idx="minor">
+      <a:schemeClr val="tx1"/>
+    </cs:fontRef>
+    <cs:spPr>
+      <a:ln w="9525" cap="flat">
+        <a:solidFill>
+          <a:srgbClr val="D9D9D9"/>
+        </a:solidFill>
+        <a:round/>
+      </a:ln>
+    </cs:spPr>
+  </cs:seriesLine>
+  <cs:title>
+    <cs:lnRef idx="0"/>
+    <cs:fillRef idx="0"/>
+    <cs:effectRef idx="0"/>
+    <cs:fontRef idx="minor">
+      <a:schemeClr val="tx1">
+        <a:lumMod val="65000"/>
+        <a:lumOff val="35000"/>
+      </a:schemeClr>
+    </cs:fontRef>
+    <cs:defRPr sz="1862"/>
+  </cs:title>
+  <cs:trendline>
+    <cs:lnRef idx="0">
+      <cs:styleClr val="auto"/>
+    </cs:lnRef>
+    <cs:fillRef idx="0"/>
+    <cs:effectRef idx="0"/>
+    <cs:fontRef idx="minor">
+      <a:schemeClr val="tx1"/>
+    </cs:fontRef>
+    <cs:spPr>
+      <a:ln w="19050" cap="rnd">
+        <a:solidFill>
+          <a:schemeClr val="phClr"/>
+        </a:solidFill>
+        <a:prstDash val="sysDash"/>
+      </a:ln>
+    </cs:spPr>
+  </cs:trendline>
+  <cs:trendlineLabel>
+    <cs:lnRef idx="0"/>
+    <cs:fillRef idx="0"/>
+    <cs:effectRef idx="0"/>
+    <cs:fontRef idx="minor">
+      <a:schemeClr val="tx1">
+        <a:lumMod val="65000"/>
+        <a:lumOff val="35000"/>
+      </a:schemeClr>
+    </cs:fontRef>
+    <cs:defRPr sz="1197"/>
+  </cs:trendlineLabel>
+  <cs:upBar>
+    <cs:lnRef idx="0"/>
+    <cs:fillRef idx="0"/>
+    <cs:effectRef idx="0"/>
+    <cs:fontRef idx="minor">
+      <a:schemeClr val="dk1"/>
+    </cs:fontRef>
+    <cs:spPr>
+      <a:solidFill>
+        <a:schemeClr val="lt1"/>
+      </a:solidFill>
+      <a:ln w="9525">
+        <a:solidFill>
+          <a:schemeClr val="tx1">
+            <a:lumMod val="15000"/>
+            <a:lumOff val="85000"/>
+          </a:schemeClr>
+        </a:solidFill>
+      </a:ln>
+    </cs:spPr>
+  </cs:upBar>
+  <cs:valueAxis>
+    <cs:lnRef idx="0"/>
+    <cs:fillRef idx="0"/>
+    <cs:effectRef idx="0"/>
+    <cs:fontRef idx="minor">
+      <a:schemeClr val="tx1">
+        <a:lumMod val="65000"/>
+        <a:lumOff val="35000"/>
+      </a:schemeClr>
+    </cs:fontRef>
+    <cs:defRPr sz="1197"/>
+  </cs:valueAxis>
+  <cs:wall>
+    <cs:lnRef idx="0"/>
+    <cs:fillRef idx="0"/>
+    <cs:effectRef idx="0"/>
+    <cs:fontRef idx="minor">
+      <a:schemeClr val="tx1"/>
+    </cs:fontRef>
+  </cs:wall>
+</cs:chartStyle>
+</file>
+
 <file path=ppt/notesMasters/notesMaster1.xml><?xml version="1.0" encoding="utf-8"?>
 <p:notesMaster xmlns:a="http://schemas.openxmlformats.org/drawingml/2006/main" xmlns:r="http://schemas.openxmlformats.org/officeDocument/2006/relationships" xmlns:p="http://schemas.openxmlformats.org/presentationml/2006/main">
   <p:cSld>
@@ -767,7 +1887,7 @@
           <a:p>
             <a:fld id="{FAAF1E55-87A3-4275-93CF-E12595046331}" type="datetimeFigureOut">
               <a:rPr lang="en-US" smtClean="0"/>
-              <a:t>5/22/2023</a:t>
+              <a:t>5/29/2023</a:t>
             </a:fld>
             <a:endParaRPr lang="en-US"/>
           </a:p>
@@ -1034,6 +2154,278 @@
 </p:notesMaster>
 </file>
 
+<file path=ppt/notesSlides/notesSlide1.xml><?xml version="1.0" encoding="utf-8"?>
+<p:notes xmlns:a="http://schemas.openxmlformats.org/drawingml/2006/main" xmlns:r="http://schemas.openxmlformats.org/officeDocument/2006/relationships" xmlns:p="http://schemas.openxmlformats.org/presentationml/2006/main">
+  <p:cSld>
+    <p:spTree>
+      <p:nvGrpSpPr>
+        <p:cNvPr id="1" name=""/>
+        <p:cNvGrpSpPr/>
+        <p:nvPr/>
+      </p:nvGrpSpPr>
+      <p:grpSpPr>
+        <a:xfrm>
+          <a:off x="0" y="0"/>
+          <a:ext cx="0" cy="0"/>
+          <a:chOff x="0" y="0"/>
+          <a:chExt cx="0" cy="0"/>
+        </a:xfrm>
+      </p:grpSpPr>
+      <p:sp>
+        <p:nvSpPr>
+          <p:cNvPr id="2" name="Slide Image Placeholder 1"/>
+          <p:cNvSpPr>
+            <a:spLocks noGrp="1" noRot="1" noChangeAspect="1"/>
+          </p:cNvSpPr>
+          <p:nvPr>
+            <p:ph type="sldImg"/>
+          </p:nvPr>
+        </p:nvSpPr>
+        <p:spPr/>
+      </p:sp>
+      <p:sp>
+        <p:nvSpPr>
+          <p:cNvPr id="3" name="Notes Placeholder 2"/>
+          <p:cNvSpPr>
+            <a:spLocks noGrp="1"/>
+          </p:cNvSpPr>
+          <p:nvPr>
+            <p:ph type="body" idx="1"/>
+          </p:nvPr>
+        </p:nvSpPr>
+        <p:spPr/>
+        <p:txBody>
+          <a:bodyPr/>
+          <a:lstStyle/>
+          <a:p>
+            <a:pPr marL="285750" indent="-285750">
+              <a:spcBef>
+                <a:spcPts val="600"/>
+              </a:spcBef>
+              <a:buFont typeface="Courier New" panose="02070309020205020404" pitchFamily="49" charset="0"/>
+              <a:buChar char="o"/>
+            </a:pPr>
+            <a:r>
+              <a:rPr lang="en-US" sz="2400"/>
+              <a:t>Wrong sport labeling is problematic for a several reasons:</a:t>
+            </a:r>
+          </a:p>
+          <a:p>
+            <a:pPr marL="800100" lvl="1" indent="-342900">
+              <a:spcBef>
+                <a:spcPts val="600"/>
+              </a:spcBef>
+              <a:buFont typeface="Arial" panose="020B0604020202020204" pitchFamily="34" charset="0"/>
+              <a:buChar char="•"/>
+            </a:pPr>
+            <a:r>
+              <a:rPr lang="en-US" sz="2000"/>
+              <a:t>Misleading training guidance based on the training history</a:t>
+            </a:r>
+          </a:p>
+          <a:p>
+            <a:pPr marL="800100" lvl="1" indent="-342900">
+              <a:spcBef>
+                <a:spcPts val="600"/>
+              </a:spcBef>
+              <a:buFont typeface="Arial" panose="020B0604020202020204" pitchFamily="34" charset="0"/>
+              <a:buChar char="•"/>
+            </a:pPr>
+            <a:r>
+              <a:rPr lang="en-US" sz="2000"/>
+              <a:t>Distortion in general personal data statistics</a:t>
+            </a:r>
+          </a:p>
+          <a:p>
+            <a:pPr marL="800100" lvl="1" indent="-342900">
+              <a:spcBef>
+                <a:spcPts val="600"/>
+              </a:spcBef>
+              <a:buFont typeface="Arial" panose="020B0604020202020204" pitchFamily="34" charset="0"/>
+              <a:buChar char="•"/>
+            </a:pPr>
+            <a:r>
+              <a:rPr lang="en-US" sz="2000"/>
+              <a:t>Segment leaderboards loses their validity if one can use a bike to get a better place in a running segment</a:t>
+            </a:r>
+          </a:p>
+          <a:p>
+            <a:endParaRPr lang="en-US"/>
+          </a:p>
+        </p:txBody>
+      </p:sp>
+      <p:sp>
+        <p:nvSpPr>
+          <p:cNvPr id="4" name="Slide Number Placeholder 3"/>
+          <p:cNvSpPr>
+            <a:spLocks noGrp="1"/>
+          </p:cNvSpPr>
+          <p:nvPr>
+            <p:ph type="sldNum" sz="quarter" idx="5"/>
+          </p:nvPr>
+        </p:nvSpPr>
+        <p:spPr/>
+        <p:txBody>
+          <a:bodyPr/>
+          <a:lstStyle/>
+          <a:p>
+            <a:fld id="{94F1D31C-C3FB-40DD-BC3A-D8527FF449FF}" type="slidenum">
+              <a:rPr lang="en-US" smtClean="0"/>
+              <a:t>4</a:t>
+            </a:fld>
+            <a:endParaRPr lang="en-US"/>
+          </a:p>
+        </p:txBody>
+      </p:sp>
+    </p:spTree>
+    <p:extLst>
+      <p:ext uri="{BB962C8B-B14F-4D97-AF65-F5344CB8AC3E}">
+        <p14:creationId xmlns:p14="http://schemas.microsoft.com/office/powerpoint/2010/main" val="4097425024"/>
+      </p:ext>
+    </p:extLst>
+  </p:cSld>
+  <p:clrMapOvr>
+    <a:masterClrMapping/>
+  </p:clrMapOvr>
+</p:notes>
+</file>
+
+<file path=ppt/notesSlides/notesSlide2.xml><?xml version="1.0" encoding="utf-8"?>
+<p:notes xmlns:a="http://schemas.openxmlformats.org/drawingml/2006/main" xmlns:r="http://schemas.openxmlformats.org/officeDocument/2006/relationships" xmlns:p="http://schemas.openxmlformats.org/presentationml/2006/main">
+  <p:cSld>
+    <p:spTree>
+      <p:nvGrpSpPr>
+        <p:cNvPr id="1" name=""/>
+        <p:cNvGrpSpPr/>
+        <p:nvPr/>
+      </p:nvGrpSpPr>
+      <p:grpSpPr>
+        <a:xfrm>
+          <a:off x="0" y="0"/>
+          <a:ext cx="0" cy="0"/>
+          <a:chOff x="0" y="0"/>
+          <a:chExt cx="0" cy="0"/>
+        </a:xfrm>
+      </p:grpSpPr>
+      <p:sp>
+        <p:nvSpPr>
+          <p:cNvPr id="2" name="Slide Image Placeholder 1"/>
+          <p:cNvSpPr>
+            <a:spLocks noGrp="1" noRot="1" noChangeAspect="1"/>
+          </p:cNvSpPr>
+          <p:nvPr>
+            <p:ph type="sldImg"/>
+          </p:nvPr>
+        </p:nvSpPr>
+        <p:spPr/>
+      </p:sp>
+      <p:sp>
+        <p:nvSpPr>
+          <p:cNvPr id="3" name="Notes Placeholder 2"/>
+          <p:cNvSpPr>
+            <a:spLocks noGrp="1"/>
+          </p:cNvSpPr>
+          <p:nvPr>
+            <p:ph type="body" idx="1"/>
+          </p:nvPr>
+        </p:nvSpPr>
+        <p:spPr/>
+        <p:txBody>
+          <a:bodyPr/>
+          <a:lstStyle/>
+          <a:p>
+            <a:pPr marL="285750" indent="-285750">
+              <a:spcBef>
+                <a:spcPts val="600"/>
+              </a:spcBef>
+              <a:buFont typeface="Courier New" panose="02070309020205020404" pitchFamily="49" charset="0"/>
+              <a:buChar char="o"/>
+            </a:pPr>
+            <a:r>
+              <a:rPr lang="en-US" sz="2400"/>
+              <a:t>Wrong sport labeling is problematic for a several reasons:</a:t>
+            </a:r>
+          </a:p>
+          <a:p>
+            <a:pPr marL="800100" lvl="1" indent="-342900">
+              <a:spcBef>
+                <a:spcPts val="600"/>
+              </a:spcBef>
+              <a:buFont typeface="Arial" panose="020B0604020202020204" pitchFamily="34" charset="0"/>
+              <a:buChar char="•"/>
+            </a:pPr>
+            <a:r>
+              <a:rPr lang="en-US" sz="2000"/>
+              <a:t>Misleading training guidance based on the training history</a:t>
+            </a:r>
+          </a:p>
+          <a:p>
+            <a:pPr marL="800100" lvl="1" indent="-342900">
+              <a:spcBef>
+                <a:spcPts val="600"/>
+              </a:spcBef>
+              <a:buFont typeface="Arial" panose="020B0604020202020204" pitchFamily="34" charset="0"/>
+              <a:buChar char="•"/>
+            </a:pPr>
+            <a:r>
+              <a:rPr lang="en-US" sz="2000"/>
+              <a:t>Distortion in general personal data statistics</a:t>
+            </a:r>
+          </a:p>
+          <a:p>
+            <a:pPr marL="800100" lvl="1" indent="-342900">
+              <a:spcBef>
+                <a:spcPts val="600"/>
+              </a:spcBef>
+              <a:buFont typeface="Arial" panose="020B0604020202020204" pitchFamily="34" charset="0"/>
+              <a:buChar char="•"/>
+            </a:pPr>
+            <a:r>
+              <a:rPr lang="en-US" sz="2000"/>
+              <a:t>Segment leaderboards loses their validity if one can use a bike to get a better place in a running segment</a:t>
+            </a:r>
+          </a:p>
+          <a:p>
+            <a:endParaRPr lang="en-US"/>
+          </a:p>
+        </p:txBody>
+      </p:sp>
+      <p:sp>
+        <p:nvSpPr>
+          <p:cNvPr id="4" name="Slide Number Placeholder 3"/>
+          <p:cNvSpPr>
+            <a:spLocks noGrp="1"/>
+          </p:cNvSpPr>
+          <p:nvPr>
+            <p:ph type="sldNum" sz="quarter" idx="5"/>
+          </p:nvPr>
+        </p:nvSpPr>
+        <p:spPr/>
+        <p:txBody>
+          <a:bodyPr/>
+          <a:lstStyle/>
+          <a:p>
+            <a:fld id="{94F1D31C-C3FB-40DD-BC3A-D8527FF449FF}" type="slidenum">
+              <a:rPr lang="en-US" smtClean="0"/>
+              <a:t>7</a:t>
+            </a:fld>
+            <a:endParaRPr lang="en-US"/>
+          </a:p>
+        </p:txBody>
+      </p:sp>
+    </p:spTree>
+    <p:extLst>
+      <p:ext uri="{BB962C8B-B14F-4D97-AF65-F5344CB8AC3E}">
+        <p14:creationId xmlns:p14="http://schemas.microsoft.com/office/powerpoint/2010/main" val="1903305095"/>
+      </p:ext>
+    </p:extLst>
+  </p:cSld>
+  <p:clrMapOvr>
+    <a:masterClrMapping/>
+  </p:clrMapOvr>
+</p:notes>
+</file>
+
 <file path=ppt/slideLayouts/slideLayout1.xml><?xml version="1.0" encoding="utf-8"?>
 <p:sldLayout xmlns:a="http://schemas.openxmlformats.org/drawingml/2006/main" xmlns:r="http://schemas.openxmlformats.org/officeDocument/2006/relationships" xmlns:p="http://schemas.openxmlformats.org/presentationml/2006/main" type="title" preserve="1">
   <p:cSld name="Title Slide">
@@ -1181,7 +2573,7 @@
           <a:p>
             <a:fld id="{C1AF88CE-45D8-4AD0-B237-2B29CACD598D}" type="datetime3">
               <a:rPr lang="en-US" smtClean="0"/>
-              <a:t>22 May 2023</a:t>
+              <a:t>29 May 2023</a:t>
             </a:fld>
             <a:endParaRPr lang="en-US"/>
           </a:p>
@@ -1382,7 +2774,7 @@
           <a:p>
             <a:fld id="{C2B95146-5C1B-44AB-B24D-8C582C305651}" type="datetime3">
               <a:rPr lang="en-US" smtClean="0"/>
-              <a:t>22 May 2023</a:t>
+              <a:t>29 May 2023</a:t>
             </a:fld>
             <a:endParaRPr lang="en-US"/>
           </a:p>
@@ -1593,7 +2985,7 @@
           <a:p>
             <a:fld id="{C438EE63-29C7-4208-866E-6A0DD92F2F82}" type="datetime3">
               <a:rPr lang="en-US" smtClean="0"/>
-              <a:t>22 May 2023</a:t>
+              <a:t>29 May 2023</a:t>
             </a:fld>
             <a:endParaRPr lang="en-US"/>
           </a:p>
@@ -1794,7 +3186,7 @@
           <a:p>
             <a:fld id="{54F7F777-2A41-4520-85DF-CAEB72A9F766}" type="datetime3">
               <a:rPr lang="en-US" smtClean="0"/>
-              <a:t>22 May 2023</a:t>
+              <a:t>29 May 2023</a:t>
             </a:fld>
             <a:endParaRPr lang="en-US"/>
           </a:p>
@@ -2072,7 +3464,7 @@
           <a:p>
             <a:fld id="{A4B0CD45-3766-4791-98A9-1B56F268C932}" type="datetime3">
               <a:rPr lang="en-US" smtClean="0"/>
-              <a:t>22 May 2023</a:t>
+              <a:t>29 May 2023</a:t>
             </a:fld>
             <a:endParaRPr lang="en-US"/>
           </a:p>
@@ -2340,7 +3732,7 @@
           <a:p>
             <a:fld id="{5B511212-416B-48F0-8A59-5D367700AB2E}" type="datetime3">
               <a:rPr lang="en-US" smtClean="0"/>
-              <a:t>22 May 2023</a:t>
+              <a:t>29 May 2023</a:t>
             </a:fld>
             <a:endParaRPr lang="en-US"/>
           </a:p>
@@ -2755,7 +4147,7 @@
           <a:p>
             <a:fld id="{4C07C233-D796-406E-9EF7-49F40DAAAAA6}" type="datetime3">
               <a:rPr lang="en-US" smtClean="0"/>
-              <a:t>22 May 2023</a:t>
+              <a:t>29 May 2023</a:t>
             </a:fld>
             <a:endParaRPr lang="en-US"/>
           </a:p>
@@ -2899,7 +4291,7 @@
           <a:p>
             <a:fld id="{633EEC98-57DE-46F4-B76C-1C55BAE6D4FB}" type="datetime3">
               <a:rPr lang="en-US" smtClean="0"/>
-              <a:t>22 May 2023</a:t>
+              <a:t>29 May 2023</a:t>
             </a:fld>
             <a:endParaRPr lang="en-US"/>
           </a:p>
@@ -3015,7 +4407,7 @@
           <a:p>
             <a:fld id="{2D2FDACB-E93F-4AFD-BDBE-AC5F0117B106}" type="datetime3">
               <a:rPr lang="en-US" smtClean="0"/>
-              <a:t>22 May 2023</a:t>
+              <a:t>29 May 2023</a:t>
             </a:fld>
             <a:endParaRPr lang="en-US"/>
           </a:p>
@@ -3329,7 +4721,7 @@
           <a:p>
             <a:fld id="{F886562C-7A77-4DE5-B03B-CC4112177EB2}" type="datetime3">
               <a:rPr lang="en-US" smtClean="0"/>
-              <a:t>22 May 2023</a:t>
+              <a:t>29 May 2023</a:t>
             </a:fld>
             <a:endParaRPr lang="en-US"/>
           </a:p>
@@ -3620,7 +5012,7 @@
           <a:p>
             <a:fld id="{B99E71E3-BA52-4ED9-8C52-D422AF16B548}" type="datetime3">
               <a:rPr lang="en-US" smtClean="0"/>
-              <a:t>22 May 2023</a:t>
+              <a:t>29 May 2023</a:t>
             </a:fld>
             <a:endParaRPr lang="en-US"/>
           </a:p>
@@ -3864,7 +5256,7 @@
           <a:p>
             <a:fld id="{D9029628-AE1F-4084-955A-9925143777A5}" type="datetime3">
               <a:rPr lang="en-US" smtClean="0"/>
-              <a:t>22 May 2023</a:t>
+              <a:t>29 May 2023</a:t>
             </a:fld>
             <a:endParaRPr lang="en-US"/>
           </a:p>
@@ -4499,11 +5891,11 @@
           <a:lstStyle/>
           <a:p>
             <a:r>
-              <a:rPr lang="ru-RU" sz="2600" dirty="0">
+              <a:rPr lang="en-GB" sz="2600">
                 <a:latin typeface="Arial" panose="020B0604020202020204" pitchFamily="34" charset="0"/>
                 <a:cs typeface="Arial" panose="020B0604020202020204" pitchFamily="34" charset="0"/>
               </a:rPr>
-              <a:t>Докладчик</a:t>
+              <a:t>Presenter</a:t>
             </a:r>
             <a:endParaRPr lang="en-US" sz="2600" dirty="0">
               <a:latin typeface="Arial" panose="020B0604020202020204" pitchFamily="34" charset="0"/>
@@ -4589,7 +5981,7 @@
           <a:p>
             <a:fld id="{E5237E2E-E309-46FF-877B-CCF714851DA9}" type="datetime3">
               <a:rPr lang="en-US" smtClean="0"/>
-              <a:t>22 May 2023</a:t>
+              <a:t>29 May 2023</a:t>
             </a:fld>
             <a:endParaRPr lang="en-US"/>
           </a:p>
@@ -4877,7 +6269,7 @@
                 <a:ea typeface="Open Sans" panose="020B0606030504020204" pitchFamily="34" charset="0"/>
                 <a:cs typeface="Aldhabi" panose="020B0604020202020204" pitchFamily="2" charset="-78"/>
               </a:rPr>
-              <a:t>Results: TSC</a:t>
+              <a:t>Results: Compilation table</a:t>
             </a:r>
           </a:p>
         </p:txBody>
@@ -4887,7 +6279,7 @@
           <p:cNvPr id="2" name="Date Placeholder 1">
             <a:extLst>
               <a:ext uri="{FF2B5EF4-FFF2-40B4-BE49-F238E27FC236}">
-                <a16:creationId xmlns:a16="http://schemas.microsoft.com/office/drawing/2014/main" id="{5A743394-6A00-CCC6-8AF2-29067021458B}"/>
+                <a16:creationId xmlns:a16="http://schemas.microsoft.com/office/drawing/2014/main" id="{8D15A0DC-5461-A96D-E355-940C74F2D445}"/>
               </a:ext>
             </a:extLst>
           </p:cNvPr>
@@ -4903,9 +6295,9 @@
           <a:bodyPr/>
           <a:lstStyle/>
           <a:p>
-            <a:fld id="{75C40E04-F741-4C6B-A82C-FDFC15E2DF24}" type="datetime3">
+            <a:fld id="{C3DA5F8F-3F15-478C-87D7-FE0B56281373}" type="datetime3">
               <a:rPr lang="en-US" smtClean="0"/>
-              <a:t>22 May 2023</a:t>
+              <a:t>29 May 2023</a:t>
             </a:fld>
             <a:endParaRPr lang="en-US"/>
           </a:p>
@@ -4916,7 +6308,7 @@
           <p:cNvPr id="4" name="Footer Placeholder 3">
             <a:extLst>
               <a:ext uri="{FF2B5EF4-FFF2-40B4-BE49-F238E27FC236}">
-                <a16:creationId xmlns:a16="http://schemas.microsoft.com/office/drawing/2014/main" id="{9C0FE2BD-B464-12BC-0714-A935CA937632}"/>
+                <a16:creationId xmlns:a16="http://schemas.microsoft.com/office/drawing/2014/main" id="{81FC2CF8-DE8C-AA6A-7EA9-3E9834D3D210}"/>
               </a:ext>
             </a:extLst>
           </p:cNvPr>
@@ -4944,7 +6336,7 @@
           <p:cNvPr id="5" name="Slide Number Placeholder 4">
             <a:extLst>
               <a:ext uri="{FF2B5EF4-FFF2-40B4-BE49-F238E27FC236}">
-                <a16:creationId xmlns:a16="http://schemas.microsoft.com/office/drawing/2014/main" id="{DD5E1E3C-BA5E-889C-70D2-95AA9C53C1B8}"/>
+                <a16:creationId xmlns:a16="http://schemas.microsoft.com/office/drawing/2014/main" id="{A7040F45-AE64-ED71-CD45-C9FF626AEA13}"/>
               </a:ext>
             </a:extLst>
           </p:cNvPr>
@@ -4968,12 +6360,76 @@
           </a:p>
         </p:txBody>
       </p:sp>
+      <mc:AlternateContent xmlns:mc="http://schemas.openxmlformats.org/markup-compatibility/2006" xmlns:cx1="http://schemas.microsoft.com/office/drawing/2015/9/8/chartex">
+        <mc:Choice Requires="cx1">
+          <p:graphicFrame>
+            <p:nvGraphicFramePr>
+              <p:cNvPr id="14" name="Chart 13">
+                <a:extLst>
+                  <a:ext uri="{FF2B5EF4-FFF2-40B4-BE49-F238E27FC236}">
+                    <a16:creationId xmlns:a16="http://schemas.microsoft.com/office/drawing/2014/main" id="{284B8A8F-955D-0D2F-FE7A-1DBD1B2CE516}"/>
+                  </a:ext>
+                </a:extLst>
+              </p:cNvPr>
+              <p:cNvGraphicFramePr/>
+              <p:nvPr>
+                <p:extLst>
+                  <p:ext uri="{D42A27DB-BD31-4B8C-83A1-F6EECF244321}">
+                    <p14:modId xmlns:p14="http://schemas.microsoft.com/office/powerpoint/2010/main" val="3453650345"/>
+                  </p:ext>
+                </p:extLst>
+              </p:nvPr>
+            </p:nvGraphicFramePr>
+            <p:xfrm>
+              <a:off x="8201025" y="1725002"/>
+              <a:ext cx="3371558" cy="4516268"/>
+            </p:xfrm>
+            <a:graphic>
+              <a:graphicData uri="http://schemas.microsoft.com/office/drawing/2014/chartex">
+                <cx:chart xmlns:cx="http://schemas.microsoft.com/office/drawing/2014/chartex" xmlns:r="http://schemas.openxmlformats.org/officeDocument/2006/relationships" r:id="rId5"/>
+              </a:graphicData>
+            </a:graphic>
+          </p:graphicFrame>
+        </mc:Choice>
+        <mc:Fallback xmlns="">
+          <p:pic>
+            <p:nvPicPr>
+              <p:cNvPr id="14" name="Chart 13">
+                <a:extLst>
+                  <a:ext uri="{FF2B5EF4-FFF2-40B4-BE49-F238E27FC236}">
+                    <a16:creationId xmlns:a16="http://schemas.microsoft.com/office/drawing/2014/main" id="{284B8A8F-955D-0D2F-FE7A-1DBD1B2CE516}"/>
+                  </a:ext>
+                </a:extLst>
+              </p:cNvPr>
+              <p:cNvPicPr>
+                <a:picLocks noGrp="1" noRot="1" noChangeAspect="1" noMove="1" noResize="1" noEditPoints="1" noAdjustHandles="1" noChangeArrowheads="1" noChangeShapeType="1"/>
+              </p:cNvPicPr>
+              <p:nvPr/>
+            </p:nvPicPr>
+            <p:blipFill>
+              <a:blip r:embed="rId6"/>
+              <a:stretch>
+                <a:fillRect/>
+              </a:stretch>
+            </p:blipFill>
+            <p:spPr>
+              <a:xfrm>
+                <a:off x="8201025" y="1725002"/>
+                <a:ext cx="3371558" cy="4516268"/>
+              </a:xfrm>
+              <a:prstGeom prst="rect">
+                <a:avLst/>
+              </a:prstGeom>
+            </p:spPr>
+          </p:pic>
+        </mc:Fallback>
+      </mc:AlternateContent>
       <p:pic>
         <p:nvPicPr>
-          <p:cNvPr id="7" name="Picture 6" descr="A picture containing text, number, diagram, screenshot&#10;&#10;Description automatically generated">
-            <a:extLst>
-              <a:ext uri="{FF2B5EF4-FFF2-40B4-BE49-F238E27FC236}">
-                <a16:creationId xmlns:a16="http://schemas.microsoft.com/office/drawing/2014/main" id="{161E1331-CA8B-00C6-7617-1ECE2EE59522}"/>
+          <p:cNvPr id="19" name="Picture 18" descr="A picture containing text, screenshot, number, parallel&#10;&#10;Description automatically generated">
+            <a:extLst>
+              <a:ext uri="{FF2B5EF4-FFF2-40B4-BE49-F238E27FC236}">
+                <a16:creationId xmlns:a16="http://schemas.microsoft.com/office/drawing/2014/main" id="{C0095231-2565-1039-0794-3D9D74233C8C}"/>
               </a:ext>
             </a:extLst>
           </p:cNvPr>
@@ -4983,7 +6439,7 @@
           <p:nvPr/>
         </p:nvPicPr>
         <p:blipFill>
-          <a:blip r:embed="rId5">
+          <a:blip r:embed="rId7">
             <a:extLst>
               <a:ext uri="{28A0092B-C50C-407E-A947-70E740481C1C}">
                 <a14:useLocalDpi xmlns:a14="http://schemas.microsoft.com/office/drawing/2010/main" val="0"/>
@@ -4996,162 +6452,18 @@
         </p:blipFill>
         <p:spPr>
           <a:xfrm>
-            <a:off x="986118" y="2055117"/>
-            <a:ext cx="4249270" cy="3216370"/>
+            <a:off x="986118" y="1638118"/>
+            <a:ext cx="6946457" cy="4463261"/>
           </a:xfrm>
           <a:prstGeom prst="rect">
             <a:avLst/>
           </a:prstGeom>
         </p:spPr>
       </p:pic>
-      <p:pic>
-        <p:nvPicPr>
-          <p:cNvPr id="11" name="Picture 10" descr="A picture containing text, screenshot, number, parallel&#10;&#10;Description automatically generated">
-            <a:extLst>
-              <a:ext uri="{FF2B5EF4-FFF2-40B4-BE49-F238E27FC236}">
-                <a16:creationId xmlns:a16="http://schemas.microsoft.com/office/drawing/2014/main" id="{8E98597D-0D8C-DA03-D6F3-1A39CF3AA9CD}"/>
-              </a:ext>
-            </a:extLst>
-          </p:cNvPr>
-          <p:cNvPicPr>
-            <a:picLocks noChangeAspect="1"/>
-          </p:cNvPicPr>
-          <p:nvPr/>
-        </p:nvPicPr>
-        <p:blipFill>
-          <a:blip r:embed="rId6">
-            <a:extLst>
-              <a:ext uri="{28A0092B-C50C-407E-A947-70E740481C1C}">
-                <a14:useLocalDpi xmlns:a14="http://schemas.microsoft.com/office/drawing/2010/main" val="0"/>
-              </a:ext>
-            </a:extLst>
-          </a:blip>
-          <a:stretch>
-            <a:fillRect/>
-          </a:stretch>
-        </p:blipFill>
-        <p:spPr>
-          <a:xfrm>
-            <a:off x="5479439" y="2144423"/>
-            <a:ext cx="6093144" cy="3037758"/>
-          </a:xfrm>
-          <a:prstGeom prst="rect">
-            <a:avLst/>
-          </a:prstGeom>
-        </p:spPr>
-      </p:pic>
-      <p:pic>
-        <p:nvPicPr>
-          <p:cNvPr id="14" name="Picture 13" descr="A white animal with black tail&#10;&#10;Description automatically generated with low confidence">
-            <a:extLst>
-              <a:ext uri="{FF2B5EF4-FFF2-40B4-BE49-F238E27FC236}">
-                <a16:creationId xmlns:a16="http://schemas.microsoft.com/office/drawing/2014/main" id="{82016A6C-1E7B-01DA-FEAF-746FFB30F833}"/>
-              </a:ext>
-            </a:extLst>
-          </p:cNvPr>
-          <p:cNvPicPr>
-            <a:picLocks noChangeAspect="1"/>
-          </p:cNvPicPr>
-          <p:nvPr/>
-        </p:nvPicPr>
-        <p:blipFill>
-          <a:blip r:embed="rId7">
-            <a:extLst>
-              <a:ext uri="{28A0092B-C50C-407E-A947-70E740481C1C}">
-                <a14:useLocalDpi xmlns:a14="http://schemas.microsoft.com/office/drawing/2010/main" val="0"/>
-              </a:ext>
-            </a:extLst>
-          </a:blip>
-          <a:stretch>
-            <a:fillRect/>
-          </a:stretch>
-        </p:blipFill>
-        <p:spPr>
-          <a:xfrm>
-            <a:off x="7717483" y="1090554"/>
-            <a:ext cx="1617056" cy="906889"/>
-          </a:xfrm>
-          <a:prstGeom prst="rect">
-            <a:avLst/>
-          </a:prstGeom>
-        </p:spPr>
-      </p:pic>
-      <p:sp>
-        <p:nvSpPr>
-          <p:cNvPr id="15" name="TextBox 14">
-            <a:extLst>
-              <a:ext uri="{FF2B5EF4-FFF2-40B4-BE49-F238E27FC236}">
-                <a16:creationId xmlns:a16="http://schemas.microsoft.com/office/drawing/2014/main" id="{9F4A0189-8053-0224-5C63-0222A82D78B9}"/>
-              </a:ext>
-            </a:extLst>
-          </p:cNvPr>
-          <p:cNvSpPr txBox="1"/>
-          <p:nvPr/>
-        </p:nvSpPr>
-        <p:spPr>
-          <a:xfrm>
-            <a:off x="6957187" y="5396818"/>
-            <a:ext cx="3137648" cy="369332"/>
-          </a:xfrm>
-          <a:prstGeom prst="rect">
-            <a:avLst/>
-          </a:prstGeom>
-          <a:noFill/>
-        </p:spPr>
-        <p:txBody>
-          <a:bodyPr wrap="square" rtlCol="0">
-            <a:spAutoFit/>
-          </a:bodyPr>
-          <a:lstStyle/>
-          <a:p>
-            <a:pPr algn="ctr"/>
-            <a:r>
-              <a:rPr lang="en-US"/>
-              <a:t>Mis-classification table</a:t>
-            </a:r>
-          </a:p>
-        </p:txBody>
-      </p:sp>
-      <p:sp>
-        <p:nvSpPr>
-          <p:cNvPr id="16" name="TextBox 15">
-            <a:extLst>
-              <a:ext uri="{FF2B5EF4-FFF2-40B4-BE49-F238E27FC236}">
-                <a16:creationId xmlns:a16="http://schemas.microsoft.com/office/drawing/2014/main" id="{4025E101-B16A-651B-261B-B4F5DF5F42EA}"/>
-              </a:ext>
-            </a:extLst>
-          </p:cNvPr>
-          <p:cNvSpPr txBox="1"/>
-          <p:nvPr/>
-        </p:nvSpPr>
-        <p:spPr>
-          <a:xfrm>
-            <a:off x="1541929" y="5396578"/>
-            <a:ext cx="3137648" cy="369332"/>
-          </a:xfrm>
-          <a:prstGeom prst="rect">
-            <a:avLst/>
-          </a:prstGeom>
-          <a:noFill/>
-        </p:spPr>
-        <p:txBody>
-          <a:bodyPr wrap="square" rtlCol="0">
-            <a:spAutoFit/>
-          </a:bodyPr>
-          <a:lstStyle/>
-          <a:p>
-            <a:pPr algn="ctr"/>
-            <a:r>
-              <a:rPr lang="en-US"/>
-              <a:t>Performance map</a:t>
-            </a:r>
-          </a:p>
-        </p:txBody>
-      </p:sp>
     </p:spTree>
     <p:extLst>
       <p:ext uri="{BB962C8B-B14F-4D97-AF65-F5344CB8AC3E}">
-        <p14:creationId xmlns:p14="http://schemas.microsoft.com/office/powerpoint/2010/main" val="1196762801"/>
+        <p14:creationId xmlns:p14="http://schemas.microsoft.com/office/powerpoint/2010/main" val="2828594858"/>
       </p:ext>
     </p:extLst>
   </p:cSld>
@@ -5338,13 +6650,17 @@
           <a:lstStyle/>
           <a:p>
             <a:r>
-              <a:rPr lang="en-US" sz="3200">
-                <a:latin typeface="Congenial SemiBold" panose="020B0604020202020204" pitchFamily="2" charset="0"/>
-                <a:ea typeface="Open Sans" panose="020B0606030504020204" pitchFamily="34" charset="0"/>
-                <a:cs typeface="Aldhabi" panose="020B0604020202020204" pitchFamily="2" charset="-78"/>
+              <a:rPr lang="fi-FI" sz="3200" b="0" i="0">
+                <a:effectLst/>
+                <a:latin typeface="Congenial SemiBold" panose="02000503040000020004" pitchFamily="2" charset="0"/>
               </a:rPr>
-              <a:t>Results: Classification quality metric ROC-AUC</a:t>
-            </a:r>
+              <a:t>Conclusions</a:t>
+            </a:r>
+            <a:endParaRPr lang="en-US" sz="3200">
+              <a:latin typeface="Congenial SemiBold" panose="02000503040000020004" pitchFamily="2" charset="0"/>
+              <a:ea typeface="Open Sans" panose="020B0606030504020204" pitchFamily="34" charset="0"/>
+              <a:cs typeface="Aldhabi" panose="020B0604020202020204" pitchFamily="2" charset="-78"/>
+            </a:endParaRPr>
           </a:p>
         </p:txBody>
       </p:sp>
@@ -5353,7 +6669,7 @@
           <p:cNvPr id="2" name="Date Placeholder 1">
             <a:extLst>
               <a:ext uri="{FF2B5EF4-FFF2-40B4-BE49-F238E27FC236}">
-                <a16:creationId xmlns:a16="http://schemas.microsoft.com/office/drawing/2014/main" id="{8D15A0DC-5461-A96D-E355-940C74F2D445}"/>
+                <a16:creationId xmlns:a16="http://schemas.microsoft.com/office/drawing/2014/main" id="{F572E37B-F84C-225B-FCDC-1F11D51E0472}"/>
               </a:ext>
             </a:extLst>
           </p:cNvPr>
@@ -5369,9 +6685,9 @@
           <a:bodyPr/>
           <a:lstStyle/>
           <a:p>
-            <a:fld id="{C3DA5F8F-3F15-478C-87D7-FE0B56281373}" type="datetime3">
+            <a:fld id="{BF313692-7DAF-4663-A4A1-8CC27A7102F8}" type="datetime3">
               <a:rPr lang="en-US" smtClean="0"/>
-              <a:t>22 May 2023</a:t>
+              <a:t>29 May 2023</a:t>
             </a:fld>
             <a:endParaRPr lang="en-US"/>
           </a:p>
@@ -5382,7 +6698,7 @@
           <p:cNvPr id="4" name="Footer Placeholder 3">
             <a:extLst>
               <a:ext uri="{FF2B5EF4-FFF2-40B4-BE49-F238E27FC236}">
-                <a16:creationId xmlns:a16="http://schemas.microsoft.com/office/drawing/2014/main" id="{81FC2CF8-DE8C-AA6A-7EA9-3E9834D3D210}"/>
+                <a16:creationId xmlns:a16="http://schemas.microsoft.com/office/drawing/2014/main" id="{EDA6C70B-E31F-37C2-DDF7-52CCC001F4C3}"/>
               </a:ext>
             </a:extLst>
           </p:cNvPr>
@@ -5410,7 +6726,7 @@
           <p:cNvPr id="5" name="Slide Number Placeholder 4">
             <a:extLst>
               <a:ext uri="{FF2B5EF4-FFF2-40B4-BE49-F238E27FC236}">
-                <a16:creationId xmlns:a16="http://schemas.microsoft.com/office/drawing/2014/main" id="{A7040F45-AE64-ED71-CD45-C9FF626AEA13}"/>
+                <a16:creationId xmlns:a16="http://schemas.microsoft.com/office/drawing/2014/main" id="{4F282F08-4A66-1BDB-8B58-60F27666A7E1}"/>
               </a:ext>
             </a:extLst>
           </p:cNvPr>
@@ -5434,46 +6750,123 @@
           </a:p>
         </p:txBody>
       </p:sp>
-      <p:pic>
-        <p:nvPicPr>
-          <p:cNvPr id="7" name="Picture 6" descr="A picture containing text, diagram, line, font&#10;&#10;Description automatically generated">
-            <a:extLst>
-              <a:ext uri="{FF2B5EF4-FFF2-40B4-BE49-F238E27FC236}">
-                <a16:creationId xmlns:a16="http://schemas.microsoft.com/office/drawing/2014/main" id="{29A0C70D-108B-98CE-CBE3-F90AD38452C8}"/>
-              </a:ext>
-            </a:extLst>
-          </p:cNvPr>
-          <p:cNvPicPr>
-            <a:picLocks noChangeAspect="1"/>
-          </p:cNvPicPr>
+      <p:sp>
+        <p:nvSpPr>
+          <p:cNvPr id="7" name="TextBox 6">
+            <a:extLst>
+              <a:ext uri="{FF2B5EF4-FFF2-40B4-BE49-F238E27FC236}">
+                <a16:creationId xmlns:a16="http://schemas.microsoft.com/office/drawing/2014/main" id="{5C69782A-E609-57B9-10EB-CEF5E68B0D55}"/>
+              </a:ext>
+            </a:extLst>
+          </p:cNvPr>
+          <p:cNvSpPr txBox="1"/>
           <p:nvPr/>
-        </p:nvPicPr>
-        <p:blipFill>
-          <a:blip r:embed="rId5">
-            <a:extLst>
-              <a:ext uri="{28A0092B-C50C-407E-A947-70E740481C1C}">
-                <a14:useLocalDpi xmlns:a14="http://schemas.microsoft.com/office/drawing/2010/main" val="0"/>
-              </a:ext>
-            </a:extLst>
-          </a:blip>
-          <a:stretch>
-            <a:fillRect/>
-          </a:stretch>
-        </p:blipFill>
+        </p:nvSpPr>
         <p:spPr>
           <a:xfrm>
-            <a:off x="1653988" y="2084475"/>
-            <a:ext cx="8884023" cy="3731399"/>
+            <a:off x="986118" y="1927412"/>
+            <a:ext cx="10586465" cy="3016210"/>
           </a:xfrm>
           <a:prstGeom prst="rect">
             <a:avLst/>
           </a:prstGeom>
+          <a:noFill/>
         </p:spPr>
-      </p:pic>
+        <p:txBody>
+          <a:bodyPr wrap="square" rtlCol="0">
+            <a:spAutoFit/>
+          </a:bodyPr>
+          <a:lstStyle/>
+          <a:p>
+            <a:pPr marL="285750" indent="-285750">
+              <a:spcBef>
+                <a:spcPts val="1200"/>
+              </a:spcBef>
+              <a:buFont typeface="Courier New" panose="02070309020205020404" pitchFamily="49" charset="0"/>
+              <a:buChar char="o"/>
+            </a:pPr>
+            <a:r>
+              <a:rPr lang="en-US" sz="2000"/>
+              <a:t>Three diverging methods (S-CML, U-TSC, and M-TSC) were proposed and investigated to conduct a </a:t>
+            </a:r>
+            <a:r>
+              <a:rPr lang="en-US" sz="2000" b="1"/>
+              <a:t>retrospective personalized supervised sport activity classification</a:t>
+            </a:r>
+            <a:r>
+              <a:rPr lang="en-US" sz="2000"/>
+              <a:t> of a single person</a:t>
+            </a:r>
+          </a:p>
+          <a:p>
+            <a:pPr marL="285750" indent="-285750">
+              <a:spcBef>
+                <a:spcPts val="1200"/>
+              </a:spcBef>
+              <a:buFont typeface="Courier New" panose="02070309020205020404" pitchFamily="49" charset="0"/>
+              <a:buChar char="o"/>
+            </a:pPr>
+            <a:r>
+              <a:rPr lang="en-US" sz="2000"/>
+              <a:t>A total of </a:t>
+            </a:r>
+            <a:r>
+              <a:rPr lang="en-US" sz="2000" b="1"/>
+              <a:t>twenty different machine learning models </a:t>
+            </a:r>
+            <a:r>
+              <a:rPr lang="en-US" sz="2000"/>
+              <a:t>from </a:t>
+            </a:r>
+            <a:r>
+              <a:rPr lang="en-US" sz="2000" i="1"/>
+              <a:t>sklearn</a:t>
+            </a:r>
+            <a:r>
+              <a:rPr lang="en-US" sz="2000"/>
+              <a:t> and </a:t>
+            </a:r>
+            <a:r>
+              <a:rPr lang="en-US" sz="2000" i="1"/>
+              <a:t>sktime</a:t>
+            </a:r>
+            <a:r>
+              <a:rPr lang="en-US" sz="2000"/>
+              <a:t> were adopted, which makes the study quite extent application of CML models into a specific type of sport data. </a:t>
+            </a:r>
+          </a:p>
+          <a:p>
+            <a:pPr marL="285750" indent="-285750">
+              <a:spcBef>
+                <a:spcPts val="1200"/>
+              </a:spcBef>
+              <a:buFont typeface="Courier New" panose="02070309020205020404" pitchFamily="49" charset="0"/>
+              <a:buChar char="o"/>
+            </a:pPr>
+            <a:r>
+              <a:rPr lang="en-US" sz="2000"/>
+              <a:t>The observed results are mainly good (up to 96,6%), and even better than the average results (92%) in recent HAR studies (Demrozi et al., 2020)</a:t>
+            </a:r>
+          </a:p>
+          <a:p>
+            <a:pPr marL="285750" indent="-285750">
+              <a:spcBef>
+                <a:spcPts val="1200"/>
+              </a:spcBef>
+              <a:buFont typeface="Courier New" panose="02070309020205020404" pitchFamily="49" charset="0"/>
+              <a:buChar char="o"/>
+            </a:pPr>
+            <a:r>
+              <a:rPr lang="en-US" sz="2000"/>
+              <a:t>The selection of the classification method for sport activities depends on the available data, and therefore one model cannot be preferred over others in all the cases</a:t>
+            </a:r>
+          </a:p>
+        </p:txBody>
+      </p:sp>
     </p:spTree>
     <p:extLst>
       <p:ext uri="{BB962C8B-B14F-4D97-AF65-F5344CB8AC3E}">
-        <p14:creationId xmlns:p14="http://schemas.microsoft.com/office/powerpoint/2010/main" val="2955668408"/>
+        <p14:creationId xmlns:p14="http://schemas.microsoft.com/office/powerpoint/2010/main" val="3322366441"/>
       </p:ext>
     </p:extLst>
   </p:cSld>
@@ -5660,13 +7053,17 @@
           <a:lstStyle/>
           <a:p>
             <a:r>
-              <a:rPr lang="en-US" sz="3200">
-                <a:latin typeface="Congenial SemiBold" panose="020B0604020202020204" pitchFamily="2" charset="0"/>
-                <a:ea typeface="Open Sans" panose="020B0606030504020204" pitchFamily="34" charset="0"/>
-                <a:cs typeface="Aldhabi" panose="020B0604020202020204" pitchFamily="2" charset="-78"/>
+              <a:rPr lang="fi-FI" sz="3200" b="0" i="0">
+                <a:effectLst/>
+                <a:latin typeface="Congenial SemiBold" panose="02000503040000020004" pitchFamily="2" charset="0"/>
               </a:rPr>
-              <a:t>Results: Compilation table</a:t>
-            </a:r>
+              <a:t>Conclusions</a:t>
+            </a:r>
+            <a:endParaRPr lang="en-US" sz="3200">
+              <a:latin typeface="Congenial SemiBold" panose="02000503040000020004" pitchFamily="2" charset="0"/>
+              <a:ea typeface="Open Sans" panose="020B0606030504020204" pitchFamily="34" charset="0"/>
+              <a:cs typeface="Aldhabi" panose="020B0604020202020204" pitchFamily="2" charset="-78"/>
+            </a:endParaRPr>
           </a:p>
         </p:txBody>
       </p:sp>
@@ -5675,7 +7072,7 @@
           <p:cNvPr id="2" name="Date Placeholder 1">
             <a:extLst>
               <a:ext uri="{FF2B5EF4-FFF2-40B4-BE49-F238E27FC236}">
-                <a16:creationId xmlns:a16="http://schemas.microsoft.com/office/drawing/2014/main" id="{8D15A0DC-5461-A96D-E355-940C74F2D445}"/>
+                <a16:creationId xmlns:a16="http://schemas.microsoft.com/office/drawing/2014/main" id="{F572E37B-F84C-225B-FCDC-1F11D51E0472}"/>
               </a:ext>
             </a:extLst>
           </p:cNvPr>
@@ -5691,9 +7088,9 @@
           <a:bodyPr/>
           <a:lstStyle/>
           <a:p>
-            <a:fld id="{C3DA5F8F-3F15-478C-87D7-FE0B56281373}" type="datetime3">
+            <a:fld id="{BF313692-7DAF-4663-A4A1-8CC27A7102F8}" type="datetime3">
               <a:rPr lang="en-US" smtClean="0"/>
-              <a:t>22 May 2023</a:t>
+              <a:t>29 May 2023</a:t>
             </a:fld>
             <a:endParaRPr lang="en-US"/>
           </a:p>
@@ -5704,7 +7101,7 @@
           <p:cNvPr id="4" name="Footer Placeholder 3">
             <a:extLst>
               <a:ext uri="{FF2B5EF4-FFF2-40B4-BE49-F238E27FC236}">
-                <a16:creationId xmlns:a16="http://schemas.microsoft.com/office/drawing/2014/main" id="{81FC2CF8-DE8C-AA6A-7EA9-3E9834D3D210}"/>
+                <a16:creationId xmlns:a16="http://schemas.microsoft.com/office/drawing/2014/main" id="{EDA6C70B-E31F-37C2-DDF7-52CCC001F4C3}"/>
               </a:ext>
             </a:extLst>
           </p:cNvPr>
@@ -5732,7 +7129,7 @@
           <p:cNvPr id="5" name="Slide Number Placeholder 4">
             <a:extLst>
               <a:ext uri="{FF2B5EF4-FFF2-40B4-BE49-F238E27FC236}">
-                <a16:creationId xmlns:a16="http://schemas.microsoft.com/office/drawing/2014/main" id="{A7040F45-AE64-ED71-CD45-C9FF626AEA13}"/>
+                <a16:creationId xmlns:a16="http://schemas.microsoft.com/office/drawing/2014/main" id="{4F282F08-4A66-1BDB-8B58-60F27666A7E1}"/>
               </a:ext>
             </a:extLst>
           </p:cNvPr>
@@ -5756,117 +7153,146 @@
           </a:p>
         </p:txBody>
       </p:sp>
-      <p:pic>
-        <p:nvPicPr>
-          <p:cNvPr id="8" name="Picture 7" descr="A picture containing text, screenshot, number, parallel&#10;&#10;Description automatically generated">
-            <a:extLst>
-              <a:ext uri="{FF2B5EF4-FFF2-40B4-BE49-F238E27FC236}">
-                <a16:creationId xmlns:a16="http://schemas.microsoft.com/office/drawing/2014/main" id="{DCD7C9FE-D394-08B7-1CE7-CDAA7B02F582}"/>
-              </a:ext>
-            </a:extLst>
-          </p:cNvPr>
-          <p:cNvPicPr>
-            <a:picLocks noChangeAspect="1"/>
-          </p:cNvPicPr>
+      <p:sp>
+        <p:nvSpPr>
+          <p:cNvPr id="7" name="TextBox 6">
+            <a:extLst>
+              <a:ext uri="{FF2B5EF4-FFF2-40B4-BE49-F238E27FC236}">
+                <a16:creationId xmlns:a16="http://schemas.microsoft.com/office/drawing/2014/main" id="{5C69782A-E609-57B9-10EB-CEF5E68B0D55}"/>
+              </a:ext>
+            </a:extLst>
+          </p:cNvPr>
+          <p:cNvSpPr txBox="1"/>
           <p:nvPr/>
-        </p:nvPicPr>
-        <p:blipFill>
-          <a:blip r:embed="rId5">
-            <a:extLst>
-              <a:ext uri="{28A0092B-C50C-407E-A947-70E740481C1C}">
-                <a14:useLocalDpi xmlns:a14="http://schemas.microsoft.com/office/drawing/2010/main" val="0"/>
-              </a:ext>
-            </a:extLst>
-          </a:blip>
-          <a:stretch>
-            <a:fillRect/>
-          </a:stretch>
-        </p:blipFill>
+        </p:nvSpPr>
         <p:spPr>
           <a:xfrm>
-            <a:off x="986118" y="1850775"/>
-            <a:ext cx="6552106" cy="4198798"/>
+            <a:off x="986118" y="1927412"/>
+            <a:ext cx="10586465" cy="2554545"/>
           </a:xfrm>
           <a:prstGeom prst="rect">
             <a:avLst/>
           </a:prstGeom>
+          <a:noFill/>
         </p:spPr>
-      </p:pic>
-      <p:pic>
-        <p:nvPicPr>
-          <p:cNvPr id="13" name="Picture 12" descr="A group of men posing for a picture&#10;&#10;Description automatically generated">
-            <a:extLst>
-              <a:ext uri="{FF2B5EF4-FFF2-40B4-BE49-F238E27FC236}">
-                <a16:creationId xmlns:a16="http://schemas.microsoft.com/office/drawing/2014/main" id="{3E961ED1-9E60-C713-22CA-89E5ED2C85C4}"/>
-              </a:ext>
-            </a:extLst>
-          </p:cNvPr>
-          <p:cNvPicPr>
-            <a:picLocks noChangeAspect="1"/>
-          </p:cNvPicPr>
-          <p:nvPr/>
-        </p:nvPicPr>
-        <p:blipFill rotWithShape="1">
-          <a:blip r:embed="rId6">
-            <a:extLst>
-              <a:ext uri="{28A0092B-C50C-407E-A947-70E740481C1C}">
-                <a14:useLocalDpi xmlns:a14="http://schemas.microsoft.com/office/drawing/2010/main" val="0"/>
-              </a:ext>
-            </a:extLst>
-          </a:blip>
-          <a:srcRect l="9938" r="17293"/>
-          <a:stretch/>
-        </p:blipFill>
-        <p:spPr>
-          <a:xfrm>
-            <a:off x="8073224" y="1850775"/>
-            <a:ext cx="3156429" cy="2885899"/>
-          </a:xfrm>
-          <a:prstGeom prst="rect">
-            <a:avLst/>
-          </a:prstGeom>
-        </p:spPr>
-      </p:pic>
-      <p:pic>
-        <p:nvPicPr>
-          <p:cNvPr id="15" name="Picture 14" descr="A picture containing font, logo, graphics, symbol&#10;&#10;Description automatically generated">
-            <a:extLst>
-              <a:ext uri="{FF2B5EF4-FFF2-40B4-BE49-F238E27FC236}">
-                <a16:creationId xmlns:a16="http://schemas.microsoft.com/office/drawing/2014/main" id="{40052EB3-18EA-90D7-997C-33002DD83F6F}"/>
-              </a:ext>
-            </a:extLst>
-          </p:cNvPr>
-          <p:cNvPicPr>
-            <a:picLocks noChangeAspect="1"/>
-          </p:cNvPicPr>
-          <p:nvPr/>
-        </p:nvPicPr>
-        <p:blipFill>
-          <a:blip r:embed="rId7">
-            <a:extLst>
-              <a:ext uri="{28A0092B-C50C-407E-A947-70E740481C1C}">
-                <a14:useLocalDpi xmlns:a14="http://schemas.microsoft.com/office/drawing/2010/main" val="0"/>
-              </a:ext>
-            </a:extLst>
-          </a:blip>
-          <a:stretch>
-            <a:fillRect/>
-          </a:stretch>
-        </p:blipFill>
-        <p:spPr>
-          <a:xfrm>
-            <a:off x="8769346" y="5025520"/>
-            <a:ext cx="1764184" cy="849704"/>
-          </a:xfrm>
-          <a:prstGeom prst="rect">
-            <a:avLst/>
-          </a:prstGeom>
-        </p:spPr>
-      </p:pic>
+        <p:txBody>
+          <a:bodyPr wrap="square" rtlCol="0">
+            <a:spAutoFit/>
+          </a:bodyPr>
+          <a:lstStyle/>
+          <a:p>
+            <a:pPr marL="285750" indent="-285750">
+              <a:spcBef>
+                <a:spcPts val="1200"/>
+              </a:spcBef>
+              <a:buFont typeface="Courier New" panose="02070309020205020404" pitchFamily="49" charset="0"/>
+              <a:buChar char="o"/>
+            </a:pPr>
+            <a:r>
+              <a:rPr lang="en-US" sz="2000" b="1"/>
+              <a:t>MUSE</a:t>
+            </a:r>
+            <a:r>
+              <a:rPr lang="en-US" sz="2000"/>
+              <a:t> (96,6%) can be gently proposed </a:t>
+            </a:r>
+            <a:r>
+              <a:rPr lang="en-US" sz="2000" b="1"/>
+              <a:t>as the best choice </a:t>
+            </a:r>
+            <a:r>
+              <a:rPr lang="en-US" sz="2000"/>
+              <a:t>for sport activity classification when using </a:t>
+            </a:r>
+            <a:r>
+              <a:rPr lang="en-US" sz="2000" b="1"/>
+              <a:t>multivariate time series data</a:t>
+            </a:r>
+          </a:p>
+          <a:p>
+            <a:pPr marL="285750" indent="-285750">
+              <a:spcBef>
+                <a:spcPts val="1200"/>
+              </a:spcBef>
+              <a:buFont typeface="Courier New" panose="02070309020205020404" pitchFamily="49" charset="0"/>
+              <a:buChar char="o"/>
+            </a:pPr>
+            <a:r>
+              <a:rPr lang="en-US" sz="2000"/>
+              <a:t>However, in certain circumstances,</a:t>
+            </a:r>
+            <a:r>
+              <a:rPr lang="en-US" sz="2000" b="1"/>
+              <a:t> </a:t>
+            </a:r>
+            <a:r>
+              <a:rPr lang="en-US" sz="2000"/>
+              <a:t>for example </a:t>
+            </a:r>
+            <a:r>
+              <a:rPr lang="en-US" sz="2000" b="1"/>
+              <a:t>TSF </a:t>
+            </a:r>
+            <a:r>
+              <a:rPr lang="en-US" sz="2000"/>
+              <a:t>as a </a:t>
+            </a:r>
+            <a:r>
+              <a:rPr lang="en-US" sz="2000" b="1"/>
+              <a:t>fast model </a:t>
+            </a:r>
+            <a:r>
+              <a:rPr lang="en-US" sz="2000"/>
+              <a:t>could be more preferable than </a:t>
+            </a:r>
+            <a:r>
+              <a:rPr lang="en-US" sz="2000" b="1"/>
+              <a:t>MUSE</a:t>
+            </a:r>
+            <a:r>
+              <a:rPr lang="en-US" sz="2000"/>
+              <a:t>, and then solving this problem in </a:t>
+            </a:r>
+            <a:r>
+              <a:rPr lang="en-US" sz="2000" b="1"/>
+              <a:t>interlaced univariate data </a:t>
+            </a:r>
+            <a:r>
+              <a:rPr lang="en-US" sz="2000"/>
+              <a:t>can take place</a:t>
+            </a:r>
+          </a:p>
+          <a:p>
+            <a:pPr marL="285750" indent="-285750">
+              <a:spcBef>
+                <a:spcPts val="1200"/>
+              </a:spcBef>
+              <a:buFont typeface="Courier New" panose="02070309020205020404" pitchFamily="49" charset="0"/>
+              <a:buChar char="o"/>
+            </a:pPr>
+            <a:r>
+              <a:rPr lang="en-US" sz="2000" b="1"/>
+              <a:t>S-CML</a:t>
+            </a:r>
+            <a:r>
+              <a:rPr lang="en-US" sz="2000"/>
+              <a:t> as a very fast and effective method with low computation requirement could be suggested </a:t>
+            </a:r>
+            <a:r>
+              <a:rPr lang="en-US" sz="2000" b="1"/>
+              <a:t>always when the appropriate dataset is available, </a:t>
+            </a:r>
+            <a:r>
+              <a:rPr lang="en-US" sz="2000"/>
+              <a:t>but it might be prone to interpersonal differences, and therefore results not generalizable</a:t>
+            </a:r>
+          </a:p>
+        </p:txBody>
+      </p:sp>
     </p:spTree>
     <p:extLst>
       <p:ext uri="{BB962C8B-B14F-4D97-AF65-F5344CB8AC3E}">
-        <p14:creationId xmlns:p14="http://schemas.microsoft.com/office/powerpoint/2010/main" val="2828594858"/>
+        <p14:creationId xmlns:p14="http://schemas.microsoft.com/office/powerpoint/2010/main" val="3333319167"/>
       </p:ext>
     </p:extLst>
   </p:cSld>
@@ -6038,7 +7464,7 @@
         </p:nvSpPr>
         <p:spPr>
           <a:xfrm>
-            <a:off x="986118" y="959224"/>
+            <a:off x="986118" y="3274898"/>
             <a:ext cx="10586465" cy="584775"/>
           </a:xfrm>
           <a:prstGeom prst="rect">
@@ -6052,12 +7478,14 @@
           </a:bodyPr>
           <a:lstStyle/>
           <a:p>
-            <a:r>
-              <a:rPr lang="fi-FI" sz="3200" b="0" i="0">
-                <a:effectLst/>
+            <a:pPr algn="ctr"/>
+            <a:r>
+              <a:rPr lang="fi-FI" sz="3200">
                 <a:latin typeface="Congenial SemiBold" panose="02000503040000020004" pitchFamily="2" charset="0"/>
+                <a:ea typeface="Open Sans" panose="020B0606030504020204" pitchFamily="34" charset="0"/>
+                <a:cs typeface="Aldhabi" panose="020B0604020202020204" pitchFamily="2" charset="-78"/>
               </a:rPr>
-              <a:t>Conclusions</a:t>
+              <a:t>Discussion...</a:t>
             </a:r>
             <a:endParaRPr lang="en-US" sz="3200">
               <a:latin typeface="Congenial SemiBold" panose="02000503040000020004" pitchFamily="2" charset="0"/>
@@ -6090,7 +7518,7 @@
           <a:p>
             <a:fld id="{BF313692-7DAF-4663-A4A1-8CC27A7102F8}" type="datetime3">
               <a:rPr lang="en-US" smtClean="0"/>
-              <a:t>22 May 2023</a:t>
+              <a:t>29 May 2023</a:t>
             </a:fld>
             <a:endParaRPr lang="en-US"/>
           </a:p>
@@ -6153,230 +7581,10 @@
           </a:p>
         </p:txBody>
       </p:sp>
-      <p:sp>
-        <p:nvSpPr>
-          <p:cNvPr id="7" name="TextBox 6">
-            <a:extLst>
-              <a:ext uri="{FF2B5EF4-FFF2-40B4-BE49-F238E27FC236}">
-                <a16:creationId xmlns:a16="http://schemas.microsoft.com/office/drawing/2014/main" id="{5C69782A-E609-57B9-10EB-CEF5E68B0D55}"/>
-              </a:ext>
-            </a:extLst>
-          </p:cNvPr>
-          <p:cNvSpPr txBox="1"/>
-          <p:nvPr/>
-        </p:nvSpPr>
-        <p:spPr>
-          <a:xfrm>
-            <a:off x="986118" y="1927412"/>
-            <a:ext cx="10586465" cy="4001095"/>
-          </a:xfrm>
-          <a:prstGeom prst="rect">
-            <a:avLst/>
-          </a:prstGeom>
-          <a:noFill/>
-        </p:spPr>
-        <p:txBody>
-          <a:bodyPr wrap="square" rtlCol="0">
-            <a:spAutoFit/>
-          </a:bodyPr>
-          <a:lstStyle/>
-          <a:p>
-            <a:pPr marL="285750" indent="-285750">
-              <a:spcBef>
-                <a:spcPts val="600"/>
-              </a:spcBef>
-              <a:buFont typeface="Courier New" panose="02070309020205020404" pitchFamily="49" charset="0"/>
-              <a:buChar char="o"/>
-            </a:pPr>
-            <a:r>
-              <a:rPr lang="en-US" sz="1600"/>
-              <a:t>Three diverging methods (S-CML, U-TSC, and M-TSC) were proposed and investigated to conduct a </a:t>
-            </a:r>
-            <a:r>
-              <a:rPr lang="en-US" sz="1600" b="1"/>
-              <a:t>retrospective personalized supervised sport activity classification</a:t>
-            </a:r>
-            <a:r>
-              <a:rPr lang="en-US" sz="1600"/>
-              <a:t> of a single person</a:t>
-            </a:r>
-          </a:p>
-          <a:p>
-            <a:pPr marL="285750" indent="-285750">
-              <a:spcBef>
-                <a:spcPts val="600"/>
-              </a:spcBef>
-              <a:buFont typeface="Courier New" panose="02070309020205020404" pitchFamily="49" charset="0"/>
-              <a:buChar char="o"/>
-            </a:pPr>
-            <a:r>
-              <a:rPr lang="en-US" sz="1600"/>
-              <a:t>A total of </a:t>
-            </a:r>
-            <a:r>
-              <a:rPr lang="en-US" sz="1600" b="1"/>
-              <a:t>twenty different machine learning models </a:t>
-            </a:r>
-            <a:r>
-              <a:rPr lang="en-US" sz="1600"/>
-              <a:t>from </a:t>
-            </a:r>
-            <a:r>
-              <a:rPr lang="en-US" sz="1600" i="1"/>
-              <a:t>sklearn</a:t>
-            </a:r>
-            <a:r>
-              <a:rPr lang="en-US" sz="1600"/>
-              <a:t> and </a:t>
-            </a:r>
-            <a:r>
-              <a:rPr lang="en-US" sz="1600" i="1"/>
-              <a:t>sktime</a:t>
-            </a:r>
-            <a:r>
-              <a:rPr lang="en-US" sz="1600"/>
-              <a:t> were adopted, which makes the study quite extent application of CML models into a specific type of sport data. </a:t>
-            </a:r>
-          </a:p>
-          <a:p>
-            <a:pPr marL="285750" indent="-285750">
-              <a:spcBef>
-                <a:spcPts val="600"/>
-              </a:spcBef>
-              <a:buFont typeface="Courier New" panose="02070309020205020404" pitchFamily="49" charset="0"/>
-              <a:buChar char="o"/>
-            </a:pPr>
-            <a:r>
-              <a:rPr lang="en-US" sz="1600"/>
-              <a:t>The observed results are mainly good (up to 96,6%), and even better than the average results (92%) in recent HAR studies (Demrozi et al., 2020)</a:t>
-            </a:r>
-          </a:p>
-          <a:p>
-            <a:pPr marL="285750" indent="-285750">
-              <a:spcBef>
-                <a:spcPts val="600"/>
-              </a:spcBef>
-              <a:buFont typeface="Courier New" panose="02070309020205020404" pitchFamily="49" charset="0"/>
-              <a:buChar char="o"/>
-            </a:pPr>
-            <a:r>
-              <a:rPr lang="en-US" sz="1600"/>
-              <a:t>The selection of the classification method for sport activities depends on the available data, and therefore one model cannot be preferred over others in all the cases</a:t>
-            </a:r>
-          </a:p>
-          <a:p>
-            <a:pPr marL="285750" indent="-285750">
-              <a:spcBef>
-                <a:spcPts val="600"/>
-              </a:spcBef>
-              <a:buFont typeface="Courier New" panose="02070309020205020404" pitchFamily="49" charset="0"/>
-              <a:buChar char="o"/>
-            </a:pPr>
-            <a:r>
-              <a:rPr lang="en-US" sz="1600" b="1"/>
-              <a:t>MUSE</a:t>
-            </a:r>
-            <a:r>
-              <a:rPr lang="en-US" sz="1600"/>
-              <a:t> (96,6%) can be gently proposed </a:t>
-            </a:r>
-            <a:r>
-              <a:rPr lang="en-US" sz="1600" b="1"/>
-              <a:t>as the best choice </a:t>
-            </a:r>
-            <a:r>
-              <a:rPr lang="en-US" sz="1600"/>
-              <a:t>for sport activity classification when using </a:t>
-            </a:r>
-            <a:r>
-              <a:rPr lang="en-US" sz="1600" b="1"/>
-              <a:t>multivariate time series data</a:t>
-            </a:r>
-          </a:p>
-          <a:p>
-            <a:pPr marL="285750" indent="-285750">
-              <a:spcBef>
-                <a:spcPts val="600"/>
-              </a:spcBef>
-              <a:buFont typeface="Courier New" panose="02070309020205020404" pitchFamily="49" charset="0"/>
-              <a:buChar char="o"/>
-            </a:pPr>
-            <a:r>
-              <a:rPr lang="en-US" sz="1600"/>
-              <a:t>However, in certain circumstances,</a:t>
-            </a:r>
-            <a:r>
-              <a:rPr lang="en-US" sz="1600" b="1"/>
-              <a:t> </a:t>
-            </a:r>
-            <a:r>
-              <a:rPr lang="en-US" sz="1600"/>
-              <a:t>for example </a:t>
-            </a:r>
-            <a:r>
-              <a:rPr lang="en-US" sz="1600" b="1"/>
-              <a:t>TSF </a:t>
-            </a:r>
-            <a:r>
-              <a:rPr lang="en-US" sz="1600"/>
-              <a:t>as a </a:t>
-            </a:r>
-            <a:r>
-              <a:rPr lang="en-US" sz="1600" b="1"/>
-              <a:t>fast model </a:t>
-            </a:r>
-            <a:r>
-              <a:rPr lang="en-US" sz="1600"/>
-              <a:t>could be more preferable than </a:t>
-            </a:r>
-            <a:r>
-              <a:rPr lang="en-US" sz="1600" b="1"/>
-              <a:t>MUSE</a:t>
-            </a:r>
-            <a:r>
-              <a:rPr lang="en-US" sz="1600"/>
-              <a:t>, and then solving this problem in </a:t>
-            </a:r>
-            <a:r>
-              <a:rPr lang="en-US" sz="1600" b="1"/>
-              <a:t>interlaced univariate data </a:t>
-            </a:r>
-            <a:r>
-              <a:rPr lang="en-US" sz="1600"/>
-              <a:t>can take place</a:t>
-            </a:r>
-          </a:p>
-          <a:p>
-            <a:pPr marL="285750" indent="-285750">
-              <a:spcBef>
-                <a:spcPts val="600"/>
-              </a:spcBef>
-              <a:buFont typeface="Courier New" panose="02070309020205020404" pitchFamily="49" charset="0"/>
-              <a:buChar char="o"/>
-            </a:pPr>
-            <a:r>
-              <a:rPr lang="en-US" sz="1600" b="1"/>
-              <a:t>S-CML</a:t>
-            </a:r>
-            <a:r>
-              <a:rPr lang="en-US" sz="1600"/>
-              <a:t> as a very fast and effective method with low computation requirement could be suggested </a:t>
-            </a:r>
-            <a:r>
-              <a:rPr lang="en-US" sz="1600" b="1"/>
-              <a:t>always when the appropriate dataset is available, </a:t>
-            </a:r>
-            <a:r>
-              <a:rPr lang="en-US" sz="1600"/>
-              <a:t>but it might be prone to interpersonal differences, and therefore results not generalizable</a:t>
-            </a:r>
-          </a:p>
-        </p:txBody>
-      </p:sp>
     </p:spTree>
     <p:extLst>
       <p:ext uri="{BB962C8B-B14F-4D97-AF65-F5344CB8AC3E}">
-        <p14:creationId xmlns:p14="http://schemas.microsoft.com/office/powerpoint/2010/main" val="3322366441"/>
+        <p14:creationId xmlns:p14="http://schemas.microsoft.com/office/powerpoint/2010/main" val="2759638135"/>
       </p:ext>
     </p:extLst>
   </p:cSld>
@@ -6548,7 +7756,7 @@
         </p:nvSpPr>
         <p:spPr>
           <a:xfrm>
-            <a:off x="986118" y="3274898"/>
+            <a:off x="986118" y="959224"/>
             <a:ext cx="10586465" cy="584775"/>
           </a:xfrm>
           <a:prstGeom prst="rect">
@@ -6562,14 +7770,13 @@
           </a:bodyPr>
           <a:lstStyle/>
           <a:p>
-            <a:pPr algn="ctr"/>
             <a:r>
               <a:rPr lang="fi-FI" sz="3200">
                 <a:latin typeface="Congenial SemiBold" panose="02000503040000020004" pitchFamily="2" charset="0"/>
                 <a:ea typeface="Open Sans" panose="020B0606030504020204" pitchFamily="34" charset="0"/>
                 <a:cs typeface="Aldhabi" panose="020B0604020202020204" pitchFamily="2" charset="-78"/>
               </a:rPr>
-              <a:t>Discussion...</a:t>
+              <a:t>Right Questions</a:t>
             </a:r>
             <a:endParaRPr lang="en-US" sz="3200">
               <a:latin typeface="Congenial SemiBold" panose="02000503040000020004" pitchFamily="2" charset="0"/>
@@ -6602,7 +7809,7 @@
           <a:p>
             <a:fld id="{BF313692-7DAF-4663-A4A1-8CC27A7102F8}" type="datetime3">
               <a:rPr lang="en-US" smtClean="0"/>
-              <a:t>22 May 2023</a:t>
+              <a:t>29 May 2023</a:t>
             </a:fld>
             <a:endParaRPr lang="en-US"/>
           </a:p>
@@ -6665,10 +7872,210 @@
           </a:p>
         </p:txBody>
       </p:sp>
+      <p:sp>
+        <p:nvSpPr>
+          <p:cNvPr id="6" name="TextBox 5">
+            <a:extLst>
+              <a:ext uri="{FF2B5EF4-FFF2-40B4-BE49-F238E27FC236}">
+                <a16:creationId xmlns:a16="http://schemas.microsoft.com/office/drawing/2014/main" id="{E984F92B-BE85-3002-465B-216F50159AD9}"/>
+              </a:ext>
+            </a:extLst>
+          </p:cNvPr>
+          <p:cNvSpPr txBox="1"/>
+          <p:nvPr/>
+        </p:nvSpPr>
+        <p:spPr>
+          <a:xfrm>
+            <a:off x="986118" y="1855694"/>
+            <a:ext cx="10586465" cy="3939540"/>
+          </a:xfrm>
+          <a:prstGeom prst="rect">
+            <a:avLst/>
+          </a:prstGeom>
+          <a:noFill/>
+        </p:spPr>
+        <p:txBody>
+          <a:bodyPr wrap="square" rtlCol="0">
+            <a:spAutoFit/>
+          </a:bodyPr>
+          <a:lstStyle/>
+          <a:p>
+            <a:pPr marL="457200" indent="-457200">
+              <a:spcAft>
+                <a:spcPts val="600"/>
+              </a:spcAft>
+              <a:buFont typeface="+mj-lt"/>
+              <a:buAutoNum type="arabicPeriod"/>
+            </a:pPr>
+            <a:r>
+              <a:rPr lang="en-US" sz="2000"/>
+              <a:t>What’s the significance of constructing </a:t>
+            </a:r>
+            <a:r>
+              <a:rPr lang="en-US" sz="2000" b="1"/>
+              <a:t>interlaced signals </a:t>
+            </a:r>
+            <a:r>
+              <a:rPr lang="en-US" sz="2000"/>
+              <a:t>instead of using simple</a:t>
+            </a:r>
+            <a:r>
+              <a:rPr lang="en-US" sz="2000" b="1"/>
+              <a:t> column concatenation </a:t>
+            </a:r>
+            <a:r>
+              <a:rPr lang="en-US" sz="2000"/>
+              <a:t>method?</a:t>
+            </a:r>
+          </a:p>
+          <a:p>
+            <a:pPr marL="457200" indent="-457200">
+              <a:spcAft>
+                <a:spcPts val="600"/>
+              </a:spcAft>
+              <a:buFont typeface="+mj-lt"/>
+              <a:buAutoNum type="arabicPeriod"/>
+            </a:pPr>
+            <a:r>
+              <a:rPr lang="en-US" sz="2000"/>
+              <a:t>In which cases pure </a:t>
+            </a:r>
+            <a:r>
+              <a:rPr lang="en-US" sz="2000" b="1"/>
+              <a:t>time series signals </a:t>
+            </a:r>
+            <a:r>
+              <a:rPr lang="en-US" sz="2000"/>
+              <a:t>could be especially useful compared to </a:t>
+            </a:r>
+            <a:r>
+              <a:rPr lang="en-US" sz="2000" b="1"/>
+              <a:t>extracted features</a:t>
+            </a:r>
+            <a:r>
+              <a:rPr lang="en-US" sz="2000"/>
+              <a:t>?</a:t>
+            </a:r>
+          </a:p>
+          <a:p>
+            <a:pPr marL="457200" indent="-457200">
+              <a:spcAft>
+                <a:spcPts val="600"/>
+              </a:spcAft>
+              <a:buFont typeface="+mj-lt"/>
+              <a:buAutoNum type="arabicPeriod"/>
+            </a:pPr>
+            <a:r>
+              <a:rPr lang="en-US" sz="2000"/>
+              <a:t>Why we should classify sports from </a:t>
+            </a:r>
+            <a:r>
+              <a:rPr lang="en-US" sz="2000" b="1"/>
+              <a:t>heart rate, speed, </a:t>
+            </a:r>
+            <a:r>
+              <a:rPr lang="en-US" sz="2000"/>
+              <a:t>and</a:t>
+            </a:r>
+            <a:r>
+              <a:rPr lang="en-US" sz="2000" b="1"/>
+              <a:t> altitude </a:t>
+            </a:r>
+            <a:r>
+              <a:rPr lang="en-US" sz="2000"/>
+              <a:t>features instead of using </a:t>
+            </a:r>
+            <a:r>
+              <a:rPr lang="en-US" sz="2000" b="1"/>
+              <a:t>inertial sensor data </a:t>
+            </a:r>
+            <a:r>
+              <a:rPr lang="en-US" sz="2000"/>
+              <a:t>which have produced a great results in previous studies?</a:t>
+            </a:r>
+          </a:p>
+          <a:p>
+            <a:pPr marL="457200" indent="-457200">
+              <a:spcAft>
+                <a:spcPts val="600"/>
+              </a:spcAft>
+              <a:buFont typeface="+mj-lt"/>
+              <a:buAutoNum type="arabicPeriod"/>
+            </a:pPr>
+            <a:r>
+              <a:rPr lang="en-US" sz="2000"/>
+              <a:t>Are the results </a:t>
+            </a:r>
+            <a:r>
+              <a:rPr lang="en-US" sz="2000" b="1"/>
+              <a:t>generalizable</a:t>
+            </a:r>
+            <a:r>
+              <a:rPr lang="en-US" sz="2000"/>
+              <a:t> and can we expect the </a:t>
+            </a:r>
+            <a:r>
+              <a:rPr lang="en-US" sz="2000" b="1"/>
+              <a:t>same accuracy level </a:t>
+            </a:r>
+            <a:r>
+              <a:rPr lang="en-US" sz="2000"/>
+              <a:t>among athletes with different physical and personal characteristics such as </a:t>
+            </a:r>
+            <a:r>
+              <a:rPr lang="en-US" sz="2000" b="1"/>
+              <a:t>gender, age, weight, length</a:t>
+            </a:r>
+            <a:r>
+              <a:rPr lang="en-US" sz="2000"/>
+              <a:t>, etc.?</a:t>
+            </a:r>
+          </a:p>
+          <a:p>
+            <a:pPr marL="457200" indent="-457200">
+              <a:spcAft>
+                <a:spcPts val="600"/>
+              </a:spcAft>
+              <a:buFont typeface="+mj-lt"/>
+              <a:buAutoNum type="arabicPeriod"/>
+            </a:pPr>
+            <a:r>
+              <a:rPr lang="en-US" sz="2000"/>
+              <a:t>Why we should have a specialized classification method for outdoor sports?</a:t>
+            </a:r>
+          </a:p>
+          <a:p>
+            <a:pPr marL="457200" indent="-457200">
+              <a:spcAft>
+                <a:spcPts val="600"/>
+              </a:spcAft>
+              <a:buFont typeface="+mj-lt"/>
+              <a:buAutoNum type="arabicPeriod"/>
+            </a:pPr>
+            <a:r>
+              <a:rPr lang="en-US" sz="2000"/>
+              <a:t>Why we should classify sports at all?</a:t>
+            </a:r>
+          </a:p>
+          <a:p>
+            <a:pPr marL="457200" indent="-457200">
+              <a:spcAft>
+                <a:spcPts val="600"/>
+              </a:spcAft>
+              <a:buFont typeface="+mj-lt"/>
+              <a:buAutoNum type="arabicPeriod"/>
+            </a:pPr>
+            <a:r>
+              <a:rPr lang="en-US" sz="2000"/>
+              <a:t>What makes it preferable to conduct a personalized sport classification?</a:t>
+            </a:r>
+          </a:p>
+        </p:txBody>
+      </p:sp>
     </p:spTree>
     <p:extLst>
       <p:ext uri="{BB962C8B-B14F-4D97-AF65-F5344CB8AC3E}">
-        <p14:creationId xmlns:p14="http://schemas.microsoft.com/office/powerpoint/2010/main" val="2759638135"/>
+        <p14:creationId xmlns:p14="http://schemas.microsoft.com/office/powerpoint/2010/main" val="2714344767"/>
       </p:ext>
     </p:extLst>
   </p:cSld>
@@ -6840,6 +8247,660 @@
         </p:nvSpPr>
         <p:spPr>
           <a:xfrm>
+            <a:off x="986118" y="3274898"/>
+            <a:ext cx="10586465" cy="584775"/>
+          </a:xfrm>
+          <a:prstGeom prst="rect">
+            <a:avLst/>
+          </a:prstGeom>
+          <a:noFill/>
+        </p:spPr>
+        <p:txBody>
+          <a:bodyPr wrap="square" rtlCol="0">
+            <a:spAutoFit/>
+          </a:bodyPr>
+          <a:lstStyle/>
+          <a:p>
+            <a:pPr algn="ctr"/>
+            <a:r>
+              <a:rPr lang="fi-FI" sz="3200">
+                <a:latin typeface="Congenial SemiBold" panose="02000503040000020004" pitchFamily="2" charset="0"/>
+                <a:ea typeface="Open Sans" panose="020B0606030504020204" pitchFamily="34" charset="0"/>
+                <a:cs typeface="Aldhabi" panose="020B0604020202020204" pitchFamily="2" charset="-78"/>
+              </a:rPr>
+              <a:t>Appendices</a:t>
+            </a:r>
+            <a:endParaRPr lang="en-US" sz="3200">
+              <a:latin typeface="Congenial SemiBold" panose="02000503040000020004" pitchFamily="2" charset="0"/>
+              <a:ea typeface="Open Sans" panose="020B0606030504020204" pitchFamily="34" charset="0"/>
+              <a:cs typeface="Aldhabi" panose="020B0604020202020204" pitchFamily="2" charset="-78"/>
+            </a:endParaRPr>
+          </a:p>
+        </p:txBody>
+      </p:sp>
+      <p:sp>
+        <p:nvSpPr>
+          <p:cNvPr id="2" name="Date Placeholder 1">
+            <a:extLst>
+              <a:ext uri="{FF2B5EF4-FFF2-40B4-BE49-F238E27FC236}">
+                <a16:creationId xmlns:a16="http://schemas.microsoft.com/office/drawing/2014/main" id="{F572E37B-F84C-225B-FCDC-1F11D51E0472}"/>
+              </a:ext>
+            </a:extLst>
+          </p:cNvPr>
+          <p:cNvSpPr>
+            <a:spLocks noGrp="1"/>
+          </p:cNvSpPr>
+          <p:nvPr>
+            <p:ph type="dt" sz="half" idx="10"/>
+          </p:nvPr>
+        </p:nvSpPr>
+        <p:spPr/>
+        <p:txBody>
+          <a:bodyPr/>
+          <a:lstStyle/>
+          <a:p>
+            <a:fld id="{BF313692-7DAF-4663-A4A1-8CC27A7102F8}" type="datetime3">
+              <a:rPr lang="en-US" smtClean="0"/>
+              <a:t>29 May 2023</a:t>
+            </a:fld>
+            <a:endParaRPr lang="en-US"/>
+          </a:p>
+        </p:txBody>
+      </p:sp>
+      <p:sp>
+        <p:nvSpPr>
+          <p:cNvPr id="4" name="Footer Placeholder 3">
+            <a:extLst>
+              <a:ext uri="{FF2B5EF4-FFF2-40B4-BE49-F238E27FC236}">
+                <a16:creationId xmlns:a16="http://schemas.microsoft.com/office/drawing/2014/main" id="{EDA6C70B-E31F-37C2-DDF7-52CCC001F4C3}"/>
+              </a:ext>
+            </a:extLst>
+          </p:cNvPr>
+          <p:cNvSpPr>
+            <a:spLocks noGrp="1"/>
+          </p:cNvSpPr>
+          <p:nvPr>
+            <p:ph type="ftr" sz="quarter" idx="11"/>
+          </p:nvPr>
+        </p:nvSpPr>
+        <p:spPr/>
+        <p:txBody>
+          <a:bodyPr/>
+          <a:lstStyle/>
+          <a:p>
+            <a:r>
+              <a:rPr lang="en-US"/>
+              <a:t>Sport Activity Classification - Jarno Matarmaa</a:t>
+            </a:r>
+          </a:p>
+        </p:txBody>
+      </p:sp>
+      <p:sp>
+        <p:nvSpPr>
+          <p:cNvPr id="5" name="Slide Number Placeholder 4">
+            <a:extLst>
+              <a:ext uri="{FF2B5EF4-FFF2-40B4-BE49-F238E27FC236}">
+                <a16:creationId xmlns:a16="http://schemas.microsoft.com/office/drawing/2014/main" id="{4F282F08-4A66-1BDB-8B58-60F27666A7E1}"/>
+              </a:ext>
+            </a:extLst>
+          </p:cNvPr>
+          <p:cNvSpPr>
+            <a:spLocks noGrp="1"/>
+          </p:cNvSpPr>
+          <p:nvPr>
+            <p:ph type="sldNum" sz="quarter" idx="12"/>
+          </p:nvPr>
+        </p:nvSpPr>
+        <p:spPr/>
+        <p:txBody>
+          <a:bodyPr/>
+          <a:lstStyle/>
+          <a:p>
+            <a:fld id="{ED30651D-D783-46EC-BC0A-06F8BEAECD3E}" type="slidenum">
+              <a:rPr lang="en-US" smtClean="0"/>
+              <a:t>15</a:t>
+            </a:fld>
+            <a:endParaRPr lang="en-US"/>
+          </a:p>
+        </p:txBody>
+      </p:sp>
+    </p:spTree>
+    <p:extLst>
+      <p:ext uri="{BB962C8B-B14F-4D97-AF65-F5344CB8AC3E}">
+        <p14:creationId xmlns:p14="http://schemas.microsoft.com/office/powerpoint/2010/main" val="1610099843"/>
+      </p:ext>
+    </p:extLst>
+  </p:cSld>
+  <p:clrMapOvr>
+    <a:masterClrMapping/>
+  </p:clrMapOvr>
+</p:sld>
+</file>
+
+<file path=ppt/slides/slide16.xml><?xml version="1.0" encoding="utf-8"?>
+<p:sld xmlns:a="http://schemas.openxmlformats.org/drawingml/2006/main" xmlns:r="http://schemas.openxmlformats.org/officeDocument/2006/relationships" xmlns:p="http://schemas.openxmlformats.org/presentationml/2006/main">
+  <p:cSld>
+    <p:spTree>
+      <p:nvGrpSpPr>
+        <p:cNvPr id="1" name=""/>
+        <p:cNvGrpSpPr/>
+        <p:nvPr/>
+      </p:nvGrpSpPr>
+      <p:grpSpPr>
+        <a:xfrm>
+          <a:off x="0" y="0"/>
+          <a:ext cx="0" cy="0"/>
+          <a:chOff x="0" y="0"/>
+          <a:chExt cx="0" cy="0"/>
+        </a:xfrm>
+      </p:grpSpPr>
+      <p:graphicFrame>
+        <p:nvGraphicFramePr>
+          <p:cNvPr id="12" name="Объект 11"/>
+          <p:cNvGraphicFramePr>
+            <a:graphicFrameLocks noChangeAspect="1"/>
+          </p:cNvGraphicFramePr>
+          <p:nvPr/>
+        </p:nvGraphicFramePr>
+        <p:xfrm>
+          <a:off x="10289848" y="216259"/>
+          <a:ext cx="1282735" cy="446617"/>
+        </p:xfrm>
+        <a:graphic>
+          <a:graphicData uri="http://schemas.openxmlformats.org/presentationml/2006/ole">
+            <mc:AlternateContent xmlns:mc="http://schemas.openxmlformats.org/markup-compatibility/2006">
+              <mc:Choice xmlns:v="urn:schemas-microsoft-com:vml" Requires="v">
+                <p:oleObj name="CorelDRAW" r:id="rId2" imgW="2566457" imgH="894201" progId="CorelDraw.Graphic.22">
+                  <p:embed/>
+                </p:oleObj>
+              </mc:Choice>
+              <mc:Fallback>
+                <p:oleObj name="CorelDRAW" r:id="rId2" imgW="2566457" imgH="894201" progId="CorelDraw.Graphic.22">
+                  <p:embed/>
+                  <p:pic>
+                    <p:nvPicPr>
+                      <p:cNvPr id="12" name="Объект 11"/>
+                      <p:cNvPicPr/>
+                      <p:nvPr/>
+                    </p:nvPicPr>
+                    <p:blipFill>
+                      <a:blip r:embed="rId3"/>
+                      <a:stretch>
+                        <a:fillRect/>
+                      </a:stretch>
+                    </p:blipFill>
+                    <p:spPr>
+                      <a:xfrm>
+                        <a:off x="10289848" y="216259"/>
+                        <a:ext cx="1282735" cy="446617"/>
+                      </a:xfrm>
+                      <a:prstGeom prst="rect">
+                        <a:avLst/>
+                      </a:prstGeom>
+                    </p:spPr>
+                  </p:pic>
+                </p:oleObj>
+              </mc:Fallback>
+            </mc:AlternateContent>
+          </a:graphicData>
+        </a:graphic>
+      </p:graphicFrame>
+      <p:sp>
+        <p:nvSpPr>
+          <p:cNvPr id="9" name="Прямоугольник 8"/>
+          <p:cNvSpPr/>
+          <p:nvPr/>
+        </p:nvSpPr>
+        <p:spPr>
+          <a:xfrm>
+            <a:off x="986118" y="756621"/>
+            <a:ext cx="10586465" cy="21600"/>
+          </a:xfrm>
+          <a:prstGeom prst="rect">
+            <a:avLst/>
+          </a:prstGeom>
+          <a:solidFill>
+            <a:srgbClr val="0070C0"/>
+          </a:solidFill>
+          <a:ln>
+            <a:noFill/>
+          </a:ln>
+        </p:spPr>
+        <p:style>
+          <a:lnRef idx="2">
+            <a:schemeClr val="accent1">
+              <a:shade val="50000"/>
+            </a:schemeClr>
+          </a:lnRef>
+          <a:fillRef idx="1">
+            <a:schemeClr val="accent1"/>
+          </a:fillRef>
+          <a:effectRef idx="0">
+            <a:schemeClr val="accent1"/>
+          </a:effectRef>
+          <a:fontRef idx="minor">
+            <a:schemeClr val="lt1"/>
+          </a:fontRef>
+        </p:style>
+        <p:txBody>
+          <a:bodyPr rtlCol="0" anchor="ctr"/>
+          <a:lstStyle/>
+          <a:p>
+            <a:pPr algn="ctr"/>
+            <a:endParaRPr lang="ru-RU" dirty="0">
+              <a:solidFill>
+                <a:srgbClr val="7030A0"/>
+              </a:solidFill>
+            </a:endParaRPr>
+          </a:p>
+        </p:txBody>
+      </p:sp>
+      <p:pic>
+        <p:nvPicPr>
+          <p:cNvPr id="10" name="Рисунок 9"/>
+          <p:cNvPicPr>
+            <a:picLocks noChangeAspect="1"/>
+          </p:cNvPicPr>
+          <p:nvPr/>
+        </p:nvPicPr>
+        <p:blipFill>
+          <a:blip r:embed="rId4" cstate="print">
+            <a:extLst>
+              <a:ext uri="{28A0092B-C50C-407E-A947-70E740481C1C}">
+                <a14:useLocalDpi xmlns:a14="http://schemas.microsoft.com/office/drawing/2010/main" val="0"/>
+              </a:ext>
+            </a:extLst>
+          </a:blip>
+          <a:stretch>
+            <a:fillRect/>
+          </a:stretch>
+        </p:blipFill>
+        <p:spPr>
+          <a:xfrm>
+            <a:off x="653795" y="228173"/>
+            <a:ext cx="917722" cy="434968"/>
+          </a:xfrm>
+          <a:prstGeom prst="rect">
+            <a:avLst/>
+          </a:prstGeom>
+        </p:spPr>
+      </p:pic>
+      <p:sp>
+        <p:nvSpPr>
+          <p:cNvPr id="3" name="TextBox 2">
+            <a:extLst>
+              <a:ext uri="{FF2B5EF4-FFF2-40B4-BE49-F238E27FC236}">
+                <a16:creationId xmlns:a16="http://schemas.microsoft.com/office/drawing/2014/main" id="{17FE94F6-7284-801F-F817-E8DCCB9E7C76}"/>
+              </a:ext>
+            </a:extLst>
+          </p:cNvPr>
+          <p:cNvSpPr txBox="1"/>
+          <p:nvPr/>
+        </p:nvSpPr>
+        <p:spPr>
+          <a:xfrm>
+            <a:off x="986118" y="959224"/>
+            <a:ext cx="10586465" cy="1077218"/>
+          </a:xfrm>
+          <a:prstGeom prst="rect">
+            <a:avLst/>
+          </a:prstGeom>
+          <a:noFill/>
+        </p:spPr>
+        <p:txBody>
+          <a:bodyPr wrap="square" rtlCol="0">
+            <a:spAutoFit/>
+          </a:bodyPr>
+          <a:lstStyle/>
+          <a:p>
+            <a:r>
+              <a:rPr lang="en-US" sz="3200">
+                <a:latin typeface="Congenial SemiBold" panose="020B0604020202020204" pitchFamily="2" charset="0"/>
+                <a:ea typeface="Open Sans" panose="020B0606030504020204" pitchFamily="34" charset="0"/>
+                <a:cs typeface="Aldhabi" panose="020B0604020202020204" pitchFamily="2" charset="-78"/>
+              </a:rPr>
+              <a:t>Why personalized SAC with a dataset recorder in uncontrolled non-laboratory environment</a:t>
+            </a:r>
+          </a:p>
+        </p:txBody>
+      </p:sp>
+      <p:sp>
+        <p:nvSpPr>
+          <p:cNvPr id="2" name="Date Placeholder 1">
+            <a:extLst>
+              <a:ext uri="{FF2B5EF4-FFF2-40B4-BE49-F238E27FC236}">
+                <a16:creationId xmlns:a16="http://schemas.microsoft.com/office/drawing/2014/main" id="{713266AF-F834-6D3A-BBBF-3EB246BBCC71}"/>
+              </a:ext>
+            </a:extLst>
+          </p:cNvPr>
+          <p:cNvSpPr>
+            <a:spLocks noGrp="1"/>
+          </p:cNvSpPr>
+          <p:nvPr>
+            <p:ph type="dt" sz="half" idx="10"/>
+          </p:nvPr>
+        </p:nvSpPr>
+        <p:spPr/>
+        <p:txBody>
+          <a:bodyPr/>
+          <a:lstStyle/>
+          <a:p>
+            <a:fld id="{BE76119F-4415-4407-9B12-CFDE4CE93506}" type="datetime3">
+              <a:rPr lang="en-US" smtClean="0"/>
+              <a:t>29 May 2023</a:t>
+            </a:fld>
+            <a:endParaRPr lang="en-US"/>
+          </a:p>
+        </p:txBody>
+      </p:sp>
+      <p:sp>
+        <p:nvSpPr>
+          <p:cNvPr id="4" name="Footer Placeholder 3">
+            <a:extLst>
+              <a:ext uri="{FF2B5EF4-FFF2-40B4-BE49-F238E27FC236}">
+                <a16:creationId xmlns:a16="http://schemas.microsoft.com/office/drawing/2014/main" id="{1F31AF30-DE75-279F-FA51-443ABB565CE5}"/>
+              </a:ext>
+            </a:extLst>
+          </p:cNvPr>
+          <p:cNvSpPr>
+            <a:spLocks noGrp="1"/>
+          </p:cNvSpPr>
+          <p:nvPr>
+            <p:ph type="ftr" sz="quarter" idx="11"/>
+          </p:nvPr>
+        </p:nvSpPr>
+        <p:spPr/>
+        <p:txBody>
+          <a:bodyPr/>
+          <a:lstStyle/>
+          <a:p>
+            <a:r>
+              <a:rPr lang="en-US"/>
+              <a:t>Sport Activity Classification - Jarno Matarmaa</a:t>
+            </a:r>
+          </a:p>
+        </p:txBody>
+      </p:sp>
+      <p:sp>
+        <p:nvSpPr>
+          <p:cNvPr id="5" name="Slide Number Placeholder 4">
+            <a:extLst>
+              <a:ext uri="{FF2B5EF4-FFF2-40B4-BE49-F238E27FC236}">
+                <a16:creationId xmlns:a16="http://schemas.microsoft.com/office/drawing/2014/main" id="{BB217FAE-10C2-9D5B-9719-6EF654B02F65}"/>
+              </a:ext>
+            </a:extLst>
+          </p:cNvPr>
+          <p:cNvSpPr>
+            <a:spLocks noGrp="1"/>
+          </p:cNvSpPr>
+          <p:nvPr>
+            <p:ph type="sldNum" sz="quarter" idx="12"/>
+          </p:nvPr>
+        </p:nvSpPr>
+        <p:spPr/>
+        <p:txBody>
+          <a:bodyPr/>
+          <a:lstStyle/>
+          <a:p>
+            <a:fld id="{ED30651D-D783-46EC-BC0A-06F8BEAECD3E}" type="slidenum">
+              <a:rPr lang="en-US" smtClean="0"/>
+              <a:t>16</a:t>
+            </a:fld>
+            <a:endParaRPr lang="en-US"/>
+          </a:p>
+        </p:txBody>
+      </p:sp>
+      <p:sp>
+        <p:nvSpPr>
+          <p:cNvPr id="6" name="TextBox 5">
+            <a:extLst>
+              <a:ext uri="{FF2B5EF4-FFF2-40B4-BE49-F238E27FC236}">
+                <a16:creationId xmlns:a16="http://schemas.microsoft.com/office/drawing/2014/main" id="{A0D9EB1E-E665-B040-688B-D6AFED4ABB06}"/>
+              </a:ext>
+            </a:extLst>
+          </p:cNvPr>
+          <p:cNvSpPr txBox="1"/>
+          <p:nvPr/>
+        </p:nvSpPr>
+        <p:spPr>
+          <a:xfrm>
+            <a:off x="986118" y="2409828"/>
+            <a:ext cx="10586465" cy="3262432"/>
+          </a:xfrm>
+          <a:prstGeom prst="rect">
+            <a:avLst/>
+          </a:prstGeom>
+          <a:noFill/>
+        </p:spPr>
+        <p:txBody>
+          <a:bodyPr wrap="square" rtlCol="0">
+            <a:spAutoFit/>
+          </a:bodyPr>
+          <a:lstStyle/>
+          <a:p>
+            <a:pPr marL="285750" indent="-285750">
+              <a:spcBef>
+                <a:spcPts val="1200"/>
+              </a:spcBef>
+              <a:buFont typeface="Courier New" panose="02070309020205020404" pitchFamily="49" charset="0"/>
+              <a:buChar char="o"/>
+            </a:pPr>
+            <a:r>
+              <a:rPr lang="en-US" sz="2400" kern="1200">
+                <a:effectLst/>
+                <a:ea typeface="SimSun" panose="02010600030101010101" pitchFamily="2" charset="-122"/>
+              </a:rPr>
+              <a:t>Foerster et al. (1999) demonstrated accuracy drop for ambulation activities from 95.6% of a controlled data collection experiment to 66% of uncontrolled non-laboratory natural environment.</a:t>
+            </a:r>
+          </a:p>
+          <a:p>
+            <a:pPr marL="285750" indent="-285750">
+              <a:spcBef>
+                <a:spcPts val="1200"/>
+              </a:spcBef>
+              <a:buFont typeface="Courier New" panose="02070309020205020404" pitchFamily="49" charset="0"/>
+              <a:buChar char="o"/>
+            </a:pPr>
+            <a:r>
+              <a:rPr lang="en-US" sz="2400" kern="1200">
+                <a:effectLst/>
+                <a:ea typeface="SimSun" panose="02010600030101010101" pitchFamily="2" charset="-122"/>
+              </a:rPr>
+              <a:t>Berchtold et al. (2010) identified an open debate on the design of any activity recognition model. Since according to some authors, people perform activities in a different manner as they differ on age, gender, weight, and so on, a specific recognition model should be built for each individual.</a:t>
+            </a:r>
+          </a:p>
+          <a:p>
+            <a:pPr marL="285750" indent="-285750">
+              <a:spcBef>
+                <a:spcPts val="1200"/>
+              </a:spcBef>
+              <a:buFont typeface="Courier New" panose="02070309020205020404" pitchFamily="49" charset="0"/>
+              <a:buChar char="o"/>
+            </a:pPr>
+            <a:endParaRPr lang="en-FI" sz="1800" kern="1200">
+              <a:effectLst/>
+              <a:latin typeface="Times New Roman" panose="02020603050405020304" pitchFamily="18" charset="0"/>
+              <a:ea typeface="SimSun" panose="02010600030101010101" pitchFamily="2" charset="-122"/>
+              <a:cs typeface="Times New Roman" panose="02020603050405020304" pitchFamily="18" charset="0"/>
+            </a:endParaRPr>
+          </a:p>
+        </p:txBody>
+      </p:sp>
+    </p:spTree>
+    <p:extLst>
+      <p:ext uri="{BB962C8B-B14F-4D97-AF65-F5344CB8AC3E}">
+        <p14:creationId xmlns:p14="http://schemas.microsoft.com/office/powerpoint/2010/main" val="710172695"/>
+      </p:ext>
+    </p:extLst>
+  </p:cSld>
+  <p:clrMapOvr>
+    <a:masterClrMapping/>
+  </p:clrMapOvr>
+</p:sld>
+</file>
+
+<file path=ppt/slides/slide17.xml><?xml version="1.0" encoding="utf-8"?>
+<p:sld xmlns:a="http://schemas.openxmlformats.org/drawingml/2006/main" xmlns:r="http://schemas.openxmlformats.org/officeDocument/2006/relationships" xmlns:p="http://schemas.openxmlformats.org/presentationml/2006/main">
+  <p:cSld>
+    <p:spTree>
+      <p:nvGrpSpPr>
+        <p:cNvPr id="1" name=""/>
+        <p:cNvGrpSpPr/>
+        <p:nvPr/>
+      </p:nvGrpSpPr>
+      <p:grpSpPr>
+        <a:xfrm>
+          <a:off x="0" y="0"/>
+          <a:ext cx="0" cy="0"/>
+          <a:chOff x="0" y="0"/>
+          <a:chExt cx="0" cy="0"/>
+        </a:xfrm>
+      </p:grpSpPr>
+      <p:graphicFrame>
+        <p:nvGraphicFramePr>
+          <p:cNvPr id="12" name="Объект 11"/>
+          <p:cNvGraphicFramePr>
+            <a:graphicFrameLocks noChangeAspect="1"/>
+          </p:cNvGraphicFramePr>
+          <p:nvPr/>
+        </p:nvGraphicFramePr>
+        <p:xfrm>
+          <a:off x="10289848" y="216259"/>
+          <a:ext cx="1282735" cy="446617"/>
+        </p:xfrm>
+        <a:graphic>
+          <a:graphicData uri="http://schemas.openxmlformats.org/presentationml/2006/ole">
+            <mc:AlternateContent xmlns:mc="http://schemas.openxmlformats.org/markup-compatibility/2006">
+              <mc:Choice xmlns:v="urn:schemas-microsoft-com:vml" Requires="v">
+                <p:oleObj name="CorelDRAW" r:id="rId2" imgW="2566457" imgH="894201" progId="CorelDraw.Graphic.22">
+                  <p:embed/>
+                </p:oleObj>
+              </mc:Choice>
+              <mc:Fallback>
+                <p:oleObj name="CorelDRAW" r:id="rId2" imgW="2566457" imgH="894201" progId="CorelDraw.Graphic.22">
+                  <p:embed/>
+                  <p:pic>
+                    <p:nvPicPr>
+                      <p:cNvPr id="12" name="Объект 11"/>
+                      <p:cNvPicPr/>
+                      <p:nvPr/>
+                    </p:nvPicPr>
+                    <p:blipFill>
+                      <a:blip r:embed="rId3"/>
+                      <a:stretch>
+                        <a:fillRect/>
+                      </a:stretch>
+                    </p:blipFill>
+                    <p:spPr>
+                      <a:xfrm>
+                        <a:off x="10289848" y="216259"/>
+                        <a:ext cx="1282735" cy="446617"/>
+                      </a:xfrm>
+                      <a:prstGeom prst="rect">
+                        <a:avLst/>
+                      </a:prstGeom>
+                    </p:spPr>
+                  </p:pic>
+                </p:oleObj>
+              </mc:Fallback>
+            </mc:AlternateContent>
+          </a:graphicData>
+        </a:graphic>
+      </p:graphicFrame>
+      <p:sp>
+        <p:nvSpPr>
+          <p:cNvPr id="9" name="Прямоугольник 8"/>
+          <p:cNvSpPr/>
+          <p:nvPr/>
+        </p:nvSpPr>
+        <p:spPr>
+          <a:xfrm>
+            <a:off x="986118" y="756621"/>
+            <a:ext cx="10586465" cy="21600"/>
+          </a:xfrm>
+          <a:prstGeom prst="rect">
+            <a:avLst/>
+          </a:prstGeom>
+          <a:solidFill>
+            <a:srgbClr val="0070C0"/>
+          </a:solidFill>
+          <a:ln>
+            <a:noFill/>
+          </a:ln>
+        </p:spPr>
+        <p:style>
+          <a:lnRef idx="2">
+            <a:schemeClr val="accent1">
+              <a:shade val="50000"/>
+            </a:schemeClr>
+          </a:lnRef>
+          <a:fillRef idx="1">
+            <a:schemeClr val="accent1"/>
+          </a:fillRef>
+          <a:effectRef idx="0">
+            <a:schemeClr val="accent1"/>
+          </a:effectRef>
+          <a:fontRef idx="minor">
+            <a:schemeClr val="lt1"/>
+          </a:fontRef>
+        </p:style>
+        <p:txBody>
+          <a:bodyPr rtlCol="0" anchor="ctr"/>
+          <a:lstStyle/>
+          <a:p>
+            <a:pPr algn="ctr"/>
+            <a:endParaRPr lang="ru-RU" dirty="0">
+              <a:solidFill>
+                <a:srgbClr val="7030A0"/>
+              </a:solidFill>
+            </a:endParaRPr>
+          </a:p>
+        </p:txBody>
+      </p:sp>
+      <p:pic>
+        <p:nvPicPr>
+          <p:cNvPr id="10" name="Рисунок 9"/>
+          <p:cNvPicPr>
+            <a:picLocks noChangeAspect="1"/>
+          </p:cNvPicPr>
+          <p:nvPr/>
+        </p:nvPicPr>
+        <p:blipFill>
+          <a:blip r:embed="rId4" cstate="print">
+            <a:extLst>
+              <a:ext uri="{28A0092B-C50C-407E-A947-70E740481C1C}">
+                <a14:useLocalDpi xmlns:a14="http://schemas.microsoft.com/office/drawing/2010/main" val="0"/>
+              </a:ext>
+            </a:extLst>
+          </a:blip>
+          <a:stretch>
+            <a:fillRect/>
+          </a:stretch>
+        </p:blipFill>
+        <p:spPr>
+          <a:xfrm>
+            <a:off x="653795" y="228173"/>
+            <a:ext cx="917722" cy="434968"/>
+          </a:xfrm>
+          <a:prstGeom prst="rect">
+            <a:avLst/>
+          </a:prstGeom>
+        </p:spPr>
+      </p:pic>
+      <p:sp>
+        <p:nvSpPr>
+          <p:cNvPr id="3" name="TextBox 2">
+            <a:extLst>
+              <a:ext uri="{FF2B5EF4-FFF2-40B4-BE49-F238E27FC236}">
+                <a16:creationId xmlns:a16="http://schemas.microsoft.com/office/drawing/2014/main" id="{17FE94F6-7284-801F-F817-E8DCCB9E7C76}"/>
+              </a:ext>
+            </a:extLst>
+          </p:cNvPr>
+          <p:cNvSpPr txBox="1"/>
+          <p:nvPr/>
+        </p:nvSpPr>
+        <p:spPr>
+          <a:xfrm>
             <a:off x="986118" y="959224"/>
             <a:ext cx="10586465" cy="584775"/>
           </a:xfrm>
@@ -6855,18 +8916,13 @@
           <a:lstStyle/>
           <a:p>
             <a:r>
-              <a:rPr lang="fi-FI" sz="3200">
-                <a:latin typeface="Congenial SemiBold" panose="02000503040000020004" pitchFamily="2" charset="0"/>
+              <a:rPr lang="en-US" sz="3200">
+                <a:latin typeface="Congenial SemiBold" panose="020B0604020202020204" pitchFamily="2" charset="0"/>
                 <a:ea typeface="Open Sans" panose="020B0606030504020204" pitchFamily="34" charset="0"/>
                 <a:cs typeface="Aldhabi" panose="020B0604020202020204" pitchFamily="2" charset="-78"/>
               </a:rPr>
-              <a:t>Right Questions</a:t>
-            </a:r>
-            <a:endParaRPr lang="en-US" sz="3200">
-              <a:latin typeface="Congenial SemiBold" panose="02000503040000020004" pitchFamily="2" charset="0"/>
-              <a:ea typeface="Open Sans" panose="020B0606030504020204" pitchFamily="34" charset="0"/>
-              <a:cs typeface="Aldhabi" panose="020B0604020202020204" pitchFamily="2" charset="-78"/>
-            </a:endParaRPr>
+              <a:t>TSC - Random Forest</a:t>
+            </a:r>
           </a:p>
         </p:txBody>
       </p:sp>
@@ -6875,7 +8931,7 @@
           <p:cNvPr id="2" name="Date Placeholder 1">
             <a:extLst>
               <a:ext uri="{FF2B5EF4-FFF2-40B4-BE49-F238E27FC236}">
-                <a16:creationId xmlns:a16="http://schemas.microsoft.com/office/drawing/2014/main" id="{F572E37B-F84C-225B-FCDC-1F11D51E0472}"/>
+                <a16:creationId xmlns:a16="http://schemas.microsoft.com/office/drawing/2014/main" id="{C614EA35-74C6-E5B0-F9B0-2AEC92662F36}"/>
               </a:ext>
             </a:extLst>
           </p:cNvPr>
@@ -6891,9 +8947,9 @@
           <a:bodyPr/>
           <a:lstStyle/>
           <a:p>
-            <a:fld id="{BF313692-7DAF-4663-A4A1-8CC27A7102F8}" type="datetime3">
+            <a:fld id="{98D6F17B-863C-4F17-AB65-141CD3CCD3CD}" type="datetime3">
               <a:rPr lang="en-US" smtClean="0"/>
-              <a:t>22 May 2023</a:t>
+              <a:t>29 May 2023</a:t>
             </a:fld>
             <a:endParaRPr lang="en-US"/>
           </a:p>
@@ -6904,7 +8960,7 @@
           <p:cNvPr id="4" name="Footer Placeholder 3">
             <a:extLst>
               <a:ext uri="{FF2B5EF4-FFF2-40B4-BE49-F238E27FC236}">
-                <a16:creationId xmlns:a16="http://schemas.microsoft.com/office/drawing/2014/main" id="{EDA6C70B-E31F-37C2-DDF7-52CCC001F4C3}"/>
+                <a16:creationId xmlns:a16="http://schemas.microsoft.com/office/drawing/2014/main" id="{FA349680-E65A-6C87-F049-01A041225B67}"/>
               </a:ext>
             </a:extLst>
           </p:cNvPr>
@@ -6932,7 +8988,7 @@
           <p:cNvPr id="5" name="Slide Number Placeholder 4">
             <a:extLst>
               <a:ext uri="{FF2B5EF4-FFF2-40B4-BE49-F238E27FC236}">
-                <a16:creationId xmlns:a16="http://schemas.microsoft.com/office/drawing/2014/main" id="{4F282F08-4A66-1BDB-8B58-60F27666A7E1}"/>
+                <a16:creationId xmlns:a16="http://schemas.microsoft.com/office/drawing/2014/main" id="{603FAD2D-B494-DF3C-B887-ADB4BBD2941E}"/>
               </a:ext>
             </a:extLst>
           </p:cNvPr>
@@ -6950,18 +9006,215 @@
           <a:p>
             <a:fld id="{ED30651D-D783-46EC-BC0A-06F8BEAECD3E}" type="slidenum">
               <a:rPr lang="en-US" smtClean="0"/>
-              <a:t>15</a:t>
+              <a:t>17</a:t>
             </a:fld>
             <a:endParaRPr lang="en-US"/>
           </a:p>
         </p:txBody>
       </p:sp>
-      <p:sp>
-        <p:nvSpPr>
-          <p:cNvPr id="6" name="TextBox 5">
-            <a:extLst>
-              <a:ext uri="{FF2B5EF4-FFF2-40B4-BE49-F238E27FC236}">
-                <a16:creationId xmlns:a16="http://schemas.microsoft.com/office/drawing/2014/main" id="{E984F92B-BE85-3002-465B-216F50159AD9}"/>
+      <p:pic>
+        <p:nvPicPr>
+          <p:cNvPr id="7" name="Picture 6" descr="A picture containing screenshot, black, darkness, design&#10;&#10;Description automatically generated">
+            <a:extLst>
+              <a:ext uri="{FF2B5EF4-FFF2-40B4-BE49-F238E27FC236}">
+                <a16:creationId xmlns:a16="http://schemas.microsoft.com/office/drawing/2014/main" id="{CAA1C50C-8930-DEED-3E30-BD4916C0848E}"/>
+              </a:ext>
+            </a:extLst>
+          </p:cNvPr>
+          <p:cNvPicPr>
+            <a:picLocks noChangeAspect="1"/>
+          </p:cNvPicPr>
+          <p:nvPr/>
+        </p:nvPicPr>
+        <p:blipFill>
+          <a:blip r:embed="rId5">
+            <a:extLst>
+              <a:ext uri="{28A0092B-C50C-407E-A947-70E740481C1C}">
+                <a14:useLocalDpi xmlns:a14="http://schemas.microsoft.com/office/drawing/2010/main" val="0"/>
+              </a:ext>
+            </a:extLst>
+          </a:blip>
+          <a:stretch>
+            <a:fillRect/>
+          </a:stretch>
+        </p:blipFill>
+        <p:spPr>
+          <a:xfrm>
+            <a:off x="2419350" y="1926852"/>
+            <a:ext cx="7353300" cy="3829050"/>
+          </a:xfrm>
+          <a:prstGeom prst="rect">
+            <a:avLst/>
+          </a:prstGeom>
+        </p:spPr>
+      </p:pic>
+    </p:spTree>
+    <p:extLst>
+      <p:ext uri="{BB962C8B-B14F-4D97-AF65-F5344CB8AC3E}">
+        <p14:creationId xmlns:p14="http://schemas.microsoft.com/office/powerpoint/2010/main" val="288630929"/>
+      </p:ext>
+    </p:extLst>
+  </p:cSld>
+  <p:clrMapOvr>
+    <a:masterClrMapping/>
+  </p:clrMapOvr>
+</p:sld>
+</file>
+
+<file path=ppt/slides/slide18.xml><?xml version="1.0" encoding="utf-8"?>
+<p:sld xmlns:a="http://schemas.openxmlformats.org/drawingml/2006/main" xmlns:r="http://schemas.openxmlformats.org/officeDocument/2006/relationships" xmlns:p="http://schemas.openxmlformats.org/presentationml/2006/main">
+  <p:cSld>
+    <p:spTree>
+      <p:nvGrpSpPr>
+        <p:cNvPr id="1" name=""/>
+        <p:cNvGrpSpPr/>
+        <p:nvPr/>
+      </p:nvGrpSpPr>
+      <p:grpSpPr>
+        <a:xfrm>
+          <a:off x="0" y="0"/>
+          <a:ext cx="0" cy="0"/>
+          <a:chOff x="0" y="0"/>
+          <a:chExt cx="0" cy="0"/>
+        </a:xfrm>
+      </p:grpSpPr>
+      <p:graphicFrame>
+        <p:nvGraphicFramePr>
+          <p:cNvPr id="12" name="Объект 11"/>
+          <p:cNvGraphicFramePr>
+            <a:graphicFrameLocks noChangeAspect="1"/>
+          </p:cNvGraphicFramePr>
+          <p:nvPr/>
+        </p:nvGraphicFramePr>
+        <p:xfrm>
+          <a:off x="10289848" y="216259"/>
+          <a:ext cx="1282735" cy="446617"/>
+        </p:xfrm>
+        <a:graphic>
+          <a:graphicData uri="http://schemas.openxmlformats.org/presentationml/2006/ole">
+            <mc:AlternateContent xmlns:mc="http://schemas.openxmlformats.org/markup-compatibility/2006">
+              <mc:Choice xmlns:v="urn:schemas-microsoft-com:vml" Requires="v">
+                <p:oleObj name="CorelDRAW" r:id="rId2" imgW="2566457" imgH="894201" progId="CorelDraw.Graphic.22">
+                  <p:embed/>
+                </p:oleObj>
+              </mc:Choice>
+              <mc:Fallback>
+                <p:oleObj name="CorelDRAW" r:id="rId2" imgW="2566457" imgH="894201" progId="CorelDraw.Graphic.22">
+                  <p:embed/>
+                  <p:pic>
+                    <p:nvPicPr>
+                      <p:cNvPr id="12" name="Объект 11"/>
+                      <p:cNvPicPr/>
+                      <p:nvPr/>
+                    </p:nvPicPr>
+                    <p:blipFill>
+                      <a:blip r:embed="rId3"/>
+                      <a:stretch>
+                        <a:fillRect/>
+                      </a:stretch>
+                    </p:blipFill>
+                    <p:spPr>
+                      <a:xfrm>
+                        <a:off x="10289848" y="216259"/>
+                        <a:ext cx="1282735" cy="446617"/>
+                      </a:xfrm>
+                      <a:prstGeom prst="rect">
+                        <a:avLst/>
+                      </a:prstGeom>
+                    </p:spPr>
+                  </p:pic>
+                </p:oleObj>
+              </mc:Fallback>
+            </mc:AlternateContent>
+          </a:graphicData>
+        </a:graphic>
+      </p:graphicFrame>
+      <p:sp>
+        <p:nvSpPr>
+          <p:cNvPr id="9" name="Прямоугольник 8"/>
+          <p:cNvSpPr/>
+          <p:nvPr/>
+        </p:nvSpPr>
+        <p:spPr>
+          <a:xfrm>
+            <a:off x="986118" y="756621"/>
+            <a:ext cx="10586465" cy="21600"/>
+          </a:xfrm>
+          <a:prstGeom prst="rect">
+            <a:avLst/>
+          </a:prstGeom>
+          <a:solidFill>
+            <a:srgbClr val="0070C0"/>
+          </a:solidFill>
+          <a:ln>
+            <a:noFill/>
+          </a:ln>
+        </p:spPr>
+        <p:style>
+          <a:lnRef idx="2">
+            <a:schemeClr val="accent1">
+              <a:shade val="50000"/>
+            </a:schemeClr>
+          </a:lnRef>
+          <a:fillRef idx="1">
+            <a:schemeClr val="accent1"/>
+          </a:fillRef>
+          <a:effectRef idx="0">
+            <a:schemeClr val="accent1"/>
+          </a:effectRef>
+          <a:fontRef idx="minor">
+            <a:schemeClr val="lt1"/>
+          </a:fontRef>
+        </p:style>
+        <p:txBody>
+          <a:bodyPr rtlCol="0" anchor="ctr"/>
+          <a:lstStyle/>
+          <a:p>
+            <a:pPr algn="ctr"/>
+            <a:endParaRPr lang="ru-RU" dirty="0">
+              <a:solidFill>
+                <a:srgbClr val="7030A0"/>
+              </a:solidFill>
+            </a:endParaRPr>
+          </a:p>
+        </p:txBody>
+      </p:sp>
+      <p:pic>
+        <p:nvPicPr>
+          <p:cNvPr id="10" name="Рисунок 9"/>
+          <p:cNvPicPr>
+            <a:picLocks noChangeAspect="1"/>
+          </p:cNvPicPr>
+          <p:nvPr/>
+        </p:nvPicPr>
+        <p:blipFill>
+          <a:blip r:embed="rId4" cstate="print">
+            <a:extLst>
+              <a:ext uri="{28A0092B-C50C-407E-A947-70E740481C1C}">
+                <a14:useLocalDpi xmlns:a14="http://schemas.microsoft.com/office/drawing/2010/main" val="0"/>
+              </a:ext>
+            </a:extLst>
+          </a:blip>
+          <a:stretch>
+            <a:fillRect/>
+          </a:stretch>
+        </p:blipFill>
+        <p:spPr>
+          <a:xfrm>
+            <a:off x="653795" y="228173"/>
+            <a:ext cx="917722" cy="434968"/>
+          </a:xfrm>
+          <a:prstGeom prst="rect">
+            <a:avLst/>
+          </a:prstGeom>
+        </p:spPr>
+      </p:pic>
+      <p:sp>
+        <p:nvSpPr>
+          <p:cNvPr id="3" name="TextBox 2">
+            <a:extLst>
+              <a:ext uri="{FF2B5EF4-FFF2-40B4-BE49-F238E27FC236}">
+                <a16:creationId xmlns:a16="http://schemas.microsoft.com/office/drawing/2014/main" id="{17FE94F6-7284-801F-F817-E8DCCB9E7C76}"/>
               </a:ext>
             </a:extLst>
           </p:cNvPr>
@@ -6970,8 +9223,8 @@
         </p:nvSpPr>
         <p:spPr>
           <a:xfrm>
-            <a:off x="986118" y="1855694"/>
-            <a:ext cx="10586465" cy="3939540"/>
+            <a:off x="986118" y="959224"/>
+            <a:ext cx="10586465" cy="584775"/>
           </a:xfrm>
           <a:prstGeom prst="rect">
             <a:avLst/>
@@ -6984,182 +9237,571 @@
           </a:bodyPr>
           <a:lstStyle/>
           <a:p>
-            <a:pPr marL="457200" indent="-457200">
-              <a:spcAft>
-                <a:spcPts val="600"/>
-              </a:spcAft>
-              <a:buFont typeface="+mj-lt"/>
-              <a:buAutoNum type="arabicPeriod"/>
-            </a:pPr>
-            <a:r>
-              <a:rPr lang="en-US" sz="2000"/>
-              <a:t>What’s the significance of constructing </a:t>
-            </a:r>
-            <a:r>
-              <a:rPr lang="en-US" sz="2000" b="1"/>
-              <a:t>interlaced signals </a:t>
-            </a:r>
-            <a:r>
-              <a:rPr lang="en-US" sz="2000"/>
-              <a:t>instead of using simple</a:t>
-            </a:r>
-            <a:r>
-              <a:rPr lang="en-US" sz="2000" b="1"/>
-              <a:t> column concatenation </a:t>
-            </a:r>
-            <a:r>
-              <a:rPr lang="en-US" sz="2000"/>
-              <a:t>method?</a:t>
-            </a:r>
-          </a:p>
-          <a:p>
-            <a:pPr marL="457200" indent="-457200">
-              <a:spcAft>
-                <a:spcPts val="600"/>
-              </a:spcAft>
-              <a:buFont typeface="+mj-lt"/>
-              <a:buAutoNum type="arabicPeriod"/>
-            </a:pPr>
-            <a:r>
-              <a:rPr lang="en-US" sz="2000"/>
-              <a:t>In which cases pure </a:t>
-            </a:r>
-            <a:r>
-              <a:rPr lang="en-US" sz="2000" b="1"/>
-              <a:t>time series signals </a:t>
-            </a:r>
-            <a:r>
-              <a:rPr lang="en-US" sz="2000"/>
-              <a:t>could be especially useful compared to </a:t>
-            </a:r>
-            <a:r>
-              <a:rPr lang="en-US" sz="2000" b="1"/>
-              <a:t>extracted features</a:t>
-            </a:r>
-            <a:r>
-              <a:rPr lang="en-US" sz="2000"/>
-              <a:t>?</a:t>
-            </a:r>
-          </a:p>
-          <a:p>
-            <a:pPr marL="457200" indent="-457200">
-              <a:spcAft>
-                <a:spcPts val="600"/>
-              </a:spcAft>
-              <a:buFont typeface="+mj-lt"/>
-              <a:buAutoNum type="arabicPeriod"/>
-            </a:pPr>
-            <a:r>
-              <a:rPr lang="en-US" sz="2000"/>
-              <a:t>Why we should classify sports from </a:t>
-            </a:r>
-            <a:r>
-              <a:rPr lang="en-US" sz="2000" b="1"/>
-              <a:t>heart rate, speed, </a:t>
-            </a:r>
-            <a:r>
-              <a:rPr lang="en-US" sz="2000"/>
-              <a:t>and</a:t>
-            </a:r>
-            <a:r>
-              <a:rPr lang="en-US" sz="2000" b="1"/>
-              <a:t> altitude </a:t>
-            </a:r>
-            <a:r>
-              <a:rPr lang="en-US" sz="2000"/>
-              <a:t>features instead of using </a:t>
-            </a:r>
-            <a:r>
-              <a:rPr lang="en-US" sz="2000" b="1"/>
-              <a:t>inertial sensor data </a:t>
-            </a:r>
-            <a:r>
-              <a:rPr lang="en-US" sz="2000"/>
-              <a:t>which have produced a great results in previous studies?</a:t>
-            </a:r>
-          </a:p>
-          <a:p>
-            <a:pPr marL="457200" indent="-457200">
-              <a:spcAft>
-                <a:spcPts val="600"/>
-              </a:spcAft>
-              <a:buFont typeface="+mj-lt"/>
-              <a:buAutoNum type="arabicPeriod"/>
-            </a:pPr>
-            <a:r>
-              <a:rPr lang="en-US" sz="2000"/>
-              <a:t>Are the results </a:t>
-            </a:r>
-            <a:r>
-              <a:rPr lang="en-US" sz="2000" b="1"/>
-              <a:t>generalizable</a:t>
-            </a:r>
-            <a:r>
-              <a:rPr lang="en-US" sz="2000"/>
-              <a:t> and can we expect the </a:t>
-            </a:r>
-            <a:r>
-              <a:rPr lang="en-US" sz="2000" b="1"/>
-              <a:t>same accuracy level </a:t>
-            </a:r>
-            <a:r>
-              <a:rPr lang="en-US" sz="2000"/>
-              <a:t>among athletes with different physical and personal characteristics such as </a:t>
-            </a:r>
-            <a:r>
-              <a:rPr lang="en-US" sz="2000" b="1"/>
-              <a:t>gender, age, weight, length</a:t>
-            </a:r>
-            <a:r>
-              <a:rPr lang="en-US" sz="2000"/>
-              <a:t>, etc.?</a:t>
-            </a:r>
-          </a:p>
-          <a:p>
-            <a:pPr marL="457200" indent="-457200">
-              <a:spcAft>
-                <a:spcPts val="600"/>
-              </a:spcAft>
-              <a:buFont typeface="+mj-lt"/>
-              <a:buAutoNum type="arabicPeriod"/>
-            </a:pPr>
-            <a:r>
-              <a:rPr lang="en-US" sz="2000"/>
-              <a:t>Why we should have a specialized classification method for outdoor sports?</a:t>
-            </a:r>
-          </a:p>
-          <a:p>
-            <a:pPr marL="457200" indent="-457200">
-              <a:spcAft>
-                <a:spcPts val="600"/>
-              </a:spcAft>
-              <a:buFont typeface="+mj-lt"/>
-              <a:buAutoNum type="arabicPeriod"/>
-            </a:pPr>
-            <a:r>
-              <a:rPr lang="en-US" sz="2000"/>
-              <a:t>Why we should classify sports at all?</a:t>
-            </a:r>
-          </a:p>
-          <a:p>
-            <a:pPr marL="457200" indent="-457200">
-              <a:spcAft>
-                <a:spcPts val="600"/>
-              </a:spcAft>
-              <a:buFont typeface="+mj-lt"/>
-              <a:buAutoNum type="arabicPeriod"/>
-            </a:pPr>
-            <a:r>
-              <a:rPr lang="en-US" sz="2000"/>
-              <a:t>What makes it preferable to conduct a personalized sport classification?</a:t>
-            </a:r>
-          </a:p>
-        </p:txBody>
-      </p:sp>
+            <a:r>
+              <a:rPr lang="en-US" sz="3200">
+                <a:latin typeface="Congenial SemiBold" panose="020B0604020202020204" pitchFamily="2" charset="0"/>
+                <a:ea typeface="Open Sans" panose="020B0606030504020204" pitchFamily="34" charset="0"/>
+                <a:cs typeface="Aldhabi" panose="020B0604020202020204" pitchFamily="2" charset="-78"/>
+              </a:rPr>
+              <a:t>TSC - Classification quality metric ROC-AUC</a:t>
+            </a:r>
+          </a:p>
+        </p:txBody>
+      </p:sp>
+      <p:sp>
+        <p:nvSpPr>
+          <p:cNvPr id="2" name="Date Placeholder 1">
+            <a:extLst>
+              <a:ext uri="{FF2B5EF4-FFF2-40B4-BE49-F238E27FC236}">
+                <a16:creationId xmlns:a16="http://schemas.microsoft.com/office/drawing/2014/main" id="{8D15A0DC-5461-A96D-E355-940C74F2D445}"/>
+              </a:ext>
+            </a:extLst>
+          </p:cNvPr>
+          <p:cNvSpPr>
+            <a:spLocks noGrp="1"/>
+          </p:cNvSpPr>
+          <p:nvPr>
+            <p:ph type="dt" sz="half" idx="10"/>
+          </p:nvPr>
+        </p:nvSpPr>
+        <p:spPr/>
+        <p:txBody>
+          <a:bodyPr/>
+          <a:lstStyle/>
+          <a:p>
+            <a:fld id="{C3DA5F8F-3F15-478C-87D7-FE0B56281373}" type="datetime3">
+              <a:rPr lang="en-US" smtClean="0"/>
+              <a:t>29 May 2023</a:t>
+            </a:fld>
+            <a:endParaRPr lang="en-US"/>
+          </a:p>
+        </p:txBody>
+      </p:sp>
+      <p:sp>
+        <p:nvSpPr>
+          <p:cNvPr id="4" name="Footer Placeholder 3">
+            <a:extLst>
+              <a:ext uri="{FF2B5EF4-FFF2-40B4-BE49-F238E27FC236}">
+                <a16:creationId xmlns:a16="http://schemas.microsoft.com/office/drawing/2014/main" id="{81FC2CF8-DE8C-AA6A-7EA9-3E9834D3D210}"/>
+              </a:ext>
+            </a:extLst>
+          </p:cNvPr>
+          <p:cNvSpPr>
+            <a:spLocks noGrp="1"/>
+          </p:cNvSpPr>
+          <p:nvPr>
+            <p:ph type="ftr" sz="quarter" idx="11"/>
+          </p:nvPr>
+        </p:nvSpPr>
+        <p:spPr/>
+        <p:txBody>
+          <a:bodyPr/>
+          <a:lstStyle/>
+          <a:p>
+            <a:r>
+              <a:rPr lang="en-US"/>
+              <a:t>Sport Activity Classification - Jarno Matarmaa</a:t>
+            </a:r>
+          </a:p>
+        </p:txBody>
+      </p:sp>
+      <p:sp>
+        <p:nvSpPr>
+          <p:cNvPr id="5" name="Slide Number Placeholder 4">
+            <a:extLst>
+              <a:ext uri="{FF2B5EF4-FFF2-40B4-BE49-F238E27FC236}">
+                <a16:creationId xmlns:a16="http://schemas.microsoft.com/office/drawing/2014/main" id="{A7040F45-AE64-ED71-CD45-C9FF626AEA13}"/>
+              </a:ext>
+            </a:extLst>
+          </p:cNvPr>
+          <p:cNvSpPr>
+            <a:spLocks noGrp="1"/>
+          </p:cNvSpPr>
+          <p:nvPr>
+            <p:ph type="sldNum" sz="quarter" idx="12"/>
+          </p:nvPr>
+        </p:nvSpPr>
+        <p:spPr/>
+        <p:txBody>
+          <a:bodyPr/>
+          <a:lstStyle/>
+          <a:p>
+            <a:fld id="{ED30651D-D783-46EC-BC0A-06F8BEAECD3E}" type="slidenum">
+              <a:rPr lang="en-US" smtClean="0"/>
+              <a:t>18</a:t>
+            </a:fld>
+            <a:endParaRPr lang="en-US"/>
+          </a:p>
+        </p:txBody>
+      </p:sp>
+      <p:pic>
+        <p:nvPicPr>
+          <p:cNvPr id="7" name="Picture 6" descr="A picture containing text, diagram, line, font&#10;&#10;Description automatically generated">
+            <a:extLst>
+              <a:ext uri="{FF2B5EF4-FFF2-40B4-BE49-F238E27FC236}">
+                <a16:creationId xmlns:a16="http://schemas.microsoft.com/office/drawing/2014/main" id="{29A0C70D-108B-98CE-CBE3-F90AD38452C8}"/>
+              </a:ext>
+            </a:extLst>
+          </p:cNvPr>
+          <p:cNvPicPr>
+            <a:picLocks noChangeAspect="1"/>
+          </p:cNvPicPr>
+          <p:nvPr/>
+        </p:nvPicPr>
+        <p:blipFill>
+          <a:blip r:embed="rId5">
+            <a:extLst>
+              <a:ext uri="{28A0092B-C50C-407E-A947-70E740481C1C}">
+                <a14:useLocalDpi xmlns:a14="http://schemas.microsoft.com/office/drawing/2010/main" val="0"/>
+              </a:ext>
+            </a:extLst>
+          </a:blip>
+          <a:stretch>
+            <a:fillRect/>
+          </a:stretch>
+        </p:blipFill>
+        <p:spPr>
+          <a:xfrm>
+            <a:off x="1653988" y="2084475"/>
+            <a:ext cx="8884023" cy="3731399"/>
+          </a:xfrm>
+          <a:prstGeom prst="rect">
+            <a:avLst/>
+          </a:prstGeom>
+        </p:spPr>
+      </p:pic>
     </p:spTree>
     <p:extLst>
       <p:ext uri="{BB962C8B-B14F-4D97-AF65-F5344CB8AC3E}">
-        <p14:creationId xmlns:p14="http://schemas.microsoft.com/office/powerpoint/2010/main" val="2714344767"/>
+        <p14:creationId xmlns:p14="http://schemas.microsoft.com/office/powerpoint/2010/main" val="2955668408"/>
+      </p:ext>
+    </p:extLst>
+  </p:cSld>
+  <p:clrMapOvr>
+    <a:masterClrMapping/>
+  </p:clrMapOvr>
+</p:sld>
+</file>
+
+<file path=ppt/slides/slide19.xml><?xml version="1.0" encoding="utf-8"?>
+<p:sld xmlns:a="http://schemas.openxmlformats.org/drawingml/2006/main" xmlns:r="http://schemas.openxmlformats.org/officeDocument/2006/relationships" xmlns:p="http://schemas.openxmlformats.org/presentationml/2006/main">
+  <p:cSld>
+    <p:spTree>
+      <p:nvGrpSpPr>
+        <p:cNvPr id="1" name=""/>
+        <p:cNvGrpSpPr/>
+        <p:nvPr/>
+      </p:nvGrpSpPr>
+      <p:grpSpPr>
+        <a:xfrm>
+          <a:off x="0" y="0"/>
+          <a:ext cx="0" cy="0"/>
+          <a:chOff x="0" y="0"/>
+          <a:chExt cx="0" cy="0"/>
+        </a:xfrm>
+      </p:grpSpPr>
+      <p:graphicFrame>
+        <p:nvGraphicFramePr>
+          <p:cNvPr id="12" name="Объект 11"/>
+          <p:cNvGraphicFramePr>
+            <a:graphicFrameLocks noChangeAspect="1"/>
+          </p:cNvGraphicFramePr>
+          <p:nvPr/>
+        </p:nvGraphicFramePr>
+        <p:xfrm>
+          <a:off x="10289848" y="216259"/>
+          <a:ext cx="1282735" cy="446617"/>
+        </p:xfrm>
+        <a:graphic>
+          <a:graphicData uri="http://schemas.openxmlformats.org/presentationml/2006/ole">
+            <mc:AlternateContent xmlns:mc="http://schemas.openxmlformats.org/markup-compatibility/2006">
+              <mc:Choice xmlns:v="urn:schemas-microsoft-com:vml" Requires="v">
+                <p:oleObj name="CorelDRAW" r:id="rId2" imgW="2566457" imgH="894201" progId="CorelDraw.Graphic.22">
+                  <p:embed/>
+                </p:oleObj>
+              </mc:Choice>
+              <mc:Fallback>
+                <p:oleObj name="CorelDRAW" r:id="rId2" imgW="2566457" imgH="894201" progId="CorelDraw.Graphic.22">
+                  <p:embed/>
+                  <p:pic>
+                    <p:nvPicPr>
+                      <p:cNvPr id="12" name="Объект 11"/>
+                      <p:cNvPicPr/>
+                      <p:nvPr/>
+                    </p:nvPicPr>
+                    <p:blipFill>
+                      <a:blip r:embed="rId3"/>
+                      <a:stretch>
+                        <a:fillRect/>
+                      </a:stretch>
+                    </p:blipFill>
+                    <p:spPr>
+                      <a:xfrm>
+                        <a:off x="10289848" y="216259"/>
+                        <a:ext cx="1282735" cy="446617"/>
+                      </a:xfrm>
+                      <a:prstGeom prst="rect">
+                        <a:avLst/>
+                      </a:prstGeom>
+                    </p:spPr>
+                  </p:pic>
+                </p:oleObj>
+              </mc:Fallback>
+            </mc:AlternateContent>
+          </a:graphicData>
+        </a:graphic>
+      </p:graphicFrame>
+      <p:sp>
+        <p:nvSpPr>
+          <p:cNvPr id="9" name="Прямоугольник 8"/>
+          <p:cNvSpPr/>
+          <p:nvPr/>
+        </p:nvSpPr>
+        <p:spPr>
+          <a:xfrm>
+            <a:off x="986118" y="756621"/>
+            <a:ext cx="10586465" cy="21600"/>
+          </a:xfrm>
+          <a:prstGeom prst="rect">
+            <a:avLst/>
+          </a:prstGeom>
+          <a:solidFill>
+            <a:srgbClr val="0070C0"/>
+          </a:solidFill>
+          <a:ln>
+            <a:noFill/>
+          </a:ln>
+        </p:spPr>
+        <p:style>
+          <a:lnRef idx="2">
+            <a:schemeClr val="accent1">
+              <a:shade val="50000"/>
+            </a:schemeClr>
+          </a:lnRef>
+          <a:fillRef idx="1">
+            <a:schemeClr val="accent1"/>
+          </a:fillRef>
+          <a:effectRef idx="0">
+            <a:schemeClr val="accent1"/>
+          </a:effectRef>
+          <a:fontRef idx="minor">
+            <a:schemeClr val="lt1"/>
+          </a:fontRef>
+        </p:style>
+        <p:txBody>
+          <a:bodyPr rtlCol="0" anchor="ctr"/>
+          <a:lstStyle/>
+          <a:p>
+            <a:pPr algn="ctr"/>
+            <a:endParaRPr lang="ru-RU" dirty="0">
+              <a:solidFill>
+                <a:srgbClr val="7030A0"/>
+              </a:solidFill>
+            </a:endParaRPr>
+          </a:p>
+        </p:txBody>
+      </p:sp>
+      <p:pic>
+        <p:nvPicPr>
+          <p:cNvPr id="10" name="Рисунок 9"/>
+          <p:cNvPicPr>
+            <a:picLocks noChangeAspect="1"/>
+          </p:cNvPicPr>
+          <p:nvPr/>
+        </p:nvPicPr>
+        <p:blipFill>
+          <a:blip r:embed="rId4" cstate="print">
+            <a:extLst>
+              <a:ext uri="{28A0092B-C50C-407E-A947-70E740481C1C}">
+                <a14:useLocalDpi xmlns:a14="http://schemas.microsoft.com/office/drawing/2010/main" val="0"/>
+              </a:ext>
+            </a:extLst>
+          </a:blip>
+          <a:stretch>
+            <a:fillRect/>
+          </a:stretch>
+        </p:blipFill>
+        <p:spPr>
+          <a:xfrm>
+            <a:off x="653795" y="228173"/>
+            <a:ext cx="917722" cy="434968"/>
+          </a:xfrm>
+          <a:prstGeom prst="rect">
+            <a:avLst/>
+          </a:prstGeom>
+        </p:spPr>
+      </p:pic>
+      <p:sp>
+        <p:nvSpPr>
+          <p:cNvPr id="3" name="TextBox 2">
+            <a:extLst>
+              <a:ext uri="{FF2B5EF4-FFF2-40B4-BE49-F238E27FC236}">
+                <a16:creationId xmlns:a16="http://schemas.microsoft.com/office/drawing/2014/main" id="{17FE94F6-7284-801F-F817-E8DCCB9E7C76}"/>
+              </a:ext>
+            </a:extLst>
+          </p:cNvPr>
+          <p:cNvSpPr txBox="1"/>
+          <p:nvPr/>
+        </p:nvSpPr>
+        <p:spPr>
+          <a:xfrm>
+            <a:off x="986118" y="959224"/>
+            <a:ext cx="10586465" cy="584775"/>
+          </a:xfrm>
+          <a:prstGeom prst="rect">
+            <a:avLst/>
+          </a:prstGeom>
+          <a:noFill/>
+        </p:spPr>
+        <p:txBody>
+          <a:bodyPr wrap="square" rtlCol="0">
+            <a:spAutoFit/>
+          </a:bodyPr>
+          <a:lstStyle/>
+          <a:p>
+            <a:r>
+              <a:rPr lang="en-US" sz="3200">
+                <a:latin typeface="Congenial SemiBold" panose="020B0604020202020204" pitchFamily="2" charset="0"/>
+                <a:ea typeface="Open Sans" panose="020B0606030504020204" pitchFamily="34" charset="0"/>
+                <a:cs typeface="Aldhabi" panose="020B0604020202020204" pitchFamily="2" charset="-78"/>
+              </a:rPr>
+              <a:t>S-CML Pipeline</a:t>
+            </a:r>
+          </a:p>
+        </p:txBody>
+      </p:sp>
+      <p:sp>
+        <p:nvSpPr>
+          <p:cNvPr id="2" name="Date Placeholder 1">
+            <a:extLst>
+              <a:ext uri="{FF2B5EF4-FFF2-40B4-BE49-F238E27FC236}">
+                <a16:creationId xmlns:a16="http://schemas.microsoft.com/office/drawing/2014/main" id="{C614EA35-74C6-E5B0-F9B0-2AEC92662F36}"/>
+              </a:ext>
+            </a:extLst>
+          </p:cNvPr>
+          <p:cNvSpPr>
+            <a:spLocks noGrp="1"/>
+          </p:cNvSpPr>
+          <p:nvPr>
+            <p:ph type="dt" sz="half" idx="10"/>
+          </p:nvPr>
+        </p:nvSpPr>
+        <p:spPr/>
+        <p:txBody>
+          <a:bodyPr/>
+          <a:lstStyle/>
+          <a:p>
+            <a:fld id="{98D6F17B-863C-4F17-AB65-141CD3CCD3CD}" type="datetime3">
+              <a:rPr lang="en-US" smtClean="0"/>
+              <a:t>29 May 2023</a:t>
+            </a:fld>
+            <a:endParaRPr lang="en-US"/>
+          </a:p>
+        </p:txBody>
+      </p:sp>
+      <p:sp>
+        <p:nvSpPr>
+          <p:cNvPr id="4" name="Footer Placeholder 3">
+            <a:extLst>
+              <a:ext uri="{FF2B5EF4-FFF2-40B4-BE49-F238E27FC236}">
+                <a16:creationId xmlns:a16="http://schemas.microsoft.com/office/drawing/2014/main" id="{FA349680-E65A-6C87-F049-01A041225B67}"/>
+              </a:ext>
+            </a:extLst>
+          </p:cNvPr>
+          <p:cNvSpPr>
+            <a:spLocks noGrp="1"/>
+          </p:cNvSpPr>
+          <p:nvPr>
+            <p:ph type="ftr" sz="quarter" idx="11"/>
+          </p:nvPr>
+        </p:nvSpPr>
+        <p:spPr/>
+        <p:txBody>
+          <a:bodyPr/>
+          <a:lstStyle/>
+          <a:p>
+            <a:r>
+              <a:rPr lang="en-US"/>
+              <a:t>Sport Activity Classification - Jarno Matarmaa</a:t>
+            </a:r>
+          </a:p>
+        </p:txBody>
+      </p:sp>
+      <p:sp>
+        <p:nvSpPr>
+          <p:cNvPr id="5" name="Slide Number Placeholder 4">
+            <a:extLst>
+              <a:ext uri="{FF2B5EF4-FFF2-40B4-BE49-F238E27FC236}">
+                <a16:creationId xmlns:a16="http://schemas.microsoft.com/office/drawing/2014/main" id="{603FAD2D-B494-DF3C-B887-ADB4BBD2941E}"/>
+              </a:ext>
+            </a:extLst>
+          </p:cNvPr>
+          <p:cNvSpPr>
+            <a:spLocks noGrp="1"/>
+          </p:cNvSpPr>
+          <p:nvPr>
+            <p:ph type="sldNum" sz="quarter" idx="12"/>
+          </p:nvPr>
+        </p:nvSpPr>
+        <p:spPr/>
+        <p:txBody>
+          <a:bodyPr/>
+          <a:lstStyle/>
+          <a:p>
+            <a:fld id="{ED30651D-D783-46EC-BC0A-06F8BEAECD3E}" type="slidenum">
+              <a:rPr lang="en-US" smtClean="0"/>
+              <a:t>19</a:t>
+            </a:fld>
+            <a:endParaRPr lang="en-US"/>
+          </a:p>
+        </p:txBody>
+      </p:sp>
+      <p:pic>
+        <p:nvPicPr>
+          <p:cNvPr id="18" name="Picture 17" descr="A picture containing text, screenshot, font, design&#10;&#10;Description automatically generated">
+            <a:extLst>
+              <a:ext uri="{FF2B5EF4-FFF2-40B4-BE49-F238E27FC236}">
+                <a16:creationId xmlns:a16="http://schemas.microsoft.com/office/drawing/2014/main" id="{163DDC26-D1CC-B4EB-1DED-D3205DC5E98D}"/>
+              </a:ext>
+            </a:extLst>
+          </p:cNvPr>
+          <p:cNvPicPr>
+            <a:picLocks noChangeAspect="1"/>
+          </p:cNvPicPr>
+          <p:nvPr/>
+        </p:nvPicPr>
+        <p:blipFill>
+          <a:blip r:embed="rId5">
+            <a:extLst>
+              <a:ext uri="{28A0092B-C50C-407E-A947-70E740481C1C}">
+                <a14:useLocalDpi xmlns:a14="http://schemas.microsoft.com/office/drawing/2010/main" val="0"/>
+              </a:ext>
+            </a:extLst>
+          </a:blip>
+          <a:stretch>
+            <a:fillRect/>
+          </a:stretch>
+        </p:blipFill>
+        <p:spPr>
+          <a:xfrm>
+            <a:off x="986118" y="1919962"/>
+            <a:ext cx="5461234" cy="1692100"/>
+          </a:xfrm>
+          <a:prstGeom prst="rect">
+            <a:avLst/>
+          </a:prstGeom>
+        </p:spPr>
+      </p:pic>
+      <p:pic>
+        <p:nvPicPr>
+          <p:cNvPr id="20" name="Picture 19" descr="A diagram of a model&#10;&#10;Description automatically generated with low confidence">
+            <a:extLst>
+              <a:ext uri="{FF2B5EF4-FFF2-40B4-BE49-F238E27FC236}">
+                <a16:creationId xmlns:a16="http://schemas.microsoft.com/office/drawing/2014/main" id="{83CCE99E-C4DD-5B8F-243C-2E5BD3FF30DD}"/>
+              </a:ext>
+            </a:extLst>
+          </p:cNvPr>
+          <p:cNvPicPr>
+            <a:picLocks noChangeAspect="1"/>
+          </p:cNvPicPr>
+          <p:nvPr/>
+        </p:nvPicPr>
+        <p:blipFill>
+          <a:blip r:embed="rId6">
+            <a:extLst>
+              <a:ext uri="{28A0092B-C50C-407E-A947-70E740481C1C}">
+                <a14:useLocalDpi xmlns:a14="http://schemas.microsoft.com/office/drawing/2010/main" val="0"/>
+              </a:ext>
+            </a:extLst>
+          </a:blip>
+          <a:stretch>
+            <a:fillRect/>
+          </a:stretch>
+        </p:blipFill>
+        <p:spPr>
+          <a:xfrm>
+            <a:off x="5055388" y="3876707"/>
+            <a:ext cx="5826521" cy="1788988"/>
+          </a:xfrm>
+          <a:prstGeom prst="rect">
+            <a:avLst/>
+          </a:prstGeom>
+        </p:spPr>
+      </p:pic>
+      <p:sp>
+        <p:nvSpPr>
+          <p:cNvPr id="21" name="TextBox 20">
+            <a:extLst>
+              <a:ext uri="{FF2B5EF4-FFF2-40B4-BE49-F238E27FC236}">
+                <a16:creationId xmlns:a16="http://schemas.microsoft.com/office/drawing/2014/main" id="{8B509B02-309A-7212-9491-F462ED66F8B1}"/>
+              </a:ext>
+            </a:extLst>
+          </p:cNvPr>
+          <p:cNvSpPr txBox="1"/>
+          <p:nvPr/>
+        </p:nvSpPr>
+        <p:spPr>
+          <a:xfrm>
+            <a:off x="6970059" y="2575150"/>
+            <a:ext cx="3796553" cy="369332"/>
+          </a:xfrm>
+          <a:prstGeom prst="rect">
+            <a:avLst/>
+          </a:prstGeom>
+          <a:noFill/>
+        </p:spPr>
+        <p:txBody>
+          <a:bodyPr wrap="square" rtlCol="0">
+            <a:spAutoFit/>
+          </a:bodyPr>
+          <a:lstStyle/>
+          <a:p>
+            <a:r>
+              <a:rPr lang="en-US"/>
+              <a:t>Step 1: Hyperparameter optimization</a:t>
+            </a:r>
+          </a:p>
+        </p:txBody>
+      </p:sp>
+      <p:sp>
+        <p:nvSpPr>
+          <p:cNvPr id="22" name="TextBox 21">
+            <a:extLst>
+              <a:ext uri="{FF2B5EF4-FFF2-40B4-BE49-F238E27FC236}">
+                <a16:creationId xmlns:a16="http://schemas.microsoft.com/office/drawing/2014/main" id="{7B4D95D4-1292-951A-2E38-49B186244404}"/>
+              </a:ext>
+            </a:extLst>
+          </p:cNvPr>
+          <p:cNvSpPr txBox="1"/>
+          <p:nvPr/>
+        </p:nvSpPr>
+        <p:spPr>
+          <a:xfrm>
+            <a:off x="1896574" y="4586535"/>
+            <a:ext cx="2662517" cy="369332"/>
+          </a:xfrm>
+          <a:prstGeom prst="rect">
+            <a:avLst/>
+          </a:prstGeom>
+          <a:noFill/>
+        </p:spPr>
+        <p:txBody>
+          <a:bodyPr wrap="square" rtlCol="0">
+            <a:spAutoFit/>
+          </a:bodyPr>
+          <a:lstStyle/>
+          <a:p>
+            <a:r>
+              <a:rPr lang="en-US"/>
+              <a:t>Step 2: Model selection</a:t>
+            </a:r>
+          </a:p>
+        </p:txBody>
+      </p:sp>
+    </p:spTree>
+    <p:extLst>
+      <p:ext uri="{BB962C8B-B14F-4D97-AF65-F5344CB8AC3E}">
+        <p14:creationId xmlns:p14="http://schemas.microsoft.com/office/powerpoint/2010/main" val="3818921347"/>
       </p:ext>
     </p:extLst>
   </p:cSld>
@@ -7379,7 +10021,7 @@
           <a:p>
             <a:fld id="{F1137A66-BD1F-483D-BAB2-2B11C22916DC}" type="datetime3">
               <a:rPr lang="en-US" smtClean="0"/>
-              <a:t>22 May 2023</a:t>
+              <a:t>29 May 2023</a:t>
             </a:fld>
             <a:endParaRPr lang="en-US"/>
           </a:p>
@@ -7457,7 +10099,7 @@
         <p:spPr>
           <a:xfrm>
             <a:off x="986118" y="1855694"/>
-            <a:ext cx="7167282" cy="3354765"/>
+            <a:ext cx="7624482" cy="3354765"/>
           </a:xfrm>
           <a:prstGeom prst="rect">
             <a:avLst/>
@@ -7478,8 +10120,20 @@
               <a:buChar char="o"/>
             </a:pPr>
             <a:r>
+              <a:rPr lang="en-US" sz="2400" b="1"/>
+              <a:t>The daily usage</a:t>
+            </a:r>
+            <a:r>
               <a:rPr lang="en-US" sz="2400"/>
-              <a:t>The daily usage of activity trackers, sport watches, and other devices to record daily and sport activities has increased tremendously in past ten years</a:t>
+              <a:t> of activity trackers, sport watches, and other devices to record daily and sport activities </a:t>
+            </a:r>
+            <a:r>
+              <a:rPr lang="en-US" sz="2400" b="1"/>
+              <a:t>has increased tremendously</a:t>
+            </a:r>
+            <a:r>
+              <a:rPr lang="en-US" sz="2400"/>
+              <a:t> in past ten years</a:t>
             </a:r>
           </a:p>
           <a:p>
@@ -7495,24 +10149,36 @@
               <a:t>The main reasons are the </a:t>
             </a:r>
             <a:r>
+              <a:rPr lang="en-US" sz="2400" b="1"/>
+              <a:t>development of battery technology</a:t>
+            </a:r>
+            <a:r>
+              <a:rPr lang="en-US" sz="2400"/>
+              <a:t> and </a:t>
+            </a:r>
+            <a:r>
+              <a:rPr lang="en-US" sz="2400" b="1"/>
+              <a:t>small size hardware </a:t>
+            </a:r>
+            <a:r>
+              <a:rPr lang="en-US" sz="2400"/>
+              <a:t>with </a:t>
+            </a:r>
+            <a:r>
+              <a:rPr lang="en-US" sz="2400" b="1"/>
+              <a:t>a</a:t>
+            </a:r>
+            <a:r>
+              <a:rPr lang="en-US" sz="2400"/>
+              <a:t> </a:t>
+            </a:r>
+            <a:r>
+              <a:rPr lang="en-US" sz="2400" b="1"/>
+              <a:t>low energy consumption</a:t>
+            </a:r>
+            <a:r>
               <a:rPr lang="en-US" sz="2400" i="1"/>
-              <a:t>development of battery technology </a:t>
-            </a:r>
-            <a:r>
-              <a:rPr lang="en-US" sz="2400"/>
-              <a:t>and </a:t>
-            </a:r>
-            <a:r>
-              <a:rPr lang="en-US" sz="2400" i="1"/>
-              <a:t>small size hardware</a:t>
-            </a:r>
-            <a:r>
-              <a:rPr lang="en-US" sz="2400"/>
-              <a:t> with a </a:t>
-            </a:r>
-            <a:r>
-              <a:rPr lang="en-US" sz="2400" i="1"/>
-              <a:t>low energy consumption </a:t>
+              <a:t> </a:t>
             </a:r>
             <a:r>
               <a:rPr lang="en-US" sz="2400"/>
@@ -7529,7 +10195,19 @@
             </a:pPr>
             <a:r>
               <a:rPr lang="en-US" sz="2400"/>
-              <a:t>Human activity recognition has become a common function and enabled by several device manufacturers</a:t>
+              <a:t>Human activity recognition has become a common function and </a:t>
+            </a:r>
+            <a:r>
+              <a:rPr lang="en-US" sz="2400" b="1"/>
+              <a:t>is</a:t>
+            </a:r>
+            <a:r>
+              <a:rPr lang="en-US" sz="2400"/>
+              <a:t> </a:t>
+            </a:r>
+            <a:r>
+              <a:rPr lang="en-US" sz="2400" b="1"/>
+              <a:t>enabled by several device manufacturers</a:t>
             </a:r>
           </a:p>
         </p:txBody>
@@ -7793,7 +10471,7 @@
           <a:p>
             <a:fld id="{BE76119F-4415-4407-9B12-CFDE4CE93506}" type="datetime3">
               <a:rPr lang="en-US" smtClean="0"/>
-              <a:t>22 May 2023</a:t>
+              <a:t>29 May 2023</a:t>
             </a:fld>
             <a:endParaRPr lang="en-US"/>
           </a:p>
@@ -7871,7 +10549,7 @@
         <p:spPr>
           <a:xfrm>
             <a:off x="986117" y="1866903"/>
-            <a:ext cx="10586465" cy="4031873"/>
+            <a:ext cx="10586465" cy="3508653"/>
           </a:xfrm>
           <a:prstGeom prst="rect">
             <a:avLst/>
@@ -7943,7 +10621,31 @@
             </a:pPr>
             <a:r>
               <a:rPr lang="en-US" sz="2400"/>
-              <a:t>Studies have been conducted in a controlled laboratory conditions</a:t>
+              <a:t>Amount of activity types varies from 5 to 20, containing </a:t>
+            </a:r>
+            <a:r>
+              <a:rPr lang="en-US" sz="2400" i="1"/>
+              <a:t>sitting down</a:t>
+            </a:r>
+            <a:r>
+              <a:rPr lang="en-US" sz="2400"/>
+              <a:t>, </a:t>
+            </a:r>
+            <a:r>
+              <a:rPr lang="en-US" sz="2400" i="1"/>
+              <a:t>standing up</a:t>
+            </a:r>
+            <a:r>
+              <a:rPr lang="en-US" sz="2400"/>
+              <a:t>, </a:t>
+            </a:r>
+            <a:r>
+              <a:rPr lang="en-US" sz="2400" i="1"/>
+              <a:t>laying down</a:t>
+            </a:r>
+            <a:r>
+              <a:rPr lang="en-US" sz="2400"/>
+              <a:t>, etc., among most common sports.</a:t>
             </a:r>
           </a:p>
           <a:p>
@@ -7956,20 +10658,7 @@
             </a:pPr>
             <a:r>
               <a:rPr lang="en-US" sz="2400"/>
-              <a:t>Amount of activity types varies from 5 to 20, containing sitting, standing up, standing down, laying down, etc., among most common sports.</a:t>
-            </a:r>
-          </a:p>
-          <a:p>
-            <a:pPr marL="285750" indent="-285750">
-              <a:spcBef>
-                <a:spcPts val="1200"/>
-              </a:spcBef>
-              <a:buFont typeface="Courier New" panose="02070309020205020404" pitchFamily="49" charset="0"/>
-              <a:buChar char="o"/>
-            </a:pPr>
-            <a:r>
-              <a:rPr lang="en-US" sz="2400"/>
-              <a:t>Classification task have been conducted using wide variety of signal classification methods including Classical Machine Learning and Neural Networks</a:t>
+              <a:t>Classification tasks have been conducted using wide variety of CML and Neural Network models</a:t>
             </a:r>
           </a:p>
         </p:txBody>
@@ -8020,12 +10709,12 @@
           <a:graphicData uri="http://schemas.openxmlformats.org/presentationml/2006/ole">
             <mc:AlternateContent xmlns:mc="http://schemas.openxmlformats.org/markup-compatibility/2006">
               <mc:Choice xmlns:v="urn:schemas-microsoft-com:vml" Requires="v">
-                <p:oleObj name="CorelDRAW" r:id="rId2" imgW="2566457" imgH="894201" progId="CorelDraw.Graphic.22">
+                <p:oleObj name="CorelDRAW" r:id="rId3" imgW="2566457" imgH="894201" progId="CorelDraw.Graphic.22">
                   <p:embed/>
                 </p:oleObj>
               </mc:Choice>
               <mc:Fallback>
-                <p:oleObj name="CorelDRAW" r:id="rId2" imgW="2566457" imgH="894201" progId="CorelDraw.Graphic.22">
+                <p:oleObj name="CorelDRAW" r:id="rId3" imgW="2566457" imgH="894201" progId="CorelDraw.Graphic.22">
                   <p:embed/>
                   <p:pic>
                     <p:nvPicPr>
@@ -8034,7 +10723,7 @@
                       <p:nvPr/>
                     </p:nvPicPr>
                     <p:blipFill>
-                      <a:blip r:embed="rId3"/>
+                      <a:blip r:embed="rId4"/>
                       <a:stretch>
                         <a:fillRect/>
                       </a:stretch>
@@ -8114,7 +10803,7 @@
           <p:nvPr/>
         </p:nvPicPr>
         <p:blipFill>
-          <a:blip r:embed="rId4" cstate="print">
+          <a:blip r:embed="rId5" cstate="print">
             <a:extLst>
               <a:ext uri="{28A0092B-C50C-407E-A947-70E740481C1C}">
                 <a14:useLocalDpi xmlns:a14="http://schemas.microsoft.com/office/drawing/2010/main" val="0"/>
@@ -8169,7 +10858,7 @@
                 <a:ea typeface="Open Sans" panose="020B0606030504020204" pitchFamily="34" charset="0"/>
                 <a:cs typeface="Aldhabi" panose="020B0604020202020204" pitchFamily="2" charset="-78"/>
               </a:rPr>
-              <a:t>Purpose and problem description of the study</a:t>
+              <a:t>Study objectives</a:t>
             </a:r>
           </a:p>
         </p:txBody>
@@ -8197,7 +10886,7 @@
           <a:p>
             <a:fld id="{F249EF62-E19B-443C-A2DB-0A5C652EE9F3}" type="datetime3">
               <a:rPr lang="en-US" smtClean="0"/>
-              <a:t>22 May 2023</a:t>
+              <a:t>29 May 2023</a:t>
             </a:fld>
             <a:endParaRPr lang="en-US"/>
           </a:p>
@@ -8275,7 +10964,7 @@
         <p:spPr>
           <a:xfrm>
             <a:off x="986118" y="1864658"/>
-            <a:ext cx="10586465" cy="3924151"/>
+            <a:ext cx="10586465" cy="2015936"/>
           </a:xfrm>
           <a:prstGeom prst="rect">
             <a:avLst/>
@@ -8300,7 +10989,7 @@
               <a:t>Alternative ways to classify sport activities might be reasonable, for example, all the devices </a:t>
             </a:r>
             <a:r>
-              <a:rPr lang="en-US" sz="2400" i="1"/>
+              <a:rPr lang="en-US" sz="2400" b="1" i="1"/>
               <a:t>do not have inertial sensors</a:t>
             </a:r>
             <a:r>
@@ -8308,7 +10997,7 @@
               <a:t>, or such a </a:t>
             </a:r>
             <a:r>
-              <a:rPr lang="en-US" sz="2400" i="1"/>
+              <a:rPr lang="en-US" sz="2400" b="1" i="1"/>
               <a:t>data is not available </a:t>
             </a:r>
             <a:r>
@@ -8326,59 +11015,23 @@
             </a:pPr>
             <a:r>
               <a:rPr lang="en-US" sz="2400"/>
-              <a:t>The purpose of the study is to tackle false human sport activity labeling problem when inertial sensor data is not available</a:t>
-            </a:r>
-          </a:p>
-          <a:p>
-            <a:pPr marL="285750" indent="-285750">
-              <a:spcBef>
-                <a:spcPts val="600"/>
-              </a:spcBef>
-              <a:buFont typeface="Courier New" panose="02070309020205020404" pitchFamily="49" charset="0"/>
-              <a:buChar char="o"/>
-            </a:pPr>
+              <a:t>The purpose of the study is to solve </a:t>
+            </a:r>
+            <a:r>
+              <a:rPr lang="en-US" sz="2400" b="1"/>
+              <a:t>false human sport activity labeling </a:t>
+            </a:r>
             <a:r>
               <a:rPr lang="en-US" sz="2400"/>
-              <a:t>Wrong sport labeling is problematic for a several reasons:</a:t>
-            </a:r>
-          </a:p>
-          <a:p>
-            <a:pPr marL="800100" lvl="1" indent="-342900">
-              <a:spcBef>
-                <a:spcPts val="600"/>
-              </a:spcBef>
-              <a:buFont typeface="Arial" panose="020B0604020202020204" pitchFamily="34" charset="0"/>
-              <a:buChar char="•"/>
-            </a:pPr>
-            <a:r>
-              <a:rPr lang="en-US" sz="2000"/>
-              <a:t>Misleading training guidance based on the training history</a:t>
-            </a:r>
-          </a:p>
-          <a:p>
-            <a:pPr marL="800100" lvl="1" indent="-342900">
-              <a:spcBef>
-                <a:spcPts val="600"/>
-              </a:spcBef>
-              <a:buFont typeface="Arial" panose="020B0604020202020204" pitchFamily="34" charset="0"/>
-              <a:buChar char="•"/>
-            </a:pPr>
-            <a:r>
-              <a:rPr lang="en-US" sz="2000"/>
-              <a:t>Distortion in general personal data statistics</a:t>
-            </a:r>
-          </a:p>
-          <a:p>
-            <a:pPr marL="800100" lvl="1" indent="-342900">
-              <a:spcBef>
-                <a:spcPts val="600"/>
-              </a:spcBef>
-              <a:buFont typeface="Arial" panose="020B0604020202020204" pitchFamily="34" charset="0"/>
-              <a:buChar char="•"/>
-            </a:pPr>
-            <a:r>
-              <a:rPr lang="en-US" sz="2000"/>
-              <a:t>Segment leaderboards loses their validity if one can use a bike to get a better place in a running segment</a:t>
+              <a:t>problem </a:t>
+            </a:r>
+            <a:r>
+              <a:rPr lang="en-US" sz="2400" b="1"/>
+              <a:t>when inertial sensor data is not available</a:t>
+            </a:r>
+            <a:r>
+              <a:rPr lang="en-US" sz="2400"/>
+              <a:t>.</a:t>
             </a:r>
           </a:p>
         </p:txBody>
@@ -8606,7 +11259,7 @@
           <a:p>
             <a:fld id="{B686A089-D370-4C19-B12A-076293E12BF5}" type="datetime3">
               <a:rPr lang="en-US" smtClean="0"/>
-              <a:t>22 May 2023</a:t>
+              <a:t>29 May 2023</a:t>
             </a:fld>
             <a:endParaRPr lang="en-US"/>
           </a:p>
@@ -8791,8 +11444,8 @@
         </p:nvSpPr>
         <p:spPr>
           <a:xfrm>
-            <a:off x="986118" y="1913125"/>
-            <a:ext cx="7871011" cy="4001095"/>
+            <a:off x="986118" y="1811127"/>
+            <a:ext cx="7871011" cy="4278094"/>
           </a:xfrm>
           <a:prstGeom prst="rect">
             <a:avLst/>
@@ -8828,7 +11481,11 @@
             </a:r>
             <a:r>
               <a:rPr lang="en-US"/>
-              <a:t>for S-CML with extracted features</a:t>
+              <a:t>for S-CML with extracted features </a:t>
+            </a:r>
+            <a:r>
+              <a:rPr lang="en-US" b="1"/>
+              <a:t>(21)</a:t>
             </a:r>
           </a:p>
           <a:p>
@@ -8879,6 +11536,24 @@
             <a:r>
               <a:rPr lang="en-US"/>
               <a:t>Basically, the very same data in two different structure</a:t>
+            </a:r>
+          </a:p>
+          <a:p>
+            <a:pPr marL="742950" lvl="1" indent="-285750">
+              <a:buFont typeface="Arial" panose="020B0604020202020204" pitchFamily="34" charset="0"/>
+              <a:buChar char="•"/>
+            </a:pPr>
+            <a:r>
+              <a:rPr lang="en-US"/>
+              <a:t>Classes/categories are {</a:t>
+            </a:r>
+            <a:r>
+              <a:rPr lang="en-US" b="1"/>
+              <a:t>biking, running, walking, skiing, roller-skiing</a:t>
+            </a:r>
+            <a:r>
+              <a:rPr lang="en-US"/>
+              <a:t>}</a:t>
             </a:r>
           </a:p>
           <a:p>
@@ -9142,10 +11817,131 @@
       </p:pic>
       <p:sp>
         <p:nvSpPr>
-          <p:cNvPr id="3" name="TextBox 2">
-            <a:extLst>
-              <a:ext uri="{FF2B5EF4-FFF2-40B4-BE49-F238E27FC236}">
-                <a16:creationId xmlns:a16="http://schemas.microsoft.com/office/drawing/2014/main" id="{17FE94F6-7284-801F-F817-E8DCCB9E7C76}"/>
+          <p:cNvPr id="2" name="Date Placeholder 1">
+            <a:extLst>
+              <a:ext uri="{FF2B5EF4-FFF2-40B4-BE49-F238E27FC236}">
+                <a16:creationId xmlns:a16="http://schemas.microsoft.com/office/drawing/2014/main" id="{C614EA35-74C6-E5B0-F9B0-2AEC92662F36}"/>
+              </a:ext>
+            </a:extLst>
+          </p:cNvPr>
+          <p:cNvSpPr>
+            <a:spLocks noGrp="1"/>
+          </p:cNvSpPr>
+          <p:nvPr>
+            <p:ph type="dt" sz="half" idx="10"/>
+          </p:nvPr>
+        </p:nvSpPr>
+        <p:spPr/>
+        <p:txBody>
+          <a:bodyPr/>
+          <a:lstStyle/>
+          <a:p>
+            <a:fld id="{98D6F17B-863C-4F17-AB65-141CD3CCD3CD}" type="datetime3">
+              <a:rPr lang="en-US" smtClean="0"/>
+              <a:t>29 May 2023</a:t>
+            </a:fld>
+            <a:endParaRPr lang="en-US"/>
+          </a:p>
+        </p:txBody>
+      </p:sp>
+      <p:sp>
+        <p:nvSpPr>
+          <p:cNvPr id="4" name="Footer Placeholder 3">
+            <a:extLst>
+              <a:ext uri="{FF2B5EF4-FFF2-40B4-BE49-F238E27FC236}">
+                <a16:creationId xmlns:a16="http://schemas.microsoft.com/office/drawing/2014/main" id="{FA349680-E65A-6C87-F049-01A041225B67}"/>
+              </a:ext>
+            </a:extLst>
+          </p:cNvPr>
+          <p:cNvSpPr>
+            <a:spLocks noGrp="1"/>
+          </p:cNvSpPr>
+          <p:nvPr>
+            <p:ph type="ftr" sz="quarter" idx="11"/>
+          </p:nvPr>
+        </p:nvSpPr>
+        <p:spPr/>
+        <p:txBody>
+          <a:bodyPr/>
+          <a:lstStyle/>
+          <a:p>
+            <a:r>
+              <a:rPr lang="en-US"/>
+              <a:t>Sport Activity Classification - Jarno Matarmaa</a:t>
+            </a:r>
+          </a:p>
+        </p:txBody>
+      </p:sp>
+      <p:sp>
+        <p:nvSpPr>
+          <p:cNvPr id="5" name="Slide Number Placeholder 4">
+            <a:extLst>
+              <a:ext uri="{FF2B5EF4-FFF2-40B4-BE49-F238E27FC236}">
+                <a16:creationId xmlns:a16="http://schemas.microsoft.com/office/drawing/2014/main" id="{603FAD2D-B494-DF3C-B887-ADB4BBD2941E}"/>
+              </a:ext>
+            </a:extLst>
+          </p:cNvPr>
+          <p:cNvSpPr>
+            <a:spLocks noGrp="1"/>
+          </p:cNvSpPr>
+          <p:nvPr>
+            <p:ph type="sldNum" sz="quarter" idx="12"/>
+          </p:nvPr>
+        </p:nvSpPr>
+        <p:spPr/>
+        <p:txBody>
+          <a:bodyPr/>
+          <a:lstStyle/>
+          <a:p>
+            <a:fld id="{ED30651D-D783-46EC-BC0A-06F8BEAECD3E}" type="slidenum">
+              <a:rPr lang="en-US" smtClean="0"/>
+              <a:t>6</a:t>
+            </a:fld>
+            <a:endParaRPr lang="en-US"/>
+          </a:p>
+        </p:txBody>
+      </p:sp>
+      <p:pic>
+        <p:nvPicPr>
+          <p:cNvPr id="7" name="Picture 6" descr="A screen shot of a device&#10;&#10;Description automatically generated with medium confidence">
+            <a:extLst>
+              <a:ext uri="{FF2B5EF4-FFF2-40B4-BE49-F238E27FC236}">
+                <a16:creationId xmlns:a16="http://schemas.microsoft.com/office/drawing/2014/main" id="{BD7770A0-0E64-48CC-E071-71776BE19CDB}"/>
+              </a:ext>
+            </a:extLst>
+          </p:cNvPr>
+          <p:cNvPicPr>
+            <a:picLocks noChangeAspect="1"/>
+          </p:cNvPicPr>
+          <p:nvPr/>
+        </p:nvPicPr>
+        <p:blipFill rotWithShape="1">
+          <a:blip r:embed="rId5">
+            <a:extLst>
+              <a:ext uri="{28A0092B-C50C-407E-A947-70E740481C1C}">
+                <a14:useLocalDpi xmlns:a14="http://schemas.microsoft.com/office/drawing/2010/main" val="0"/>
+              </a:ext>
+            </a:extLst>
+          </a:blip>
+          <a:srcRect l="5997" t="1687" r="8368"/>
+          <a:stretch/>
+        </p:blipFill>
+        <p:spPr>
+          <a:xfrm>
+            <a:off x="3714750" y="871701"/>
+            <a:ext cx="6454074" cy="5557222"/>
+          </a:xfrm>
+          <a:prstGeom prst="rect">
+            <a:avLst/>
+          </a:prstGeom>
+        </p:spPr>
+      </p:pic>
+      <p:sp>
+        <p:nvSpPr>
+          <p:cNvPr id="8" name="TextBox 7">
+            <a:extLst>
+              <a:ext uri="{FF2B5EF4-FFF2-40B4-BE49-F238E27FC236}">
+                <a16:creationId xmlns:a16="http://schemas.microsoft.com/office/drawing/2014/main" id="{3949043F-7980-5AD9-8F9E-4312E23838C9}"/>
               </a:ext>
             </a:extLst>
           </p:cNvPr>
@@ -9154,8 +11950,8 @@
         </p:nvSpPr>
         <p:spPr>
           <a:xfrm>
-            <a:off x="986118" y="959224"/>
-            <a:ext cx="10586465" cy="584775"/>
+            <a:off x="986118" y="979623"/>
+            <a:ext cx="4938432" cy="1077218"/>
           </a:xfrm>
           <a:prstGeom prst="rect">
             <a:avLst/>
@@ -9169,180 +11965,37 @@
           <a:lstStyle/>
           <a:p>
             <a:r>
-              <a:rPr lang="en-US" sz="3200">
-                <a:latin typeface="Congenial SemiBold" panose="020B0604020202020204" pitchFamily="2" charset="0"/>
+              <a:rPr lang="fi-FI" sz="3200">
+                <a:latin typeface="Congenial SemiBold" panose="02000503040000020004" pitchFamily="2" charset="0"/>
                 <a:ea typeface="Open Sans" panose="020B0606030504020204" pitchFamily="34" charset="0"/>
                 <a:cs typeface="Aldhabi" panose="020B0604020202020204" pitchFamily="2" charset="-78"/>
               </a:rPr>
-              <a:t>Materials and Methods: S-CML</a:t>
-            </a:r>
-          </a:p>
-        </p:txBody>
-      </p:sp>
-      <p:sp>
-        <p:nvSpPr>
-          <p:cNvPr id="2" name="Date Placeholder 1">
-            <a:extLst>
-              <a:ext uri="{FF2B5EF4-FFF2-40B4-BE49-F238E27FC236}">
-                <a16:creationId xmlns:a16="http://schemas.microsoft.com/office/drawing/2014/main" id="{C614EA35-74C6-E5B0-F9B0-2AEC92662F36}"/>
-              </a:ext>
-            </a:extLst>
-          </p:cNvPr>
-          <p:cNvSpPr>
-            <a:spLocks noGrp="1"/>
-          </p:cNvSpPr>
-          <p:nvPr>
-            <p:ph type="dt" sz="half" idx="10"/>
-          </p:nvPr>
-        </p:nvSpPr>
-        <p:spPr/>
-        <p:txBody>
-          <a:bodyPr/>
-          <a:lstStyle/>
-          <a:p>
-            <a:fld id="{98D6F17B-863C-4F17-AB65-141CD3CCD3CD}" type="datetime3">
-              <a:rPr lang="en-US" smtClean="0"/>
-              <a:t>22 May 2023</a:t>
-            </a:fld>
-            <a:endParaRPr lang="en-US"/>
-          </a:p>
-        </p:txBody>
-      </p:sp>
-      <p:sp>
-        <p:nvSpPr>
-          <p:cNvPr id="4" name="Footer Placeholder 3">
-            <a:extLst>
-              <a:ext uri="{FF2B5EF4-FFF2-40B4-BE49-F238E27FC236}">
-                <a16:creationId xmlns:a16="http://schemas.microsoft.com/office/drawing/2014/main" id="{FA349680-E65A-6C87-F049-01A041225B67}"/>
-              </a:ext>
-            </a:extLst>
-          </p:cNvPr>
-          <p:cNvSpPr>
-            <a:spLocks noGrp="1"/>
-          </p:cNvSpPr>
-          <p:nvPr>
-            <p:ph type="ftr" sz="quarter" idx="11"/>
-          </p:nvPr>
-        </p:nvSpPr>
-        <p:spPr/>
-        <p:txBody>
-          <a:bodyPr/>
-          <a:lstStyle/>
-          <a:p>
-            <a:r>
-              <a:rPr lang="en-US"/>
-              <a:t>Sport Activity Classification - Jarno Matarmaa</a:t>
-            </a:r>
-          </a:p>
-        </p:txBody>
-      </p:sp>
-      <p:sp>
-        <p:nvSpPr>
-          <p:cNvPr id="5" name="Slide Number Placeholder 4">
-            <a:extLst>
-              <a:ext uri="{FF2B5EF4-FFF2-40B4-BE49-F238E27FC236}">
-                <a16:creationId xmlns:a16="http://schemas.microsoft.com/office/drawing/2014/main" id="{603FAD2D-B494-DF3C-B887-ADB4BBD2941E}"/>
-              </a:ext>
-            </a:extLst>
-          </p:cNvPr>
-          <p:cNvSpPr>
-            <a:spLocks noGrp="1"/>
-          </p:cNvSpPr>
-          <p:nvPr>
-            <p:ph type="sldNum" sz="quarter" idx="12"/>
-          </p:nvPr>
-        </p:nvSpPr>
-        <p:spPr/>
-        <p:txBody>
-          <a:bodyPr/>
-          <a:lstStyle/>
-          <a:p>
-            <a:fld id="{ED30651D-D783-46EC-BC0A-06F8BEAECD3E}" type="slidenum">
-              <a:rPr lang="en-US" smtClean="0"/>
-              <a:t>6</a:t>
-            </a:fld>
-            <a:endParaRPr lang="en-US"/>
-          </a:p>
-        </p:txBody>
-      </p:sp>
-      <p:pic>
-        <p:nvPicPr>
-          <p:cNvPr id="18" name="Picture 17" descr="A picture containing text, screenshot, font, design&#10;&#10;Description automatically generated">
-            <a:extLst>
-              <a:ext uri="{FF2B5EF4-FFF2-40B4-BE49-F238E27FC236}">
-                <a16:creationId xmlns:a16="http://schemas.microsoft.com/office/drawing/2014/main" id="{163DDC26-D1CC-B4EB-1DED-D3205DC5E98D}"/>
-              </a:ext>
-            </a:extLst>
-          </p:cNvPr>
-          <p:cNvPicPr>
-            <a:picLocks noChangeAspect="1"/>
-          </p:cNvPicPr>
-          <p:nvPr/>
-        </p:nvPicPr>
-        <p:blipFill>
-          <a:blip r:embed="rId5">
-            <a:extLst>
-              <a:ext uri="{28A0092B-C50C-407E-A947-70E740481C1C}">
-                <a14:useLocalDpi xmlns:a14="http://schemas.microsoft.com/office/drawing/2010/main" val="0"/>
-              </a:ext>
-            </a:extLst>
-          </a:blip>
-          <a:stretch>
-            <a:fillRect/>
-          </a:stretch>
-        </p:blipFill>
-        <p:spPr>
-          <a:xfrm>
-            <a:off x="986118" y="1919962"/>
-            <a:ext cx="5461234" cy="1692100"/>
-          </a:xfrm>
-          <a:prstGeom prst="rect">
-            <a:avLst/>
-          </a:prstGeom>
-        </p:spPr>
-      </p:pic>
-      <p:pic>
-        <p:nvPicPr>
-          <p:cNvPr id="20" name="Picture 19" descr="A diagram of a model&#10;&#10;Description automatically generated with low confidence">
-            <a:extLst>
-              <a:ext uri="{FF2B5EF4-FFF2-40B4-BE49-F238E27FC236}">
-                <a16:creationId xmlns:a16="http://schemas.microsoft.com/office/drawing/2014/main" id="{83CCE99E-C4DD-5B8F-243C-2E5BD3FF30DD}"/>
-              </a:ext>
-            </a:extLst>
-          </p:cNvPr>
-          <p:cNvPicPr>
-            <a:picLocks noChangeAspect="1"/>
-          </p:cNvPicPr>
-          <p:nvPr/>
-        </p:nvPicPr>
-        <p:blipFill>
-          <a:blip r:embed="rId6">
-            <a:extLst>
-              <a:ext uri="{28A0092B-C50C-407E-A947-70E740481C1C}">
-                <a14:useLocalDpi xmlns:a14="http://schemas.microsoft.com/office/drawing/2010/main" val="0"/>
-              </a:ext>
-            </a:extLst>
-          </a:blip>
-          <a:stretch>
-            <a:fillRect/>
-          </a:stretch>
-        </p:blipFill>
-        <p:spPr>
-          <a:xfrm>
-            <a:off x="5055388" y="3876707"/>
-            <a:ext cx="5826521" cy="1788988"/>
-          </a:xfrm>
-          <a:prstGeom prst="rect">
-            <a:avLst/>
-          </a:prstGeom>
-        </p:spPr>
-      </p:pic>
-      <p:sp>
-        <p:nvSpPr>
-          <p:cNvPr id="21" name="TextBox 20">
-            <a:extLst>
-              <a:ext uri="{FF2B5EF4-FFF2-40B4-BE49-F238E27FC236}">
-                <a16:creationId xmlns:a16="http://schemas.microsoft.com/office/drawing/2014/main" id="{8B509B02-309A-7212-9491-F462ED66F8B1}"/>
+              <a:t>S-CML Dataset </a:t>
+            </a:r>
+          </a:p>
+          <a:p>
+            <a:r>
+              <a:rPr lang="fi-FI" sz="3200">
+                <a:latin typeface="Congenial SemiBold" panose="02000503040000020004" pitchFamily="2" charset="0"/>
+                <a:ea typeface="Open Sans" panose="020B0606030504020204" pitchFamily="34" charset="0"/>
+                <a:cs typeface="Aldhabi" panose="020B0604020202020204" pitchFamily="2" charset="-78"/>
+              </a:rPr>
+              <a:t>Features</a:t>
+            </a:r>
+            <a:endParaRPr lang="en-US" sz="3200">
+              <a:latin typeface="Congenial SemiBold" panose="02000503040000020004" pitchFamily="2" charset="0"/>
+              <a:ea typeface="Open Sans" panose="020B0606030504020204" pitchFamily="34" charset="0"/>
+              <a:cs typeface="Aldhabi" panose="020B0604020202020204" pitchFamily="2" charset="-78"/>
+            </a:endParaRPr>
+          </a:p>
+        </p:txBody>
+      </p:sp>
+      <p:sp>
+        <p:nvSpPr>
+          <p:cNvPr id="11" name="TextBox 10">
+            <a:extLst>
+              <a:ext uri="{FF2B5EF4-FFF2-40B4-BE49-F238E27FC236}">
+                <a16:creationId xmlns:a16="http://schemas.microsoft.com/office/drawing/2014/main" id="{15D1E019-93C1-9A6B-EC78-FDCFE681F3B1}"/>
               </a:ext>
             </a:extLst>
           </p:cNvPr>
@@ -9350,9 +12003,9 @@
           <p:nvPr/>
         </p:nvSpPr>
         <p:spPr>
-          <a:xfrm>
-            <a:off x="6970059" y="2575150"/>
-            <a:ext cx="3796553" cy="369332"/>
+          <a:xfrm rot="16200000">
+            <a:off x="9895609" y="3465645"/>
+            <a:ext cx="1362075" cy="369332"/>
           </a:xfrm>
           <a:prstGeom prst="rect">
             <a:avLst/>
@@ -9367,42 +12020,7 @@
           <a:p>
             <a:r>
               <a:rPr lang="en-US"/>
-              <a:t>Step 1: Hyperparameter optimization</a:t>
-            </a:r>
-          </a:p>
-        </p:txBody>
-      </p:sp>
-      <p:sp>
-        <p:nvSpPr>
-          <p:cNvPr id="22" name="TextBox 21">
-            <a:extLst>
-              <a:ext uri="{FF2B5EF4-FFF2-40B4-BE49-F238E27FC236}">
-                <a16:creationId xmlns:a16="http://schemas.microsoft.com/office/drawing/2014/main" id="{7B4D95D4-1292-951A-2E38-49B186244404}"/>
-              </a:ext>
-            </a:extLst>
-          </p:cNvPr>
-          <p:cNvSpPr txBox="1"/>
-          <p:nvPr/>
-        </p:nvSpPr>
-        <p:spPr>
-          <a:xfrm>
-            <a:off x="1896574" y="4586535"/>
-            <a:ext cx="2662517" cy="369332"/>
-          </a:xfrm>
-          <a:prstGeom prst="rect">
-            <a:avLst/>
-          </a:prstGeom>
-          <a:noFill/>
-        </p:spPr>
-        <p:txBody>
-          <a:bodyPr wrap="square" rtlCol="0">
-            <a:spAutoFit/>
-          </a:bodyPr>
-          <a:lstStyle/>
-          <a:p>
-            <a:r>
-              <a:rPr lang="en-US"/>
-              <a:t>Step 2: Model selection</a:t>
+              <a:t>21 features</a:t>
             </a:r>
           </a:p>
         </p:txBody>
@@ -9410,7 +12028,7 @@
     </p:spTree>
     <p:extLst>
       <p:ext uri="{BB962C8B-B14F-4D97-AF65-F5344CB8AC3E}">
-        <p14:creationId xmlns:p14="http://schemas.microsoft.com/office/powerpoint/2010/main" val="3818921347"/>
+        <p14:creationId xmlns:p14="http://schemas.microsoft.com/office/powerpoint/2010/main" val="2695198761"/>
       </p:ext>
     </p:extLst>
   </p:cSld>
@@ -9453,12 +12071,12 @@
           <a:graphicData uri="http://schemas.openxmlformats.org/presentationml/2006/ole">
             <mc:AlternateContent xmlns:mc="http://schemas.openxmlformats.org/markup-compatibility/2006">
               <mc:Choice xmlns:v="urn:schemas-microsoft-com:vml" Requires="v">
-                <p:oleObj name="CorelDRAW" r:id="rId2" imgW="2566457" imgH="894201" progId="CorelDraw.Graphic.22">
+                <p:oleObj name="CorelDRAW" r:id="rId3" imgW="2566457" imgH="894201" progId="CorelDraw.Graphic.22">
                   <p:embed/>
                 </p:oleObj>
               </mc:Choice>
               <mc:Fallback>
-                <p:oleObj name="CorelDRAW" r:id="rId2" imgW="2566457" imgH="894201" progId="CorelDraw.Graphic.22">
+                <p:oleObj name="CorelDRAW" r:id="rId3" imgW="2566457" imgH="894201" progId="CorelDraw.Graphic.22">
                   <p:embed/>
                   <p:pic>
                     <p:nvPicPr>
@@ -9467,7 +12085,7 @@
                       <p:nvPr/>
                     </p:nvPicPr>
                     <p:blipFill>
-                      <a:blip r:embed="rId3"/>
+                      <a:blip r:embed="rId4"/>
                       <a:stretch>
                         <a:fillRect/>
                       </a:stretch>
@@ -9547,7 +12165,7 @@
           <p:nvPr/>
         </p:nvPicPr>
         <p:blipFill>
-          <a:blip r:embed="rId4" cstate="print">
+          <a:blip r:embed="rId5" cstate="print">
             <a:extLst>
               <a:ext uri="{28A0092B-C50C-407E-A947-70E740481C1C}">
                 <a14:useLocalDpi xmlns:a14="http://schemas.microsoft.com/office/drawing/2010/main" val="0"/>
@@ -9602,7 +12220,7 @@
                 <a:ea typeface="Open Sans" panose="020B0606030504020204" pitchFamily="34" charset="0"/>
                 <a:cs typeface="Aldhabi" panose="020B0604020202020204" pitchFamily="2" charset="-78"/>
               </a:rPr>
-              <a:t>Materials and Methods: TSC - Random Forest</a:t>
+              <a:t>Interlacing method of multivariate signals (TSC)</a:t>
             </a:r>
           </a:p>
         </p:txBody>
@@ -9612,7 +12230,7 @@
           <p:cNvPr id="2" name="Date Placeholder 1">
             <a:extLst>
               <a:ext uri="{FF2B5EF4-FFF2-40B4-BE49-F238E27FC236}">
-                <a16:creationId xmlns:a16="http://schemas.microsoft.com/office/drawing/2014/main" id="{C614EA35-74C6-E5B0-F9B0-2AEC92662F36}"/>
+                <a16:creationId xmlns:a16="http://schemas.microsoft.com/office/drawing/2014/main" id="{EB02F77F-74BC-BCB1-5987-ED5AE5D4943F}"/>
               </a:ext>
             </a:extLst>
           </p:cNvPr>
@@ -9628,9 +12246,9 @@
           <a:bodyPr/>
           <a:lstStyle/>
           <a:p>
-            <a:fld id="{98D6F17B-863C-4F17-AB65-141CD3CCD3CD}" type="datetime3">
+            <a:fld id="{F249EF62-E19B-443C-A2DB-0A5C652EE9F3}" type="datetime3">
               <a:rPr lang="en-US" smtClean="0"/>
-              <a:t>22 May 2023</a:t>
+              <a:t>29 May 2023</a:t>
             </a:fld>
             <a:endParaRPr lang="en-US"/>
           </a:p>
@@ -9641,7 +12259,7 @@
           <p:cNvPr id="4" name="Footer Placeholder 3">
             <a:extLst>
               <a:ext uri="{FF2B5EF4-FFF2-40B4-BE49-F238E27FC236}">
-                <a16:creationId xmlns:a16="http://schemas.microsoft.com/office/drawing/2014/main" id="{FA349680-E65A-6C87-F049-01A041225B67}"/>
+                <a16:creationId xmlns:a16="http://schemas.microsoft.com/office/drawing/2014/main" id="{AEBF98B1-B2ED-ACFF-8979-3F0C04054977}"/>
               </a:ext>
             </a:extLst>
           </p:cNvPr>
@@ -9669,7 +12287,7 @@
           <p:cNvPr id="5" name="Slide Number Placeholder 4">
             <a:extLst>
               <a:ext uri="{FF2B5EF4-FFF2-40B4-BE49-F238E27FC236}">
-                <a16:creationId xmlns:a16="http://schemas.microsoft.com/office/drawing/2014/main" id="{603FAD2D-B494-DF3C-B887-ADB4BBD2941E}"/>
+                <a16:creationId xmlns:a16="http://schemas.microsoft.com/office/drawing/2014/main" id="{978200C0-350D-1C22-C57D-7BB4898CBF79}"/>
               </a:ext>
             </a:extLst>
           </p:cNvPr>
@@ -9695,10 +12313,10 @@
       </p:sp>
       <p:pic>
         <p:nvPicPr>
-          <p:cNvPr id="7" name="Picture 6" descr="A picture containing screenshot, black, darkness, design&#10;&#10;Description automatically generated">
-            <a:extLst>
-              <a:ext uri="{FF2B5EF4-FFF2-40B4-BE49-F238E27FC236}">
-                <a16:creationId xmlns:a16="http://schemas.microsoft.com/office/drawing/2014/main" id="{CAA1C50C-8930-DEED-3E30-BD4916C0848E}"/>
+          <p:cNvPr id="8" name="Picture 7" descr="A picture containing line, text, plot, diagram&#10;&#10;Description automatically generated">
+            <a:extLst>
+              <a:ext uri="{FF2B5EF4-FFF2-40B4-BE49-F238E27FC236}">
+                <a16:creationId xmlns:a16="http://schemas.microsoft.com/office/drawing/2014/main" id="{9F0F87D5-4850-6B85-3C9D-8F487ABCB811}"/>
               </a:ext>
             </a:extLst>
           </p:cNvPr>
@@ -9708,7 +12326,7 @@
           <p:nvPr/>
         </p:nvPicPr>
         <p:blipFill>
-          <a:blip r:embed="rId5">
+          <a:blip r:embed="rId6">
             <a:extLst>
               <a:ext uri="{28A0092B-C50C-407E-A947-70E740481C1C}">
                 <a14:useLocalDpi xmlns:a14="http://schemas.microsoft.com/office/drawing/2010/main" val="0"/>
@@ -9721,18 +12339,225 @@
         </p:blipFill>
         <p:spPr>
           <a:xfrm>
-            <a:off x="2419350" y="1926852"/>
-            <a:ext cx="7353300" cy="3829050"/>
+            <a:off x="986118" y="1725002"/>
+            <a:ext cx="10586465" cy="4175605"/>
           </a:xfrm>
           <a:prstGeom prst="rect">
             <a:avLst/>
           </a:prstGeom>
         </p:spPr>
       </p:pic>
+      <p:cxnSp>
+        <p:nvCxnSpPr>
+          <p:cNvPr id="11" name="Straight Connector 10">
+            <a:extLst>
+              <a:ext uri="{FF2B5EF4-FFF2-40B4-BE49-F238E27FC236}">
+                <a16:creationId xmlns:a16="http://schemas.microsoft.com/office/drawing/2014/main" id="{E2BCF028-8019-EAB7-62DE-99C7D2BAAB4E}"/>
+              </a:ext>
+            </a:extLst>
+          </p:cNvPr>
+          <p:cNvCxnSpPr/>
+          <p:nvPr/>
+        </p:nvCxnSpPr>
+        <p:spPr>
+          <a:xfrm>
+            <a:off x="1570504" y="6231031"/>
+            <a:ext cx="7745506" cy="0"/>
+          </a:xfrm>
+          <a:prstGeom prst="line">
+            <a:avLst/>
+          </a:prstGeom>
+          <a:ln>
+            <a:solidFill>
+              <a:srgbClr val="FF0000"/>
+            </a:solidFill>
+          </a:ln>
+        </p:spPr>
+        <p:style>
+          <a:lnRef idx="1">
+            <a:schemeClr val="accent1"/>
+          </a:lnRef>
+          <a:fillRef idx="0">
+            <a:schemeClr val="accent1"/>
+          </a:fillRef>
+          <a:effectRef idx="0">
+            <a:schemeClr val="accent1"/>
+          </a:effectRef>
+          <a:fontRef idx="minor">
+            <a:schemeClr val="tx1"/>
+          </a:fontRef>
+        </p:style>
+      </p:cxnSp>
+      <p:cxnSp>
+        <p:nvCxnSpPr>
+          <p:cNvPr id="13" name="Straight Connector 12">
+            <a:extLst>
+              <a:ext uri="{FF2B5EF4-FFF2-40B4-BE49-F238E27FC236}">
+                <a16:creationId xmlns:a16="http://schemas.microsoft.com/office/drawing/2014/main" id="{714F3FB4-7C66-497C-E034-B57660422DBD}"/>
+              </a:ext>
+            </a:extLst>
+          </p:cNvPr>
+          <p:cNvCxnSpPr/>
+          <p:nvPr/>
+        </p:nvCxnSpPr>
+        <p:spPr>
+          <a:xfrm>
+            <a:off x="1570504" y="5932246"/>
+            <a:ext cx="0" cy="298785"/>
+          </a:xfrm>
+          <a:prstGeom prst="line">
+            <a:avLst/>
+          </a:prstGeom>
+          <a:ln>
+            <a:solidFill>
+              <a:srgbClr val="FF0000"/>
+            </a:solidFill>
+          </a:ln>
+        </p:spPr>
+        <p:style>
+          <a:lnRef idx="1">
+            <a:schemeClr val="accent2"/>
+          </a:lnRef>
+          <a:fillRef idx="0">
+            <a:schemeClr val="accent2"/>
+          </a:fillRef>
+          <a:effectRef idx="0">
+            <a:schemeClr val="accent2"/>
+          </a:effectRef>
+          <a:fontRef idx="minor">
+            <a:schemeClr val="tx1"/>
+          </a:fontRef>
+        </p:style>
+      </p:cxnSp>
+      <p:cxnSp>
+        <p:nvCxnSpPr>
+          <p:cNvPr id="14" name="Straight Connector 13">
+            <a:extLst>
+              <a:ext uri="{FF2B5EF4-FFF2-40B4-BE49-F238E27FC236}">
+                <a16:creationId xmlns:a16="http://schemas.microsoft.com/office/drawing/2014/main" id="{53B055E4-E99F-0F81-4F31-C34C4155228A}"/>
+              </a:ext>
+            </a:extLst>
+          </p:cNvPr>
+          <p:cNvCxnSpPr/>
+          <p:nvPr/>
+        </p:nvCxnSpPr>
+        <p:spPr>
+          <a:xfrm>
+            <a:off x="9316010" y="5997949"/>
+            <a:ext cx="0" cy="233082"/>
+          </a:xfrm>
+          <a:prstGeom prst="line">
+            <a:avLst/>
+          </a:prstGeom>
+          <a:ln>
+            <a:solidFill>
+              <a:srgbClr val="FF0000"/>
+            </a:solidFill>
+          </a:ln>
+        </p:spPr>
+        <p:style>
+          <a:lnRef idx="1">
+            <a:schemeClr val="accent1"/>
+          </a:lnRef>
+          <a:fillRef idx="0">
+            <a:schemeClr val="accent1"/>
+          </a:fillRef>
+          <a:effectRef idx="0">
+            <a:schemeClr val="accent1"/>
+          </a:effectRef>
+          <a:fontRef idx="minor">
+            <a:schemeClr val="tx1"/>
+          </a:fontRef>
+        </p:style>
+      </p:cxnSp>
+      <p:cxnSp>
+        <p:nvCxnSpPr>
+          <p:cNvPr id="15" name="Straight Connector 14">
+            <a:extLst>
+              <a:ext uri="{FF2B5EF4-FFF2-40B4-BE49-F238E27FC236}">
+                <a16:creationId xmlns:a16="http://schemas.microsoft.com/office/drawing/2014/main" id="{6386BA78-5402-AB5D-FED7-42868FE06D1B}"/>
+              </a:ext>
+            </a:extLst>
+          </p:cNvPr>
+          <p:cNvCxnSpPr/>
+          <p:nvPr/>
+        </p:nvCxnSpPr>
+        <p:spPr>
+          <a:xfrm>
+            <a:off x="6554881" y="5997949"/>
+            <a:ext cx="4930588" cy="0"/>
+          </a:xfrm>
+          <a:prstGeom prst="line">
+            <a:avLst/>
+          </a:prstGeom>
+          <a:ln>
+            <a:solidFill>
+              <a:srgbClr val="FF0000"/>
+            </a:solidFill>
+          </a:ln>
+        </p:spPr>
+        <p:style>
+          <a:lnRef idx="1">
+            <a:schemeClr val="accent1"/>
+          </a:lnRef>
+          <a:fillRef idx="0">
+            <a:schemeClr val="accent1"/>
+          </a:fillRef>
+          <a:effectRef idx="0">
+            <a:schemeClr val="accent1"/>
+          </a:effectRef>
+          <a:fontRef idx="minor">
+            <a:schemeClr val="tx1"/>
+          </a:fontRef>
+        </p:style>
+      </p:cxnSp>
+      <p:cxnSp>
+        <p:nvCxnSpPr>
+          <p:cNvPr id="16" name="Straight Connector 15">
+            <a:extLst>
+              <a:ext uri="{FF2B5EF4-FFF2-40B4-BE49-F238E27FC236}">
+                <a16:creationId xmlns:a16="http://schemas.microsoft.com/office/drawing/2014/main" id="{2FB86B08-9601-E87C-1518-19964D89986D}"/>
+              </a:ext>
+            </a:extLst>
+          </p:cNvPr>
+          <p:cNvCxnSpPr>
+            <a:cxnSpLocks/>
+          </p:cNvCxnSpPr>
+          <p:nvPr/>
+        </p:nvCxnSpPr>
+        <p:spPr>
+          <a:xfrm>
+            <a:off x="1507751" y="5932246"/>
+            <a:ext cx="134471" cy="0"/>
+          </a:xfrm>
+          <a:prstGeom prst="line">
+            <a:avLst/>
+          </a:prstGeom>
+          <a:ln>
+            <a:solidFill>
+              <a:srgbClr val="FF0000"/>
+            </a:solidFill>
+          </a:ln>
+        </p:spPr>
+        <p:style>
+          <a:lnRef idx="1">
+            <a:schemeClr val="accent1"/>
+          </a:lnRef>
+          <a:fillRef idx="0">
+            <a:schemeClr val="accent1"/>
+          </a:fillRef>
+          <a:effectRef idx="0">
+            <a:schemeClr val="accent1"/>
+          </a:effectRef>
+          <a:fontRef idx="minor">
+            <a:schemeClr val="tx1"/>
+          </a:fontRef>
+        </p:style>
+      </p:cxnSp>
     </p:spTree>
     <p:extLst>
       <p:ext uri="{BB962C8B-B14F-4D97-AF65-F5344CB8AC3E}">
-        <p14:creationId xmlns:p14="http://schemas.microsoft.com/office/powerpoint/2010/main" val="288630929"/>
+        <p14:creationId xmlns:p14="http://schemas.microsoft.com/office/powerpoint/2010/main" val="2865297886"/>
       </p:ext>
     </p:extLst>
   </p:cSld>
@@ -9952,7 +12777,7 @@
           <a:p>
             <a:fld id="{98D6F17B-863C-4F17-AB65-141CD3CCD3CD}" type="datetime3">
               <a:rPr lang="en-US" smtClean="0"/>
-              <a:t>22 May 2023</a:t>
+              <a:t>29 May 2023</a:t>
             </a:fld>
             <a:endParaRPr lang="en-US"/>
           </a:p>
@@ -10017,10 +12842,10 @@
       </p:sp>
       <p:pic>
         <p:nvPicPr>
-          <p:cNvPr id="16" name="Picture 15" descr="A picture containing text, screenshot, diagram, number&#10;&#10;Description automatically generated">
-            <a:extLst>
-              <a:ext uri="{FF2B5EF4-FFF2-40B4-BE49-F238E27FC236}">
-                <a16:creationId xmlns:a16="http://schemas.microsoft.com/office/drawing/2014/main" id="{B67CEB12-35BA-213E-0BB1-86D9B7B553B9}"/>
+          <p:cNvPr id="7" name="Picture 6" descr="A picture containing text, screenshot, diagram, line&#10;&#10;Description automatically generated">
+            <a:extLst>
+              <a:ext uri="{FF2B5EF4-FFF2-40B4-BE49-F238E27FC236}">
+                <a16:creationId xmlns:a16="http://schemas.microsoft.com/office/drawing/2014/main" id="{29467635-18AC-7781-E245-2F868D9A1DD7}"/>
               </a:ext>
             </a:extLst>
           </p:cNvPr>
@@ -10043,8 +12868,8 @@
         </p:blipFill>
         <p:spPr>
           <a:xfrm>
-            <a:off x="1848404" y="2138017"/>
-            <a:ext cx="8861892" cy="3624315"/>
+            <a:off x="986117" y="1806436"/>
+            <a:ext cx="10586465" cy="4190168"/>
           </a:xfrm>
           <a:prstGeom prst="rect">
             <a:avLst/>
@@ -10246,7 +13071,7 @@
                 <a:ea typeface="Open Sans" panose="020B0606030504020204" pitchFamily="34" charset="0"/>
                 <a:cs typeface="Aldhabi" panose="020B0604020202020204" pitchFamily="2" charset="-78"/>
               </a:rPr>
-              <a:t>Results: S-CML</a:t>
+              <a:t>Results: TSC</a:t>
             </a:r>
           </a:p>
         </p:txBody>
@@ -10256,7 +13081,7 @@
           <p:cNvPr id="2" name="Date Placeholder 1">
             <a:extLst>
               <a:ext uri="{FF2B5EF4-FFF2-40B4-BE49-F238E27FC236}">
-                <a16:creationId xmlns:a16="http://schemas.microsoft.com/office/drawing/2014/main" id="{C614EA35-74C6-E5B0-F9B0-2AEC92662F36}"/>
+                <a16:creationId xmlns:a16="http://schemas.microsoft.com/office/drawing/2014/main" id="{5A743394-6A00-CCC6-8AF2-29067021458B}"/>
               </a:ext>
             </a:extLst>
           </p:cNvPr>
@@ -10272,9 +13097,9 @@
           <a:bodyPr/>
           <a:lstStyle/>
           <a:p>
-            <a:fld id="{98D6F17B-863C-4F17-AB65-141CD3CCD3CD}" type="datetime3">
+            <a:fld id="{75C40E04-F741-4C6B-A82C-FDFC15E2DF24}" type="datetime3">
               <a:rPr lang="en-US" smtClean="0"/>
-              <a:t>22 May 2023</a:t>
+              <a:t>29 May 2023</a:t>
             </a:fld>
             <a:endParaRPr lang="en-US"/>
           </a:p>
@@ -10285,7 +13110,7 @@
           <p:cNvPr id="4" name="Footer Placeholder 3">
             <a:extLst>
               <a:ext uri="{FF2B5EF4-FFF2-40B4-BE49-F238E27FC236}">
-                <a16:creationId xmlns:a16="http://schemas.microsoft.com/office/drawing/2014/main" id="{FA349680-E65A-6C87-F049-01A041225B67}"/>
+                <a16:creationId xmlns:a16="http://schemas.microsoft.com/office/drawing/2014/main" id="{9C0FE2BD-B464-12BC-0714-A935CA937632}"/>
               </a:ext>
             </a:extLst>
           </p:cNvPr>
@@ -10313,7 +13138,7 @@
           <p:cNvPr id="5" name="Slide Number Placeholder 4">
             <a:extLst>
               <a:ext uri="{FF2B5EF4-FFF2-40B4-BE49-F238E27FC236}">
-                <a16:creationId xmlns:a16="http://schemas.microsoft.com/office/drawing/2014/main" id="{603FAD2D-B494-DF3C-B887-ADB4BBD2941E}"/>
+                <a16:creationId xmlns:a16="http://schemas.microsoft.com/office/drawing/2014/main" id="{DD5E1E3C-BA5E-889C-70D2-95AA9C53C1B8}"/>
               </a:ext>
             </a:extLst>
           </p:cNvPr>
@@ -10339,10 +13164,10 @@
       </p:sp>
       <p:pic>
         <p:nvPicPr>
-          <p:cNvPr id="14" name="Picture 13" descr="A picture containing text, diagram, line, plot&#10;&#10;Description automatically generated">
-            <a:extLst>
-              <a:ext uri="{FF2B5EF4-FFF2-40B4-BE49-F238E27FC236}">
-                <a16:creationId xmlns:a16="http://schemas.microsoft.com/office/drawing/2014/main" id="{5A1F9EBE-CF4B-2E08-6028-6B0CD167F200}"/>
+          <p:cNvPr id="7" name="Picture 6" descr="A picture containing text, number, diagram, screenshot&#10;&#10;Description automatically generated">
+            <a:extLst>
+              <a:ext uri="{FF2B5EF4-FFF2-40B4-BE49-F238E27FC236}">
+                <a16:creationId xmlns:a16="http://schemas.microsoft.com/office/drawing/2014/main" id="{161E1331-CA8B-00C6-7617-1ECE2EE59522}"/>
               </a:ext>
             </a:extLst>
           </p:cNvPr>
@@ -10365,18 +13190,90 @@
         </p:blipFill>
         <p:spPr>
           <a:xfrm>
-            <a:off x="1881196" y="2238136"/>
-            <a:ext cx="8429608" cy="3424076"/>
+            <a:off x="4680999" y="1176956"/>
+            <a:ext cx="5830998" cy="4413616"/>
           </a:xfrm>
           <a:prstGeom prst="rect">
             <a:avLst/>
           </a:prstGeom>
         </p:spPr>
       </p:pic>
+      <p:pic>
+        <p:nvPicPr>
+          <p:cNvPr id="14" name="Picture 13" descr="A white animal with black tail&#10;&#10;Description automatically generated with low confidence">
+            <a:extLst>
+              <a:ext uri="{FF2B5EF4-FFF2-40B4-BE49-F238E27FC236}">
+                <a16:creationId xmlns:a16="http://schemas.microsoft.com/office/drawing/2014/main" id="{82016A6C-1E7B-01DA-FEAF-746FFB30F833}"/>
+              </a:ext>
+            </a:extLst>
+          </p:cNvPr>
+          <p:cNvPicPr>
+            <a:picLocks noChangeAspect="1"/>
+          </p:cNvPicPr>
+          <p:nvPr/>
+        </p:nvPicPr>
+        <p:blipFill>
+          <a:blip r:embed="rId6">
+            <a:extLst>
+              <a:ext uri="{28A0092B-C50C-407E-A947-70E740481C1C}">
+                <a14:useLocalDpi xmlns:a14="http://schemas.microsoft.com/office/drawing/2010/main" val="0"/>
+              </a:ext>
+            </a:extLst>
+          </a:blip>
+          <a:stretch>
+            <a:fillRect/>
+          </a:stretch>
+        </p:blipFill>
+        <p:spPr>
+          <a:xfrm>
+            <a:off x="1118337" y="2768573"/>
+            <a:ext cx="2920263" cy="1637763"/>
+          </a:xfrm>
+          <a:prstGeom prst="rect">
+            <a:avLst/>
+          </a:prstGeom>
+        </p:spPr>
+      </p:pic>
+      <p:sp>
+        <p:nvSpPr>
+          <p:cNvPr id="16" name="TextBox 15">
+            <a:extLst>
+              <a:ext uri="{FF2B5EF4-FFF2-40B4-BE49-F238E27FC236}">
+                <a16:creationId xmlns:a16="http://schemas.microsoft.com/office/drawing/2014/main" id="{4025E101-B16A-651B-261B-B4F5DF5F42EA}"/>
+              </a:ext>
+            </a:extLst>
+          </p:cNvPr>
+          <p:cNvSpPr txBox="1"/>
+          <p:nvPr/>
+        </p:nvSpPr>
+        <p:spPr>
+          <a:xfrm>
+            <a:off x="6205524" y="5808304"/>
+            <a:ext cx="3826675" cy="369332"/>
+          </a:xfrm>
+          <a:prstGeom prst="rect">
+            <a:avLst/>
+          </a:prstGeom>
+          <a:noFill/>
+        </p:spPr>
+        <p:txBody>
+          <a:bodyPr wrap="square" rtlCol="0">
+            <a:spAutoFit/>
+          </a:bodyPr>
+          <a:lstStyle/>
+          <a:p>
+            <a:pPr algn="ctr"/>
+            <a:r>
+              <a:rPr lang="en-US"/>
+              <a:t>Performance map Accuracy-Time</a:t>
+            </a:r>
+          </a:p>
+        </p:txBody>
+      </p:sp>
     </p:spTree>
     <p:extLst>
       <p:ext uri="{BB962C8B-B14F-4D97-AF65-F5344CB8AC3E}">
-        <p14:creationId xmlns:p14="http://schemas.microsoft.com/office/powerpoint/2010/main" val="4006861821"/>
+        <p14:creationId xmlns:p14="http://schemas.microsoft.com/office/powerpoint/2010/main" val="1196762801"/>
       </p:ext>
     </p:extLst>
   </p:cSld>
@@ -10977,6 +13874,26 @@
 </file>
 
 <file path=customXml/item1.xml><?xml version="1.0" encoding="utf-8"?>
+<?mso-contentType ?>
+<FormTemplates xmlns="http://schemas.microsoft.com/sharepoint/v3/contenttype/forms">
+  <Display>DocumentLibraryForm</Display>
+  <Edit>DocumentLibraryForm</Edit>
+  <New>DocumentLibraryForm</New>
+</FormTemplates>
+</file>
+
+<file path=customXml/item2.xml><?xml version="1.0" encoding="utf-8"?>
+<p:properties xmlns:p="http://schemas.microsoft.com/office/2006/metadata/properties" xmlns:xsi="http://www.w3.org/2001/XMLSchema-instance" xmlns:pc="http://schemas.microsoft.com/office/infopath/2007/PartnerControls">
+  <documentManagement>
+    <TaxCatchAll xmlns="1d8336b6-4baa-4802-9be8-74f6b763f834" xsi:nil="true"/>
+    <lcf76f155ced4ddcb4097134ff3c332f xmlns="a1e083f3-8d69-47b4-ac5e-a15b59cb8405">
+      <Terms xmlns="http://schemas.microsoft.com/office/infopath/2007/PartnerControls"/>
+    </lcf76f155ced4ddcb4097134ff3c332f>
+  </documentManagement>
+</p:properties>
+</file>
+
+<file path=customXml/item3.xml><?xml version="1.0" encoding="utf-8"?>
 <ct:contentTypeSchema xmlns:ct="http://schemas.microsoft.com/office/2006/metadata/contentType" xmlns:ma="http://schemas.microsoft.com/office/2006/metadata/properties/metaAttributes" ct:_="" ma:_="" ma:contentTypeName="Document" ma:contentTypeID="0x010100F2F1D678B0CF8D49A2FC0A9B73F59F89" ma:contentTypeVersion="13" ma:contentTypeDescription="Create a new document." ma:contentTypeScope="" ma:versionID="ecdef42636693b311b02f900bbc83338">
   <xsd:schema xmlns:xsd="http://www.w3.org/2001/XMLSchema" xmlns:xs="http://www.w3.org/2001/XMLSchema" xmlns:p="http://schemas.microsoft.com/office/2006/metadata/properties" xmlns:ns2="a1e083f3-8d69-47b4-ac5e-a15b59cb8405" xmlns:ns3="1d8336b6-4baa-4802-9be8-74f6b763f834" targetNamespace="http://schemas.microsoft.com/office/2006/metadata/properties" ma:root="true" ma:fieldsID="67bdcb21dda0d7369bc76542ecfe9bf8" ns2:_="" ns3:_="">
     <xsd:import namespace="a1e083f3-8d69-47b4-ac5e-a15b59cb8405"/>
@@ -11199,34 +14116,40 @@
 </ct:contentTypeSchema>
 </file>
 
-<file path=customXml/item2.xml><?xml version="1.0" encoding="utf-8"?>
-<?mso-contentType ?>
-<FormTemplates xmlns="http://schemas.microsoft.com/sharepoint/v3/contenttype/forms">
-  <Display>DocumentLibraryForm</Display>
-  <Edit>DocumentLibraryForm</Edit>
-  <New>DocumentLibraryForm</New>
-</FormTemplates>
-</file>
-
-<file path=customXml/item3.xml><?xml version="1.0" encoding="utf-8"?>
-<p:properties xmlns:p="http://schemas.microsoft.com/office/2006/metadata/properties" xmlns:xsi="http://www.w3.org/2001/XMLSchema-instance" xmlns:pc="http://schemas.microsoft.com/office/infopath/2007/PartnerControls">
-  <documentManagement>
-    <TaxCatchAll xmlns="1d8336b6-4baa-4802-9be8-74f6b763f834" xsi:nil="true"/>
-    <lcf76f155ced4ddcb4097134ff3c332f xmlns="a1e083f3-8d69-47b4-ac5e-a15b59cb8405">
-      <Terms xmlns="http://schemas.microsoft.com/office/infopath/2007/PartnerControls"/>
-    </lcf76f155ced4ddcb4097134ff3c332f>
-  </documentManagement>
-</p:properties>
-</file>
-
 <file path=customXml/itemProps1.xml><?xml version="1.0" encoding="utf-8"?>
-<ds:datastoreItem xmlns:ds="http://schemas.openxmlformats.org/officeDocument/2006/customXml" ds:itemID="{FDFCC70F-F8BA-4133-86E7-E949317E09A1}"/>
+<ds:datastoreItem xmlns:ds="http://schemas.openxmlformats.org/officeDocument/2006/customXml" ds:itemID="{3C1566CF-2693-4635-AECA-0553C86D72E8}">
+  <ds:schemaRefs>
+    <ds:schemaRef ds:uri="http://schemas.microsoft.com/sharepoint/v3/contenttype/forms"/>
+  </ds:schemaRefs>
+</ds:datastoreItem>
 </file>
 
 <file path=customXml/itemProps2.xml><?xml version="1.0" encoding="utf-8"?>
-<ds:datastoreItem xmlns:ds="http://schemas.openxmlformats.org/officeDocument/2006/customXml" ds:itemID="{3C1566CF-2693-4635-AECA-0553C86D72E8}"/>
+<ds:datastoreItem xmlns:ds="http://schemas.openxmlformats.org/officeDocument/2006/customXml" ds:itemID="{EBAD651E-B192-4023-8BF1-0DA1D93B17D4}">
+  <ds:schemaRefs>
+    <ds:schemaRef ds:uri="http://schemas.microsoft.com/office/2006/metadata/properties"/>
+    <ds:schemaRef ds:uri="http://schemas.microsoft.com/office/infopath/2007/PartnerControls"/>
+    <ds:schemaRef ds:uri="1d8336b6-4baa-4802-9be8-74f6b763f834"/>
+    <ds:schemaRef ds:uri="a1e083f3-8d69-47b4-ac5e-a15b59cb8405"/>
+  </ds:schemaRefs>
+</ds:datastoreItem>
 </file>
 
 <file path=customXml/itemProps3.xml><?xml version="1.0" encoding="utf-8"?>
-<ds:datastoreItem xmlns:ds="http://schemas.openxmlformats.org/officeDocument/2006/customXml" ds:itemID="{EBAD651E-B192-4023-8BF1-0DA1D93B17D4}"/>
+<ds:datastoreItem xmlns:ds="http://schemas.openxmlformats.org/officeDocument/2006/customXml" ds:itemID="{FDFCC70F-F8BA-4133-86E7-E949317E09A1}">
+  <ds:schemaRefs>
+    <ds:schemaRef ds:uri="http://schemas.microsoft.com/office/2006/metadata/contentType"/>
+    <ds:schemaRef ds:uri="http://schemas.microsoft.com/office/2006/metadata/properties/metaAttributes"/>
+    <ds:schemaRef ds:uri="http://www.w3.org/2001/XMLSchema"/>
+    <ds:schemaRef ds:uri="http://schemas.microsoft.com/office/2006/metadata/properties"/>
+    <ds:schemaRef ds:uri="a1e083f3-8d69-47b4-ac5e-a15b59cb8405"/>
+    <ds:schemaRef ds:uri="1d8336b6-4baa-4802-9be8-74f6b763f834"/>
+    <ds:schemaRef ds:uri="http://schemas.microsoft.com/office/2006/documentManagement/types"/>
+    <ds:schemaRef ds:uri="http://schemas.microsoft.com/office/infopath/2007/PartnerControls"/>
+    <ds:schemaRef ds:uri="http://schemas.openxmlformats.org/package/2006/metadata/core-properties"/>
+    <ds:schemaRef ds:uri="http://purl.org/dc/elements/1.1/"/>
+    <ds:schemaRef ds:uri="http://purl.org/dc/terms/"/>
+    <ds:schemaRef ds:uri="http://schemas.microsoft.com/internal/obd"/>
+  </ds:schemaRefs>
+</ds:datastoreItem>
 </file>
--- a/presentation/SAC_Thesis_Presentation.pptx
+++ b/presentation/SAC_Thesis_Presentation.pptx
@@ -9,9 +9,9 @@
   </p:notesMasterIdLst>
   <p:sldIdLst>
     <p:sldId id="262" r:id="rId5"/>
-    <p:sldId id="261" r:id="rId6"/>
-    <p:sldId id="263" r:id="rId7"/>
-    <p:sldId id="264" r:id="rId8"/>
+    <p:sldId id="263" r:id="rId6"/>
+    <p:sldId id="264" r:id="rId7"/>
+    <p:sldId id="261" r:id="rId8"/>
     <p:sldId id="265" r:id="rId9"/>
     <p:sldId id="282" r:id="rId10"/>
     <p:sldId id="281" r:id="rId11"/>
@@ -19,14 +19,14 @@
     <p:sldId id="266" r:id="rId13"/>
     <p:sldId id="275" r:id="rId14"/>
     <p:sldId id="271" r:id="rId15"/>
-    <p:sldId id="283" r:id="rId16"/>
+    <p:sldId id="272" r:id="rId16"/>
     <p:sldId id="276" r:id="rId17"/>
-    <p:sldId id="272" r:id="rId18"/>
-    <p:sldId id="280" r:id="rId19"/>
-    <p:sldId id="279" r:id="rId20"/>
-    <p:sldId id="277" r:id="rId21"/>
-    <p:sldId id="268" r:id="rId22"/>
-    <p:sldId id="267" r:id="rId23"/>
+    <p:sldId id="280" r:id="rId18"/>
+    <p:sldId id="279" r:id="rId19"/>
+    <p:sldId id="277" r:id="rId20"/>
+    <p:sldId id="268" r:id="rId21"/>
+    <p:sldId id="267" r:id="rId22"/>
+    <p:sldId id="284" r:id="rId23"/>
   </p:sldIdLst>
   <p:sldSz cx="12192000" cy="6858000"/>
   <p:notesSz cx="6858000" cy="9144000"/>
@@ -136,7 +136,7 @@
 <file path=ppt/revisionInfo.xml><?xml version="1.0" encoding="utf-8"?>
 <p1510:revInfo xmlns:a="http://schemas.openxmlformats.org/drawingml/2006/main" xmlns:r="http://schemas.openxmlformats.org/officeDocument/2006/relationships" xmlns:p1510="http://schemas.microsoft.com/office/powerpoint/2015/10/main">
   <p1510:revLst>
-    <p1510:client id="{08A21528-36A9-49B6-B623-999EBB6EF295}" v="118" dt="2023-05-29T18:04:49.383"/>
+    <p1510:client id="{08A21528-36A9-49B6-B623-999EBB6EF295}" v="129" dt="2023-05-31T08:20:18.555"/>
   </p1510:revLst>
 </p1510:revInfo>
 </file>
@@ -146,18 +146,18 @@
   <pc:docChgLst>
     <pc:chgData name="Матармаа Ярно Олави" userId="1aa4b257-9c28-4d88-ba0e-5621458d2989" providerId="ADAL" clId="{08A21528-36A9-49B6-B623-999EBB6EF295}"/>
     <pc:docChg chg="undo custSel addSld delSld modSld sldOrd">
-      <pc:chgData name="Матармаа Ярно Олави" userId="1aa4b257-9c28-4d88-ba0e-5621458d2989" providerId="ADAL" clId="{08A21528-36A9-49B6-B623-999EBB6EF295}" dt="2023-05-29T18:21:54.459" v="1324" actId="20577"/>
+      <pc:chgData name="Матармаа Ярно Олави" userId="1aa4b257-9c28-4d88-ba0e-5621458d2989" providerId="ADAL" clId="{08A21528-36A9-49B6-B623-999EBB6EF295}" dt="2023-05-31T08:20:43.451" v="2235"/>
       <pc:docMkLst>
         <pc:docMk/>
       </pc:docMkLst>
-      <pc:sldChg chg="modSp mod">
-        <pc:chgData name="Матармаа Ярно Олави" userId="1aa4b257-9c28-4d88-ba0e-5621458d2989" providerId="ADAL" clId="{08A21528-36A9-49B6-B623-999EBB6EF295}" dt="2023-05-29T17:42:07.480" v="946" actId="113"/>
+      <pc:sldChg chg="modSp mod ord">
+        <pc:chgData name="Матармаа Ярно Олави" userId="1aa4b257-9c28-4d88-ba0e-5621458d2989" providerId="ADAL" clId="{08A21528-36A9-49B6-B623-999EBB6EF295}" dt="2023-05-31T08:12:08.462" v="2210"/>
         <pc:sldMkLst>
           <pc:docMk/>
           <pc:sldMk cId="1742448173" sldId="261"/>
         </pc:sldMkLst>
         <pc:spChg chg="mod">
-          <ac:chgData name="Матармаа Ярно Олави" userId="1aa4b257-9c28-4d88-ba0e-5621458d2989" providerId="ADAL" clId="{08A21528-36A9-49B6-B623-999EBB6EF295}" dt="2023-05-29T17:42:07.480" v="946" actId="113"/>
+          <ac:chgData name="Матармаа Ярно Олави" userId="1aa4b257-9c28-4d88-ba0e-5621458d2989" providerId="ADAL" clId="{08A21528-36A9-49B6-B623-999EBB6EF295}" dt="2023-05-31T07:57:51.024" v="1810" actId="113"/>
           <ac:spMkLst>
             <pc:docMk/>
             <pc:sldMk cId="1742448173" sldId="261"/>
@@ -180,12 +180,20 @@
           </ac:spMkLst>
         </pc:spChg>
       </pc:sldChg>
-      <pc:sldChg chg="modSp mod">
-        <pc:chgData name="Матармаа Ярно Олави" userId="1aa4b257-9c28-4d88-ba0e-5621458d2989" providerId="ADAL" clId="{08A21528-36A9-49B6-B623-999EBB6EF295}" dt="2023-05-29T18:14:23.520" v="1305" actId="20577"/>
+      <pc:sldChg chg="modSp mod ord">
+        <pc:chgData name="Матармаа Ярно Олави" userId="1aa4b257-9c28-4d88-ba0e-5621458d2989" providerId="ADAL" clId="{08A21528-36A9-49B6-B623-999EBB6EF295}" dt="2023-05-31T07:43:50.008" v="1404"/>
         <pc:sldMkLst>
           <pc:docMk/>
           <pc:sldMk cId="3846058832" sldId="263"/>
         </pc:sldMkLst>
+        <pc:spChg chg="mod">
+          <ac:chgData name="Матармаа Ярно Олави" userId="1aa4b257-9c28-4d88-ba0e-5621458d2989" providerId="ADAL" clId="{08A21528-36A9-49B6-B623-999EBB6EF295}" dt="2023-05-31T07:43:10.906" v="1400" actId="20577"/>
+          <ac:spMkLst>
+            <pc:docMk/>
+            <pc:sldMk cId="3846058832" sldId="263"/>
+            <ac:spMk id="3" creationId="{17FE94F6-7284-801F-F817-E8DCCB9E7C76}"/>
+          </ac:spMkLst>
+        </pc:spChg>
         <pc:spChg chg="mod">
           <ac:chgData name="Матармаа Ярно Олави" userId="1aa4b257-9c28-4d88-ba0e-5621458d2989" providerId="ADAL" clId="{08A21528-36A9-49B6-B623-999EBB6EF295}" dt="2023-05-29T18:14:23.520" v="1305" actId="20577"/>
           <ac:spMkLst>
@@ -195,8 +203,8 @@
           </ac:spMkLst>
         </pc:spChg>
       </pc:sldChg>
-      <pc:sldChg chg="modSp mod modNotesTx">
-        <pc:chgData name="Матармаа Ярно Олави" userId="1aa4b257-9c28-4d88-ba0e-5621458d2989" providerId="ADAL" clId="{08A21528-36A9-49B6-B623-999EBB6EF295}" dt="2023-05-29T18:09:36.998" v="1172" actId="20577"/>
+      <pc:sldChg chg="modSp mod ord modNotesTx">
+        <pc:chgData name="Матармаа Ярно Олави" userId="1aa4b257-9c28-4d88-ba0e-5621458d2989" providerId="ADAL" clId="{08A21528-36A9-49B6-B623-999EBB6EF295}" dt="2023-05-31T08:12:13.452" v="2212"/>
         <pc:sldMkLst>
           <pc:docMk/>
           <pc:sldMk cId="3615194922" sldId="264"/>
@@ -210,7 +218,7 @@
           </ac:spMkLst>
         </pc:spChg>
         <pc:spChg chg="mod">
-          <ac:chgData name="Матармаа Ярно Олави" userId="1aa4b257-9c28-4d88-ba0e-5621458d2989" providerId="ADAL" clId="{08A21528-36A9-49B6-B623-999EBB6EF295}" dt="2023-05-29T18:00:13.756" v="1073" actId="20577"/>
+          <ac:chgData name="Матармаа Ярно Олави" userId="1aa4b257-9c28-4d88-ba0e-5621458d2989" providerId="ADAL" clId="{08A21528-36A9-49B6-B623-999EBB6EF295}" dt="2023-05-31T07:57:11.690" v="1805" actId="20577"/>
           <ac:spMkLst>
             <pc:docMk/>
             <pc:sldMk cId="3615194922" sldId="264"/>
@@ -280,8 +288,8 @@
           </ac:picMkLst>
         </pc:picChg>
       </pc:sldChg>
-      <pc:sldChg chg="modSp mod ord">
-        <pc:chgData name="Матармаа Ярно Олави" userId="1aa4b257-9c28-4d88-ba0e-5621458d2989" providerId="ADAL" clId="{08A21528-36A9-49B6-B623-999EBB6EF295}" dt="2023-05-29T17:51:50.680" v="1030" actId="20577"/>
+      <pc:sldChg chg="addSp delSp modSp mod ord setBg">
+        <pc:chgData name="Матармаа Ярно Олави" userId="1aa4b257-9c28-4d88-ba0e-5621458d2989" providerId="ADAL" clId="{08A21528-36A9-49B6-B623-999EBB6EF295}" dt="2023-05-31T08:19:55.826" v="2231"/>
         <pc:sldMkLst>
           <pc:docMk/>
           <pc:sldMk cId="3818921347" sldId="267"/>
@@ -294,9 +302,17 @@
             <ac:spMk id="3" creationId="{17FE94F6-7284-801F-F817-E8DCCB9E7C76}"/>
           </ac:spMkLst>
         </pc:spChg>
+        <pc:picChg chg="add del mod">
+          <ac:chgData name="Матармаа Ярно Олави" userId="1aa4b257-9c28-4d88-ba0e-5621458d2989" providerId="ADAL" clId="{08A21528-36A9-49B6-B623-999EBB6EF295}" dt="2023-05-31T07:37:26.466" v="1326" actId="931"/>
+          <ac:picMkLst>
+            <pc:docMk/>
+            <pc:sldMk cId="3818921347" sldId="267"/>
+            <ac:picMk id="7" creationId="{C062A66E-250E-E568-918B-0F07D11FCAA5}"/>
+          </ac:picMkLst>
+        </pc:picChg>
       </pc:sldChg>
-      <pc:sldChg chg="modSp mod ord">
-        <pc:chgData name="Матармаа Ярно Олави" userId="1aa4b257-9c28-4d88-ba0e-5621458d2989" providerId="ADAL" clId="{08A21528-36A9-49B6-B623-999EBB6EF295}" dt="2023-05-29T17:51:59.289" v="1036" actId="20577"/>
+      <pc:sldChg chg="modSp mod ord setBg">
+        <pc:chgData name="Матармаа Ярно Олави" userId="1aa4b257-9c28-4d88-ba0e-5621458d2989" providerId="ADAL" clId="{08A21528-36A9-49B6-B623-999EBB6EF295}" dt="2023-05-31T08:19:51.288" v="2230"/>
         <pc:sldMkLst>
           <pc:docMk/>
           <pc:sldMk cId="2955668408" sldId="268"/>
@@ -310,20 +326,35 @@
           </ac:spMkLst>
         </pc:spChg>
       </pc:sldChg>
-      <pc:sldChg chg="modSp mod">
-        <pc:chgData name="Матармаа Ярно Олави" userId="1aa4b257-9c28-4d88-ba0e-5621458d2989" providerId="ADAL" clId="{08A21528-36A9-49B6-B623-999EBB6EF295}" dt="2023-05-29T17:54:04.387" v="1052" actId="948"/>
+      <pc:sldChg chg="addSp modSp mod">
+        <pc:chgData name="Матармаа Ярно Олави" userId="1aa4b257-9c28-4d88-ba0e-5621458d2989" providerId="ADAL" clId="{08A21528-36A9-49B6-B623-999EBB6EF295}" dt="2023-05-31T08:11:10.991" v="2208" actId="20577"/>
         <pc:sldMkLst>
           <pc:docMk/>
           <pc:sldMk cId="3322366441" sldId="271"/>
         </pc:sldMkLst>
+        <pc:spChg chg="add mod">
+          <ac:chgData name="Матармаа Ярно Олави" userId="1aa4b257-9c28-4d88-ba0e-5621458d2989" providerId="ADAL" clId="{08A21528-36A9-49B6-B623-999EBB6EF295}" dt="2023-05-31T08:09:36.485" v="2136" actId="20577"/>
+          <ac:spMkLst>
+            <pc:docMk/>
+            <pc:sldMk cId="3322366441" sldId="271"/>
+            <ac:spMk id="6" creationId="{4C2F8810-0961-FA4E-E8D0-FCF6C555F6E9}"/>
+          </ac:spMkLst>
+        </pc:spChg>
         <pc:spChg chg="mod">
-          <ac:chgData name="Матармаа Ярно Олави" userId="1aa4b257-9c28-4d88-ba0e-5621458d2989" providerId="ADAL" clId="{08A21528-36A9-49B6-B623-999EBB6EF295}" dt="2023-05-29T17:54:04.387" v="1052" actId="948"/>
+          <ac:chgData name="Матармаа Ярно Олави" userId="1aa4b257-9c28-4d88-ba0e-5621458d2989" providerId="ADAL" clId="{08A21528-36A9-49B6-B623-999EBB6EF295}" dt="2023-05-31T08:11:10.991" v="2208" actId="20577"/>
           <ac:spMkLst>
             <pc:docMk/>
             <pc:sldMk cId="3322366441" sldId="271"/>
             <ac:spMk id="7" creationId="{5C69782A-E609-57B9-10EB-CEF5E68B0D55}"/>
           </ac:spMkLst>
         </pc:spChg>
+      </pc:sldChg>
+      <pc:sldChg chg="ord">
+        <pc:chgData name="Матармаа Ярно Олави" userId="1aa4b257-9c28-4d88-ba0e-5621458d2989" providerId="ADAL" clId="{08A21528-36A9-49B6-B623-999EBB6EF295}" dt="2023-05-31T08:20:43.451" v="2235"/>
+        <pc:sldMkLst>
+          <pc:docMk/>
+          <pc:sldMk cId="2714344767" sldId="272"/>
+        </pc:sldMkLst>
       </pc:sldChg>
       <pc:sldChg chg="del ord">
         <pc:chgData name="Матармаа Ярно Олави" userId="1aa4b257-9c28-4d88-ba0e-5621458d2989" providerId="ADAL" clId="{08A21528-36A9-49B6-B623-999EBB6EF295}" dt="2023-05-29T17:45:21.491" v="954" actId="2696"/>
@@ -387,8 +418,8 @@
           </ac:picMkLst>
         </pc:picChg>
       </pc:sldChg>
-      <pc:sldChg chg="modSp mod ord">
-        <pc:chgData name="Матармаа Ярно Олави" userId="1aa4b257-9c28-4d88-ba0e-5621458d2989" providerId="ADAL" clId="{08A21528-36A9-49B6-B623-999EBB6EF295}" dt="2023-05-29T17:51:31.644" v="1011" actId="20577"/>
+      <pc:sldChg chg="modSp mod ord setBg">
+        <pc:chgData name="Матармаа Ярно Олави" userId="1aa4b257-9c28-4d88-ba0e-5621458d2989" providerId="ADAL" clId="{08A21528-36A9-49B6-B623-999EBB6EF295}" dt="2023-05-31T08:19:45.968" v="2229"/>
         <pc:sldMkLst>
           <pc:docMk/>
           <pc:sldMk cId="288630929" sldId="277"/>
@@ -425,8 +456,8 @@
           </ac:picMkLst>
         </pc:picChg>
       </pc:sldChg>
-      <pc:sldChg chg="modSp add mod ord">
-        <pc:chgData name="Матармаа Ярно Олави" userId="1aa4b257-9c28-4d88-ba0e-5621458d2989" providerId="ADAL" clId="{08A21528-36A9-49B6-B623-999EBB6EF295}" dt="2023-05-29T17:51:22.489" v="988"/>
+      <pc:sldChg chg="modSp add mod ord setBg">
+        <pc:chgData name="Матармаа Ярно Олави" userId="1aa4b257-9c28-4d88-ba0e-5621458d2989" providerId="ADAL" clId="{08A21528-36A9-49B6-B623-999EBB6EF295}" dt="2023-05-31T08:19:38.627" v="2227"/>
         <pc:sldMkLst>
           <pc:docMk/>
           <pc:sldMk cId="710172695" sldId="279"/>
@@ -448,8 +479,8 @@
           </ac:spMkLst>
         </pc:spChg>
       </pc:sldChg>
-      <pc:sldChg chg="modSp add mod ord">
-        <pc:chgData name="Матармаа Ярно Олави" userId="1aa4b257-9c28-4d88-ba0e-5621458d2989" providerId="ADAL" clId="{08A21528-36A9-49B6-B623-999EBB6EF295}" dt="2023-05-29T15:13:51.075" v="126" actId="20577"/>
+      <pc:sldChg chg="modSp add mod ord setBg">
+        <pc:chgData name="Матармаа Ярно Олави" userId="1aa4b257-9c28-4d88-ba0e-5621458d2989" providerId="ADAL" clId="{08A21528-36A9-49B6-B623-999EBB6EF295}" dt="2023-05-31T08:20:18.555" v="2233"/>
         <pc:sldMkLst>
           <pc:docMk/>
           <pc:sldMk cId="1610099843" sldId="280"/>
@@ -612,20 +643,75 @@
           </ac:picMkLst>
         </pc:picChg>
       </pc:sldChg>
-      <pc:sldChg chg="modSp add mod">
-        <pc:chgData name="Матармаа Ярно Олави" userId="1aa4b257-9c28-4d88-ba0e-5621458d2989" providerId="ADAL" clId="{08A21528-36A9-49B6-B623-999EBB6EF295}" dt="2023-05-29T17:54:18.780" v="1054" actId="948"/>
+      <pc:sldChg chg="delSp modSp add del mod">
+        <pc:chgData name="Матармаа Ярно Олави" userId="1aa4b257-9c28-4d88-ba0e-5621458d2989" providerId="ADAL" clId="{08A21528-36A9-49B6-B623-999EBB6EF295}" dt="2023-05-31T08:08:46.306" v="2129" actId="2696"/>
         <pc:sldMkLst>
           <pc:docMk/>
           <pc:sldMk cId="3333319167" sldId="283"/>
         </pc:sldMkLst>
-        <pc:spChg chg="mod">
-          <ac:chgData name="Матармаа Ярно Олави" userId="1aa4b257-9c28-4d88-ba0e-5621458d2989" providerId="ADAL" clId="{08A21528-36A9-49B6-B623-999EBB6EF295}" dt="2023-05-29T17:54:18.780" v="1054" actId="948"/>
+        <pc:spChg chg="del mod">
+          <ac:chgData name="Матармаа Ярно Олави" userId="1aa4b257-9c28-4d88-ba0e-5621458d2989" providerId="ADAL" clId="{08A21528-36A9-49B6-B623-999EBB6EF295}" dt="2023-05-31T08:08:27.266" v="2121"/>
           <ac:spMkLst>
             <pc:docMk/>
             <pc:sldMk cId="3333319167" sldId="283"/>
             <ac:spMk id="7" creationId="{5C69782A-E609-57B9-10EB-CEF5E68B0D55}"/>
           </ac:spMkLst>
         </pc:spChg>
+      </pc:sldChg>
+      <pc:sldChg chg="addSp delSp modSp add mod setBg">
+        <pc:chgData name="Матармаа Ярно Олави" userId="1aa4b257-9c28-4d88-ba0e-5621458d2989" providerId="ADAL" clId="{08A21528-36A9-49B6-B623-999EBB6EF295}" dt="2023-05-31T08:19:59.898" v="2232"/>
+        <pc:sldMkLst>
+          <pc:docMk/>
+          <pc:sldMk cId="2181445688" sldId="284"/>
+        </pc:sldMkLst>
+        <pc:spChg chg="mod">
+          <ac:chgData name="Матармаа Ярно Олави" userId="1aa4b257-9c28-4d88-ba0e-5621458d2989" providerId="ADAL" clId="{08A21528-36A9-49B6-B623-999EBB6EF295}" dt="2023-05-31T08:19:07.938" v="2226" actId="20577"/>
+          <ac:spMkLst>
+            <pc:docMk/>
+            <pc:sldMk cId="2181445688" sldId="284"/>
+            <ac:spMk id="3" creationId="{17FE94F6-7284-801F-F817-E8DCCB9E7C76}"/>
+          </ac:spMkLst>
+        </pc:spChg>
+        <pc:spChg chg="del mod">
+          <ac:chgData name="Матармаа Ярно Олави" userId="1aa4b257-9c28-4d88-ba0e-5621458d2989" providerId="ADAL" clId="{08A21528-36A9-49B6-B623-999EBB6EF295}" dt="2023-05-31T07:37:34.302" v="1330" actId="478"/>
+          <ac:spMkLst>
+            <pc:docMk/>
+            <pc:sldMk cId="2181445688" sldId="284"/>
+            <ac:spMk id="21" creationId="{8B509B02-309A-7212-9491-F462ED66F8B1}"/>
+          </ac:spMkLst>
+        </pc:spChg>
+        <pc:spChg chg="del">
+          <ac:chgData name="Матармаа Ярно Олави" userId="1aa4b257-9c28-4d88-ba0e-5621458d2989" providerId="ADAL" clId="{08A21528-36A9-49B6-B623-999EBB6EF295}" dt="2023-05-31T07:37:36.235" v="1332" actId="478"/>
+          <ac:spMkLst>
+            <pc:docMk/>
+            <pc:sldMk cId="2181445688" sldId="284"/>
+            <ac:spMk id="22" creationId="{7B4D95D4-1292-951A-2E38-49B186244404}"/>
+          </ac:spMkLst>
+        </pc:spChg>
+        <pc:picChg chg="add mod">
+          <ac:chgData name="Матармаа Ярно Олави" userId="1aa4b257-9c28-4d88-ba0e-5621458d2989" providerId="ADAL" clId="{08A21528-36A9-49B6-B623-999EBB6EF295}" dt="2023-05-31T07:37:50.187" v="1336" actId="27614"/>
+          <ac:picMkLst>
+            <pc:docMk/>
+            <pc:sldMk cId="2181445688" sldId="284"/>
+            <ac:picMk id="7" creationId="{A0CC9D3F-6A62-CE97-F695-D022F9908437}"/>
+          </ac:picMkLst>
+        </pc:picChg>
+        <pc:picChg chg="del">
+          <ac:chgData name="Матармаа Ярно Олави" userId="1aa4b257-9c28-4d88-ba0e-5621458d2989" providerId="ADAL" clId="{08A21528-36A9-49B6-B623-999EBB6EF295}" dt="2023-05-31T07:37:31.867" v="1328" actId="478"/>
+          <ac:picMkLst>
+            <pc:docMk/>
+            <pc:sldMk cId="2181445688" sldId="284"/>
+            <ac:picMk id="18" creationId="{163DDC26-D1CC-B4EB-1DED-D3205DC5E98D}"/>
+          </ac:picMkLst>
+        </pc:picChg>
+        <pc:picChg chg="del">
+          <ac:chgData name="Матармаа Ярно Олави" userId="1aa4b257-9c28-4d88-ba0e-5621458d2989" providerId="ADAL" clId="{08A21528-36A9-49B6-B623-999EBB6EF295}" dt="2023-05-31T07:37:34.851" v="1331" actId="478"/>
+          <ac:picMkLst>
+            <pc:docMk/>
+            <pc:sldMk cId="2181445688" sldId="284"/>
+            <ac:picMk id="20" creationId="{83CCE99E-C4DD-5B8F-243C-2E5BD3FF30DD}"/>
+          </ac:picMkLst>
+        </pc:picChg>
       </pc:sldChg>
     </pc:docChg>
   </pc:docChgLst>
@@ -1887,7 +1973,7 @@
           <a:p>
             <a:fld id="{FAAF1E55-87A3-4275-93CF-E12595046331}" type="datetimeFigureOut">
               <a:rPr lang="en-US" smtClean="0"/>
-              <a:t>5/29/2023</a:t>
+              <a:t>5/31/2023</a:t>
             </a:fld>
             <a:endParaRPr lang="en-US"/>
           </a:p>
@@ -2271,7 +2357,7 @@
           <a:p>
             <a:fld id="{94F1D31C-C3FB-40DD-BC3A-D8527FF449FF}" type="slidenum">
               <a:rPr lang="en-US" smtClean="0"/>
-              <a:t>4</a:t>
+              <a:t>3</a:t>
             </a:fld>
             <a:endParaRPr lang="en-US"/>
           </a:p>
@@ -2573,7 +2659,7 @@
           <a:p>
             <a:fld id="{C1AF88CE-45D8-4AD0-B237-2B29CACD598D}" type="datetime3">
               <a:rPr lang="en-US" smtClean="0"/>
-              <a:t>29 May 2023</a:t>
+              <a:t>31 May 2023</a:t>
             </a:fld>
             <a:endParaRPr lang="en-US"/>
           </a:p>
@@ -2774,7 +2860,7 @@
           <a:p>
             <a:fld id="{C2B95146-5C1B-44AB-B24D-8C582C305651}" type="datetime3">
               <a:rPr lang="en-US" smtClean="0"/>
-              <a:t>29 May 2023</a:t>
+              <a:t>31 May 2023</a:t>
             </a:fld>
             <a:endParaRPr lang="en-US"/>
           </a:p>
@@ -2985,7 +3071,7 @@
           <a:p>
             <a:fld id="{C438EE63-29C7-4208-866E-6A0DD92F2F82}" type="datetime3">
               <a:rPr lang="en-US" smtClean="0"/>
-              <a:t>29 May 2023</a:t>
+              <a:t>31 May 2023</a:t>
             </a:fld>
             <a:endParaRPr lang="en-US"/>
           </a:p>
@@ -3186,7 +3272,7 @@
           <a:p>
             <a:fld id="{54F7F777-2A41-4520-85DF-CAEB72A9F766}" type="datetime3">
               <a:rPr lang="en-US" smtClean="0"/>
-              <a:t>29 May 2023</a:t>
+              <a:t>31 May 2023</a:t>
             </a:fld>
             <a:endParaRPr lang="en-US"/>
           </a:p>
@@ -3464,7 +3550,7 @@
           <a:p>
             <a:fld id="{A4B0CD45-3766-4791-98A9-1B56F268C932}" type="datetime3">
               <a:rPr lang="en-US" smtClean="0"/>
-              <a:t>29 May 2023</a:t>
+              <a:t>31 May 2023</a:t>
             </a:fld>
             <a:endParaRPr lang="en-US"/>
           </a:p>
@@ -3732,7 +3818,7 @@
           <a:p>
             <a:fld id="{5B511212-416B-48F0-8A59-5D367700AB2E}" type="datetime3">
               <a:rPr lang="en-US" smtClean="0"/>
-              <a:t>29 May 2023</a:t>
+              <a:t>31 May 2023</a:t>
             </a:fld>
             <a:endParaRPr lang="en-US"/>
           </a:p>
@@ -4147,7 +4233,7 @@
           <a:p>
             <a:fld id="{4C07C233-D796-406E-9EF7-49F40DAAAAA6}" type="datetime3">
               <a:rPr lang="en-US" smtClean="0"/>
-              <a:t>29 May 2023</a:t>
+              <a:t>31 May 2023</a:t>
             </a:fld>
             <a:endParaRPr lang="en-US"/>
           </a:p>
@@ -4291,7 +4377,7 @@
           <a:p>
             <a:fld id="{633EEC98-57DE-46F4-B76C-1C55BAE6D4FB}" type="datetime3">
               <a:rPr lang="en-US" smtClean="0"/>
-              <a:t>29 May 2023</a:t>
+              <a:t>31 May 2023</a:t>
             </a:fld>
             <a:endParaRPr lang="en-US"/>
           </a:p>
@@ -4407,7 +4493,7 @@
           <a:p>
             <a:fld id="{2D2FDACB-E93F-4AFD-BDBE-AC5F0117B106}" type="datetime3">
               <a:rPr lang="en-US" smtClean="0"/>
-              <a:t>29 May 2023</a:t>
+              <a:t>31 May 2023</a:t>
             </a:fld>
             <a:endParaRPr lang="en-US"/>
           </a:p>
@@ -4721,7 +4807,7 @@
           <a:p>
             <a:fld id="{F886562C-7A77-4DE5-B03B-CC4112177EB2}" type="datetime3">
               <a:rPr lang="en-US" smtClean="0"/>
-              <a:t>29 May 2023</a:t>
+              <a:t>31 May 2023</a:t>
             </a:fld>
             <a:endParaRPr lang="en-US"/>
           </a:p>
@@ -5012,7 +5098,7 @@
           <a:p>
             <a:fld id="{B99E71E3-BA52-4ED9-8C52-D422AF16B548}" type="datetime3">
               <a:rPr lang="en-US" smtClean="0"/>
-              <a:t>29 May 2023</a:t>
+              <a:t>31 May 2023</a:t>
             </a:fld>
             <a:endParaRPr lang="en-US"/>
           </a:p>
@@ -5256,7 +5342,7 @@
           <a:p>
             <a:fld id="{D9029628-AE1F-4084-955A-9925143777A5}" type="datetime3">
               <a:rPr lang="en-US" smtClean="0"/>
-              <a:t>29 May 2023</a:t>
+              <a:t>31 May 2023</a:t>
             </a:fld>
             <a:endParaRPr lang="en-US"/>
           </a:p>
@@ -5981,7 +6067,7 @@
           <a:p>
             <a:fld id="{E5237E2E-E309-46FF-877B-CCF714851DA9}" type="datetime3">
               <a:rPr lang="en-US" smtClean="0"/>
-              <a:t>29 May 2023</a:t>
+              <a:t>31 May 2023</a:t>
             </a:fld>
             <a:endParaRPr lang="en-US"/>
           </a:p>
@@ -6297,7 +6383,7 @@
           <a:p>
             <a:fld id="{C3DA5F8F-3F15-478C-87D7-FE0B56281373}" type="datetime3">
               <a:rPr lang="en-US" smtClean="0"/>
-              <a:t>29 May 2023</a:t>
+              <a:t>31 May 2023</a:t>
             </a:fld>
             <a:endParaRPr lang="en-US"/>
           </a:p>
@@ -6687,7 +6773,7 @@
           <a:p>
             <a:fld id="{BF313692-7DAF-4663-A4A1-8CC27A7102F8}" type="datetime3">
               <a:rPr lang="en-US" smtClean="0"/>
-              <a:t>29 May 2023</a:t>
+              <a:t>31 May 2023</a:t>
             </a:fld>
             <a:endParaRPr lang="en-US"/>
           </a:p>
@@ -6764,8 +6850,8 @@
         </p:nvSpPr>
         <p:spPr>
           <a:xfrm>
-            <a:off x="986118" y="1927412"/>
-            <a:ext cx="10586465" cy="3016210"/>
+            <a:off x="986118" y="1725002"/>
+            <a:ext cx="10586465" cy="1631216"/>
           </a:xfrm>
           <a:prstGeom prst="rect">
             <a:avLst/>
@@ -6787,15 +6873,23 @@
             </a:pPr>
             <a:r>
               <a:rPr lang="en-US" sz="2000"/>
-              <a:t>Three diverging methods (S-CML, U-TSC, and M-TSC) were proposed and investigated to conduct a </a:t>
-            </a:r>
-            <a:r>
-              <a:rPr lang="en-US" sz="2000" b="1"/>
+              <a:t>Three diverging methods (S-CML, U-TSC, and M-TSC) were successfully applied for </a:t>
+            </a:r>
+            <a:r>
+              <a:rPr lang="en-US" sz="2000" i="1"/>
+              <a:t>a</a:t>
+            </a:r>
+            <a:r>
+              <a:rPr lang="en-US" sz="2000"/>
+              <a:t> </a:t>
+            </a:r>
+            <a:r>
+              <a:rPr lang="en-US" sz="2000" i="1"/>
               <a:t>retrospective personalized supervised sport activity classification</a:t>
             </a:r>
             <a:r>
               <a:rPr lang="en-US" sz="2000"/>
-              <a:t> of a single person</a:t>
+              <a:t> of a single athlete</a:t>
             </a:r>
           </a:p>
           <a:p>
@@ -6808,31 +6902,15 @@
             </a:pPr>
             <a:r>
               <a:rPr lang="en-US" sz="2000"/>
-              <a:t>A total of </a:t>
-            </a:r>
-            <a:r>
-              <a:rPr lang="en-US" sz="2000" b="1"/>
-              <a:t>twenty different machine learning models </a:t>
+              <a:t>The observed results are mainly good, up to 96,6%. HAR average (92%) (</a:t>
+            </a:r>
+            <a:r>
+              <a:rPr lang="en-US" sz="2000" i="1"/>
+              <a:t>Demrozi et al., 2020</a:t>
             </a:r>
             <a:r>
               <a:rPr lang="en-US" sz="2000"/>
-              <a:t>from </a:t>
-            </a:r>
-            <a:r>
-              <a:rPr lang="en-US" sz="2000" i="1"/>
-              <a:t>sklearn</a:t>
-            </a:r>
-            <a:r>
-              <a:rPr lang="en-US" sz="2000"/>
-              <a:t> and </a:t>
-            </a:r>
-            <a:r>
-              <a:rPr lang="en-US" sz="2000" i="1"/>
-              <a:t>sktime</a:t>
-            </a:r>
-            <a:r>
-              <a:rPr lang="en-US" sz="2000"/>
-              <a:t> were adopted, which makes the study quite extent application of CML models into a specific type of sport data. </a:t>
+              <a:t>)</a:t>
             </a:r>
           </a:p>
           <a:p>
@@ -6845,9 +6923,38 @@
             </a:pPr>
             <a:r>
               <a:rPr lang="en-US" sz="2000"/>
-              <a:t>The observed results are mainly good (up to 96,6%), and even better than the average results (92%) in recent HAR studies (Demrozi et al., 2020)</a:t>
-            </a:r>
-          </a:p>
+              <a:t>Model selection depends on the available data and application objectives</a:t>
+            </a:r>
+          </a:p>
+        </p:txBody>
+      </p:sp>
+      <p:sp>
+        <p:nvSpPr>
+          <p:cNvPr id="6" name="TextBox 5">
+            <a:extLst>
+              <a:ext uri="{FF2B5EF4-FFF2-40B4-BE49-F238E27FC236}">
+                <a16:creationId xmlns:a16="http://schemas.microsoft.com/office/drawing/2014/main" id="{4C2F8810-0961-FA4E-E8D0-FCF6C555F6E9}"/>
+              </a:ext>
+            </a:extLst>
+          </p:cNvPr>
+          <p:cNvSpPr txBox="1"/>
+          <p:nvPr/>
+        </p:nvSpPr>
+        <p:spPr>
+          <a:xfrm>
+            <a:off x="1314450" y="3537221"/>
+            <a:ext cx="10163175" cy="1877437"/>
+          </a:xfrm>
+          <a:prstGeom prst="rect">
+            <a:avLst/>
+          </a:prstGeom>
+          <a:noFill/>
+        </p:spPr>
+        <p:txBody>
+          <a:bodyPr wrap="square" rtlCol="0">
+            <a:spAutoFit/>
+          </a:bodyPr>
+          <a:lstStyle/>
           <a:p>
             <a:pPr marL="285750" indent="-285750">
               <a:spcBef>
@@ -6857,8 +6964,94 @@
               <a:buChar char="o"/>
             </a:pPr>
             <a:r>
-              <a:rPr lang="en-US" sz="2000"/>
-              <a:t>The selection of the classification method for sport activities depends on the available data, and therefore one model cannot be preferred over others in all the cases</a:t>
+              <a:rPr lang="en-US" sz="1600" b="1"/>
+              <a:t>MUSE</a:t>
+            </a:r>
+            <a:r>
+              <a:rPr lang="en-US" sz="1600"/>
+              <a:t> (96,6%) can be gently recommended for </a:t>
+            </a:r>
+            <a:r>
+              <a:rPr lang="en-US" sz="1600" b="1"/>
+              <a:t>the</a:t>
+            </a:r>
+            <a:r>
+              <a:rPr lang="en-US" sz="1600"/>
+              <a:t> </a:t>
+            </a:r>
+            <a:r>
+              <a:rPr lang="en-US" sz="1600" b="1"/>
+              <a:t>multivariate time series data</a:t>
+            </a:r>
+          </a:p>
+          <a:p>
+            <a:pPr marL="285750" indent="-285750">
+              <a:spcBef>
+                <a:spcPts val="1200"/>
+              </a:spcBef>
+              <a:buFont typeface="Courier New" panose="02070309020205020404" pitchFamily="49" charset="0"/>
+              <a:buChar char="o"/>
+            </a:pPr>
+            <a:r>
+              <a:rPr lang="en-US" sz="1600"/>
+              <a:t>In certain circumstances,</a:t>
+            </a:r>
+            <a:r>
+              <a:rPr lang="en-US" sz="1600" b="1"/>
+              <a:t> TSF </a:t>
+            </a:r>
+            <a:r>
+              <a:rPr lang="en-US" sz="1600"/>
+              <a:t>as a </a:t>
+            </a:r>
+            <a:r>
+              <a:rPr lang="en-US" sz="1600" b="1"/>
+              <a:t>fast model </a:t>
+            </a:r>
+            <a:r>
+              <a:rPr lang="en-US" sz="1600"/>
+              <a:t>could be more preferable than </a:t>
+            </a:r>
+            <a:r>
+              <a:rPr lang="en-US" sz="1600" b="1"/>
+              <a:t>MUSE</a:t>
+            </a:r>
+            <a:r>
+              <a:rPr lang="en-US" sz="1600"/>
+              <a:t>, and then solving this problem in </a:t>
+            </a:r>
+            <a:r>
+              <a:rPr lang="en-US" sz="1600" b="1"/>
+              <a:t>univariate space </a:t>
+            </a:r>
+            <a:r>
+              <a:rPr lang="en-US" sz="1600"/>
+              <a:t>can take place</a:t>
+            </a:r>
+          </a:p>
+          <a:p>
+            <a:pPr marL="285750" indent="-285750">
+              <a:spcBef>
+                <a:spcPts val="1200"/>
+              </a:spcBef>
+              <a:buFont typeface="Courier New" panose="02070309020205020404" pitchFamily="49" charset="0"/>
+              <a:buChar char="o"/>
+            </a:pPr>
+            <a:r>
+              <a:rPr lang="en-US" sz="1600" b="1"/>
+              <a:t>S-CML</a:t>
+            </a:r>
+            <a:r>
+              <a:rPr lang="en-US" sz="1600"/>
+              <a:t> as a very fast and effective method with low computation requirement could be suggested </a:t>
+            </a:r>
+            <a:r>
+              <a:rPr lang="en-US" sz="1600" b="1"/>
+              <a:t>always when the appropriate dataset is available, </a:t>
+            </a:r>
+            <a:r>
+              <a:rPr lang="en-US" sz="1600"/>
+              <a:t>but it might be prone to interpersonal differences, and therefore results not generalizable</a:t>
             </a:r>
           </a:p>
         </p:txBody>
@@ -7053,11 +7246,12 @@
           <a:lstStyle/>
           <a:p>
             <a:r>
-              <a:rPr lang="fi-FI" sz="3200" b="0" i="0">
-                <a:effectLst/>
+              <a:rPr lang="fi-FI" sz="3200">
                 <a:latin typeface="Congenial SemiBold" panose="02000503040000020004" pitchFamily="2" charset="0"/>
+                <a:ea typeface="Open Sans" panose="020B0606030504020204" pitchFamily="34" charset="0"/>
+                <a:cs typeface="Aldhabi" panose="020B0604020202020204" pitchFamily="2" charset="-78"/>
               </a:rPr>
-              <a:t>Conclusions</a:t>
+              <a:t>Right Questions</a:t>
             </a:r>
             <a:endParaRPr lang="en-US" sz="3200">
               <a:latin typeface="Congenial SemiBold" panose="02000503040000020004" pitchFamily="2" charset="0"/>
@@ -7090,7 +7284,7 @@
           <a:p>
             <a:fld id="{BF313692-7DAF-4663-A4A1-8CC27A7102F8}" type="datetime3">
               <a:rPr lang="en-US" smtClean="0"/>
-              <a:t>29 May 2023</a:t>
+              <a:t>31 May 2023</a:t>
             </a:fld>
             <a:endParaRPr lang="en-US"/>
           </a:p>
@@ -7155,10 +7349,10 @@
       </p:sp>
       <p:sp>
         <p:nvSpPr>
-          <p:cNvPr id="7" name="TextBox 6">
-            <a:extLst>
-              <a:ext uri="{FF2B5EF4-FFF2-40B4-BE49-F238E27FC236}">
-                <a16:creationId xmlns:a16="http://schemas.microsoft.com/office/drawing/2014/main" id="{5C69782A-E609-57B9-10EB-CEF5E68B0D55}"/>
+          <p:cNvPr id="6" name="TextBox 5">
+            <a:extLst>
+              <a:ext uri="{FF2B5EF4-FFF2-40B4-BE49-F238E27FC236}">
+                <a16:creationId xmlns:a16="http://schemas.microsoft.com/office/drawing/2014/main" id="{E984F92B-BE85-3002-465B-216F50159AD9}"/>
               </a:ext>
             </a:extLst>
           </p:cNvPr>
@@ -7167,8 +7361,8 @@
         </p:nvSpPr>
         <p:spPr>
           <a:xfrm>
-            <a:off x="986118" y="1927412"/>
-            <a:ext cx="10586465" cy="2554545"/>
+            <a:off x="986118" y="1855694"/>
+            <a:ext cx="10586465" cy="3939540"/>
           </a:xfrm>
           <a:prstGeom prst="rect">
             <a:avLst/>
@@ -7181,110 +7375,174 @@
           </a:bodyPr>
           <a:lstStyle/>
           <a:p>
-            <a:pPr marL="285750" indent="-285750">
-              <a:spcBef>
-                <a:spcPts val="1200"/>
-              </a:spcBef>
-              <a:buFont typeface="Courier New" panose="02070309020205020404" pitchFamily="49" charset="0"/>
-              <a:buChar char="o"/>
+            <a:pPr marL="457200" indent="-457200">
+              <a:spcAft>
+                <a:spcPts val="600"/>
+              </a:spcAft>
+              <a:buFont typeface="+mj-lt"/>
+              <a:buAutoNum type="arabicPeriod"/>
             </a:pPr>
             <a:r>
+              <a:rPr lang="en-US" sz="2000"/>
+              <a:t>What’s the significance of constructing </a:t>
+            </a:r>
+            <a:r>
               <a:rPr lang="en-US" sz="2000" b="1"/>
-              <a:t>MUSE</a:t>
+              <a:t>interlaced signals </a:t>
             </a:r>
             <a:r>
               <a:rPr lang="en-US" sz="2000"/>
-              <a:t> (96,6%) can be gently proposed </a:t>
+              <a:t>instead of using simple</a:t>
             </a:r>
             <a:r>
               <a:rPr lang="en-US" sz="2000" b="1"/>
-              <a:t>as the best choice </a:t>
+              <a:t> column concatenation </a:t>
             </a:r>
             <a:r>
               <a:rPr lang="en-US" sz="2000"/>
-              <a:t>for sport activity classification when using </a:t>
+              <a:t>method?</a:t>
+            </a:r>
+          </a:p>
+          <a:p>
+            <a:pPr marL="457200" indent="-457200">
+              <a:spcAft>
+                <a:spcPts val="600"/>
+              </a:spcAft>
+              <a:buFont typeface="+mj-lt"/>
+              <a:buAutoNum type="arabicPeriod"/>
+            </a:pPr>
+            <a:r>
+              <a:rPr lang="en-US" sz="2000"/>
+              <a:t>In which cases pure </a:t>
             </a:r>
             <a:r>
               <a:rPr lang="en-US" sz="2000" b="1"/>
-              <a:t>multivariate time series data</a:t>
-            </a:r>
-          </a:p>
-          <a:p>
-            <a:pPr marL="285750" indent="-285750">
-              <a:spcBef>
-                <a:spcPts val="1200"/>
-              </a:spcBef>
-              <a:buFont typeface="Courier New" panose="02070309020205020404" pitchFamily="49" charset="0"/>
-              <a:buChar char="o"/>
+              <a:t>time series signals </a:t>
+            </a:r>
+            <a:r>
+              <a:rPr lang="en-US" sz="2000"/>
+              <a:t>could be especially useful compared to </a:t>
+            </a:r>
+            <a:r>
+              <a:rPr lang="en-US" sz="2000" b="1"/>
+              <a:t>extracted features</a:t>
+            </a:r>
+            <a:r>
+              <a:rPr lang="en-US" sz="2000"/>
+              <a:t>?</a:t>
+            </a:r>
+          </a:p>
+          <a:p>
+            <a:pPr marL="457200" indent="-457200">
+              <a:spcAft>
+                <a:spcPts val="600"/>
+              </a:spcAft>
+              <a:buFont typeface="+mj-lt"/>
+              <a:buAutoNum type="arabicPeriod"/>
             </a:pPr>
             <a:r>
               <a:rPr lang="en-US" sz="2000"/>
-              <a:t>However, in certain circumstances,</a:t>
+              <a:t>Why we should classify sports from </a:t>
             </a:r>
             <a:r>
               <a:rPr lang="en-US" sz="2000" b="1"/>
-              <a:t> </a:t>
+              <a:t>heart rate, speed, </a:t>
             </a:r>
             <a:r>
               <a:rPr lang="en-US" sz="2000"/>
-              <a:t>for example </a:t>
+              <a:t>and</a:t>
             </a:r>
             <a:r>
               <a:rPr lang="en-US" sz="2000" b="1"/>
-              <a:t>TSF </a:t>
+              <a:t> altitude </a:t>
             </a:r>
             <a:r>
               <a:rPr lang="en-US" sz="2000"/>
-              <a:t>as a </a:t>
+              <a:t>features instead of using </a:t>
             </a:r>
             <a:r>
               <a:rPr lang="en-US" sz="2000" b="1"/>
-              <a:t>fast model </a:t>
+              <a:t>inertial sensor data </a:t>
             </a:r>
             <a:r>
               <a:rPr lang="en-US" sz="2000"/>
-              <a:t>could be more preferable than </a:t>
+              <a:t>which have produced a great results in previous studies?</a:t>
+            </a:r>
+          </a:p>
+          <a:p>
+            <a:pPr marL="457200" indent="-457200">
+              <a:spcAft>
+                <a:spcPts val="600"/>
+              </a:spcAft>
+              <a:buFont typeface="+mj-lt"/>
+              <a:buAutoNum type="arabicPeriod"/>
+            </a:pPr>
+            <a:r>
+              <a:rPr lang="en-US" sz="2000"/>
+              <a:t>Are the results </a:t>
             </a:r>
             <a:r>
               <a:rPr lang="en-US" sz="2000" b="1"/>
-              <a:t>MUSE</a:t>
+              <a:t>generalizable</a:t>
             </a:r>
             <a:r>
               <a:rPr lang="en-US" sz="2000"/>
-              <a:t>, and then solving this problem in </a:t>
+              <a:t> and can we expect the </a:t>
             </a:r>
             <a:r>
               <a:rPr lang="en-US" sz="2000" b="1"/>
-              <a:t>interlaced univariate data </a:t>
+              <a:t>same accuracy level </a:t>
             </a:r>
             <a:r>
               <a:rPr lang="en-US" sz="2000"/>
-              <a:t>can take place</a:t>
-            </a:r>
-          </a:p>
-          <a:p>
-            <a:pPr marL="285750" indent="-285750">
-              <a:spcBef>
-                <a:spcPts val="1200"/>
-              </a:spcBef>
-              <a:buFont typeface="Courier New" panose="02070309020205020404" pitchFamily="49" charset="0"/>
-              <a:buChar char="o"/>
+              <a:t>among athletes with different physical and personal characteristics such as </a:t>
+            </a:r>
+            <a:r>
+              <a:rPr lang="en-US" sz="2000" b="1"/>
+              <a:t>gender, age, weight, length</a:t>
+            </a:r>
+            <a:r>
+              <a:rPr lang="en-US" sz="2000"/>
+              <a:t>, etc.?</a:t>
+            </a:r>
+          </a:p>
+          <a:p>
+            <a:pPr marL="457200" indent="-457200">
+              <a:spcAft>
+                <a:spcPts val="600"/>
+              </a:spcAft>
+              <a:buFont typeface="+mj-lt"/>
+              <a:buAutoNum type="arabicPeriod"/>
             </a:pPr>
             <a:r>
-              <a:rPr lang="en-US" sz="2000" b="1"/>
-              <a:t>S-CML</a:t>
-            </a:r>
-            <a:r>
               <a:rPr lang="en-US" sz="2000"/>
-              <a:t> as a very fast and effective method with low computation requirement could be suggested </a:t>
-            </a:r>
-            <a:r>
-              <a:rPr lang="en-US" sz="2000" b="1"/>
-              <a:t>always when the appropriate dataset is available, </a:t>
-            </a:r>
+              <a:t>Why we should have a specialized classification method for outdoor sports?</a:t>
+            </a:r>
+          </a:p>
+          <a:p>
+            <a:pPr marL="457200" indent="-457200">
+              <a:spcAft>
+                <a:spcPts val="600"/>
+              </a:spcAft>
+              <a:buFont typeface="+mj-lt"/>
+              <a:buAutoNum type="arabicPeriod"/>
+            </a:pPr>
             <a:r>
               <a:rPr lang="en-US" sz="2000"/>
-              <a:t>but it might be prone to interpersonal differences, and therefore results not generalizable</a:t>
+              <a:t>Why we should classify sports at all?</a:t>
+            </a:r>
+          </a:p>
+          <a:p>
+            <a:pPr marL="457200" indent="-457200">
+              <a:spcAft>
+                <a:spcPts val="600"/>
+              </a:spcAft>
+              <a:buFont typeface="+mj-lt"/>
+              <a:buAutoNum type="arabicPeriod"/>
+            </a:pPr>
+            <a:r>
+              <a:rPr lang="en-US" sz="2000"/>
+              <a:t>What makes it preferable to conduct a personalized sport classification?</a:t>
             </a:r>
           </a:p>
         </p:txBody>
@@ -7292,7 +7550,7 @@
     </p:spTree>
     <p:extLst>
       <p:ext uri="{BB962C8B-B14F-4D97-AF65-F5344CB8AC3E}">
-        <p14:creationId xmlns:p14="http://schemas.microsoft.com/office/powerpoint/2010/main" val="3333319167"/>
+        <p14:creationId xmlns:p14="http://schemas.microsoft.com/office/powerpoint/2010/main" val="2714344767"/>
       </p:ext>
     </p:extLst>
   </p:cSld>
@@ -7518,7 +7776,7 @@
           <a:p>
             <a:fld id="{BF313692-7DAF-4663-A4A1-8CC27A7102F8}" type="datetime3">
               <a:rPr lang="en-US" smtClean="0"/>
-              <a:t>29 May 2023</a:t>
+              <a:t>31 May 2023</a:t>
             </a:fld>
             <a:endParaRPr lang="en-US"/>
           </a:p>
@@ -7597,6 +7855,16 @@
 <file path=ppt/slides/slide14.xml><?xml version="1.0" encoding="utf-8"?>
 <p:sld xmlns:a="http://schemas.openxmlformats.org/drawingml/2006/main" xmlns:r="http://schemas.openxmlformats.org/officeDocument/2006/relationships" xmlns:p="http://schemas.openxmlformats.org/presentationml/2006/main">
   <p:cSld>
+    <p:bg>
+      <p:bgPr>
+        <a:solidFill>
+          <a:schemeClr val="bg1">
+            <a:lumMod val="85000"/>
+          </a:schemeClr>
+        </a:solidFill>
+        <a:effectLst/>
+      </p:bgPr>
+    </p:bg>
     <p:spTree>
       <p:nvGrpSpPr>
         <p:cNvPr id="1" name=""/>
@@ -7756,7 +8024,7 @@
         </p:nvSpPr>
         <p:spPr>
           <a:xfrm>
-            <a:off x="986118" y="959224"/>
+            <a:off x="986118" y="3274898"/>
             <a:ext cx="10586465" cy="584775"/>
           </a:xfrm>
           <a:prstGeom prst="rect">
@@ -7770,13 +8038,14 @@
           </a:bodyPr>
           <a:lstStyle/>
           <a:p>
+            <a:pPr algn="ctr"/>
             <a:r>
               <a:rPr lang="fi-FI" sz="3200">
                 <a:latin typeface="Congenial SemiBold" panose="02000503040000020004" pitchFamily="2" charset="0"/>
                 <a:ea typeface="Open Sans" panose="020B0606030504020204" pitchFamily="34" charset="0"/>
                 <a:cs typeface="Aldhabi" panose="020B0604020202020204" pitchFamily="2" charset="-78"/>
               </a:rPr>
-              <a:t>Right Questions</a:t>
+              <a:t>Appendices</a:t>
             </a:r>
             <a:endParaRPr lang="en-US" sz="3200">
               <a:latin typeface="Congenial SemiBold" panose="02000503040000020004" pitchFamily="2" charset="0"/>
@@ -7809,7 +8078,7 @@
           <a:p>
             <a:fld id="{BF313692-7DAF-4663-A4A1-8CC27A7102F8}" type="datetime3">
               <a:rPr lang="en-US" smtClean="0"/>
-              <a:t>29 May 2023</a:t>
+              <a:t>31 May 2023</a:t>
             </a:fld>
             <a:endParaRPr lang="en-US"/>
           </a:p>
@@ -7872,210 +8141,10 @@
           </a:p>
         </p:txBody>
       </p:sp>
-      <p:sp>
-        <p:nvSpPr>
-          <p:cNvPr id="6" name="TextBox 5">
-            <a:extLst>
-              <a:ext uri="{FF2B5EF4-FFF2-40B4-BE49-F238E27FC236}">
-                <a16:creationId xmlns:a16="http://schemas.microsoft.com/office/drawing/2014/main" id="{E984F92B-BE85-3002-465B-216F50159AD9}"/>
-              </a:ext>
-            </a:extLst>
-          </p:cNvPr>
-          <p:cNvSpPr txBox="1"/>
-          <p:nvPr/>
-        </p:nvSpPr>
-        <p:spPr>
-          <a:xfrm>
-            <a:off x="986118" y="1855694"/>
-            <a:ext cx="10586465" cy="3939540"/>
-          </a:xfrm>
-          <a:prstGeom prst="rect">
-            <a:avLst/>
-          </a:prstGeom>
-          <a:noFill/>
-        </p:spPr>
-        <p:txBody>
-          <a:bodyPr wrap="square" rtlCol="0">
-            <a:spAutoFit/>
-          </a:bodyPr>
-          <a:lstStyle/>
-          <a:p>
-            <a:pPr marL="457200" indent="-457200">
-              <a:spcAft>
-                <a:spcPts val="600"/>
-              </a:spcAft>
-              <a:buFont typeface="+mj-lt"/>
-              <a:buAutoNum type="arabicPeriod"/>
-            </a:pPr>
-            <a:r>
-              <a:rPr lang="en-US" sz="2000"/>
-              <a:t>What’s the significance of constructing </a:t>
-            </a:r>
-            <a:r>
-              <a:rPr lang="en-US" sz="2000" b="1"/>
-              <a:t>interlaced signals </a:t>
-            </a:r>
-            <a:r>
-              <a:rPr lang="en-US" sz="2000"/>
-              <a:t>instead of using simple</a:t>
-            </a:r>
-            <a:r>
-              <a:rPr lang="en-US" sz="2000" b="1"/>
-              <a:t> column concatenation </a:t>
-            </a:r>
-            <a:r>
-              <a:rPr lang="en-US" sz="2000"/>
-              <a:t>method?</a:t>
-            </a:r>
-          </a:p>
-          <a:p>
-            <a:pPr marL="457200" indent="-457200">
-              <a:spcAft>
-                <a:spcPts val="600"/>
-              </a:spcAft>
-              <a:buFont typeface="+mj-lt"/>
-              <a:buAutoNum type="arabicPeriod"/>
-            </a:pPr>
-            <a:r>
-              <a:rPr lang="en-US" sz="2000"/>
-              <a:t>In which cases pure </a:t>
-            </a:r>
-            <a:r>
-              <a:rPr lang="en-US" sz="2000" b="1"/>
-              <a:t>time series signals </a:t>
-            </a:r>
-            <a:r>
-              <a:rPr lang="en-US" sz="2000"/>
-              <a:t>could be especially useful compared to </a:t>
-            </a:r>
-            <a:r>
-              <a:rPr lang="en-US" sz="2000" b="1"/>
-              <a:t>extracted features</a:t>
-            </a:r>
-            <a:r>
-              <a:rPr lang="en-US" sz="2000"/>
-              <a:t>?</a:t>
-            </a:r>
-          </a:p>
-          <a:p>
-            <a:pPr marL="457200" indent="-457200">
-              <a:spcAft>
-                <a:spcPts val="600"/>
-              </a:spcAft>
-              <a:buFont typeface="+mj-lt"/>
-              <a:buAutoNum type="arabicPeriod"/>
-            </a:pPr>
-            <a:r>
-              <a:rPr lang="en-US" sz="2000"/>
-              <a:t>Why we should classify sports from </a:t>
-            </a:r>
-            <a:r>
-              <a:rPr lang="en-US" sz="2000" b="1"/>
-              <a:t>heart rate, speed, </a:t>
-            </a:r>
-            <a:r>
-              <a:rPr lang="en-US" sz="2000"/>
-              <a:t>and</a:t>
-            </a:r>
-            <a:r>
-              <a:rPr lang="en-US" sz="2000" b="1"/>
-              <a:t> altitude </a:t>
-            </a:r>
-            <a:r>
-              <a:rPr lang="en-US" sz="2000"/>
-              <a:t>features instead of using </a:t>
-            </a:r>
-            <a:r>
-              <a:rPr lang="en-US" sz="2000" b="1"/>
-              <a:t>inertial sensor data </a:t>
-            </a:r>
-            <a:r>
-              <a:rPr lang="en-US" sz="2000"/>
-              <a:t>which have produced a great results in previous studies?</a:t>
-            </a:r>
-          </a:p>
-          <a:p>
-            <a:pPr marL="457200" indent="-457200">
-              <a:spcAft>
-                <a:spcPts val="600"/>
-              </a:spcAft>
-              <a:buFont typeface="+mj-lt"/>
-              <a:buAutoNum type="arabicPeriod"/>
-            </a:pPr>
-            <a:r>
-              <a:rPr lang="en-US" sz="2000"/>
-              <a:t>Are the results </a:t>
-            </a:r>
-            <a:r>
-              <a:rPr lang="en-US" sz="2000" b="1"/>
-              <a:t>generalizable</a:t>
-            </a:r>
-            <a:r>
-              <a:rPr lang="en-US" sz="2000"/>
-              <a:t> and can we expect the </a:t>
-            </a:r>
-            <a:r>
-              <a:rPr lang="en-US" sz="2000" b="1"/>
-              <a:t>same accuracy level </a:t>
-            </a:r>
-            <a:r>
-              <a:rPr lang="en-US" sz="2000"/>
-              <a:t>among athletes with different physical and personal characteristics such as </a:t>
-            </a:r>
-            <a:r>
-              <a:rPr lang="en-US" sz="2000" b="1"/>
-              <a:t>gender, age, weight, length</a:t>
-            </a:r>
-            <a:r>
-              <a:rPr lang="en-US" sz="2000"/>
-              <a:t>, etc.?</a:t>
-            </a:r>
-          </a:p>
-          <a:p>
-            <a:pPr marL="457200" indent="-457200">
-              <a:spcAft>
-                <a:spcPts val="600"/>
-              </a:spcAft>
-              <a:buFont typeface="+mj-lt"/>
-              <a:buAutoNum type="arabicPeriod"/>
-            </a:pPr>
-            <a:r>
-              <a:rPr lang="en-US" sz="2000"/>
-              <a:t>Why we should have a specialized classification method for outdoor sports?</a:t>
-            </a:r>
-          </a:p>
-          <a:p>
-            <a:pPr marL="457200" indent="-457200">
-              <a:spcAft>
-                <a:spcPts val="600"/>
-              </a:spcAft>
-              <a:buFont typeface="+mj-lt"/>
-              <a:buAutoNum type="arabicPeriod"/>
-            </a:pPr>
-            <a:r>
-              <a:rPr lang="en-US" sz="2000"/>
-              <a:t>Why we should classify sports at all?</a:t>
-            </a:r>
-          </a:p>
-          <a:p>
-            <a:pPr marL="457200" indent="-457200">
-              <a:spcAft>
-                <a:spcPts val="600"/>
-              </a:spcAft>
-              <a:buFont typeface="+mj-lt"/>
-              <a:buAutoNum type="arabicPeriod"/>
-            </a:pPr>
-            <a:r>
-              <a:rPr lang="en-US" sz="2000"/>
-              <a:t>What makes it preferable to conduct a personalized sport classification?</a:t>
-            </a:r>
-          </a:p>
-        </p:txBody>
-      </p:sp>
     </p:spTree>
     <p:extLst>
       <p:ext uri="{BB962C8B-B14F-4D97-AF65-F5344CB8AC3E}">
-        <p14:creationId xmlns:p14="http://schemas.microsoft.com/office/powerpoint/2010/main" val="2714344767"/>
+        <p14:creationId xmlns:p14="http://schemas.microsoft.com/office/powerpoint/2010/main" val="1610099843"/>
       </p:ext>
     </p:extLst>
   </p:cSld>
@@ -8088,6 +8157,14 @@
 <file path=ppt/slides/slide15.xml><?xml version="1.0" encoding="utf-8"?>
 <p:sld xmlns:a="http://schemas.openxmlformats.org/drawingml/2006/main" xmlns:r="http://schemas.openxmlformats.org/officeDocument/2006/relationships" xmlns:p="http://schemas.openxmlformats.org/presentationml/2006/main">
   <p:cSld>
+    <p:bg>
+      <p:bgPr>
+        <a:solidFill>
+          <a:schemeClr val="bg2"/>
+        </a:solidFill>
+        <a:effectLst/>
+      </p:bgPr>
+    </p:bg>
     <p:spTree>
       <p:nvGrpSpPr>
         <p:cNvPr id="1" name=""/>
@@ -8247,8 +8324,8 @@
         </p:nvSpPr>
         <p:spPr>
           <a:xfrm>
-            <a:off x="986118" y="3274898"/>
-            <a:ext cx="10586465" cy="584775"/>
+            <a:off x="986118" y="959224"/>
+            <a:ext cx="10586465" cy="1077218"/>
           </a:xfrm>
           <a:prstGeom prst="rect">
             <a:avLst/>
@@ -8261,20 +8338,14 @@
           </a:bodyPr>
           <a:lstStyle/>
           <a:p>
-            <a:pPr algn="ctr"/>
-            <a:r>
-              <a:rPr lang="fi-FI" sz="3200">
-                <a:latin typeface="Congenial SemiBold" panose="02000503040000020004" pitchFamily="2" charset="0"/>
+            <a:r>
+              <a:rPr lang="en-US" sz="3200">
+                <a:latin typeface="Congenial SemiBold" panose="020B0604020202020204" pitchFamily="2" charset="0"/>
                 <a:ea typeface="Open Sans" panose="020B0606030504020204" pitchFamily="34" charset="0"/>
                 <a:cs typeface="Aldhabi" panose="020B0604020202020204" pitchFamily="2" charset="-78"/>
               </a:rPr>
-              <a:t>Appendices</a:t>
-            </a:r>
-            <a:endParaRPr lang="en-US" sz="3200">
-              <a:latin typeface="Congenial SemiBold" panose="02000503040000020004" pitchFamily="2" charset="0"/>
-              <a:ea typeface="Open Sans" panose="020B0606030504020204" pitchFamily="34" charset="0"/>
-              <a:cs typeface="Aldhabi" panose="020B0604020202020204" pitchFamily="2" charset="-78"/>
-            </a:endParaRPr>
+              <a:t>Why personalized SAC with a dataset recorder in uncontrolled non-laboratory environment</a:t>
+            </a:r>
           </a:p>
         </p:txBody>
       </p:sp>
@@ -8283,7 +8354,7 @@
           <p:cNvPr id="2" name="Date Placeholder 1">
             <a:extLst>
               <a:ext uri="{FF2B5EF4-FFF2-40B4-BE49-F238E27FC236}">
-                <a16:creationId xmlns:a16="http://schemas.microsoft.com/office/drawing/2014/main" id="{F572E37B-F84C-225B-FCDC-1F11D51E0472}"/>
+                <a16:creationId xmlns:a16="http://schemas.microsoft.com/office/drawing/2014/main" id="{713266AF-F834-6D3A-BBBF-3EB246BBCC71}"/>
               </a:ext>
             </a:extLst>
           </p:cNvPr>
@@ -8299,9 +8370,9 @@
           <a:bodyPr/>
           <a:lstStyle/>
           <a:p>
-            <a:fld id="{BF313692-7DAF-4663-A4A1-8CC27A7102F8}" type="datetime3">
+            <a:fld id="{BE76119F-4415-4407-9B12-CFDE4CE93506}" type="datetime3">
               <a:rPr lang="en-US" smtClean="0"/>
-              <a:t>29 May 2023</a:t>
+              <a:t>31 May 2023</a:t>
             </a:fld>
             <a:endParaRPr lang="en-US"/>
           </a:p>
@@ -8312,7 +8383,7 @@
           <p:cNvPr id="4" name="Footer Placeholder 3">
             <a:extLst>
               <a:ext uri="{FF2B5EF4-FFF2-40B4-BE49-F238E27FC236}">
-                <a16:creationId xmlns:a16="http://schemas.microsoft.com/office/drawing/2014/main" id="{EDA6C70B-E31F-37C2-DDF7-52CCC001F4C3}"/>
+                <a16:creationId xmlns:a16="http://schemas.microsoft.com/office/drawing/2014/main" id="{1F31AF30-DE75-279F-FA51-443ABB565CE5}"/>
               </a:ext>
             </a:extLst>
           </p:cNvPr>
@@ -8340,7 +8411,7 @@
           <p:cNvPr id="5" name="Slide Number Placeholder 4">
             <a:extLst>
               <a:ext uri="{FF2B5EF4-FFF2-40B4-BE49-F238E27FC236}">
-                <a16:creationId xmlns:a16="http://schemas.microsoft.com/office/drawing/2014/main" id="{4F282F08-4A66-1BDB-8B58-60F27666A7E1}"/>
+                <a16:creationId xmlns:a16="http://schemas.microsoft.com/office/drawing/2014/main" id="{BB217FAE-10C2-9D5B-9719-6EF654B02F65}"/>
               </a:ext>
             </a:extLst>
           </p:cNvPr>
@@ -8364,10 +8435,86 @@
           </a:p>
         </p:txBody>
       </p:sp>
+      <p:sp>
+        <p:nvSpPr>
+          <p:cNvPr id="6" name="TextBox 5">
+            <a:extLst>
+              <a:ext uri="{FF2B5EF4-FFF2-40B4-BE49-F238E27FC236}">
+                <a16:creationId xmlns:a16="http://schemas.microsoft.com/office/drawing/2014/main" id="{A0D9EB1E-E665-B040-688B-D6AFED4ABB06}"/>
+              </a:ext>
+            </a:extLst>
+          </p:cNvPr>
+          <p:cNvSpPr txBox="1"/>
+          <p:nvPr/>
+        </p:nvSpPr>
+        <p:spPr>
+          <a:xfrm>
+            <a:off x="986118" y="2409828"/>
+            <a:ext cx="10586465" cy="3262432"/>
+          </a:xfrm>
+          <a:prstGeom prst="rect">
+            <a:avLst/>
+          </a:prstGeom>
+          <a:noFill/>
+        </p:spPr>
+        <p:txBody>
+          <a:bodyPr wrap="square" rtlCol="0">
+            <a:spAutoFit/>
+          </a:bodyPr>
+          <a:lstStyle/>
+          <a:p>
+            <a:pPr marL="285750" indent="-285750">
+              <a:spcBef>
+                <a:spcPts val="1200"/>
+              </a:spcBef>
+              <a:buFont typeface="Courier New" panose="02070309020205020404" pitchFamily="49" charset="0"/>
+              <a:buChar char="o"/>
+            </a:pPr>
+            <a:r>
+              <a:rPr lang="en-US" sz="2400" kern="1200">
+                <a:effectLst/>
+                <a:ea typeface="SimSun" panose="02010600030101010101" pitchFamily="2" charset="-122"/>
+              </a:rPr>
+              <a:t>Foerster et al. (1999) demonstrated accuracy drop for ambulation activities from 95.6% of a controlled data collection experiment to 66% of uncontrolled non-laboratory natural environment.</a:t>
+            </a:r>
+          </a:p>
+          <a:p>
+            <a:pPr marL="285750" indent="-285750">
+              <a:spcBef>
+                <a:spcPts val="1200"/>
+              </a:spcBef>
+              <a:buFont typeface="Courier New" panose="02070309020205020404" pitchFamily="49" charset="0"/>
+              <a:buChar char="o"/>
+            </a:pPr>
+            <a:r>
+              <a:rPr lang="en-US" sz="2400" kern="1200">
+                <a:effectLst/>
+                <a:ea typeface="SimSun" panose="02010600030101010101" pitchFamily="2" charset="-122"/>
+              </a:rPr>
+              <a:t>Berchtold et al. (2010) identified an open debate on the design of any activity recognition model. Since according to some authors, people perform activities in a different manner as they differ on age, gender, weight, and so on, a specific recognition model should be built for each individual.</a:t>
+            </a:r>
+          </a:p>
+          <a:p>
+            <a:pPr marL="285750" indent="-285750">
+              <a:spcBef>
+                <a:spcPts val="1200"/>
+              </a:spcBef>
+              <a:buFont typeface="Courier New" panose="02070309020205020404" pitchFamily="49" charset="0"/>
+              <a:buChar char="o"/>
+            </a:pPr>
+            <a:endParaRPr lang="en-FI" sz="1800" kern="1200">
+              <a:effectLst/>
+              <a:latin typeface="Times New Roman" panose="02020603050405020304" pitchFamily="18" charset="0"/>
+              <a:ea typeface="SimSun" panose="02010600030101010101" pitchFamily="2" charset="-122"/>
+              <a:cs typeface="Times New Roman" panose="02020603050405020304" pitchFamily="18" charset="0"/>
+            </a:endParaRPr>
+          </a:p>
+        </p:txBody>
+      </p:sp>
     </p:spTree>
     <p:extLst>
       <p:ext uri="{BB962C8B-B14F-4D97-AF65-F5344CB8AC3E}">
-        <p14:creationId xmlns:p14="http://schemas.microsoft.com/office/powerpoint/2010/main" val="1610099843"/>
+        <p14:creationId xmlns:p14="http://schemas.microsoft.com/office/powerpoint/2010/main" val="710172695"/>
       </p:ext>
     </p:extLst>
   </p:cSld>
@@ -8380,6 +8527,16 @@
 <file path=ppt/slides/slide16.xml><?xml version="1.0" encoding="utf-8"?>
 <p:sld xmlns:a="http://schemas.openxmlformats.org/drawingml/2006/main" xmlns:r="http://schemas.openxmlformats.org/officeDocument/2006/relationships" xmlns:p="http://schemas.openxmlformats.org/presentationml/2006/main">
   <p:cSld>
+    <p:bg>
+      <p:bgPr>
+        <a:solidFill>
+          <a:schemeClr val="bg1">
+            <a:lumMod val="85000"/>
+          </a:schemeClr>
+        </a:solidFill>
+        <a:effectLst/>
+      </p:bgPr>
+    </p:bg>
     <p:spTree>
       <p:nvGrpSpPr>
         <p:cNvPr id="1" name=""/>
@@ -8540,7 +8697,7 @@
         <p:spPr>
           <a:xfrm>
             <a:off x="986118" y="959224"/>
-            <a:ext cx="10586465" cy="1077218"/>
+            <a:ext cx="10586465" cy="584775"/>
           </a:xfrm>
           <a:prstGeom prst="rect">
             <a:avLst/>
@@ -8559,7 +8716,7 @@
                 <a:ea typeface="Open Sans" panose="020B0606030504020204" pitchFamily="34" charset="0"/>
                 <a:cs typeface="Aldhabi" panose="020B0604020202020204" pitchFamily="2" charset="-78"/>
               </a:rPr>
-              <a:t>Why personalized SAC with a dataset recorder in uncontrolled non-laboratory environment</a:t>
+              <a:t>TSC - Random Forest</a:t>
             </a:r>
           </a:p>
         </p:txBody>
@@ -8569,7 +8726,7 @@
           <p:cNvPr id="2" name="Date Placeholder 1">
             <a:extLst>
               <a:ext uri="{FF2B5EF4-FFF2-40B4-BE49-F238E27FC236}">
-                <a16:creationId xmlns:a16="http://schemas.microsoft.com/office/drawing/2014/main" id="{713266AF-F834-6D3A-BBBF-3EB246BBCC71}"/>
+                <a16:creationId xmlns:a16="http://schemas.microsoft.com/office/drawing/2014/main" id="{C614EA35-74C6-E5B0-F9B0-2AEC92662F36}"/>
               </a:ext>
             </a:extLst>
           </p:cNvPr>
@@ -8585,9 +8742,9 @@
           <a:bodyPr/>
           <a:lstStyle/>
           <a:p>
-            <a:fld id="{BE76119F-4415-4407-9B12-CFDE4CE93506}" type="datetime3">
+            <a:fld id="{98D6F17B-863C-4F17-AB65-141CD3CCD3CD}" type="datetime3">
               <a:rPr lang="en-US" smtClean="0"/>
-              <a:t>29 May 2023</a:t>
+              <a:t>31 May 2023</a:t>
             </a:fld>
             <a:endParaRPr lang="en-US"/>
           </a:p>
@@ -8598,7 +8755,7 @@
           <p:cNvPr id="4" name="Footer Placeholder 3">
             <a:extLst>
               <a:ext uri="{FF2B5EF4-FFF2-40B4-BE49-F238E27FC236}">
-                <a16:creationId xmlns:a16="http://schemas.microsoft.com/office/drawing/2014/main" id="{1F31AF30-DE75-279F-FA51-443ABB565CE5}"/>
+                <a16:creationId xmlns:a16="http://schemas.microsoft.com/office/drawing/2014/main" id="{FA349680-E65A-6C87-F049-01A041225B67}"/>
               </a:ext>
             </a:extLst>
           </p:cNvPr>
@@ -8626,7 +8783,7 @@
           <p:cNvPr id="5" name="Slide Number Placeholder 4">
             <a:extLst>
               <a:ext uri="{FF2B5EF4-FFF2-40B4-BE49-F238E27FC236}">
-                <a16:creationId xmlns:a16="http://schemas.microsoft.com/office/drawing/2014/main" id="{BB217FAE-10C2-9D5B-9719-6EF654B02F65}"/>
+                <a16:creationId xmlns:a16="http://schemas.microsoft.com/office/drawing/2014/main" id="{603FAD2D-B494-DF3C-B887-ADB4BBD2941E}"/>
               </a:ext>
             </a:extLst>
           </p:cNvPr>
@@ -8650,86 +8807,46 @@
           </a:p>
         </p:txBody>
       </p:sp>
-      <p:sp>
-        <p:nvSpPr>
-          <p:cNvPr id="6" name="TextBox 5">
-            <a:extLst>
-              <a:ext uri="{FF2B5EF4-FFF2-40B4-BE49-F238E27FC236}">
-                <a16:creationId xmlns:a16="http://schemas.microsoft.com/office/drawing/2014/main" id="{A0D9EB1E-E665-B040-688B-D6AFED4ABB06}"/>
-              </a:ext>
-            </a:extLst>
-          </p:cNvPr>
-          <p:cNvSpPr txBox="1"/>
+      <p:pic>
+        <p:nvPicPr>
+          <p:cNvPr id="7" name="Picture 6" descr="A picture containing screenshot, black, darkness, design&#10;&#10;Description automatically generated">
+            <a:extLst>
+              <a:ext uri="{FF2B5EF4-FFF2-40B4-BE49-F238E27FC236}">
+                <a16:creationId xmlns:a16="http://schemas.microsoft.com/office/drawing/2014/main" id="{CAA1C50C-8930-DEED-3E30-BD4916C0848E}"/>
+              </a:ext>
+            </a:extLst>
+          </p:cNvPr>
+          <p:cNvPicPr>
+            <a:picLocks noChangeAspect="1"/>
+          </p:cNvPicPr>
           <p:nvPr/>
-        </p:nvSpPr>
+        </p:nvPicPr>
+        <p:blipFill>
+          <a:blip r:embed="rId5">
+            <a:extLst>
+              <a:ext uri="{28A0092B-C50C-407E-A947-70E740481C1C}">
+                <a14:useLocalDpi xmlns:a14="http://schemas.microsoft.com/office/drawing/2010/main" val="0"/>
+              </a:ext>
+            </a:extLst>
+          </a:blip>
+          <a:stretch>
+            <a:fillRect/>
+          </a:stretch>
+        </p:blipFill>
         <p:spPr>
           <a:xfrm>
-            <a:off x="986118" y="2409828"/>
-            <a:ext cx="10586465" cy="3262432"/>
+            <a:off x="2419350" y="1926852"/>
+            <a:ext cx="7353300" cy="3829050"/>
           </a:xfrm>
           <a:prstGeom prst="rect">
             <a:avLst/>
           </a:prstGeom>
-          <a:noFill/>
         </p:spPr>
-        <p:txBody>
-          <a:bodyPr wrap="square" rtlCol="0">
-            <a:spAutoFit/>
-          </a:bodyPr>
-          <a:lstStyle/>
-          <a:p>
-            <a:pPr marL="285750" indent="-285750">
-              <a:spcBef>
-                <a:spcPts val="1200"/>
-              </a:spcBef>
-              <a:buFont typeface="Courier New" panose="02070309020205020404" pitchFamily="49" charset="0"/>
-              <a:buChar char="o"/>
-            </a:pPr>
-            <a:r>
-              <a:rPr lang="en-US" sz="2400" kern="1200">
-                <a:effectLst/>
-                <a:ea typeface="SimSun" panose="02010600030101010101" pitchFamily="2" charset="-122"/>
-              </a:rPr>
-              <a:t>Foerster et al. (1999) demonstrated accuracy drop for ambulation activities from 95.6% of a controlled data collection experiment to 66% of uncontrolled non-laboratory natural environment.</a:t>
-            </a:r>
-          </a:p>
-          <a:p>
-            <a:pPr marL="285750" indent="-285750">
-              <a:spcBef>
-                <a:spcPts val="1200"/>
-              </a:spcBef>
-              <a:buFont typeface="Courier New" panose="02070309020205020404" pitchFamily="49" charset="0"/>
-              <a:buChar char="o"/>
-            </a:pPr>
-            <a:r>
-              <a:rPr lang="en-US" sz="2400" kern="1200">
-                <a:effectLst/>
-                <a:ea typeface="SimSun" panose="02010600030101010101" pitchFamily="2" charset="-122"/>
-              </a:rPr>
-              <a:t>Berchtold et al. (2010) identified an open debate on the design of any activity recognition model. Since according to some authors, people perform activities in a different manner as they differ on age, gender, weight, and so on, a specific recognition model should be built for each individual.</a:t>
-            </a:r>
-          </a:p>
-          <a:p>
-            <a:pPr marL="285750" indent="-285750">
-              <a:spcBef>
-                <a:spcPts val="1200"/>
-              </a:spcBef>
-              <a:buFont typeface="Courier New" panose="02070309020205020404" pitchFamily="49" charset="0"/>
-              <a:buChar char="o"/>
-            </a:pPr>
-            <a:endParaRPr lang="en-FI" sz="1800" kern="1200">
-              <a:effectLst/>
-              <a:latin typeface="Times New Roman" panose="02020603050405020304" pitchFamily="18" charset="0"/>
-              <a:ea typeface="SimSun" panose="02010600030101010101" pitchFamily="2" charset="-122"/>
-              <a:cs typeface="Times New Roman" panose="02020603050405020304" pitchFamily="18" charset="0"/>
-            </a:endParaRPr>
-          </a:p>
-        </p:txBody>
-      </p:sp>
+      </p:pic>
     </p:spTree>
     <p:extLst>
       <p:ext uri="{BB962C8B-B14F-4D97-AF65-F5344CB8AC3E}">
-        <p14:creationId xmlns:p14="http://schemas.microsoft.com/office/powerpoint/2010/main" val="710172695"/>
+        <p14:creationId xmlns:p14="http://schemas.microsoft.com/office/powerpoint/2010/main" val="288630929"/>
       </p:ext>
     </p:extLst>
   </p:cSld>
@@ -8742,6 +8859,16 @@
 <file path=ppt/slides/slide17.xml><?xml version="1.0" encoding="utf-8"?>
 <p:sld xmlns:a="http://schemas.openxmlformats.org/drawingml/2006/main" xmlns:r="http://schemas.openxmlformats.org/officeDocument/2006/relationships" xmlns:p="http://schemas.openxmlformats.org/presentationml/2006/main">
   <p:cSld>
+    <p:bg>
+      <p:bgPr>
+        <a:solidFill>
+          <a:schemeClr val="bg1">
+            <a:lumMod val="85000"/>
+          </a:schemeClr>
+        </a:solidFill>
+        <a:effectLst/>
+      </p:bgPr>
+    </p:bg>
     <p:spTree>
       <p:nvGrpSpPr>
         <p:cNvPr id="1" name=""/>
@@ -8921,7 +9048,7 @@
                 <a:ea typeface="Open Sans" panose="020B0606030504020204" pitchFamily="34" charset="0"/>
                 <a:cs typeface="Aldhabi" panose="020B0604020202020204" pitchFamily="2" charset="-78"/>
               </a:rPr>
-              <a:t>TSC - Random Forest</a:t>
+              <a:t>TSC - Classification quality metric ROC-AUC</a:t>
             </a:r>
           </a:p>
         </p:txBody>
@@ -8931,7 +9058,7 @@
           <p:cNvPr id="2" name="Date Placeholder 1">
             <a:extLst>
               <a:ext uri="{FF2B5EF4-FFF2-40B4-BE49-F238E27FC236}">
-                <a16:creationId xmlns:a16="http://schemas.microsoft.com/office/drawing/2014/main" id="{C614EA35-74C6-E5B0-F9B0-2AEC92662F36}"/>
+                <a16:creationId xmlns:a16="http://schemas.microsoft.com/office/drawing/2014/main" id="{8D15A0DC-5461-A96D-E355-940C74F2D445}"/>
               </a:ext>
             </a:extLst>
           </p:cNvPr>
@@ -8947,9 +9074,9 @@
           <a:bodyPr/>
           <a:lstStyle/>
           <a:p>
-            <a:fld id="{98D6F17B-863C-4F17-AB65-141CD3CCD3CD}" type="datetime3">
+            <a:fld id="{C3DA5F8F-3F15-478C-87D7-FE0B56281373}" type="datetime3">
               <a:rPr lang="en-US" smtClean="0"/>
-              <a:t>29 May 2023</a:t>
+              <a:t>31 May 2023</a:t>
             </a:fld>
             <a:endParaRPr lang="en-US"/>
           </a:p>
@@ -8960,7 +9087,7 @@
           <p:cNvPr id="4" name="Footer Placeholder 3">
             <a:extLst>
               <a:ext uri="{FF2B5EF4-FFF2-40B4-BE49-F238E27FC236}">
-                <a16:creationId xmlns:a16="http://schemas.microsoft.com/office/drawing/2014/main" id="{FA349680-E65A-6C87-F049-01A041225B67}"/>
+                <a16:creationId xmlns:a16="http://schemas.microsoft.com/office/drawing/2014/main" id="{81FC2CF8-DE8C-AA6A-7EA9-3E9834D3D210}"/>
               </a:ext>
             </a:extLst>
           </p:cNvPr>
@@ -8988,7 +9115,7 @@
           <p:cNvPr id="5" name="Slide Number Placeholder 4">
             <a:extLst>
               <a:ext uri="{FF2B5EF4-FFF2-40B4-BE49-F238E27FC236}">
-                <a16:creationId xmlns:a16="http://schemas.microsoft.com/office/drawing/2014/main" id="{603FAD2D-B494-DF3C-B887-ADB4BBD2941E}"/>
+                <a16:creationId xmlns:a16="http://schemas.microsoft.com/office/drawing/2014/main" id="{A7040F45-AE64-ED71-CD45-C9FF626AEA13}"/>
               </a:ext>
             </a:extLst>
           </p:cNvPr>
@@ -9014,10 +9141,10 @@
       </p:sp>
       <p:pic>
         <p:nvPicPr>
-          <p:cNvPr id="7" name="Picture 6" descr="A picture containing screenshot, black, darkness, design&#10;&#10;Description automatically generated">
-            <a:extLst>
-              <a:ext uri="{FF2B5EF4-FFF2-40B4-BE49-F238E27FC236}">
-                <a16:creationId xmlns:a16="http://schemas.microsoft.com/office/drawing/2014/main" id="{CAA1C50C-8930-DEED-3E30-BD4916C0848E}"/>
+          <p:cNvPr id="7" name="Picture 6" descr="A picture containing text, diagram, line, font&#10;&#10;Description automatically generated">
+            <a:extLst>
+              <a:ext uri="{FF2B5EF4-FFF2-40B4-BE49-F238E27FC236}">
+                <a16:creationId xmlns:a16="http://schemas.microsoft.com/office/drawing/2014/main" id="{29A0C70D-108B-98CE-CBE3-F90AD38452C8}"/>
               </a:ext>
             </a:extLst>
           </p:cNvPr>
@@ -9040,8 +9167,8 @@
         </p:blipFill>
         <p:spPr>
           <a:xfrm>
-            <a:off x="2419350" y="1926852"/>
-            <a:ext cx="7353300" cy="3829050"/>
+            <a:off x="1653988" y="2084475"/>
+            <a:ext cx="8884023" cy="3731399"/>
           </a:xfrm>
           <a:prstGeom prst="rect">
             <a:avLst/>
@@ -9051,7 +9178,7 @@
     </p:spTree>
     <p:extLst>
       <p:ext uri="{BB962C8B-B14F-4D97-AF65-F5344CB8AC3E}">
-        <p14:creationId xmlns:p14="http://schemas.microsoft.com/office/powerpoint/2010/main" val="288630929"/>
+        <p14:creationId xmlns:p14="http://schemas.microsoft.com/office/powerpoint/2010/main" val="2955668408"/>
       </p:ext>
     </p:extLst>
   </p:cSld>
@@ -9064,6 +9191,16 @@
 <file path=ppt/slides/slide18.xml><?xml version="1.0" encoding="utf-8"?>
 <p:sld xmlns:a="http://schemas.openxmlformats.org/drawingml/2006/main" xmlns:r="http://schemas.openxmlformats.org/officeDocument/2006/relationships" xmlns:p="http://schemas.openxmlformats.org/presentationml/2006/main">
   <p:cSld>
+    <p:bg>
+      <p:bgPr>
+        <a:solidFill>
+          <a:schemeClr val="bg1">
+            <a:lumMod val="85000"/>
+          </a:schemeClr>
+        </a:solidFill>
+        <a:effectLst/>
+      </p:bgPr>
+    </p:bg>
     <p:spTree>
       <p:nvGrpSpPr>
         <p:cNvPr id="1" name=""/>
@@ -9243,7 +9380,7 @@
                 <a:ea typeface="Open Sans" panose="020B0606030504020204" pitchFamily="34" charset="0"/>
                 <a:cs typeface="Aldhabi" panose="020B0604020202020204" pitchFamily="2" charset="-78"/>
               </a:rPr>
-              <a:t>TSC - Classification quality metric ROC-AUC</a:t>
+              <a:t>S-CML Pipeline</a:t>
             </a:r>
           </a:p>
         </p:txBody>
@@ -9253,7 +9390,7 @@
           <p:cNvPr id="2" name="Date Placeholder 1">
             <a:extLst>
               <a:ext uri="{FF2B5EF4-FFF2-40B4-BE49-F238E27FC236}">
-                <a16:creationId xmlns:a16="http://schemas.microsoft.com/office/drawing/2014/main" id="{8D15A0DC-5461-A96D-E355-940C74F2D445}"/>
+                <a16:creationId xmlns:a16="http://schemas.microsoft.com/office/drawing/2014/main" id="{C614EA35-74C6-E5B0-F9B0-2AEC92662F36}"/>
               </a:ext>
             </a:extLst>
           </p:cNvPr>
@@ -9269,9 +9406,9 @@
           <a:bodyPr/>
           <a:lstStyle/>
           <a:p>
-            <a:fld id="{C3DA5F8F-3F15-478C-87D7-FE0B56281373}" type="datetime3">
+            <a:fld id="{98D6F17B-863C-4F17-AB65-141CD3CCD3CD}" type="datetime3">
               <a:rPr lang="en-US" smtClean="0"/>
-              <a:t>29 May 2023</a:t>
+              <a:t>31 May 2023</a:t>
             </a:fld>
             <a:endParaRPr lang="en-US"/>
           </a:p>
@@ -9282,7 +9419,7 @@
           <p:cNvPr id="4" name="Footer Placeholder 3">
             <a:extLst>
               <a:ext uri="{FF2B5EF4-FFF2-40B4-BE49-F238E27FC236}">
-                <a16:creationId xmlns:a16="http://schemas.microsoft.com/office/drawing/2014/main" id="{81FC2CF8-DE8C-AA6A-7EA9-3E9834D3D210}"/>
+                <a16:creationId xmlns:a16="http://schemas.microsoft.com/office/drawing/2014/main" id="{FA349680-E65A-6C87-F049-01A041225B67}"/>
               </a:ext>
             </a:extLst>
           </p:cNvPr>
@@ -9310,7 +9447,7 @@
           <p:cNvPr id="5" name="Slide Number Placeholder 4">
             <a:extLst>
               <a:ext uri="{FF2B5EF4-FFF2-40B4-BE49-F238E27FC236}">
-                <a16:creationId xmlns:a16="http://schemas.microsoft.com/office/drawing/2014/main" id="{A7040F45-AE64-ED71-CD45-C9FF626AEA13}"/>
+                <a16:creationId xmlns:a16="http://schemas.microsoft.com/office/drawing/2014/main" id="{603FAD2D-B494-DF3C-B887-ADB4BBD2941E}"/>
               </a:ext>
             </a:extLst>
           </p:cNvPr>
@@ -9336,10 +9473,10 @@
       </p:sp>
       <p:pic>
         <p:nvPicPr>
-          <p:cNvPr id="7" name="Picture 6" descr="A picture containing text, diagram, line, font&#10;&#10;Description automatically generated">
-            <a:extLst>
-              <a:ext uri="{FF2B5EF4-FFF2-40B4-BE49-F238E27FC236}">
-                <a16:creationId xmlns:a16="http://schemas.microsoft.com/office/drawing/2014/main" id="{29A0C70D-108B-98CE-CBE3-F90AD38452C8}"/>
+          <p:cNvPr id="18" name="Picture 17" descr="A picture containing text, screenshot, font, design&#10;&#10;Description automatically generated">
+            <a:extLst>
+              <a:ext uri="{FF2B5EF4-FFF2-40B4-BE49-F238E27FC236}">
+                <a16:creationId xmlns:a16="http://schemas.microsoft.com/office/drawing/2014/main" id="{163DDC26-D1CC-B4EB-1DED-D3205DC5E98D}"/>
               </a:ext>
             </a:extLst>
           </p:cNvPr>
@@ -9362,18 +9499,124 @@
         </p:blipFill>
         <p:spPr>
           <a:xfrm>
-            <a:off x="1653988" y="2084475"/>
-            <a:ext cx="8884023" cy="3731399"/>
+            <a:off x="986118" y="1919962"/>
+            <a:ext cx="5461234" cy="1692100"/>
           </a:xfrm>
           <a:prstGeom prst="rect">
             <a:avLst/>
           </a:prstGeom>
         </p:spPr>
       </p:pic>
+      <p:pic>
+        <p:nvPicPr>
+          <p:cNvPr id="20" name="Picture 19" descr="A diagram of a model&#10;&#10;Description automatically generated with low confidence">
+            <a:extLst>
+              <a:ext uri="{FF2B5EF4-FFF2-40B4-BE49-F238E27FC236}">
+                <a16:creationId xmlns:a16="http://schemas.microsoft.com/office/drawing/2014/main" id="{83CCE99E-C4DD-5B8F-243C-2E5BD3FF30DD}"/>
+              </a:ext>
+            </a:extLst>
+          </p:cNvPr>
+          <p:cNvPicPr>
+            <a:picLocks noChangeAspect="1"/>
+          </p:cNvPicPr>
+          <p:nvPr/>
+        </p:nvPicPr>
+        <p:blipFill>
+          <a:blip r:embed="rId6">
+            <a:extLst>
+              <a:ext uri="{28A0092B-C50C-407E-A947-70E740481C1C}">
+                <a14:useLocalDpi xmlns:a14="http://schemas.microsoft.com/office/drawing/2010/main" val="0"/>
+              </a:ext>
+            </a:extLst>
+          </a:blip>
+          <a:stretch>
+            <a:fillRect/>
+          </a:stretch>
+        </p:blipFill>
+        <p:spPr>
+          <a:xfrm>
+            <a:off x="5055388" y="3876707"/>
+            <a:ext cx="5826521" cy="1788988"/>
+          </a:xfrm>
+          <a:prstGeom prst="rect">
+            <a:avLst/>
+          </a:prstGeom>
+        </p:spPr>
+      </p:pic>
+      <p:sp>
+        <p:nvSpPr>
+          <p:cNvPr id="21" name="TextBox 20">
+            <a:extLst>
+              <a:ext uri="{FF2B5EF4-FFF2-40B4-BE49-F238E27FC236}">
+                <a16:creationId xmlns:a16="http://schemas.microsoft.com/office/drawing/2014/main" id="{8B509B02-309A-7212-9491-F462ED66F8B1}"/>
+              </a:ext>
+            </a:extLst>
+          </p:cNvPr>
+          <p:cNvSpPr txBox="1"/>
+          <p:nvPr/>
+        </p:nvSpPr>
+        <p:spPr>
+          <a:xfrm>
+            <a:off x="6970059" y="2575150"/>
+            <a:ext cx="3796553" cy="369332"/>
+          </a:xfrm>
+          <a:prstGeom prst="rect">
+            <a:avLst/>
+          </a:prstGeom>
+          <a:noFill/>
+        </p:spPr>
+        <p:txBody>
+          <a:bodyPr wrap="square" rtlCol="0">
+            <a:spAutoFit/>
+          </a:bodyPr>
+          <a:lstStyle/>
+          <a:p>
+            <a:r>
+              <a:rPr lang="en-US"/>
+              <a:t>Step 1: Hyperparameter optimization</a:t>
+            </a:r>
+          </a:p>
+        </p:txBody>
+      </p:sp>
+      <p:sp>
+        <p:nvSpPr>
+          <p:cNvPr id="22" name="TextBox 21">
+            <a:extLst>
+              <a:ext uri="{FF2B5EF4-FFF2-40B4-BE49-F238E27FC236}">
+                <a16:creationId xmlns:a16="http://schemas.microsoft.com/office/drawing/2014/main" id="{7B4D95D4-1292-951A-2E38-49B186244404}"/>
+              </a:ext>
+            </a:extLst>
+          </p:cNvPr>
+          <p:cNvSpPr txBox="1"/>
+          <p:nvPr/>
+        </p:nvSpPr>
+        <p:spPr>
+          <a:xfrm>
+            <a:off x="1896574" y="4586535"/>
+            <a:ext cx="2662517" cy="369332"/>
+          </a:xfrm>
+          <a:prstGeom prst="rect">
+            <a:avLst/>
+          </a:prstGeom>
+          <a:noFill/>
+        </p:spPr>
+        <p:txBody>
+          <a:bodyPr wrap="square" rtlCol="0">
+            <a:spAutoFit/>
+          </a:bodyPr>
+          <a:lstStyle/>
+          <a:p>
+            <a:r>
+              <a:rPr lang="en-US"/>
+              <a:t>Step 2: Model selection</a:t>
+            </a:r>
+          </a:p>
+        </p:txBody>
+      </p:sp>
     </p:spTree>
     <p:extLst>
       <p:ext uri="{BB962C8B-B14F-4D97-AF65-F5344CB8AC3E}">
-        <p14:creationId xmlns:p14="http://schemas.microsoft.com/office/powerpoint/2010/main" val="2955668408"/>
+        <p14:creationId xmlns:p14="http://schemas.microsoft.com/office/powerpoint/2010/main" val="3818921347"/>
       </p:ext>
     </p:extLst>
   </p:cSld>
@@ -9386,6 +9629,16 @@
 <file path=ppt/slides/slide19.xml><?xml version="1.0" encoding="utf-8"?>
 <p:sld xmlns:a="http://schemas.openxmlformats.org/drawingml/2006/main" xmlns:r="http://schemas.openxmlformats.org/officeDocument/2006/relationships" xmlns:p="http://schemas.openxmlformats.org/presentationml/2006/main">
   <p:cSld>
+    <p:bg>
+      <p:bgPr>
+        <a:solidFill>
+          <a:schemeClr val="bg1">
+            <a:lumMod val="85000"/>
+          </a:schemeClr>
+        </a:solidFill>
+        <a:effectLst/>
+      </p:bgPr>
+    </p:bg>
     <p:spTree>
       <p:nvGrpSpPr>
         <p:cNvPr id="1" name=""/>
@@ -9565,7 +9818,7 @@
                 <a:ea typeface="Open Sans" panose="020B0606030504020204" pitchFamily="34" charset="0"/>
                 <a:cs typeface="Aldhabi" panose="020B0604020202020204" pitchFamily="2" charset="-78"/>
               </a:rPr>
-              <a:t>S-CML Pipeline</a:t>
+              <a:t>Category divergency in S-CML data</a:t>
             </a:r>
           </a:p>
         </p:txBody>
@@ -9593,7 +9846,7 @@
           <a:p>
             <a:fld id="{98D6F17B-863C-4F17-AB65-141CD3CCD3CD}" type="datetime3">
               <a:rPr lang="en-US" smtClean="0"/>
-              <a:t>29 May 2023</a:t>
+              <a:t>31 May 2023</a:t>
             </a:fld>
             <a:endParaRPr lang="en-US"/>
           </a:p>
@@ -9658,10 +9911,10 @@
       </p:sp>
       <p:pic>
         <p:nvPicPr>
-          <p:cNvPr id="18" name="Picture 17" descr="A picture containing text, screenshot, font, design&#10;&#10;Description automatically generated">
-            <a:extLst>
-              <a:ext uri="{FF2B5EF4-FFF2-40B4-BE49-F238E27FC236}">
-                <a16:creationId xmlns:a16="http://schemas.microsoft.com/office/drawing/2014/main" id="{163DDC26-D1CC-B4EB-1DED-D3205DC5E98D}"/>
+          <p:cNvPr id="7" name="Picture 6" descr="A picture containing text, map, diagram, line&#10;&#10;Description automatically generated">
+            <a:extLst>
+              <a:ext uri="{FF2B5EF4-FFF2-40B4-BE49-F238E27FC236}">
+                <a16:creationId xmlns:a16="http://schemas.microsoft.com/office/drawing/2014/main" id="{A0CC9D3F-6A62-CE97-F695-D022F9908437}"/>
               </a:ext>
             </a:extLst>
           </p:cNvPr>
@@ -9684,124 +9937,18 @@
         </p:blipFill>
         <p:spPr>
           <a:xfrm>
-            <a:off x="986118" y="1919962"/>
-            <a:ext cx="5461234" cy="1692100"/>
+            <a:off x="1802886" y="1955265"/>
+            <a:ext cx="8586227" cy="3943511"/>
           </a:xfrm>
           <a:prstGeom prst="rect">
             <a:avLst/>
           </a:prstGeom>
         </p:spPr>
       </p:pic>
-      <p:pic>
-        <p:nvPicPr>
-          <p:cNvPr id="20" name="Picture 19" descr="A diagram of a model&#10;&#10;Description automatically generated with low confidence">
-            <a:extLst>
-              <a:ext uri="{FF2B5EF4-FFF2-40B4-BE49-F238E27FC236}">
-                <a16:creationId xmlns:a16="http://schemas.microsoft.com/office/drawing/2014/main" id="{83CCE99E-C4DD-5B8F-243C-2E5BD3FF30DD}"/>
-              </a:ext>
-            </a:extLst>
-          </p:cNvPr>
-          <p:cNvPicPr>
-            <a:picLocks noChangeAspect="1"/>
-          </p:cNvPicPr>
-          <p:nvPr/>
-        </p:nvPicPr>
-        <p:blipFill>
-          <a:blip r:embed="rId6">
-            <a:extLst>
-              <a:ext uri="{28A0092B-C50C-407E-A947-70E740481C1C}">
-                <a14:useLocalDpi xmlns:a14="http://schemas.microsoft.com/office/drawing/2010/main" val="0"/>
-              </a:ext>
-            </a:extLst>
-          </a:blip>
-          <a:stretch>
-            <a:fillRect/>
-          </a:stretch>
-        </p:blipFill>
-        <p:spPr>
-          <a:xfrm>
-            <a:off x="5055388" y="3876707"/>
-            <a:ext cx="5826521" cy="1788988"/>
-          </a:xfrm>
-          <a:prstGeom prst="rect">
-            <a:avLst/>
-          </a:prstGeom>
-        </p:spPr>
-      </p:pic>
-      <p:sp>
-        <p:nvSpPr>
-          <p:cNvPr id="21" name="TextBox 20">
-            <a:extLst>
-              <a:ext uri="{FF2B5EF4-FFF2-40B4-BE49-F238E27FC236}">
-                <a16:creationId xmlns:a16="http://schemas.microsoft.com/office/drawing/2014/main" id="{8B509B02-309A-7212-9491-F462ED66F8B1}"/>
-              </a:ext>
-            </a:extLst>
-          </p:cNvPr>
-          <p:cNvSpPr txBox="1"/>
-          <p:nvPr/>
-        </p:nvSpPr>
-        <p:spPr>
-          <a:xfrm>
-            <a:off x="6970059" y="2575150"/>
-            <a:ext cx="3796553" cy="369332"/>
-          </a:xfrm>
-          <a:prstGeom prst="rect">
-            <a:avLst/>
-          </a:prstGeom>
-          <a:noFill/>
-        </p:spPr>
-        <p:txBody>
-          <a:bodyPr wrap="square" rtlCol="0">
-            <a:spAutoFit/>
-          </a:bodyPr>
-          <a:lstStyle/>
-          <a:p>
-            <a:r>
-              <a:rPr lang="en-US"/>
-              <a:t>Step 1: Hyperparameter optimization</a:t>
-            </a:r>
-          </a:p>
-        </p:txBody>
-      </p:sp>
-      <p:sp>
-        <p:nvSpPr>
-          <p:cNvPr id="22" name="TextBox 21">
-            <a:extLst>
-              <a:ext uri="{FF2B5EF4-FFF2-40B4-BE49-F238E27FC236}">
-                <a16:creationId xmlns:a16="http://schemas.microsoft.com/office/drawing/2014/main" id="{7B4D95D4-1292-951A-2E38-49B186244404}"/>
-              </a:ext>
-            </a:extLst>
-          </p:cNvPr>
-          <p:cNvSpPr txBox="1"/>
-          <p:nvPr/>
-        </p:nvSpPr>
-        <p:spPr>
-          <a:xfrm>
-            <a:off x="1896574" y="4586535"/>
-            <a:ext cx="2662517" cy="369332"/>
-          </a:xfrm>
-          <a:prstGeom prst="rect">
-            <a:avLst/>
-          </a:prstGeom>
-          <a:noFill/>
-        </p:spPr>
-        <p:txBody>
-          <a:bodyPr wrap="square" rtlCol="0">
-            <a:spAutoFit/>
-          </a:bodyPr>
-          <a:lstStyle/>
-          <a:p>
-            <a:r>
-              <a:rPr lang="en-US"/>
-              <a:t>Step 2: Model selection</a:t>
-            </a:r>
-          </a:p>
-        </p:txBody>
-      </p:sp>
     </p:spTree>
     <p:extLst>
       <p:ext uri="{BB962C8B-B14F-4D97-AF65-F5344CB8AC3E}">
-        <p14:creationId xmlns:p14="http://schemas.microsoft.com/office/powerpoint/2010/main" val="3818921347"/>
+        <p14:creationId xmlns:p14="http://schemas.microsoft.com/office/powerpoint/2010/main" val="2181445688"/>
       </p:ext>
     </p:extLst>
   </p:cSld>
@@ -9993,17 +10140,17 @@
                 <a:ea typeface="Open Sans" panose="020B0606030504020204" pitchFamily="34" charset="0"/>
                 <a:cs typeface="Aldhabi" panose="020B0604020202020204" pitchFamily="2" charset="-78"/>
               </a:rPr>
-              <a:t>The relevance of the study</a:t>
-            </a:r>
-          </a:p>
-        </p:txBody>
-      </p:sp>
-      <p:sp>
-        <p:nvSpPr>
-          <p:cNvPr id="5" name="Date Placeholder 4">
-            <a:extLst>
-              <a:ext uri="{FF2B5EF4-FFF2-40B4-BE49-F238E27FC236}">
-                <a16:creationId xmlns:a16="http://schemas.microsoft.com/office/drawing/2014/main" id="{42A68D0A-498B-3C8A-D3E8-6E024F71184B}"/>
+              <a:t>Literature overview</a:t>
+            </a:r>
+          </a:p>
+        </p:txBody>
+      </p:sp>
+      <p:sp>
+        <p:nvSpPr>
+          <p:cNvPr id="2" name="Date Placeholder 1">
+            <a:extLst>
+              <a:ext uri="{FF2B5EF4-FFF2-40B4-BE49-F238E27FC236}">
+                <a16:creationId xmlns:a16="http://schemas.microsoft.com/office/drawing/2014/main" id="{713266AF-F834-6D3A-BBBF-3EB246BBCC71}"/>
               </a:ext>
             </a:extLst>
           </p:cNvPr>
@@ -10019,9 +10166,9 @@
           <a:bodyPr/>
           <a:lstStyle/>
           <a:p>
-            <a:fld id="{F1137A66-BD1F-483D-BAB2-2B11C22916DC}" type="datetime3">
+            <a:fld id="{BE76119F-4415-4407-9B12-CFDE4CE93506}" type="datetime3">
               <a:rPr lang="en-US" smtClean="0"/>
-              <a:t>29 May 2023</a:t>
+              <a:t>31 May 2023</a:t>
             </a:fld>
             <a:endParaRPr lang="en-US"/>
           </a:p>
@@ -10029,10 +10176,10 @@
       </p:sp>
       <p:sp>
         <p:nvSpPr>
-          <p:cNvPr id="6" name="Footer Placeholder 5">
-            <a:extLst>
-              <a:ext uri="{FF2B5EF4-FFF2-40B4-BE49-F238E27FC236}">
-                <a16:creationId xmlns:a16="http://schemas.microsoft.com/office/drawing/2014/main" id="{359D75D5-F3E7-AB23-398F-ACCDD40D2C5D}"/>
+          <p:cNvPr id="4" name="Footer Placeholder 3">
+            <a:extLst>
+              <a:ext uri="{FF2B5EF4-FFF2-40B4-BE49-F238E27FC236}">
+                <a16:creationId xmlns:a16="http://schemas.microsoft.com/office/drawing/2014/main" id="{1F31AF30-DE75-279F-FA51-443ABB565CE5}"/>
               </a:ext>
             </a:extLst>
           </p:cNvPr>
@@ -10057,10 +10204,10 @@
       </p:sp>
       <p:sp>
         <p:nvSpPr>
-          <p:cNvPr id="7" name="Slide Number Placeholder 6">
-            <a:extLst>
-              <a:ext uri="{FF2B5EF4-FFF2-40B4-BE49-F238E27FC236}">
-                <a16:creationId xmlns:a16="http://schemas.microsoft.com/office/drawing/2014/main" id="{F23D9BFB-F8A0-6F0E-FE9C-CEBDDE97CA04}"/>
+          <p:cNvPr id="5" name="Slide Number Placeholder 4">
+            <a:extLst>
+              <a:ext uri="{FF2B5EF4-FFF2-40B4-BE49-F238E27FC236}">
+                <a16:creationId xmlns:a16="http://schemas.microsoft.com/office/drawing/2014/main" id="{BB217FAE-10C2-9D5B-9719-6EF654B02F65}"/>
               </a:ext>
             </a:extLst>
           </p:cNvPr>
@@ -10086,10 +10233,10 @@
       </p:sp>
       <p:sp>
         <p:nvSpPr>
-          <p:cNvPr id="8" name="TextBox 7">
-            <a:extLst>
-              <a:ext uri="{FF2B5EF4-FFF2-40B4-BE49-F238E27FC236}">
-                <a16:creationId xmlns:a16="http://schemas.microsoft.com/office/drawing/2014/main" id="{90DD691F-BB5A-E7C2-D515-16E83FC3E97F}"/>
+          <p:cNvPr id="6" name="TextBox 5">
+            <a:extLst>
+              <a:ext uri="{FF2B5EF4-FFF2-40B4-BE49-F238E27FC236}">
+                <a16:creationId xmlns:a16="http://schemas.microsoft.com/office/drawing/2014/main" id="{A0D9EB1E-E665-B040-688B-D6AFED4ABB06}"/>
               </a:ext>
             </a:extLst>
           </p:cNvPr>
@@ -10098,8 +10245,8 @@
         </p:nvSpPr>
         <p:spPr>
           <a:xfrm>
-            <a:off x="986118" y="1855694"/>
-            <a:ext cx="7624482" cy="3354765"/>
+            <a:off x="986117" y="1866903"/>
+            <a:ext cx="10586465" cy="3508653"/>
           </a:xfrm>
           <a:prstGeom prst="rect">
             <a:avLst/>
@@ -10120,20 +10267,24 @@
               <a:buChar char="o"/>
             </a:pPr>
             <a:r>
+              <a:rPr lang="en-US" sz="2400"/>
+              <a:t>Human Activity Recognition (HAR) is well studied area in recent years, achieving average accuracies of </a:t>
+            </a:r>
+            <a:r>
               <a:rPr lang="en-US" sz="2400" b="1"/>
-              <a:t>The daily usage</a:t>
+              <a:t>92</a:t>
             </a:r>
             <a:r>
               <a:rPr lang="en-US" sz="2400"/>
-              <a:t> of activity trackers, sport watches, and other devices to record daily and sport activities </a:t>
-            </a:r>
-            <a:r>
-              <a:rPr lang="en-US" sz="2400" b="1"/>
-              <a:t>has increased tremendously</a:t>
+              <a:t> % (</a:t>
+            </a:r>
+            <a:r>
+              <a:rPr lang="en-US" sz="2400" i="1"/>
+              <a:t>Demrozi et al., 2020</a:t>
             </a:r>
             <a:r>
               <a:rPr lang="en-US" sz="2400"/>
-              <a:t> in past ten years</a:t>
+              <a:t>).</a:t>
             </a:r>
           </a:p>
           <a:p>
@@ -10146,43 +10297,15 @@
             </a:pPr>
             <a:r>
               <a:rPr lang="en-US" sz="2400"/>
-              <a:t>The main reasons are the </a:t>
-            </a:r>
-            <a:r>
-              <a:rPr lang="en-US" sz="2400" b="1"/>
-              <a:t>development of battery technology</a:t>
+              <a:t>Traditional HAR studies are conducted using inertial sensor data (</a:t>
+            </a:r>
+            <a:r>
+              <a:rPr lang="en-US" sz="2400" i="1"/>
+              <a:t>basically, a set of 3-dimensional (x,y,z) accelerometer sensors</a:t>
             </a:r>
             <a:r>
               <a:rPr lang="en-US" sz="2400"/>
-              <a:t> and </a:t>
-            </a:r>
-            <a:r>
-              <a:rPr lang="en-US" sz="2400" b="1"/>
-              <a:t>small size hardware </a:t>
-            </a:r>
-            <a:r>
-              <a:rPr lang="en-US" sz="2400"/>
-              <a:t>with </a:t>
-            </a:r>
-            <a:r>
-              <a:rPr lang="en-US" sz="2400" b="1"/>
-              <a:t>a</a:t>
-            </a:r>
-            <a:r>
-              <a:rPr lang="en-US" sz="2400"/>
-              <a:t> </a:t>
-            </a:r>
-            <a:r>
-              <a:rPr lang="en-US" sz="2400" b="1"/>
-              <a:t>low energy consumption</a:t>
-            </a:r>
-            <a:r>
-              <a:rPr lang="en-US" sz="2400" i="1"/>
-              <a:t> </a:t>
-            </a:r>
-            <a:r>
-              <a:rPr lang="en-US" sz="2400"/>
-              <a:t>such as LED displays</a:t>
+              <a:t>)</a:t>
             </a:r>
           </a:p>
           <a:p>
@@ -10195,63 +10318,52 @@
             </a:pPr>
             <a:r>
               <a:rPr lang="en-US" sz="2400"/>
-              <a:t>Human activity recognition has become a common function and </a:t>
-            </a:r>
-            <a:r>
-              <a:rPr lang="en-US" sz="2400" b="1"/>
-              <a:t>is</a:t>
+              <a:t>Amount of activity types varies from 5 to 20, containing </a:t>
+            </a:r>
+            <a:r>
+              <a:rPr lang="en-US" sz="2400" i="1"/>
+              <a:t>sitting down</a:t>
             </a:r>
             <a:r>
               <a:rPr lang="en-US" sz="2400"/>
-              <a:t> </a:t>
-            </a:r>
-            <a:r>
-              <a:rPr lang="en-US" sz="2400" b="1"/>
-              <a:t>enabled by several device manufacturers</a:t>
-            </a:r>
-          </a:p>
-        </p:txBody>
-      </p:sp>
-      <p:pic>
-        <p:nvPicPr>
-          <p:cNvPr id="13" name="Picture 12" descr="A picture containing watch, clock, fashion accessory, everyday carry">
-            <a:extLst>
-              <a:ext uri="{FF2B5EF4-FFF2-40B4-BE49-F238E27FC236}">
-                <a16:creationId xmlns:a16="http://schemas.microsoft.com/office/drawing/2014/main" id="{AA265AF7-B6FC-69E3-F4E9-CD8519F62ED5}"/>
-              </a:ext>
-            </a:extLst>
-          </p:cNvPr>
-          <p:cNvPicPr>
-            <a:picLocks noChangeAspect="1"/>
-          </p:cNvPicPr>
-          <p:nvPr/>
-        </p:nvPicPr>
-        <p:blipFill>
-          <a:blip r:embed="rId5">
-            <a:extLst>
-              <a:ext uri="{28A0092B-C50C-407E-A947-70E740481C1C}">
-                <a14:useLocalDpi xmlns:a14="http://schemas.microsoft.com/office/drawing/2010/main" val="0"/>
-              </a:ext>
-            </a:extLst>
-          </a:blip>
-          <a:stretch>
-            <a:fillRect/>
-          </a:stretch>
-        </p:blipFill>
-        <p:spPr>
-          <a:xfrm>
-            <a:off x="8682161" y="2001767"/>
-            <a:ext cx="2671639" cy="2854466"/>
-          </a:xfrm>
-          <a:prstGeom prst="rect">
-            <a:avLst/>
-          </a:prstGeom>
-        </p:spPr>
-      </p:pic>
+              <a:t>, </a:t>
+            </a:r>
+            <a:r>
+              <a:rPr lang="en-US" sz="2400" i="1"/>
+              <a:t>standing up</a:t>
+            </a:r>
+            <a:r>
+              <a:rPr lang="en-US" sz="2400"/>
+              <a:t>, </a:t>
+            </a:r>
+            <a:r>
+              <a:rPr lang="en-US" sz="2400" i="1"/>
+              <a:t>laying down</a:t>
+            </a:r>
+            <a:r>
+              <a:rPr lang="en-US" sz="2400"/>
+              <a:t>, etc., among most common sports.</a:t>
+            </a:r>
+          </a:p>
+          <a:p>
+            <a:pPr marL="285750" indent="-285750">
+              <a:spcBef>
+                <a:spcPts val="1200"/>
+              </a:spcBef>
+              <a:buFont typeface="Courier New" panose="02070309020205020404" pitchFamily="49" charset="0"/>
+              <a:buChar char="o"/>
+            </a:pPr>
+            <a:r>
+              <a:rPr lang="en-US" sz="2400"/>
+              <a:t>Classification tasks have been conducted using wide variety of CML and Neural Network models</a:t>
+            </a:r>
+          </a:p>
+        </p:txBody>
+      </p:sp>
     </p:spTree>
     <p:extLst>
       <p:ext uri="{BB962C8B-B14F-4D97-AF65-F5344CB8AC3E}">
-        <p14:creationId xmlns:p14="http://schemas.microsoft.com/office/powerpoint/2010/main" val="1742448173"/>
+        <p14:creationId xmlns:p14="http://schemas.microsoft.com/office/powerpoint/2010/main" val="3846058832"/>
       </p:ext>
     </p:extLst>
   </p:cSld>
@@ -10262,6 +10374,383 @@
 </file>
 
 <file path=ppt/slides/slide3.xml><?xml version="1.0" encoding="utf-8"?>
+<p:sld xmlns:a="http://schemas.openxmlformats.org/drawingml/2006/main" xmlns:r="http://schemas.openxmlformats.org/officeDocument/2006/relationships" xmlns:p="http://schemas.openxmlformats.org/presentationml/2006/main">
+  <p:cSld>
+    <p:spTree>
+      <p:nvGrpSpPr>
+        <p:cNvPr id="1" name=""/>
+        <p:cNvGrpSpPr/>
+        <p:nvPr/>
+      </p:nvGrpSpPr>
+      <p:grpSpPr>
+        <a:xfrm>
+          <a:off x="0" y="0"/>
+          <a:ext cx="0" cy="0"/>
+          <a:chOff x="0" y="0"/>
+          <a:chExt cx="0" cy="0"/>
+        </a:xfrm>
+      </p:grpSpPr>
+      <p:graphicFrame>
+        <p:nvGraphicFramePr>
+          <p:cNvPr id="12" name="Объект 11"/>
+          <p:cNvGraphicFramePr>
+            <a:graphicFrameLocks noChangeAspect="1"/>
+          </p:cNvGraphicFramePr>
+          <p:nvPr/>
+        </p:nvGraphicFramePr>
+        <p:xfrm>
+          <a:off x="10289848" y="216259"/>
+          <a:ext cx="1282735" cy="446617"/>
+        </p:xfrm>
+        <a:graphic>
+          <a:graphicData uri="http://schemas.openxmlformats.org/presentationml/2006/ole">
+            <mc:AlternateContent xmlns:mc="http://schemas.openxmlformats.org/markup-compatibility/2006">
+              <mc:Choice xmlns:v="urn:schemas-microsoft-com:vml" Requires="v">
+                <p:oleObj name="CorelDRAW" r:id="rId3" imgW="2566457" imgH="894201" progId="CorelDraw.Graphic.22">
+                  <p:embed/>
+                </p:oleObj>
+              </mc:Choice>
+              <mc:Fallback>
+                <p:oleObj name="CorelDRAW" r:id="rId3" imgW="2566457" imgH="894201" progId="CorelDraw.Graphic.22">
+                  <p:embed/>
+                  <p:pic>
+                    <p:nvPicPr>
+                      <p:cNvPr id="12" name="Объект 11"/>
+                      <p:cNvPicPr/>
+                      <p:nvPr/>
+                    </p:nvPicPr>
+                    <p:blipFill>
+                      <a:blip r:embed="rId4"/>
+                      <a:stretch>
+                        <a:fillRect/>
+                      </a:stretch>
+                    </p:blipFill>
+                    <p:spPr>
+                      <a:xfrm>
+                        <a:off x="10289848" y="216259"/>
+                        <a:ext cx="1282735" cy="446617"/>
+                      </a:xfrm>
+                      <a:prstGeom prst="rect">
+                        <a:avLst/>
+                      </a:prstGeom>
+                    </p:spPr>
+                  </p:pic>
+                </p:oleObj>
+              </mc:Fallback>
+            </mc:AlternateContent>
+          </a:graphicData>
+        </a:graphic>
+      </p:graphicFrame>
+      <p:sp>
+        <p:nvSpPr>
+          <p:cNvPr id="9" name="Прямоугольник 8"/>
+          <p:cNvSpPr/>
+          <p:nvPr/>
+        </p:nvSpPr>
+        <p:spPr>
+          <a:xfrm>
+            <a:off x="986118" y="756621"/>
+            <a:ext cx="10586465" cy="21600"/>
+          </a:xfrm>
+          <a:prstGeom prst="rect">
+            <a:avLst/>
+          </a:prstGeom>
+          <a:solidFill>
+            <a:srgbClr val="0070C0"/>
+          </a:solidFill>
+          <a:ln>
+            <a:noFill/>
+          </a:ln>
+        </p:spPr>
+        <p:style>
+          <a:lnRef idx="2">
+            <a:schemeClr val="accent1">
+              <a:shade val="50000"/>
+            </a:schemeClr>
+          </a:lnRef>
+          <a:fillRef idx="1">
+            <a:schemeClr val="accent1"/>
+          </a:fillRef>
+          <a:effectRef idx="0">
+            <a:schemeClr val="accent1"/>
+          </a:effectRef>
+          <a:fontRef idx="minor">
+            <a:schemeClr val="lt1"/>
+          </a:fontRef>
+        </p:style>
+        <p:txBody>
+          <a:bodyPr rtlCol="0" anchor="ctr"/>
+          <a:lstStyle/>
+          <a:p>
+            <a:pPr algn="ctr"/>
+            <a:endParaRPr lang="ru-RU" dirty="0">
+              <a:solidFill>
+                <a:srgbClr val="7030A0"/>
+              </a:solidFill>
+            </a:endParaRPr>
+          </a:p>
+        </p:txBody>
+      </p:sp>
+      <p:pic>
+        <p:nvPicPr>
+          <p:cNvPr id="10" name="Рисунок 9"/>
+          <p:cNvPicPr>
+            <a:picLocks noChangeAspect="1"/>
+          </p:cNvPicPr>
+          <p:nvPr/>
+        </p:nvPicPr>
+        <p:blipFill>
+          <a:blip r:embed="rId5" cstate="print">
+            <a:extLst>
+              <a:ext uri="{28A0092B-C50C-407E-A947-70E740481C1C}">
+                <a14:useLocalDpi xmlns:a14="http://schemas.microsoft.com/office/drawing/2010/main" val="0"/>
+              </a:ext>
+            </a:extLst>
+          </a:blip>
+          <a:stretch>
+            <a:fillRect/>
+          </a:stretch>
+        </p:blipFill>
+        <p:spPr>
+          <a:xfrm>
+            <a:off x="653795" y="228173"/>
+            <a:ext cx="917722" cy="434968"/>
+          </a:xfrm>
+          <a:prstGeom prst="rect">
+            <a:avLst/>
+          </a:prstGeom>
+        </p:spPr>
+      </p:pic>
+      <p:sp>
+        <p:nvSpPr>
+          <p:cNvPr id="3" name="TextBox 2">
+            <a:extLst>
+              <a:ext uri="{FF2B5EF4-FFF2-40B4-BE49-F238E27FC236}">
+                <a16:creationId xmlns:a16="http://schemas.microsoft.com/office/drawing/2014/main" id="{17FE94F6-7284-801F-F817-E8DCCB9E7C76}"/>
+              </a:ext>
+            </a:extLst>
+          </p:cNvPr>
+          <p:cNvSpPr txBox="1"/>
+          <p:nvPr/>
+        </p:nvSpPr>
+        <p:spPr>
+          <a:xfrm>
+            <a:off x="986118" y="959224"/>
+            <a:ext cx="10586465" cy="584775"/>
+          </a:xfrm>
+          <a:prstGeom prst="rect">
+            <a:avLst/>
+          </a:prstGeom>
+          <a:noFill/>
+        </p:spPr>
+        <p:txBody>
+          <a:bodyPr wrap="square" rtlCol="0">
+            <a:spAutoFit/>
+          </a:bodyPr>
+          <a:lstStyle/>
+          <a:p>
+            <a:r>
+              <a:rPr lang="en-US" sz="3200">
+                <a:latin typeface="Congenial SemiBold" panose="020B0604020202020204" pitchFamily="2" charset="0"/>
+                <a:ea typeface="Open Sans" panose="020B0606030504020204" pitchFamily="34" charset="0"/>
+                <a:cs typeface="Aldhabi" panose="020B0604020202020204" pitchFamily="2" charset="-78"/>
+              </a:rPr>
+              <a:t>Study objectives</a:t>
+            </a:r>
+          </a:p>
+        </p:txBody>
+      </p:sp>
+      <p:sp>
+        <p:nvSpPr>
+          <p:cNvPr id="2" name="Date Placeholder 1">
+            <a:extLst>
+              <a:ext uri="{FF2B5EF4-FFF2-40B4-BE49-F238E27FC236}">
+                <a16:creationId xmlns:a16="http://schemas.microsoft.com/office/drawing/2014/main" id="{EB02F77F-74BC-BCB1-5987-ED5AE5D4943F}"/>
+              </a:ext>
+            </a:extLst>
+          </p:cNvPr>
+          <p:cNvSpPr>
+            <a:spLocks noGrp="1"/>
+          </p:cNvSpPr>
+          <p:nvPr>
+            <p:ph type="dt" sz="half" idx="10"/>
+          </p:nvPr>
+        </p:nvSpPr>
+        <p:spPr/>
+        <p:txBody>
+          <a:bodyPr/>
+          <a:lstStyle/>
+          <a:p>
+            <a:fld id="{F249EF62-E19B-443C-A2DB-0A5C652EE9F3}" type="datetime3">
+              <a:rPr lang="en-US" smtClean="0"/>
+              <a:t>31 May 2023</a:t>
+            </a:fld>
+            <a:endParaRPr lang="en-US"/>
+          </a:p>
+        </p:txBody>
+      </p:sp>
+      <p:sp>
+        <p:nvSpPr>
+          <p:cNvPr id="4" name="Footer Placeholder 3">
+            <a:extLst>
+              <a:ext uri="{FF2B5EF4-FFF2-40B4-BE49-F238E27FC236}">
+                <a16:creationId xmlns:a16="http://schemas.microsoft.com/office/drawing/2014/main" id="{AEBF98B1-B2ED-ACFF-8979-3F0C04054977}"/>
+              </a:ext>
+            </a:extLst>
+          </p:cNvPr>
+          <p:cNvSpPr>
+            <a:spLocks noGrp="1"/>
+          </p:cNvSpPr>
+          <p:nvPr>
+            <p:ph type="ftr" sz="quarter" idx="11"/>
+          </p:nvPr>
+        </p:nvSpPr>
+        <p:spPr/>
+        <p:txBody>
+          <a:bodyPr/>
+          <a:lstStyle/>
+          <a:p>
+            <a:r>
+              <a:rPr lang="en-US"/>
+              <a:t>Sport Activity Classification - Jarno Matarmaa</a:t>
+            </a:r>
+          </a:p>
+        </p:txBody>
+      </p:sp>
+      <p:sp>
+        <p:nvSpPr>
+          <p:cNvPr id="5" name="Slide Number Placeholder 4">
+            <a:extLst>
+              <a:ext uri="{FF2B5EF4-FFF2-40B4-BE49-F238E27FC236}">
+                <a16:creationId xmlns:a16="http://schemas.microsoft.com/office/drawing/2014/main" id="{978200C0-350D-1C22-C57D-7BB4898CBF79}"/>
+              </a:ext>
+            </a:extLst>
+          </p:cNvPr>
+          <p:cNvSpPr>
+            <a:spLocks noGrp="1"/>
+          </p:cNvSpPr>
+          <p:nvPr>
+            <p:ph type="sldNum" sz="quarter" idx="12"/>
+          </p:nvPr>
+        </p:nvSpPr>
+        <p:spPr/>
+        <p:txBody>
+          <a:bodyPr/>
+          <a:lstStyle/>
+          <a:p>
+            <a:fld id="{ED30651D-D783-46EC-BC0A-06F8BEAECD3E}" type="slidenum">
+              <a:rPr lang="en-US" smtClean="0"/>
+              <a:t>3</a:t>
+            </a:fld>
+            <a:endParaRPr lang="en-US"/>
+          </a:p>
+        </p:txBody>
+      </p:sp>
+      <p:sp>
+        <p:nvSpPr>
+          <p:cNvPr id="7" name="TextBox 6">
+            <a:extLst>
+              <a:ext uri="{FF2B5EF4-FFF2-40B4-BE49-F238E27FC236}">
+                <a16:creationId xmlns:a16="http://schemas.microsoft.com/office/drawing/2014/main" id="{29402827-BF37-256A-321E-FD2AB92A0424}"/>
+              </a:ext>
+            </a:extLst>
+          </p:cNvPr>
+          <p:cNvSpPr txBox="1"/>
+          <p:nvPr/>
+        </p:nvSpPr>
+        <p:spPr>
+          <a:xfrm>
+            <a:off x="986118" y="1864658"/>
+            <a:ext cx="10586465" cy="2985433"/>
+          </a:xfrm>
+          <a:prstGeom prst="rect">
+            <a:avLst/>
+          </a:prstGeom>
+          <a:noFill/>
+        </p:spPr>
+        <p:txBody>
+          <a:bodyPr wrap="square">
+            <a:spAutoFit/>
+          </a:bodyPr>
+          <a:lstStyle/>
+          <a:p>
+            <a:pPr marL="285750" indent="-285750">
+              <a:spcBef>
+                <a:spcPts val="600"/>
+              </a:spcBef>
+              <a:buFont typeface="Courier New" panose="02070309020205020404" pitchFamily="49" charset="0"/>
+              <a:buChar char="o"/>
+            </a:pPr>
+            <a:r>
+              <a:rPr lang="en-US" sz="2400"/>
+              <a:t>Providing alternative method for SAC</a:t>
+            </a:r>
+          </a:p>
+          <a:p>
+            <a:pPr marL="285750" indent="-285750">
+              <a:spcBef>
+                <a:spcPts val="600"/>
+              </a:spcBef>
+              <a:buFont typeface="Courier New" panose="02070309020205020404" pitchFamily="49" charset="0"/>
+              <a:buChar char="o"/>
+            </a:pPr>
+            <a:r>
+              <a:rPr lang="en-US" sz="2400"/>
+              <a:t>Classifying sport activities from the extracted sensor features when original sensor data is not available</a:t>
+            </a:r>
+          </a:p>
+          <a:p>
+            <a:pPr marL="285750" indent="-285750">
+              <a:spcBef>
+                <a:spcPts val="600"/>
+              </a:spcBef>
+              <a:buFont typeface="Courier New" panose="02070309020205020404" pitchFamily="49" charset="0"/>
+              <a:buChar char="o"/>
+            </a:pPr>
+            <a:r>
+              <a:rPr lang="en-US" sz="2400"/>
+              <a:t>Investigating the effect on accuracy when using different data structure and data types</a:t>
+            </a:r>
+          </a:p>
+          <a:p>
+            <a:pPr marL="285750" indent="-285750">
+              <a:spcBef>
+                <a:spcPts val="600"/>
+              </a:spcBef>
+              <a:buFont typeface="Courier New" panose="02070309020205020404" pitchFamily="49" charset="0"/>
+              <a:buChar char="o"/>
+            </a:pPr>
+            <a:r>
+              <a:rPr lang="en-US" sz="2400"/>
+              <a:t>Reach a competitive level of accuracy with previous HAR studies</a:t>
+            </a:r>
+          </a:p>
+          <a:p>
+            <a:pPr marL="285750" indent="-285750">
+              <a:spcBef>
+                <a:spcPts val="600"/>
+              </a:spcBef>
+              <a:buFont typeface="Courier New" panose="02070309020205020404" pitchFamily="49" charset="0"/>
+              <a:buChar char="o"/>
+            </a:pPr>
+            <a:endParaRPr lang="en-US" sz="2400"/>
+          </a:p>
+        </p:txBody>
+      </p:sp>
+    </p:spTree>
+    <p:extLst>
+      <p:ext uri="{BB962C8B-B14F-4D97-AF65-F5344CB8AC3E}">
+        <p14:creationId xmlns:p14="http://schemas.microsoft.com/office/powerpoint/2010/main" val="3615194922"/>
+      </p:ext>
+    </p:extLst>
+  </p:cSld>
+  <p:clrMapOvr>
+    <a:masterClrMapping/>
+  </p:clrMapOvr>
+</p:sld>
+</file>
+
+<file path=ppt/slides/slide4.xml><?xml version="1.0" encoding="utf-8"?>
 <p:sld xmlns:a="http://schemas.openxmlformats.org/drawingml/2006/main" xmlns:r="http://schemas.openxmlformats.org/officeDocument/2006/relationships" xmlns:p="http://schemas.openxmlformats.org/presentationml/2006/main">
   <p:cSld>
     <p:spTree>
@@ -10443,17 +10932,17 @@
                 <a:ea typeface="Open Sans" panose="020B0606030504020204" pitchFamily="34" charset="0"/>
                 <a:cs typeface="Aldhabi" panose="020B0604020202020204" pitchFamily="2" charset="-78"/>
               </a:rPr>
-              <a:t>Current level and methods of problem solving</a:t>
-            </a:r>
-          </a:p>
-        </p:txBody>
-      </p:sp>
-      <p:sp>
-        <p:nvSpPr>
-          <p:cNvPr id="2" name="Date Placeholder 1">
-            <a:extLst>
-              <a:ext uri="{FF2B5EF4-FFF2-40B4-BE49-F238E27FC236}">
-                <a16:creationId xmlns:a16="http://schemas.microsoft.com/office/drawing/2014/main" id="{713266AF-F834-6D3A-BBBF-3EB246BBCC71}"/>
+              <a:t>The relevance of the study</a:t>
+            </a:r>
+          </a:p>
+        </p:txBody>
+      </p:sp>
+      <p:sp>
+        <p:nvSpPr>
+          <p:cNvPr id="5" name="Date Placeholder 4">
+            <a:extLst>
+              <a:ext uri="{FF2B5EF4-FFF2-40B4-BE49-F238E27FC236}">
+                <a16:creationId xmlns:a16="http://schemas.microsoft.com/office/drawing/2014/main" id="{42A68D0A-498B-3C8A-D3E8-6E024F71184B}"/>
               </a:ext>
             </a:extLst>
           </p:cNvPr>
@@ -10469,9 +10958,9 @@
           <a:bodyPr/>
           <a:lstStyle/>
           <a:p>
-            <a:fld id="{BE76119F-4415-4407-9B12-CFDE4CE93506}" type="datetime3">
+            <a:fld id="{F1137A66-BD1F-483D-BAB2-2B11C22916DC}" type="datetime3">
               <a:rPr lang="en-US" smtClean="0"/>
-              <a:t>29 May 2023</a:t>
+              <a:t>31 May 2023</a:t>
             </a:fld>
             <a:endParaRPr lang="en-US"/>
           </a:p>
@@ -10479,10 +10968,10 @@
       </p:sp>
       <p:sp>
         <p:nvSpPr>
-          <p:cNvPr id="4" name="Footer Placeholder 3">
-            <a:extLst>
-              <a:ext uri="{FF2B5EF4-FFF2-40B4-BE49-F238E27FC236}">
-                <a16:creationId xmlns:a16="http://schemas.microsoft.com/office/drawing/2014/main" id="{1F31AF30-DE75-279F-FA51-443ABB565CE5}"/>
+          <p:cNvPr id="6" name="Footer Placeholder 5">
+            <a:extLst>
+              <a:ext uri="{FF2B5EF4-FFF2-40B4-BE49-F238E27FC236}">
+                <a16:creationId xmlns:a16="http://schemas.microsoft.com/office/drawing/2014/main" id="{359D75D5-F3E7-AB23-398F-ACCDD40D2C5D}"/>
               </a:ext>
             </a:extLst>
           </p:cNvPr>
@@ -10507,10 +10996,10 @@
       </p:sp>
       <p:sp>
         <p:nvSpPr>
-          <p:cNvPr id="5" name="Slide Number Placeholder 4">
-            <a:extLst>
-              <a:ext uri="{FF2B5EF4-FFF2-40B4-BE49-F238E27FC236}">
-                <a16:creationId xmlns:a16="http://schemas.microsoft.com/office/drawing/2014/main" id="{BB217FAE-10C2-9D5B-9719-6EF654B02F65}"/>
+          <p:cNvPr id="7" name="Slide Number Placeholder 6">
+            <a:extLst>
+              <a:ext uri="{FF2B5EF4-FFF2-40B4-BE49-F238E27FC236}">
+                <a16:creationId xmlns:a16="http://schemas.microsoft.com/office/drawing/2014/main" id="{F23D9BFB-F8A0-6F0E-FE9C-CEBDDE97CA04}"/>
               </a:ext>
             </a:extLst>
           </p:cNvPr>
@@ -10528,7 +11017,7 @@
           <a:p>
             <a:fld id="{ED30651D-D783-46EC-BC0A-06F8BEAECD3E}" type="slidenum">
               <a:rPr lang="en-US" smtClean="0"/>
-              <a:t>3</a:t>
+              <a:t>4</a:t>
             </a:fld>
             <a:endParaRPr lang="en-US"/>
           </a:p>
@@ -10536,10 +11025,10 @@
       </p:sp>
       <p:sp>
         <p:nvSpPr>
-          <p:cNvPr id="6" name="TextBox 5">
-            <a:extLst>
-              <a:ext uri="{FF2B5EF4-FFF2-40B4-BE49-F238E27FC236}">
-                <a16:creationId xmlns:a16="http://schemas.microsoft.com/office/drawing/2014/main" id="{A0D9EB1E-E665-B040-688B-D6AFED4ABB06}"/>
+          <p:cNvPr id="8" name="TextBox 7">
+            <a:extLst>
+              <a:ext uri="{FF2B5EF4-FFF2-40B4-BE49-F238E27FC236}">
+                <a16:creationId xmlns:a16="http://schemas.microsoft.com/office/drawing/2014/main" id="{90DD691F-BB5A-E7C2-D515-16E83FC3E97F}"/>
               </a:ext>
             </a:extLst>
           </p:cNvPr>
@@ -10548,8 +11037,8 @@
         </p:nvSpPr>
         <p:spPr>
           <a:xfrm>
-            <a:off x="986117" y="1866903"/>
-            <a:ext cx="10586465" cy="3508653"/>
+            <a:off x="986118" y="1855694"/>
+            <a:ext cx="7624482" cy="3354765"/>
           </a:xfrm>
           <a:prstGeom prst="rect">
             <a:avLst/>
@@ -10571,23 +11060,7 @@
             </a:pPr>
             <a:r>
               <a:rPr lang="en-US" sz="2400"/>
-              <a:t>Human Activity Recognition (HAR) is well studied area in recent years, achieving average accuracies of </a:t>
-            </a:r>
-            <a:r>
-              <a:rPr lang="en-US" sz="2400" b="1"/>
-              <a:t>92</a:t>
-            </a:r>
-            <a:r>
-              <a:rPr lang="en-US" sz="2400"/>
-              <a:t> % (</a:t>
-            </a:r>
-            <a:r>
-              <a:rPr lang="en-US" sz="2400" i="1"/>
-              <a:t>Demrozi et al., 2020</a:t>
-            </a:r>
-            <a:r>
-              <a:rPr lang="en-US" sz="2400"/>
-              <a:t>).</a:t>
+              <a:t>The daily usage of activity trackers, sport watches, and other devices to record daily and sport activities has increased tremendously in past ten years</a:t>
             </a:r>
           </a:p>
           <a:p>
@@ -10600,15 +11073,15 @@
             </a:pPr>
             <a:r>
               <a:rPr lang="en-US" sz="2400"/>
-              <a:t>Traditional HAR studies are conducted using inertial sensor data (</a:t>
+              <a:t>The main reasons are the development of battery technology and small size hardware with a low energy consumption</a:t>
             </a:r>
             <a:r>
               <a:rPr lang="en-US" sz="2400" i="1"/>
-              <a:t>basically, a set of 3-dimensional (x,y,z) accelerometer sensors</a:t>
+              <a:t> </a:t>
             </a:r>
             <a:r>
               <a:rPr lang="en-US" sz="2400"/>
-              <a:t>)</a:t>
+              <a:t>such as LED displays</a:t>
             </a:r>
           </a:p>
           <a:p>
@@ -10621,189 +11094,27 @@
             </a:pPr>
             <a:r>
               <a:rPr lang="en-US" sz="2400"/>
-              <a:t>Amount of activity types varies from 5 to 20, containing </a:t>
-            </a:r>
-            <a:r>
-              <a:rPr lang="en-US" sz="2400" i="1"/>
-              <a:t>sitting down</a:t>
-            </a:r>
-            <a:r>
-              <a:rPr lang="en-US" sz="2400"/>
-              <a:t>, </a:t>
-            </a:r>
-            <a:r>
-              <a:rPr lang="en-US" sz="2400" i="1"/>
-              <a:t>standing up</a:t>
-            </a:r>
-            <a:r>
-              <a:rPr lang="en-US" sz="2400"/>
-              <a:t>, </a:t>
-            </a:r>
-            <a:r>
-              <a:rPr lang="en-US" sz="2400" i="1"/>
-              <a:t>laying down</a:t>
-            </a:r>
-            <a:r>
-              <a:rPr lang="en-US" sz="2400"/>
-              <a:t>, etc., among most common sports.</a:t>
-            </a:r>
-          </a:p>
-          <a:p>
-            <a:pPr marL="285750" indent="-285750">
-              <a:spcBef>
-                <a:spcPts val="1200"/>
-              </a:spcBef>
-              <a:buFont typeface="Courier New" panose="02070309020205020404" pitchFamily="49" charset="0"/>
-              <a:buChar char="o"/>
-            </a:pPr>
-            <a:r>
-              <a:rPr lang="en-US" sz="2400"/>
-              <a:t>Classification tasks have been conducted using wide variety of CML and Neural Network models</a:t>
-            </a:r>
-          </a:p>
-        </p:txBody>
-      </p:sp>
-    </p:spTree>
-    <p:extLst>
-      <p:ext uri="{BB962C8B-B14F-4D97-AF65-F5344CB8AC3E}">
-        <p14:creationId xmlns:p14="http://schemas.microsoft.com/office/powerpoint/2010/main" val="3846058832"/>
-      </p:ext>
-    </p:extLst>
-  </p:cSld>
-  <p:clrMapOvr>
-    <a:masterClrMapping/>
-  </p:clrMapOvr>
-</p:sld>
-</file>
-
-<file path=ppt/slides/slide4.xml><?xml version="1.0" encoding="utf-8"?>
-<p:sld xmlns:a="http://schemas.openxmlformats.org/drawingml/2006/main" xmlns:r="http://schemas.openxmlformats.org/officeDocument/2006/relationships" xmlns:p="http://schemas.openxmlformats.org/presentationml/2006/main">
-  <p:cSld>
-    <p:spTree>
-      <p:nvGrpSpPr>
-        <p:cNvPr id="1" name=""/>
-        <p:cNvGrpSpPr/>
-        <p:nvPr/>
-      </p:nvGrpSpPr>
-      <p:grpSpPr>
-        <a:xfrm>
-          <a:off x="0" y="0"/>
-          <a:ext cx="0" cy="0"/>
-          <a:chOff x="0" y="0"/>
-          <a:chExt cx="0" cy="0"/>
-        </a:xfrm>
-      </p:grpSpPr>
-      <p:graphicFrame>
-        <p:nvGraphicFramePr>
-          <p:cNvPr id="12" name="Объект 11"/>
-          <p:cNvGraphicFramePr>
-            <a:graphicFrameLocks noChangeAspect="1"/>
-          </p:cNvGraphicFramePr>
-          <p:nvPr/>
-        </p:nvGraphicFramePr>
-        <p:xfrm>
-          <a:off x="10289848" y="216259"/>
-          <a:ext cx="1282735" cy="446617"/>
-        </p:xfrm>
-        <a:graphic>
-          <a:graphicData uri="http://schemas.openxmlformats.org/presentationml/2006/ole">
-            <mc:AlternateContent xmlns:mc="http://schemas.openxmlformats.org/markup-compatibility/2006">
-              <mc:Choice xmlns:v="urn:schemas-microsoft-com:vml" Requires="v">
-                <p:oleObj name="CorelDRAW" r:id="rId3" imgW="2566457" imgH="894201" progId="CorelDraw.Graphic.22">
-                  <p:embed/>
-                </p:oleObj>
-              </mc:Choice>
-              <mc:Fallback>
-                <p:oleObj name="CorelDRAW" r:id="rId3" imgW="2566457" imgH="894201" progId="CorelDraw.Graphic.22">
-                  <p:embed/>
-                  <p:pic>
-                    <p:nvPicPr>
-                      <p:cNvPr id="12" name="Объект 11"/>
-                      <p:cNvPicPr/>
-                      <p:nvPr/>
-                    </p:nvPicPr>
-                    <p:blipFill>
-                      <a:blip r:embed="rId4"/>
-                      <a:stretch>
-                        <a:fillRect/>
-                      </a:stretch>
-                    </p:blipFill>
-                    <p:spPr>
-                      <a:xfrm>
-                        <a:off x="10289848" y="216259"/>
-                        <a:ext cx="1282735" cy="446617"/>
-                      </a:xfrm>
-                      <a:prstGeom prst="rect">
-                        <a:avLst/>
-                      </a:prstGeom>
-                    </p:spPr>
-                  </p:pic>
-                </p:oleObj>
-              </mc:Fallback>
-            </mc:AlternateContent>
-          </a:graphicData>
-        </a:graphic>
-      </p:graphicFrame>
-      <p:sp>
-        <p:nvSpPr>
-          <p:cNvPr id="9" name="Прямоугольник 8"/>
-          <p:cNvSpPr/>
-          <p:nvPr/>
-        </p:nvSpPr>
-        <p:spPr>
-          <a:xfrm>
-            <a:off x="986118" y="756621"/>
-            <a:ext cx="10586465" cy="21600"/>
-          </a:xfrm>
-          <a:prstGeom prst="rect">
-            <a:avLst/>
-          </a:prstGeom>
-          <a:solidFill>
-            <a:srgbClr val="0070C0"/>
-          </a:solidFill>
-          <a:ln>
-            <a:noFill/>
-          </a:ln>
-        </p:spPr>
-        <p:style>
-          <a:lnRef idx="2">
-            <a:schemeClr val="accent1">
-              <a:shade val="50000"/>
-            </a:schemeClr>
-          </a:lnRef>
-          <a:fillRef idx="1">
-            <a:schemeClr val="accent1"/>
-          </a:fillRef>
-          <a:effectRef idx="0">
-            <a:schemeClr val="accent1"/>
-          </a:effectRef>
-          <a:fontRef idx="minor">
-            <a:schemeClr val="lt1"/>
-          </a:fontRef>
-        </p:style>
-        <p:txBody>
-          <a:bodyPr rtlCol="0" anchor="ctr"/>
-          <a:lstStyle/>
-          <a:p>
-            <a:pPr algn="ctr"/>
-            <a:endParaRPr lang="ru-RU" dirty="0">
-              <a:solidFill>
-                <a:srgbClr val="7030A0"/>
-              </a:solidFill>
-            </a:endParaRPr>
+              <a:t>Human activity recognition has become a common function and is enabled by several device manufacturers</a:t>
+            </a:r>
           </a:p>
         </p:txBody>
       </p:sp>
       <p:pic>
         <p:nvPicPr>
-          <p:cNvPr id="10" name="Рисунок 9"/>
+          <p:cNvPr id="13" name="Picture 12" descr="A picture containing watch, clock, fashion accessory, everyday carry">
+            <a:extLst>
+              <a:ext uri="{FF2B5EF4-FFF2-40B4-BE49-F238E27FC236}">
+                <a16:creationId xmlns:a16="http://schemas.microsoft.com/office/drawing/2014/main" id="{AA265AF7-B6FC-69E3-F4E9-CD8519F62ED5}"/>
+              </a:ext>
+            </a:extLst>
+          </p:cNvPr>
           <p:cNvPicPr>
             <a:picLocks noChangeAspect="1"/>
           </p:cNvPicPr>
           <p:nvPr/>
         </p:nvPicPr>
         <p:blipFill>
-          <a:blip r:embed="rId5" cstate="print">
+          <a:blip r:embed="rId5">
             <a:extLst>
               <a:ext uri="{28A0092B-C50C-407E-A947-70E740481C1C}">
                 <a14:useLocalDpi xmlns:a14="http://schemas.microsoft.com/office/drawing/2010/main" val="0"/>
@@ -10816,230 +11127,18 @@
         </p:blipFill>
         <p:spPr>
           <a:xfrm>
-            <a:off x="653795" y="228173"/>
-            <a:ext cx="917722" cy="434968"/>
+            <a:off x="8682161" y="2001767"/>
+            <a:ext cx="2671639" cy="2854466"/>
           </a:xfrm>
           <a:prstGeom prst="rect">
             <a:avLst/>
           </a:prstGeom>
         </p:spPr>
       </p:pic>
-      <p:sp>
-        <p:nvSpPr>
-          <p:cNvPr id="3" name="TextBox 2">
-            <a:extLst>
-              <a:ext uri="{FF2B5EF4-FFF2-40B4-BE49-F238E27FC236}">
-                <a16:creationId xmlns:a16="http://schemas.microsoft.com/office/drawing/2014/main" id="{17FE94F6-7284-801F-F817-E8DCCB9E7C76}"/>
-              </a:ext>
-            </a:extLst>
-          </p:cNvPr>
-          <p:cNvSpPr txBox="1"/>
-          <p:nvPr/>
-        </p:nvSpPr>
-        <p:spPr>
-          <a:xfrm>
-            <a:off x="986118" y="959224"/>
-            <a:ext cx="10586465" cy="584775"/>
-          </a:xfrm>
-          <a:prstGeom prst="rect">
-            <a:avLst/>
-          </a:prstGeom>
-          <a:noFill/>
-        </p:spPr>
-        <p:txBody>
-          <a:bodyPr wrap="square" rtlCol="0">
-            <a:spAutoFit/>
-          </a:bodyPr>
-          <a:lstStyle/>
-          <a:p>
-            <a:r>
-              <a:rPr lang="en-US" sz="3200">
-                <a:latin typeface="Congenial SemiBold" panose="020B0604020202020204" pitchFamily="2" charset="0"/>
-                <a:ea typeface="Open Sans" panose="020B0606030504020204" pitchFamily="34" charset="0"/>
-                <a:cs typeface="Aldhabi" panose="020B0604020202020204" pitchFamily="2" charset="-78"/>
-              </a:rPr>
-              <a:t>Study objectives</a:t>
-            </a:r>
-          </a:p>
-        </p:txBody>
-      </p:sp>
-      <p:sp>
-        <p:nvSpPr>
-          <p:cNvPr id="2" name="Date Placeholder 1">
-            <a:extLst>
-              <a:ext uri="{FF2B5EF4-FFF2-40B4-BE49-F238E27FC236}">
-                <a16:creationId xmlns:a16="http://schemas.microsoft.com/office/drawing/2014/main" id="{EB02F77F-74BC-BCB1-5987-ED5AE5D4943F}"/>
-              </a:ext>
-            </a:extLst>
-          </p:cNvPr>
-          <p:cNvSpPr>
-            <a:spLocks noGrp="1"/>
-          </p:cNvSpPr>
-          <p:nvPr>
-            <p:ph type="dt" sz="half" idx="10"/>
-          </p:nvPr>
-        </p:nvSpPr>
-        <p:spPr/>
-        <p:txBody>
-          <a:bodyPr/>
-          <a:lstStyle/>
-          <a:p>
-            <a:fld id="{F249EF62-E19B-443C-A2DB-0A5C652EE9F3}" type="datetime3">
-              <a:rPr lang="en-US" smtClean="0"/>
-              <a:t>29 May 2023</a:t>
-            </a:fld>
-            <a:endParaRPr lang="en-US"/>
-          </a:p>
-        </p:txBody>
-      </p:sp>
-      <p:sp>
-        <p:nvSpPr>
-          <p:cNvPr id="4" name="Footer Placeholder 3">
-            <a:extLst>
-              <a:ext uri="{FF2B5EF4-FFF2-40B4-BE49-F238E27FC236}">
-                <a16:creationId xmlns:a16="http://schemas.microsoft.com/office/drawing/2014/main" id="{AEBF98B1-B2ED-ACFF-8979-3F0C04054977}"/>
-              </a:ext>
-            </a:extLst>
-          </p:cNvPr>
-          <p:cNvSpPr>
-            <a:spLocks noGrp="1"/>
-          </p:cNvSpPr>
-          <p:nvPr>
-            <p:ph type="ftr" sz="quarter" idx="11"/>
-          </p:nvPr>
-        </p:nvSpPr>
-        <p:spPr/>
-        <p:txBody>
-          <a:bodyPr/>
-          <a:lstStyle/>
-          <a:p>
-            <a:r>
-              <a:rPr lang="en-US"/>
-              <a:t>Sport Activity Classification - Jarno Matarmaa</a:t>
-            </a:r>
-          </a:p>
-        </p:txBody>
-      </p:sp>
-      <p:sp>
-        <p:nvSpPr>
-          <p:cNvPr id="5" name="Slide Number Placeholder 4">
-            <a:extLst>
-              <a:ext uri="{FF2B5EF4-FFF2-40B4-BE49-F238E27FC236}">
-                <a16:creationId xmlns:a16="http://schemas.microsoft.com/office/drawing/2014/main" id="{978200C0-350D-1C22-C57D-7BB4898CBF79}"/>
-              </a:ext>
-            </a:extLst>
-          </p:cNvPr>
-          <p:cNvSpPr>
-            <a:spLocks noGrp="1"/>
-          </p:cNvSpPr>
-          <p:nvPr>
-            <p:ph type="sldNum" sz="quarter" idx="12"/>
-          </p:nvPr>
-        </p:nvSpPr>
-        <p:spPr/>
-        <p:txBody>
-          <a:bodyPr/>
-          <a:lstStyle/>
-          <a:p>
-            <a:fld id="{ED30651D-D783-46EC-BC0A-06F8BEAECD3E}" type="slidenum">
-              <a:rPr lang="en-US" smtClean="0"/>
-              <a:t>4</a:t>
-            </a:fld>
-            <a:endParaRPr lang="en-US"/>
-          </a:p>
-        </p:txBody>
-      </p:sp>
-      <p:sp>
-        <p:nvSpPr>
-          <p:cNvPr id="7" name="TextBox 6">
-            <a:extLst>
-              <a:ext uri="{FF2B5EF4-FFF2-40B4-BE49-F238E27FC236}">
-                <a16:creationId xmlns:a16="http://schemas.microsoft.com/office/drawing/2014/main" id="{29402827-BF37-256A-321E-FD2AB92A0424}"/>
-              </a:ext>
-            </a:extLst>
-          </p:cNvPr>
-          <p:cNvSpPr txBox="1"/>
-          <p:nvPr/>
-        </p:nvSpPr>
-        <p:spPr>
-          <a:xfrm>
-            <a:off x="986118" y="1864658"/>
-            <a:ext cx="10586465" cy="2015936"/>
-          </a:xfrm>
-          <a:prstGeom prst="rect">
-            <a:avLst/>
-          </a:prstGeom>
-          <a:noFill/>
-        </p:spPr>
-        <p:txBody>
-          <a:bodyPr wrap="square">
-            <a:spAutoFit/>
-          </a:bodyPr>
-          <a:lstStyle/>
-          <a:p>
-            <a:pPr marL="285750" indent="-285750">
-              <a:spcBef>
-                <a:spcPts val="600"/>
-              </a:spcBef>
-              <a:buFont typeface="Courier New" panose="02070309020205020404" pitchFamily="49" charset="0"/>
-              <a:buChar char="o"/>
-            </a:pPr>
-            <a:r>
-              <a:rPr lang="en-US" sz="2400"/>
-              <a:t>Alternative ways to classify sport activities might be reasonable, for example, all the devices </a:t>
-            </a:r>
-            <a:r>
-              <a:rPr lang="en-US" sz="2400" b="1" i="1"/>
-              <a:t>do not have inertial sensors</a:t>
-            </a:r>
-            <a:r>
-              <a:rPr lang="en-US" sz="2400"/>
-              <a:t>, or such a </a:t>
-            </a:r>
-            <a:r>
-              <a:rPr lang="en-US" sz="2400" b="1" i="1"/>
-              <a:t>data is not available </a:t>
-            </a:r>
-            <a:r>
-              <a:rPr lang="en-US" sz="2400"/>
-              <a:t>for external analysis of third parties.</a:t>
-            </a:r>
-          </a:p>
-          <a:p>
-            <a:pPr marL="285750" indent="-285750">
-              <a:spcBef>
-                <a:spcPts val="600"/>
-              </a:spcBef>
-              <a:buFont typeface="Courier New" panose="02070309020205020404" pitchFamily="49" charset="0"/>
-              <a:buChar char="o"/>
-            </a:pPr>
-            <a:r>
-              <a:rPr lang="en-US" sz="2400"/>
-              <a:t>The purpose of the study is to solve </a:t>
-            </a:r>
-            <a:r>
-              <a:rPr lang="en-US" sz="2400" b="1"/>
-              <a:t>false human sport activity labeling </a:t>
-            </a:r>
-            <a:r>
-              <a:rPr lang="en-US" sz="2400"/>
-              <a:t>problem </a:t>
-            </a:r>
-            <a:r>
-              <a:rPr lang="en-US" sz="2400" b="1"/>
-              <a:t>when inertial sensor data is not available</a:t>
-            </a:r>
-            <a:r>
-              <a:rPr lang="en-US" sz="2400"/>
-              <a:t>.</a:t>
-            </a:r>
-          </a:p>
-        </p:txBody>
-      </p:sp>
     </p:spTree>
     <p:extLst>
       <p:ext uri="{BB962C8B-B14F-4D97-AF65-F5344CB8AC3E}">
-        <p14:creationId xmlns:p14="http://schemas.microsoft.com/office/powerpoint/2010/main" val="3615194922"/>
+        <p14:creationId xmlns:p14="http://schemas.microsoft.com/office/powerpoint/2010/main" val="1742448173"/>
       </p:ext>
     </p:extLst>
   </p:cSld>
@@ -11259,7 +11358,7 @@
           <a:p>
             <a:fld id="{B686A089-D370-4C19-B12A-076293E12BF5}" type="datetime3">
               <a:rPr lang="en-US" smtClean="0"/>
-              <a:t>29 May 2023</a:t>
+              <a:t>31 May 2023</a:t>
             </a:fld>
             <a:endParaRPr lang="en-US"/>
           </a:p>
@@ -11838,7 +11937,7 @@
           <a:p>
             <a:fld id="{98D6F17B-863C-4F17-AB65-141CD3CCD3CD}" type="datetime3">
               <a:rPr lang="en-US" smtClean="0"/>
-              <a:t>29 May 2023</a:t>
+              <a:t>31 May 2023</a:t>
             </a:fld>
             <a:endParaRPr lang="en-US"/>
           </a:p>
@@ -12248,7 +12347,7 @@
           <a:p>
             <a:fld id="{F249EF62-E19B-443C-A2DB-0A5C652EE9F3}" type="datetime3">
               <a:rPr lang="en-US" smtClean="0"/>
-              <a:t>29 May 2023</a:t>
+              <a:t>31 May 2023</a:t>
             </a:fld>
             <a:endParaRPr lang="en-US"/>
           </a:p>
@@ -12777,7 +12876,7 @@
           <a:p>
             <a:fld id="{98D6F17B-863C-4F17-AB65-141CD3CCD3CD}" type="datetime3">
               <a:rPr lang="en-US" smtClean="0"/>
-              <a:t>29 May 2023</a:t>
+              <a:t>31 May 2023</a:t>
             </a:fld>
             <a:endParaRPr lang="en-US"/>
           </a:p>
@@ -13099,7 +13198,7 @@
           <a:p>
             <a:fld id="{75C40E04-F741-4C6B-A82C-FDFC15E2DF24}" type="datetime3">
               <a:rPr lang="en-US" smtClean="0"/>
-              <a:t>29 May 2023</a:t>
+              <a:t>31 May 2023</a:t>
             </a:fld>
             <a:endParaRPr lang="en-US"/>
           </a:p>
@@ -13883,17 +13982,6 @@
 </file>
 
 <file path=customXml/item2.xml><?xml version="1.0" encoding="utf-8"?>
-<p:properties xmlns:p="http://schemas.microsoft.com/office/2006/metadata/properties" xmlns:xsi="http://www.w3.org/2001/XMLSchema-instance" xmlns:pc="http://schemas.microsoft.com/office/infopath/2007/PartnerControls">
-  <documentManagement>
-    <TaxCatchAll xmlns="1d8336b6-4baa-4802-9be8-74f6b763f834" xsi:nil="true"/>
-    <lcf76f155ced4ddcb4097134ff3c332f xmlns="a1e083f3-8d69-47b4-ac5e-a15b59cb8405">
-      <Terms xmlns="http://schemas.microsoft.com/office/infopath/2007/PartnerControls"/>
-    </lcf76f155ced4ddcb4097134ff3c332f>
-  </documentManagement>
-</p:properties>
-</file>
-
-<file path=customXml/item3.xml><?xml version="1.0" encoding="utf-8"?>
 <ct:contentTypeSchema xmlns:ct="http://schemas.microsoft.com/office/2006/metadata/contentType" xmlns:ma="http://schemas.microsoft.com/office/2006/metadata/properties/metaAttributes" ct:_="" ma:_="" ma:contentTypeName="Document" ma:contentTypeID="0x010100F2F1D678B0CF8D49A2FC0A9B73F59F89" ma:contentTypeVersion="13" ma:contentTypeDescription="Create a new document." ma:contentTypeScope="" ma:versionID="ecdef42636693b311b02f900bbc83338">
   <xsd:schema xmlns:xsd="http://www.w3.org/2001/XMLSchema" xmlns:xs="http://www.w3.org/2001/XMLSchema" xmlns:p="http://schemas.microsoft.com/office/2006/metadata/properties" xmlns:ns2="a1e083f3-8d69-47b4-ac5e-a15b59cb8405" xmlns:ns3="1d8336b6-4baa-4802-9be8-74f6b763f834" targetNamespace="http://schemas.microsoft.com/office/2006/metadata/properties" ma:root="true" ma:fieldsID="67bdcb21dda0d7369bc76542ecfe9bf8" ns2:_="" ns3:_="">
     <xsd:import namespace="a1e083f3-8d69-47b4-ac5e-a15b59cb8405"/>
@@ -14116,6 +14204,17 @@
 </ct:contentTypeSchema>
 </file>
 
+<file path=customXml/item3.xml><?xml version="1.0" encoding="utf-8"?>
+<p:properties xmlns:p="http://schemas.microsoft.com/office/2006/metadata/properties" xmlns:xsi="http://www.w3.org/2001/XMLSchema-instance" xmlns:pc="http://schemas.microsoft.com/office/infopath/2007/PartnerControls">
+  <documentManagement>
+    <TaxCatchAll xmlns="1d8336b6-4baa-4802-9be8-74f6b763f834" xsi:nil="true"/>
+    <lcf76f155ced4ddcb4097134ff3c332f xmlns="a1e083f3-8d69-47b4-ac5e-a15b59cb8405">
+      <Terms xmlns="http://schemas.microsoft.com/office/infopath/2007/PartnerControls"/>
+    </lcf76f155ced4ddcb4097134ff3c332f>
+  </documentManagement>
+</p:properties>
+</file>
+
 <file path=customXml/itemProps1.xml><?xml version="1.0" encoding="utf-8"?>
 <ds:datastoreItem xmlns:ds="http://schemas.openxmlformats.org/officeDocument/2006/customXml" ds:itemID="{3C1566CF-2693-4635-AECA-0553C86D72E8}">
   <ds:schemaRefs>
@@ -14125,17 +14224,6 @@
 </file>
 
 <file path=customXml/itemProps2.xml><?xml version="1.0" encoding="utf-8"?>
-<ds:datastoreItem xmlns:ds="http://schemas.openxmlformats.org/officeDocument/2006/customXml" ds:itemID="{EBAD651E-B192-4023-8BF1-0DA1D93B17D4}">
-  <ds:schemaRefs>
-    <ds:schemaRef ds:uri="http://schemas.microsoft.com/office/2006/metadata/properties"/>
-    <ds:schemaRef ds:uri="http://schemas.microsoft.com/office/infopath/2007/PartnerControls"/>
-    <ds:schemaRef ds:uri="1d8336b6-4baa-4802-9be8-74f6b763f834"/>
-    <ds:schemaRef ds:uri="a1e083f3-8d69-47b4-ac5e-a15b59cb8405"/>
-  </ds:schemaRefs>
-</ds:datastoreItem>
-</file>
-
-<file path=customXml/itemProps3.xml><?xml version="1.0" encoding="utf-8"?>
 <ds:datastoreItem xmlns:ds="http://schemas.openxmlformats.org/officeDocument/2006/customXml" ds:itemID="{FDFCC70F-F8BA-4133-86E7-E949317E09A1}">
   <ds:schemaRefs>
     <ds:schemaRef ds:uri="http://schemas.microsoft.com/office/2006/metadata/contentType"/>
@@ -14152,4 +14240,15 @@
     <ds:schemaRef ds:uri="http://schemas.microsoft.com/internal/obd"/>
   </ds:schemaRefs>
 </ds:datastoreItem>
+</file>
+
+<file path=customXml/itemProps3.xml><?xml version="1.0" encoding="utf-8"?>
+<ds:datastoreItem xmlns:ds="http://schemas.openxmlformats.org/officeDocument/2006/customXml" ds:itemID="{EBAD651E-B192-4023-8BF1-0DA1D93B17D4}">
+  <ds:schemaRefs>
+    <ds:schemaRef ds:uri="http://schemas.microsoft.com/office/2006/metadata/properties"/>
+    <ds:schemaRef ds:uri="http://schemas.microsoft.com/office/infopath/2007/PartnerControls"/>
+    <ds:schemaRef ds:uri="1d8336b6-4baa-4802-9be8-74f6b763f834"/>
+    <ds:schemaRef ds:uri="a1e083f3-8d69-47b4-ac5e-a15b59cb8405"/>
+  </ds:schemaRefs>
+</ds:datastoreItem>
 </file>